--- a/図とグラフ.pptx
+++ b/図とグラフ.pptx
@@ -8,13 +8,14 @@
     <p:sldId id="268" r:id="rId2"/>
     <p:sldId id="256" r:id="rId3"/>
     <p:sldId id="257" r:id="rId4"/>
-    <p:sldId id="258" r:id="rId5"/>
-    <p:sldId id="262" r:id="rId6"/>
-    <p:sldId id="266" r:id="rId7"/>
-    <p:sldId id="265" r:id="rId8"/>
-    <p:sldId id="260" r:id="rId9"/>
-    <p:sldId id="259" r:id="rId10"/>
-    <p:sldId id="261" r:id="rId11"/>
+    <p:sldId id="269" r:id="rId5"/>
+    <p:sldId id="258" r:id="rId6"/>
+    <p:sldId id="262" r:id="rId7"/>
+    <p:sldId id="266" r:id="rId8"/>
+    <p:sldId id="265" r:id="rId9"/>
+    <p:sldId id="260" r:id="rId10"/>
+    <p:sldId id="259" r:id="rId11"/>
+    <p:sldId id="261" r:id="rId12"/>
   </p:sldIdLst>
   <p:sldSz cx="12192000" cy="6858000"/>
   <p:notesSz cx="6858000" cy="9144000"/>
@@ -3725,7 +3726,7 @@
           <a:p>
             <a:fld id="{E4504DB8-A61F-4FA2-B642-4D4FA648320B}" type="datetimeFigureOut">
               <a:rPr kumimoji="1" lang="ja-JP" altLang="en-US" smtClean="0"/>
-              <a:t>2019/1/21</a:t>
+              <a:t>2019/2/18</a:t>
             </a:fld>
             <a:endParaRPr kumimoji="1" lang="ja-JP" altLang="en-US"/>
           </a:p>
@@ -3955,7 +3956,7 @@
           <a:p>
             <a:fld id="{E4504DB8-A61F-4FA2-B642-4D4FA648320B}" type="datetimeFigureOut">
               <a:rPr kumimoji="1" lang="ja-JP" altLang="en-US" smtClean="0"/>
-              <a:t>2019/1/21</a:t>
+              <a:t>2019/2/18</a:t>
             </a:fld>
             <a:endParaRPr kumimoji="1" lang="ja-JP" altLang="en-US"/>
           </a:p>
@@ -4195,7 +4196,7 @@
           <a:p>
             <a:fld id="{E4504DB8-A61F-4FA2-B642-4D4FA648320B}" type="datetimeFigureOut">
               <a:rPr kumimoji="1" lang="ja-JP" altLang="en-US" smtClean="0"/>
-              <a:t>2019/1/21</a:t>
+              <a:t>2019/2/18</a:t>
             </a:fld>
             <a:endParaRPr kumimoji="1" lang="ja-JP" altLang="en-US"/>
           </a:p>
@@ -4425,7 +4426,7 @@
           <a:p>
             <a:fld id="{E4504DB8-A61F-4FA2-B642-4D4FA648320B}" type="datetimeFigureOut">
               <a:rPr kumimoji="1" lang="ja-JP" altLang="en-US" smtClean="0"/>
-              <a:t>2019/1/21</a:t>
+              <a:t>2019/2/18</a:t>
             </a:fld>
             <a:endParaRPr kumimoji="1" lang="ja-JP" altLang="en-US"/>
           </a:p>
@@ -4700,7 +4701,7 @@
           <a:p>
             <a:fld id="{E4504DB8-A61F-4FA2-B642-4D4FA648320B}" type="datetimeFigureOut">
               <a:rPr kumimoji="1" lang="ja-JP" altLang="en-US" smtClean="0"/>
-              <a:t>2019/1/21</a:t>
+              <a:t>2019/2/18</a:t>
             </a:fld>
             <a:endParaRPr kumimoji="1" lang="ja-JP" altLang="en-US"/>
           </a:p>
@@ -5029,7 +5030,7 @@
           <a:p>
             <a:fld id="{E4504DB8-A61F-4FA2-B642-4D4FA648320B}" type="datetimeFigureOut">
               <a:rPr kumimoji="1" lang="ja-JP" altLang="en-US" smtClean="0"/>
-              <a:t>2019/1/21</a:t>
+              <a:t>2019/2/18</a:t>
             </a:fld>
             <a:endParaRPr kumimoji="1" lang="ja-JP" altLang="en-US"/>
           </a:p>
@@ -5505,7 +5506,7 @@
           <a:p>
             <a:fld id="{E4504DB8-A61F-4FA2-B642-4D4FA648320B}" type="datetimeFigureOut">
               <a:rPr kumimoji="1" lang="ja-JP" altLang="en-US" smtClean="0"/>
-              <a:t>2019/1/21</a:t>
+              <a:t>2019/2/18</a:t>
             </a:fld>
             <a:endParaRPr kumimoji="1" lang="ja-JP" altLang="en-US"/>
           </a:p>
@@ -5646,7 +5647,7 @@
           <a:p>
             <a:fld id="{E4504DB8-A61F-4FA2-B642-4D4FA648320B}" type="datetimeFigureOut">
               <a:rPr kumimoji="1" lang="ja-JP" altLang="en-US" smtClean="0"/>
-              <a:t>2019/1/21</a:t>
+              <a:t>2019/2/18</a:t>
             </a:fld>
             <a:endParaRPr kumimoji="1" lang="ja-JP" altLang="en-US"/>
           </a:p>
@@ -5759,7 +5760,7 @@
           <a:p>
             <a:fld id="{E4504DB8-A61F-4FA2-B642-4D4FA648320B}" type="datetimeFigureOut">
               <a:rPr kumimoji="1" lang="ja-JP" altLang="en-US" smtClean="0"/>
-              <a:t>2019/1/21</a:t>
+              <a:t>2019/2/18</a:t>
             </a:fld>
             <a:endParaRPr kumimoji="1" lang="ja-JP" altLang="en-US"/>
           </a:p>
@@ -6102,7 +6103,7 @@
           <a:p>
             <a:fld id="{E4504DB8-A61F-4FA2-B642-4D4FA648320B}" type="datetimeFigureOut">
               <a:rPr kumimoji="1" lang="ja-JP" altLang="en-US" smtClean="0"/>
-              <a:t>2019/1/21</a:t>
+              <a:t>2019/2/18</a:t>
             </a:fld>
             <a:endParaRPr kumimoji="1" lang="ja-JP" altLang="en-US"/>
           </a:p>
@@ -6390,7 +6391,7 @@
           <a:p>
             <a:fld id="{E4504DB8-A61F-4FA2-B642-4D4FA648320B}" type="datetimeFigureOut">
               <a:rPr kumimoji="1" lang="ja-JP" altLang="en-US" smtClean="0"/>
-              <a:t>2019/1/21</a:t>
+              <a:t>2019/2/18</a:t>
             </a:fld>
             <a:endParaRPr kumimoji="1" lang="ja-JP" altLang="en-US"/>
           </a:p>
@@ -6663,7 +6664,7 @@
           <a:p>
             <a:fld id="{E4504DB8-A61F-4FA2-B642-4D4FA648320B}" type="datetimeFigureOut">
               <a:rPr kumimoji="1" lang="ja-JP" altLang="en-US" smtClean="0"/>
-              <a:t>2019/1/21</a:t>
+              <a:t>2019/2/18</a:t>
             </a:fld>
             <a:endParaRPr kumimoji="1" lang="ja-JP" altLang="en-US"/>
           </a:p>
@@ -7207,6 +7208,342 @@
       </p:grpSpPr>
       <p:sp>
         <p:nvSpPr>
+          <p:cNvPr id="14" name="楕円 13">
+            <a:extLst>
+              <a:ext uri="{FF2B5EF4-FFF2-40B4-BE49-F238E27FC236}">
+                <a16:creationId xmlns:a16="http://schemas.microsoft.com/office/drawing/2014/main" id="{B04E23A6-FA95-46B1-AD4B-8279B96AD0ED}"/>
+              </a:ext>
+            </a:extLst>
+          </p:cNvPr>
+          <p:cNvSpPr/>
+          <p:nvPr/>
+        </p:nvSpPr>
+        <p:spPr>
+          <a:xfrm>
+            <a:off x="992787" y="1105700"/>
+            <a:ext cx="1369225" cy="1343526"/>
+          </a:xfrm>
+          <a:prstGeom prst="ellipse">
+            <a:avLst/>
+          </a:prstGeom>
+          <a:noFill/>
+        </p:spPr>
+        <p:style>
+          <a:lnRef idx="2">
+            <a:schemeClr val="accent1">
+              <a:shade val="50000"/>
+            </a:schemeClr>
+          </a:lnRef>
+          <a:fillRef idx="1">
+            <a:schemeClr val="accent1"/>
+          </a:fillRef>
+          <a:effectRef idx="0">
+            <a:schemeClr val="accent1"/>
+          </a:effectRef>
+          <a:fontRef idx="minor">
+            <a:schemeClr val="lt1"/>
+          </a:fontRef>
+        </p:style>
+        <p:txBody>
+          <a:bodyPr rtlCol="0" anchor="ctr"/>
+          <a:lstStyle/>
+          <a:p>
+            <a:pPr algn="ctr"/>
+            <a:endParaRPr kumimoji="1" lang="ja-JP" altLang="en-US"/>
+          </a:p>
+        </p:txBody>
+      </p:sp>
+      <p:sp>
+        <p:nvSpPr>
+          <p:cNvPr id="15" name="正方形/長方形 14">
+            <a:extLst>
+              <a:ext uri="{FF2B5EF4-FFF2-40B4-BE49-F238E27FC236}">
+                <a16:creationId xmlns:a16="http://schemas.microsoft.com/office/drawing/2014/main" id="{BA17A39E-B151-4002-8B5C-EF87CB9FA3B3}"/>
+              </a:ext>
+            </a:extLst>
+          </p:cNvPr>
+          <p:cNvSpPr/>
+          <p:nvPr/>
+        </p:nvSpPr>
+        <p:spPr>
+          <a:xfrm>
+            <a:off x="4874976" y="451692"/>
+            <a:ext cx="136735" cy="136735"/>
+          </a:xfrm>
+          <a:prstGeom prst="rect">
+            <a:avLst/>
+          </a:prstGeom>
+        </p:spPr>
+        <p:style>
+          <a:lnRef idx="2">
+            <a:schemeClr val="accent1">
+              <a:shade val="50000"/>
+            </a:schemeClr>
+          </a:lnRef>
+          <a:fillRef idx="1">
+            <a:schemeClr val="accent1"/>
+          </a:fillRef>
+          <a:effectRef idx="0">
+            <a:schemeClr val="accent1"/>
+          </a:effectRef>
+          <a:fontRef idx="minor">
+            <a:schemeClr val="lt1"/>
+          </a:fontRef>
+        </p:style>
+        <p:txBody>
+          <a:bodyPr rtlCol="0" anchor="ctr"/>
+          <a:lstStyle/>
+          <a:p>
+            <a:pPr algn="ctr"/>
+            <a:endParaRPr kumimoji="1" lang="ja-JP" altLang="en-US"/>
+          </a:p>
+        </p:txBody>
+      </p:sp>
+      <p:grpSp>
+        <p:nvGrpSpPr>
+          <p:cNvPr id="4" name="グループ化 3">
+            <a:extLst>
+              <a:ext uri="{FF2B5EF4-FFF2-40B4-BE49-F238E27FC236}">
+                <a16:creationId xmlns:a16="http://schemas.microsoft.com/office/drawing/2014/main" id="{5444319B-107D-4DA2-AF2C-6A46651A8FB3}"/>
+              </a:ext>
+            </a:extLst>
+          </p:cNvPr>
+          <p:cNvGrpSpPr/>
+          <p:nvPr/>
+        </p:nvGrpSpPr>
+        <p:grpSpPr>
+          <a:xfrm>
+            <a:off x="3325364" y="1105700"/>
+            <a:ext cx="3055571" cy="1343526"/>
+            <a:chOff x="3325364" y="1105700"/>
+            <a:chExt cx="3055571" cy="1343526"/>
+          </a:xfrm>
+        </p:grpSpPr>
+        <p:pic>
+          <p:nvPicPr>
+            <p:cNvPr id="9" name="図 8">
+              <a:extLst>
+                <a:ext uri="{FF2B5EF4-FFF2-40B4-BE49-F238E27FC236}">
+                  <a16:creationId xmlns:a16="http://schemas.microsoft.com/office/drawing/2014/main" id="{640BD315-BCAB-4CAE-A911-E2A854904AC4}"/>
+                </a:ext>
+              </a:extLst>
+            </p:cNvPr>
+            <p:cNvPicPr>
+              <a:picLocks noChangeAspect="1"/>
+            </p:cNvPicPr>
+            <p:nvPr/>
+          </p:nvPicPr>
+          <p:blipFill rotWithShape="1">
+            <a:blip r:embed="rId2">
+              <a:extLst>
+                <a:ext uri="{28A0092B-C50C-407E-A947-70E740481C1C}">
+                  <a14:useLocalDpi xmlns:a14="http://schemas.microsoft.com/office/drawing/2010/main" val="0"/>
+                </a:ext>
+              </a:extLst>
+            </a:blip>
+            <a:srcRect l="22004" t="31660" r="22004" b="37436"/>
+            <a:stretch/>
+          </p:blipFill>
+          <p:spPr>
+            <a:xfrm>
+              <a:off x="5011710" y="1105700"/>
+              <a:ext cx="1369225" cy="1343526"/>
+            </a:xfrm>
+            <a:prstGeom prst="ellipse">
+              <a:avLst/>
+            </a:prstGeom>
+            <a:ln w="19050" cap="rnd">
+              <a:solidFill>
+                <a:schemeClr val="tx1"/>
+              </a:solidFill>
+            </a:ln>
+            <a:effectLst/>
+            <a:scene3d>
+              <a:camera prst="orthographicFront"/>
+              <a:lightRig rig="contrasting" dir="t">
+                <a:rot lat="0" lon="0" rev="3000000"/>
+              </a:lightRig>
+            </a:scene3d>
+            <a:sp3d contourW="7620">
+              <a:bevelT w="95250" h="31750"/>
+              <a:contourClr>
+                <a:srgbClr val="333333"/>
+              </a:contourClr>
+            </a:sp3d>
+          </p:spPr>
+        </p:pic>
+        <p:pic>
+          <p:nvPicPr>
+            <p:cNvPr id="5" name="図 4">
+              <a:extLst>
+                <a:ext uri="{FF2B5EF4-FFF2-40B4-BE49-F238E27FC236}">
+                  <a16:creationId xmlns:a16="http://schemas.microsoft.com/office/drawing/2014/main" id="{FE3E59E3-753A-45EF-AA04-62AC657C7D4F}"/>
+                </a:ext>
+              </a:extLst>
+            </p:cNvPr>
+            <p:cNvPicPr>
+              <a:picLocks noChangeAspect="1"/>
+            </p:cNvPicPr>
+            <p:nvPr/>
+          </p:nvPicPr>
+          <p:blipFill rotWithShape="1">
+            <a:blip r:embed="rId3">
+              <a:extLst>
+                <a:ext uri="{28A0092B-C50C-407E-A947-70E740481C1C}">
+                  <a14:useLocalDpi xmlns:a14="http://schemas.microsoft.com/office/drawing/2010/main" val="0"/>
+                </a:ext>
+              </a:extLst>
+            </a:blip>
+            <a:srcRect l="22004" t="31660" r="22004" b="37435"/>
+            <a:stretch/>
+          </p:blipFill>
+          <p:spPr>
+            <a:xfrm>
+              <a:off x="3505751" y="1105700"/>
+              <a:ext cx="1369225" cy="1343526"/>
+            </a:xfrm>
+            <a:prstGeom prst="ellipse">
+              <a:avLst/>
+            </a:prstGeom>
+            <a:ln w="19050" cap="rnd">
+              <a:solidFill>
+                <a:schemeClr val="tx1"/>
+              </a:solidFill>
+            </a:ln>
+            <a:effectLst/>
+            <a:scene3d>
+              <a:camera prst="orthographicFront"/>
+              <a:lightRig rig="contrasting" dir="t">
+                <a:rot lat="0" lon="0" rev="3000000"/>
+              </a:lightRig>
+            </a:scene3d>
+            <a:sp3d contourW="7620">
+              <a:bevelT w="95250" h="31750"/>
+              <a:contourClr>
+                <a:srgbClr val="333333"/>
+              </a:contourClr>
+            </a:sp3d>
+          </p:spPr>
+        </p:pic>
+        <p:sp>
+          <p:nvSpPr>
+            <p:cNvPr id="2" name="テキスト ボックス 1">
+              <a:extLst>
+                <a:ext uri="{FF2B5EF4-FFF2-40B4-BE49-F238E27FC236}">
+                  <a16:creationId xmlns:a16="http://schemas.microsoft.com/office/drawing/2014/main" id="{BB916852-D762-4A75-B591-2D9518BE0A2C}"/>
+                </a:ext>
+              </a:extLst>
+            </p:cNvPr>
+            <p:cNvSpPr txBox="1"/>
+            <p:nvPr/>
+          </p:nvSpPr>
+          <p:spPr>
+            <a:xfrm>
+              <a:off x="3325364" y="1105700"/>
+              <a:ext cx="360774" cy="276999"/>
+            </a:xfrm>
+            <a:prstGeom prst="rect">
+              <a:avLst/>
+            </a:prstGeom>
+            <a:noFill/>
+          </p:spPr>
+          <p:txBody>
+            <a:bodyPr wrap="square" rtlCol="0" anchor="ctr">
+              <a:spAutoFit/>
+            </a:bodyPr>
+            <a:lstStyle/>
+            <a:p>
+              <a:pPr algn="ctr"/>
+              <a:r>
+                <a:rPr kumimoji="1" lang="en-US" altLang="ja-JP" sz="1200" dirty="0">
+                  <a:latin typeface="Times New Roman" panose="02020603050405020304" pitchFamily="18" charset="0"/>
+                  <a:cs typeface="Times New Roman" panose="02020603050405020304" pitchFamily="18" charset="0"/>
+                </a:rPr>
+                <a:t>(a)</a:t>
+              </a:r>
+              <a:endParaRPr kumimoji="1" lang="ja-JP" altLang="en-US" sz="1200" dirty="0">
+                <a:latin typeface="Times New Roman" panose="02020603050405020304" pitchFamily="18" charset="0"/>
+                <a:cs typeface="Times New Roman" panose="02020603050405020304" pitchFamily="18" charset="0"/>
+              </a:endParaRPr>
+            </a:p>
+          </p:txBody>
+        </p:sp>
+        <p:sp>
+          <p:nvSpPr>
+            <p:cNvPr id="12" name="テキスト ボックス 11">
+              <a:extLst>
+                <a:ext uri="{FF2B5EF4-FFF2-40B4-BE49-F238E27FC236}">
+                  <a16:creationId xmlns:a16="http://schemas.microsoft.com/office/drawing/2014/main" id="{4A0264EA-23C0-4E03-B721-76A6A6A3E526}"/>
+                </a:ext>
+              </a:extLst>
+            </p:cNvPr>
+            <p:cNvSpPr txBox="1"/>
+            <p:nvPr/>
+          </p:nvSpPr>
+          <p:spPr>
+            <a:xfrm>
+              <a:off x="4831324" y="1105700"/>
+              <a:ext cx="360774" cy="276999"/>
+            </a:xfrm>
+            <a:prstGeom prst="rect">
+              <a:avLst/>
+            </a:prstGeom>
+            <a:noFill/>
+          </p:spPr>
+          <p:txBody>
+            <a:bodyPr wrap="square" rtlCol="0" anchor="ctr">
+              <a:spAutoFit/>
+            </a:bodyPr>
+            <a:lstStyle/>
+            <a:p>
+              <a:pPr algn="ctr"/>
+              <a:r>
+                <a:rPr kumimoji="1" lang="en-US" altLang="ja-JP" sz="1200" dirty="0">
+                  <a:latin typeface="Times New Roman" panose="02020603050405020304" pitchFamily="18" charset="0"/>
+                  <a:cs typeface="Times New Roman" panose="02020603050405020304" pitchFamily="18" charset="0"/>
+                </a:rPr>
+                <a:t>(b)</a:t>
+              </a:r>
+              <a:endParaRPr kumimoji="1" lang="ja-JP" altLang="en-US" sz="1200" dirty="0">
+                <a:latin typeface="Times New Roman" panose="02020603050405020304" pitchFamily="18" charset="0"/>
+                <a:cs typeface="Times New Roman" panose="02020603050405020304" pitchFamily="18" charset="0"/>
+              </a:endParaRPr>
+            </a:p>
+          </p:txBody>
+        </p:sp>
+      </p:grpSp>
+    </p:spTree>
+    <p:extLst>
+      <p:ext uri="{BB962C8B-B14F-4D97-AF65-F5344CB8AC3E}">
+        <p14:creationId xmlns:p14="http://schemas.microsoft.com/office/powerpoint/2010/main" val="679669143"/>
+      </p:ext>
+    </p:extLst>
+  </p:cSld>
+  <p:clrMapOvr>
+    <a:masterClrMapping/>
+  </p:clrMapOvr>
+</p:sld>
+</file>
+
+<file path=ppt/slides/slide11.xml><?xml version="1.0" encoding="utf-8"?>
+<p:sld xmlns:a="http://schemas.openxmlformats.org/drawingml/2006/main" xmlns:r="http://schemas.openxmlformats.org/officeDocument/2006/relationships" xmlns:p="http://schemas.openxmlformats.org/presentationml/2006/main">
+  <p:cSld>
+    <p:spTree>
+      <p:nvGrpSpPr>
+        <p:cNvPr id="1" name=""/>
+        <p:cNvGrpSpPr/>
+        <p:nvPr/>
+      </p:nvGrpSpPr>
+      <p:grpSpPr>
+        <a:xfrm>
+          <a:off x="0" y="0"/>
+          <a:ext cx="0" cy="0"/>
+          <a:chOff x="0" y="0"/>
+          <a:chExt cx="0" cy="0"/>
+        </a:xfrm>
+      </p:grpSpPr>
+      <p:sp>
+        <p:nvSpPr>
           <p:cNvPr id="15" name="正方形/長方形 14">
             <a:extLst>
               <a:ext uri="{FF2B5EF4-FFF2-40B4-BE49-F238E27FC236}">
@@ -7253,10 +7590,10 @@
       </p:sp>
       <p:grpSp>
         <p:nvGrpSpPr>
-          <p:cNvPr id="5" name="グループ化 4">
+          <p:cNvPr id="2" name="グループ化 1">
             <a:extLst>
               <a:ext uri="{FF2B5EF4-FFF2-40B4-BE49-F238E27FC236}">
-                <a16:creationId xmlns:a16="http://schemas.microsoft.com/office/drawing/2014/main" id="{D2117C39-6B97-4D0A-87C2-ED08794A2B3C}"/>
+                <a16:creationId xmlns:a16="http://schemas.microsoft.com/office/drawing/2014/main" id="{EBEC3444-4A89-4567-A3C7-67DFFDCB2982}"/>
               </a:ext>
             </a:extLst>
           </p:cNvPr>
@@ -7265,192 +7602,118 @@
         </p:nvGrpSpPr>
         <p:grpSpPr>
           <a:xfrm>
-            <a:off x="2287828" y="1920846"/>
-            <a:ext cx="4560774" cy="1372539"/>
-            <a:chOff x="2287828" y="1920846"/>
-            <a:chExt cx="4560774" cy="1372539"/>
+            <a:off x="2287828" y="1924157"/>
+            <a:ext cx="3054815" cy="1369228"/>
+            <a:chOff x="2287828" y="1924157"/>
+            <a:chExt cx="3054815" cy="1369228"/>
           </a:xfrm>
         </p:grpSpPr>
-        <p:grpSp>
-          <p:nvGrpSpPr>
-            <p:cNvPr id="4" name="グループ化 3">
+        <p:pic>
+          <p:nvPicPr>
+            <p:cNvPr id="11" name="図 10">
               <a:extLst>
                 <a:ext uri="{FF2B5EF4-FFF2-40B4-BE49-F238E27FC236}">
-                  <a16:creationId xmlns:a16="http://schemas.microsoft.com/office/drawing/2014/main" id="{3BC65696-274B-43FD-8AF6-EAE6B16A91DE}"/>
+                  <a16:creationId xmlns:a16="http://schemas.microsoft.com/office/drawing/2014/main" id="{CA67B140-B1C4-4C18-A915-F1B8876B4A09}"/>
                 </a:ext>
               </a:extLst>
             </p:cNvPr>
-            <p:cNvGrpSpPr/>
+            <p:cNvPicPr>
+              <a:picLocks noChangeAspect="1"/>
+            </p:cNvPicPr>
             <p:nvPr/>
-          </p:nvGrpSpPr>
-          <p:grpSpPr>
+          </p:nvPicPr>
+          <p:blipFill rotWithShape="1">
+            <a:blip r:embed="rId2">
+              <a:extLst>
+                <a:ext uri="{28A0092B-C50C-407E-A947-70E740481C1C}">
+                  <a14:useLocalDpi xmlns:a14="http://schemas.microsoft.com/office/drawing/2010/main" val="0"/>
+                </a:ext>
+              </a:extLst>
+            </a:blip>
+            <a:srcRect l="22565" t="31783" r="22681" b="37318"/>
+            <a:stretch/>
+          </p:blipFill>
+          <p:spPr>
             <a:xfrm>
-              <a:off x="2441266" y="1920846"/>
-              <a:ext cx="4407336" cy="1372539"/>
-              <a:chOff x="2468216" y="4102833"/>
-              <a:chExt cx="4407336" cy="1372539"/>
+              <a:off x="2441266" y="1924158"/>
+              <a:ext cx="1395418" cy="1369227"/>
             </a:xfrm>
-          </p:grpSpPr>
-          <p:pic>
-            <p:nvPicPr>
-              <p:cNvPr id="11" name="図 10">
-                <a:extLst>
-                  <a:ext uri="{FF2B5EF4-FFF2-40B4-BE49-F238E27FC236}">
-                    <a16:creationId xmlns:a16="http://schemas.microsoft.com/office/drawing/2014/main" id="{CA67B140-B1C4-4C18-A915-F1B8876B4A09}"/>
-                  </a:ext>
-                </a:extLst>
-              </p:cNvPr>
-              <p:cNvPicPr>
-                <a:picLocks noChangeAspect="1"/>
-              </p:cNvPicPr>
-              <p:nvPr/>
-            </p:nvPicPr>
-            <p:blipFill rotWithShape="1">
-              <a:blip r:embed="rId2">
-                <a:extLst>
-                  <a:ext uri="{28A0092B-C50C-407E-A947-70E740481C1C}">
-                    <a14:useLocalDpi xmlns:a14="http://schemas.microsoft.com/office/drawing/2010/main" val="0"/>
-                  </a:ext>
-                </a:extLst>
-              </a:blip>
-              <a:srcRect l="22565" t="31783" r="22681" b="37318"/>
-              <a:stretch/>
-            </p:blipFill>
-            <p:spPr>
-              <a:xfrm>
-                <a:off x="2468216" y="4106145"/>
-                <a:ext cx="1395418" cy="1369227"/>
-              </a:xfrm>
-              <a:prstGeom prst="ellipse">
-                <a:avLst/>
-              </a:prstGeom>
-              <a:ln w="12700" cap="rnd">
-                <a:solidFill>
-                  <a:schemeClr val="tx1"/>
-                </a:solidFill>
-              </a:ln>
-              <a:effectLst/>
-              <a:scene3d>
-                <a:camera prst="orthographicFront"/>
-                <a:lightRig rig="contrasting" dir="t">
-                  <a:rot lat="0" lon="0" rev="3000000"/>
-                </a:lightRig>
-              </a:scene3d>
-              <a:sp3d contourW="7620">
-                <a:bevelT w="95250" h="31750"/>
-                <a:contourClr>
-                  <a:srgbClr val="333333"/>
-                </a:contourClr>
-              </a:sp3d>
-            </p:spPr>
-          </p:pic>
-          <p:pic>
-            <p:nvPicPr>
-              <p:cNvPr id="16" name="図 15">
-                <a:extLst>
-                  <a:ext uri="{FF2B5EF4-FFF2-40B4-BE49-F238E27FC236}">
-                    <a16:creationId xmlns:a16="http://schemas.microsoft.com/office/drawing/2014/main" id="{EF8E6640-9A8A-41D0-9860-F6F04EEBA187}"/>
-                  </a:ext>
-                </a:extLst>
-              </p:cNvPr>
-              <p:cNvPicPr>
-                <a:picLocks noChangeAspect="1"/>
-              </p:cNvPicPr>
-              <p:nvPr/>
-            </p:nvPicPr>
-            <p:blipFill rotWithShape="1">
-              <a:blip r:embed="rId3">
-                <a:extLst>
-                  <a:ext uri="{28A0092B-C50C-407E-A947-70E740481C1C}">
-                    <a14:useLocalDpi xmlns:a14="http://schemas.microsoft.com/office/drawing/2010/main" val="0"/>
-                  </a:ext>
-                </a:extLst>
-              </a:blip>
-              <a:srcRect l="22565" t="31783" r="22681" b="37318"/>
-              <a:stretch/>
-            </p:blipFill>
-            <p:spPr>
-              <a:xfrm>
-                <a:off x="3974175" y="4106144"/>
-                <a:ext cx="1395418" cy="1369227"/>
-              </a:xfrm>
-              <a:prstGeom prst="ellipse">
-                <a:avLst/>
-              </a:prstGeom>
-              <a:ln w="12700" cap="rnd">
-                <a:solidFill>
-                  <a:schemeClr val="tx1"/>
-                </a:solidFill>
-              </a:ln>
-              <a:effectLst/>
-              <a:scene3d>
-                <a:camera prst="orthographicFront"/>
-                <a:lightRig rig="contrasting" dir="t">
-                  <a:rot lat="0" lon="0" rev="3000000"/>
-                </a:lightRig>
-              </a:scene3d>
-              <a:sp3d contourW="7620">
-                <a:bevelT w="95250" h="31750"/>
-                <a:contourClr>
-                  <a:srgbClr val="333333"/>
-                </a:contourClr>
-              </a:sp3d>
-            </p:spPr>
-          </p:pic>
-          <p:pic>
-            <p:nvPicPr>
-              <p:cNvPr id="17" name="図 16">
-                <a:extLst>
-                  <a:ext uri="{FF2B5EF4-FFF2-40B4-BE49-F238E27FC236}">
-                    <a16:creationId xmlns:a16="http://schemas.microsoft.com/office/drawing/2014/main" id="{49DFDE04-5792-48FB-80D7-B8B138FD8DE6}"/>
-                  </a:ext>
-                </a:extLst>
-              </p:cNvPr>
-              <p:cNvPicPr>
-                <a:picLocks noChangeAspect="1"/>
-              </p:cNvPicPr>
-              <p:nvPr/>
-            </p:nvPicPr>
-            <p:blipFill rotWithShape="1">
-              <a:blip r:embed="rId4">
-                <a:extLst>
-                  <a:ext uri="{28A0092B-C50C-407E-A947-70E740481C1C}">
-                    <a14:useLocalDpi xmlns:a14="http://schemas.microsoft.com/office/drawing/2010/main" val="0"/>
-                  </a:ext>
-                </a:extLst>
-              </a:blip>
-              <a:srcRect l="22565" t="31783" r="22681" b="37318"/>
-              <a:stretch/>
-            </p:blipFill>
-            <p:spPr>
-              <a:xfrm>
-                <a:off x="5480134" y="4102833"/>
-                <a:ext cx="1395418" cy="1369227"/>
-              </a:xfrm>
-              <a:prstGeom prst="ellipse">
-                <a:avLst/>
-              </a:prstGeom>
-              <a:ln w="12700" cap="rnd">
-                <a:solidFill>
-                  <a:schemeClr val="tx1"/>
-                </a:solidFill>
-              </a:ln>
-              <a:effectLst/>
-              <a:scene3d>
-                <a:camera prst="orthographicFront"/>
-                <a:lightRig rig="contrasting" dir="t">
-                  <a:rot lat="0" lon="0" rev="3000000"/>
-                </a:lightRig>
-              </a:scene3d>
-              <a:sp3d contourW="7620">
-                <a:bevelT w="95250" h="31750"/>
-                <a:contourClr>
-                  <a:srgbClr val="333333"/>
-                </a:contourClr>
-              </a:sp3d>
-            </p:spPr>
-          </p:pic>
-        </p:grpSp>
+            <a:prstGeom prst="ellipse">
+              <a:avLst/>
+            </a:prstGeom>
+            <a:ln w="12700" cap="rnd">
+              <a:solidFill>
+                <a:schemeClr val="tx1"/>
+              </a:solidFill>
+            </a:ln>
+            <a:effectLst/>
+            <a:scene3d>
+              <a:camera prst="orthographicFront"/>
+              <a:lightRig rig="contrasting" dir="t">
+                <a:rot lat="0" lon="0" rev="3000000"/>
+              </a:lightRig>
+            </a:scene3d>
+            <a:sp3d contourW="7620">
+              <a:bevelT w="95250" h="31750"/>
+              <a:contourClr>
+                <a:srgbClr val="333333"/>
+              </a:contourClr>
+            </a:sp3d>
+          </p:spPr>
+        </p:pic>
+        <p:pic>
+          <p:nvPicPr>
+            <p:cNvPr id="16" name="図 15">
+              <a:extLst>
+                <a:ext uri="{FF2B5EF4-FFF2-40B4-BE49-F238E27FC236}">
+                  <a16:creationId xmlns:a16="http://schemas.microsoft.com/office/drawing/2014/main" id="{EF8E6640-9A8A-41D0-9860-F6F04EEBA187}"/>
+                </a:ext>
+              </a:extLst>
+            </p:cNvPr>
+            <p:cNvPicPr>
+              <a:picLocks noChangeAspect="1"/>
+            </p:cNvPicPr>
+            <p:nvPr/>
+          </p:nvPicPr>
+          <p:blipFill rotWithShape="1">
+            <a:blip r:embed="rId3">
+              <a:extLst>
+                <a:ext uri="{28A0092B-C50C-407E-A947-70E740481C1C}">
+                  <a14:useLocalDpi xmlns:a14="http://schemas.microsoft.com/office/drawing/2010/main" val="0"/>
+                </a:ext>
+              </a:extLst>
+            </a:blip>
+            <a:srcRect l="22565" t="31783" r="22681" b="37318"/>
+            <a:stretch/>
+          </p:blipFill>
+          <p:spPr>
+            <a:xfrm>
+              <a:off x="3947225" y="1924157"/>
+              <a:ext cx="1395418" cy="1369227"/>
+            </a:xfrm>
+            <a:prstGeom prst="ellipse">
+              <a:avLst/>
+            </a:prstGeom>
+            <a:ln w="12700" cap="rnd">
+              <a:solidFill>
+                <a:schemeClr val="tx1"/>
+              </a:solidFill>
+            </a:ln>
+            <a:effectLst/>
+            <a:scene3d>
+              <a:camera prst="orthographicFront"/>
+              <a:lightRig rig="contrasting" dir="t">
+                <a:rot lat="0" lon="0" rev="3000000"/>
+              </a:lightRig>
+            </a:scene3d>
+            <a:sp3d contourW="7620">
+              <a:bevelT w="95250" h="31750"/>
+              <a:contourClr>
+                <a:srgbClr val="333333"/>
+              </a:contourClr>
+            </a:sp3d>
+          </p:spPr>
+        </p:pic>
         <p:sp>
           <p:nvSpPr>
             <p:cNvPr id="21" name="テキスト ボックス 20">
@@ -7529,63 +7792,6 @@
                   <a:cs typeface="Times New Roman" panose="02020603050405020304" pitchFamily="18" charset="0"/>
                 </a:rPr>
                 <a:t>(b)</a:t>
-              </a:r>
-              <a:endParaRPr kumimoji="1" lang="ja-JP" altLang="en-US" sz="1200" dirty="0">
-                <a:latin typeface="Times New Roman" panose="02020603050405020304" pitchFamily="18" charset="0"/>
-                <a:cs typeface="Times New Roman" panose="02020603050405020304" pitchFamily="18" charset="0"/>
-              </a:endParaRPr>
-            </a:p>
-          </p:txBody>
-        </p:sp>
-        <p:sp>
-          <p:nvSpPr>
-            <p:cNvPr id="23" name="テキスト ボックス 22">
-              <a:extLst>
-                <a:ext uri="{FF2B5EF4-FFF2-40B4-BE49-F238E27FC236}">
-                  <a16:creationId xmlns:a16="http://schemas.microsoft.com/office/drawing/2014/main" id="{3946505A-DAF7-47D6-B386-8E217E873FDB}"/>
-                </a:ext>
-              </a:extLst>
-            </p:cNvPr>
-            <p:cNvSpPr txBox="1"/>
-            <p:nvPr/>
-          </p:nvSpPr>
-          <p:spPr>
-            <a:xfrm>
-              <a:off x="5299748" y="1924158"/>
-              <a:ext cx="360774" cy="276999"/>
-            </a:xfrm>
-            <a:prstGeom prst="rect">
-              <a:avLst/>
-            </a:prstGeom>
-            <a:noFill/>
-          </p:spPr>
-          <p:txBody>
-            <a:bodyPr wrap="square" rtlCol="0" anchor="ctr">
-              <a:spAutoFit/>
-            </a:bodyPr>
-            <a:lstStyle/>
-            <a:p>
-              <a:pPr algn="ctr"/>
-              <a:r>
-                <a:rPr kumimoji="1" lang="en-US" altLang="ja-JP" sz="1200" dirty="0">
-                  <a:latin typeface="Times New Roman" panose="02020603050405020304" pitchFamily="18" charset="0"/>
-                  <a:cs typeface="Times New Roman" panose="02020603050405020304" pitchFamily="18" charset="0"/>
-                </a:rPr>
-                <a:t>(</a:t>
-              </a:r>
-              <a:r>
-                <a:rPr lang="en-US" altLang="ja-JP" sz="1200" dirty="0">
-                  <a:latin typeface="Times New Roman" panose="02020603050405020304" pitchFamily="18" charset="0"/>
-                  <a:cs typeface="Times New Roman" panose="02020603050405020304" pitchFamily="18" charset="0"/>
-                </a:rPr>
-                <a:t>c</a:t>
-              </a:r>
-              <a:r>
-                <a:rPr kumimoji="1" lang="en-US" altLang="ja-JP" sz="1200" dirty="0">
-                  <a:latin typeface="Times New Roman" panose="02020603050405020304" pitchFamily="18" charset="0"/>
-                  <a:cs typeface="Times New Roman" panose="02020603050405020304" pitchFamily="18" charset="0"/>
-                </a:rPr>
-                <a:t>)</a:t>
               </a:r>
               <a:endParaRPr kumimoji="1" lang="ja-JP" altLang="en-US" sz="1200" dirty="0">
                 <a:latin typeface="Times New Roman" panose="02020603050405020304" pitchFamily="18" charset="0"/>
@@ -8305,6 +8511,129 @@
           <p:cNvPr id="10" name="グループ化 9">
             <a:extLst>
               <a:ext uri="{FF2B5EF4-FFF2-40B4-BE49-F238E27FC236}">
+                <a16:creationId xmlns:a16="http://schemas.microsoft.com/office/drawing/2014/main" id="{21788C8B-5A22-4175-88AC-266FA6F70766}"/>
+              </a:ext>
+            </a:extLst>
+          </p:cNvPr>
+          <p:cNvGrpSpPr/>
+          <p:nvPr/>
+        </p:nvGrpSpPr>
+        <p:grpSpPr>
+          <a:xfrm>
+            <a:off x="1608766" y="1319001"/>
+            <a:ext cx="3133167" cy="1286634"/>
+            <a:chOff x="500698" y="1319001"/>
+            <a:chExt cx="10828146" cy="4446574"/>
+          </a:xfrm>
+        </p:grpSpPr>
+        <p:pic>
+          <p:nvPicPr>
+            <p:cNvPr id="5" name="図 4">
+              <a:extLst>
+                <a:ext uri="{FF2B5EF4-FFF2-40B4-BE49-F238E27FC236}">
+                  <a16:creationId xmlns:a16="http://schemas.microsoft.com/office/drawing/2014/main" id="{18D8C9D3-B8CC-4C7A-AB4B-6EF194F76EE9}"/>
+                </a:ext>
+              </a:extLst>
+            </p:cNvPr>
+            <p:cNvPicPr>
+              <a:picLocks noChangeAspect="1"/>
+            </p:cNvPicPr>
+            <p:nvPr/>
+          </p:nvPicPr>
+          <p:blipFill>
+            <a:blip r:embed="rId2">
+              <a:extLst>
+                <a:ext uri="{28A0092B-C50C-407E-A947-70E740481C1C}">
+                  <a14:useLocalDpi xmlns:a14="http://schemas.microsoft.com/office/drawing/2010/main" val="0"/>
+                </a:ext>
+              </a:extLst>
+            </a:blip>
+            <a:stretch>
+              <a:fillRect/>
+            </a:stretch>
+          </p:blipFill>
+          <p:spPr>
+            <a:xfrm>
+              <a:off x="500698" y="1319001"/>
+              <a:ext cx="5284893" cy="4446574"/>
+            </a:xfrm>
+            <a:prstGeom prst="rect">
+              <a:avLst/>
+            </a:prstGeom>
+          </p:spPr>
+        </p:pic>
+        <p:pic>
+          <p:nvPicPr>
+            <p:cNvPr id="7" name="図 6">
+              <a:extLst>
+                <a:ext uri="{FF2B5EF4-FFF2-40B4-BE49-F238E27FC236}">
+                  <a16:creationId xmlns:a16="http://schemas.microsoft.com/office/drawing/2014/main" id="{2739C57C-6F9B-40BD-8BEC-349037B3F63A}"/>
+                </a:ext>
+              </a:extLst>
+            </p:cNvPr>
+            <p:cNvPicPr>
+              <a:picLocks noChangeAspect="1"/>
+            </p:cNvPicPr>
+            <p:nvPr/>
+          </p:nvPicPr>
+          <p:blipFill>
+            <a:blip r:embed="rId3">
+              <a:extLst>
+                <a:ext uri="{28A0092B-C50C-407E-A947-70E740481C1C}">
+                  <a14:useLocalDpi xmlns:a14="http://schemas.microsoft.com/office/drawing/2010/main" val="0"/>
+                </a:ext>
+              </a:extLst>
+            </a:blip>
+            <a:stretch>
+              <a:fillRect/>
+            </a:stretch>
+          </p:blipFill>
+          <p:spPr>
+            <a:xfrm>
+              <a:off x="5785591" y="1319001"/>
+              <a:ext cx="5543253" cy="4446573"/>
+            </a:xfrm>
+            <a:prstGeom prst="rect">
+              <a:avLst/>
+            </a:prstGeom>
+          </p:spPr>
+        </p:pic>
+      </p:grpSp>
+    </p:spTree>
+    <p:extLst>
+      <p:ext uri="{BB962C8B-B14F-4D97-AF65-F5344CB8AC3E}">
+        <p14:creationId xmlns:p14="http://schemas.microsoft.com/office/powerpoint/2010/main" val="3563927957"/>
+      </p:ext>
+    </p:extLst>
+  </p:cSld>
+  <p:clrMapOvr>
+    <a:masterClrMapping/>
+  </p:clrMapOvr>
+</p:sld>
+</file>
+
+<file path=ppt/slides/slide5.xml><?xml version="1.0" encoding="utf-8"?>
+<p:sld xmlns:a="http://schemas.openxmlformats.org/drawingml/2006/main" xmlns:r="http://schemas.openxmlformats.org/officeDocument/2006/relationships" xmlns:p="http://schemas.openxmlformats.org/presentationml/2006/main">
+  <p:cSld>
+    <p:spTree>
+      <p:nvGrpSpPr>
+        <p:cNvPr id="1" name=""/>
+        <p:cNvGrpSpPr/>
+        <p:nvPr/>
+      </p:nvGrpSpPr>
+      <p:grpSpPr>
+        <a:xfrm>
+          <a:off x="0" y="0"/>
+          <a:ext cx="0" cy="0"/>
+          <a:chOff x="0" y="0"/>
+          <a:chExt cx="0" cy="0"/>
+        </a:xfrm>
+      </p:grpSpPr>
+      <p:grpSp>
+        <p:nvGrpSpPr>
+          <p:cNvPr id="10" name="グループ化 9">
+            <a:extLst>
+              <a:ext uri="{FF2B5EF4-FFF2-40B4-BE49-F238E27FC236}">
                 <a16:creationId xmlns:a16="http://schemas.microsoft.com/office/drawing/2014/main" id="{1A56CC14-8366-48D6-92DA-0340468948D9}"/>
               </a:ext>
             </a:extLst>
@@ -8484,7 +8813,7 @@
 </p:sld>
 </file>
 
-<file path=ppt/slides/slide5.xml><?xml version="1.0" encoding="utf-8"?>
+<file path=ppt/slides/slide6.xml><?xml version="1.0" encoding="utf-8"?>
 <p:sld xmlns:a="http://schemas.openxmlformats.org/drawingml/2006/main" xmlns:r="http://schemas.openxmlformats.org/officeDocument/2006/relationships" xmlns:p="http://schemas.openxmlformats.org/presentationml/2006/main">
   <p:cSld>
     <p:spTree>
@@ -8749,7 +9078,7 @@
 </p:sld>
 </file>
 
-<file path=ppt/slides/slide6.xml><?xml version="1.0" encoding="utf-8"?>
+<file path=ppt/slides/slide7.xml><?xml version="1.0" encoding="utf-8"?>
 <p:sld xmlns:a="http://schemas.openxmlformats.org/drawingml/2006/main" xmlns:r="http://schemas.openxmlformats.org/officeDocument/2006/relationships" xmlns:p="http://schemas.openxmlformats.org/presentationml/2006/main">
   <p:cSld>
     <p:spTree>
@@ -8861,7 +9190,7 @@
 </p:sld>
 </file>
 
-<file path=ppt/slides/slide7.xml><?xml version="1.0" encoding="utf-8"?>
+<file path=ppt/slides/slide8.xml><?xml version="1.0" encoding="utf-8"?>
 <p:sld xmlns:a="http://schemas.openxmlformats.org/drawingml/2006/main" xmlns:r="http://schemas.openxmlformats.org/officeDocument/2006/relationships" xmlns:p="http://schemas.openxmlformats.org/presentationml/2006/main">
   <p:cSld>
     <p:spTree>
@@ -8893,9 +9222,9 @@
         <p:grpSpPr>
           <a:xfrm>
             <a:off x="1584658" y="804675"/>
-            <a:ext cx="8136381" cy="4449747"/>
+            <a:ext cx="8467841" cy="4449747"/>
             <a:chOff x="1584658" y="804675"/>
-            <a:chExt cx="8136381" cy="4449747"/>
+            <a:chExt cx="8467841" cy="4449747"/>
           </a:xfrm>
         </p:grpSpPr>
         <p:pic>
@@ -9320,8 +9649,8 @@
           </p:nvSpPr>
           <p:spPr>
             <a:xfrm>
-              <a:off x="6930491" y="4536493"/>
-              <a:ext cx="2352110" cy="338554"/>
+              <a:off x="6811301" y="4655741"/>
+              <a:ext cx="3241198" cy="338554"/>
             </a:xfrm>
             <a:prstGeom prst="rect">
               <a:avLst/>
@@ -9340,7 +9669,7 @@
                   <a:ea typeface="源真ゴシック等幅 Medium" panose="020B0409020203020207" pitchFamily="49" charset="-128"/>
                   <a:cs typeface="源真ゴシック等幅 Medium" panose="020B0409020203020207" pitchFamily="49" charset="-128"/>
                 </a:rPr>
-                <a:t>フリック方向のガイド</a:t>
+                <a:t>フリック方向を示すポップアップ</a:t>
               </a:r>
               <a:endParaRPr lang="en-US" altLang="ja-JP" sz="1600" dirty="0">
                 <a:latin typeface="源真ゴシック等幅 Medium" panose="020B0409020203020207" pitchFamily="49" charset="-128"/>
@@ -9367,16 +9696,17 @@
           </p:nvCxnSpPr>
           <p:spPr>
             <a:xfrm>
-              <a:off x="5818519" y="3681219"/>
-              <a:ext cx="1111972" cy="1024551"/>
+              <a:off x="5826265" y="3686297"/>
+              <a:ext cx="985036" cy="1138721"/>
             </a:xfrm>
             <a:prstGeom prst="line">
               <a:avLst/>
             </a:prstGeom>
-            <a:ln w="19050">
+            <a:ln w="31750" cap="rnd">
               <a:solidFill>
                 <a:srgbClr val="FF0000"/>
               </a:solidFill>
+              <a:round/>
             </a:ln>
           </p:spPr>
           <p:style>
@@ -9416,10 +9746,11 @@
             <a:prstGeom prst="line">
               <a:avLst/>
             </a:prstGeom>
-            <a:ln w="19050">
+            <a:ln w="31750" cap="rnd">
               <a:solidFill>
                 <a:srgbClr val="FF0000"/>
               </a:solidFill>
+              <a:round/>
             </a:ln>
           </p:spPr>
           <p:style>
@@ -9451,7 +9782,7 @@
 </p:sld>
 </file>
 
-<file path=ppt/slides/slide8.xml><?xml version="1.0" encoding="utf-8"?>
+<file path=ppt/slides/slide9.xml><?xml version="1.0" encoding="utf-8"?>
 <p:sld xmlns:a="http://schemas.openxmlformats.org/drawingml/2006/main" xmlns:r="http://schemas.openxmlformats.org/officeDocument/2006/relationships" xmlns:p="http://schemas.openxmlformats.org/presentationml/2006/main">
   <p:cSld>
     <p:spTree>
@@ -9569,10 +9900,10 @@
       </p:sp>
       <p:grpSp>
         <p:nvGrpSpPr>
-          <p:cNvPr id="6" name="グループ化 5">
+          <p:cNvPr id="2" name="グループ化 1">
             <a:extLst>
               <a:ext uri="{FF2B5EF4-FFF2-40B4-BE49-F238E27FC236}">
-                <a16:creationId xmlns:a16="http://schemas.microsoft.com/office/drawing/2014/main" id="{BBCEC79F-63F3-4DED-A475-14AAB0B1F1DF}"/>
+                <a16:creationId xmlns:a16="http://schemas.microsoft.com/office/drawing/2014/main" id="{581C7CC7-D7F3-443E-95F3-0318386C9953}"/>
               </a:ext>
             </a:extLst>
           </p:cNvPr>
@@ -9581,245 +9912,224 @@
         </p:nvGrpSpPr>
         <p:grpSpPr>
           <a:xfrm>
-            <a:off x="3690698" y="1669853"/>
+            <a:off x="3701135" y="4321382"/>
             <a:ext cx="6225791" cy="1408804"/>
             <a:chOff x="3690698" y="1669853"/>
             <a:chExt cx="6225791" cy="1408804"/>
           </a:xfrm>
         </p:grpSpPr>
-        <p:grpSp>
-          <p:nvGrpSpPr>
-            <p:cNvPr id="5" name="グループ化 4">
+        <p:pic>
+          <p:nvPicPr>
+            <p:cNvPr id="27" name="図 26">
               <a:extLst>
                 <a:ext uri="{FF2B5EF4-FFF2-40B4-BE49-F238E27FC236}">
-                  <a16:creationId xmlns:a16="http://schemas.microsoft.com/office/drawing/2014/main" id="{C4FC13F5-EBD2-4293-A91E-F4CD3CBA2EB7}"/>
+                  <a16:creationId xmlns:a16="http://schemas.microsoft.com/office/drawing/2014/main" id="{1DCBD24F-AAC2-4C96-B152-6761446BFBEF}"/>
                 </a:ext>
               </a:extLst>
             </p:cNvPr>
-            <p:cNvGrpSpPr/>
+            <p:cNvPicPr>
+              <a:picLocks noChangeAspect="1"/>
+            </p:cNvPicPr>
             <p:nvPr/>
-          </p:nvGrpSpPr>
-          <p:grpSpPr>
+          </p:nvPicPr>
+          <p:blipFill rotWithShape="1">
+            <a:blip r:embed="rId2">
+              <a:extLst>
+                <a:ext uri="{28A0092B-C50C-407E-A947-70E740481C1C}">
+                  <a14:useLocalDpi xmlns:a14="http://schemas.microsoft.com/office/drawing/2010/main" val="0"/>
+                </a:ext>
+              </a:extLst>
+            </a:blip>
+            <a:srcRect l="22565" t="31783" r="22681" b="37318"/>
+            <a:stretch/>
+          </p:blipFill>
+          <p:spPr>
             <a:xfrm>
-              <a:off x="3844134" y="1669853"/>
-              <a:ext cx="6072355" cy="1408804"/>
-              <a:chOff x="3871084" y="4082655"/>
-              <a:chExt cx="6072355" cy="1408804"/>
+              <a:off x="3844134" y="1669854"/>
+              <a:ext cx="1435751" cy="1408803"/>
             </a:xfrm>
-          </p:grpSpPr>
-          <p:pic>
-            <p:nvPicPr>
-              <p:cNvPr id="27" name="図 26">
-                <a:extLst>
-                  <a:ext uri="{FF2B5EF4-FFF2-40B4-BE49-F238E27FC236}">
-                    <a16:creationId xmlns:a16="http://schemas.microsoft.com/office/drawing/2014/main" id="{1DCBD24F-AAC2-4C96-B152-6761446BFBEF}"/>
-                  </a:ext>
-                </a:extLst>
-              </p:cNvPr>
-              <p:cNvPicPr>
-                <a:picLocks noChangeAspect="1"/>
-              </p:cNvPicPr>
-              <p:nvPr/>
-            </p:nvPicPr>
-            <p:blipFill rotWithShape="1">
-              <a:blip r:embed="rId2">
-                <a:extLst>
-                  <a:ext uri="{28A0092B-C50C-407E-A947-70E740481C1C}">
-                    <a14:useLocalDpi xmlns:a14="http://schemas.microsoft.com/office/drawing/2010/main" val="0"/>
-                  </a:ext>
-                </a:extLst>
-              </a:blip>
-              <a:srcRect l="22565" t="31783" r="22681" b="37318"/>
-              <a:stretch/>
-            </p:blipFill>
-            <p:spPr>
-              <a:xfrm>
-                <a:off x="3871084" y="4082656"/>
-                <a:ext cx="1435751" cy="1408803"/>
-              </a:xfrm>
-              <a:prstGeom prst="ellipse">
-                <a:avLst/>
-              </a:prstGeom>
-              <a:ln w="12700" cap="rnd">
-                <a:solidFill>
-                  <a:schemeClr val="tx1"/>
-                </a:solidFill>
-              </a:ln>
-              <a:effectLst/>
-              <a:scene3d>
-                <a:camera prst="orthographicFront"/>
-                <a:lightRig rig="contrasting" dir="t">
-                  <a:rot lat="0" lon="0" rev="3000000"/>
-                </a:lightRig>
-              </a:scene3d>
-              <a:sp3d contourW="7620">
-                <a:bevelT w="95250" h="31750"/>
-                <a:contourClr>
-                  <a:srgbClr val="333333"/>
-                </a:contourClr>
-              </a:sp3d>
-            </p:spPr>
-          </p:pic>
-          <p:pic>
-            <p:nvPicPr>
-              <p:cNvPr id="28" name="図 27">
-                <a:extLst>
-                  <a:ext uri="{FF2B5EF4-FFF2-40B4-BE49-F238E27FC236}">
-                    <a16:creationId xmlns:a16="http://schemas.microsoft.com/office/drawing/2014/main" id="{162222C0-8F7B-4262-900C-CC8EA3160D0F}"/>
-                  </a:ext>
-                </a:extLst>
-              </p:cNvPr>
-              <p:cNvPicPr>
-                <a:picLocks noChangeAspect="1"/>
-              </p:cNvPicPr>
-              <p:nvPr/>
-            </p:nvPicPr>
-            <p:blipFill rotWithShape="1">
-              <a:blip r:embed="rId3">
-                <a:extLst>
-                  <a:ext uri="{28A0092B-C50C-407E-A947-70E740481C1C}">
-                    <a14:useLocalDpi xmlns:a14="http://schemas.microsoft.com/office/drawing/2010/main" val="0"/>
-                  </a:ext>
-                </a:extLst>
-              </a:blip>
-              <a:srcRect l="22565" t="31783" r="22681" b="37318"/>
-              <a:stretch/>
-            </p:blipFill>
-            <p:spPr>
-              <a:xfrm>
-                <a:off x="5416620" y="4082656"/>
-                <a:ext cx="1435751" cy="1408803"/>
-              </a:xfrm>
-              <a:prstGeom prst="ellipse">
-                <a:avLst/>
-              </a:prstGeom>
-              <a:ln w="12700" cap="rnd">
-                <a:solidFill>
-                  <a:schemeClr val="tx1"/>
-                </a:solidFill>
-              </a:ln>
-              <a:effectLst/>
-              <a:scene3d>
-                <a:camera prst="orthographicFront"/>
-                <a:lightRig rig="contrasting" dir="t">
-                  <a:rot lat="0" lon="0" rev="3000000"/>
-                </a:lightRig>
-              </a:scene3d>
-              <a:sp3d contourW="7620">
-                <a:bevelT w="95250" h="31750"/>
-                <a:contourClr>
-                  <a:srgbClr val="333333"/>
-                </a:contourClr>
-              </a:sp3d>
-            </p:spPr>
-          </p:pic>
-          <p:pic>
-            <p:nvPicPr>
-              <p:cNvPr id="29" name="図 28">
-                <a:extLst>
-                  <a:ext uri="{FF2B5EF4-FFF2-40B4-BE49-F238E27FC236}">
-                    <a16:creationId xmlns:a16="http://schemas.microsoft.com/office/drawing/2014/main" id="{E4094441-DF69-4A90-962F-546807F2AB5F}"/>
-                  </a:ext>
-                </a:extLst>
-              </p:cNvPr>
-              <p:cNvPicPr>
-                <a:picLocks noChangeAspect="1"/>
-              </p:cNvPicPr>
-              <p:nvPr/>
-            </p:nvPicPr>
-            <p:blipFill rotWithShape="1">
-              <a:blip r:embed="rId4">
-                <a:extLst>
-                  <a:ext uri="{28A0092B-C50C-407E-A947-70E740481C1C}">
-                    <a14:useLocalDpi xmlns:a14="http://schemas.microsoft.com/office/drawing/2010/main" val="0"/>
-                  </a:ext>
-                </a:extLst>
-              </a:blip>
-              <a:srcRect l="22565" t="31783" r="22681" b="37318"/>
-              <a:stretch/>
-            </p:blipFill>
-            <p:spPr>
-              <a:xfrm>
-                <a:off x="6962154" y="4082656"/>
-                <a:ext cx="1435751" cy="1408803"/>
-              </a:xfrm>
-              <a:prstGeom prst="ellipse">
-                <a:avLst/>
-              </a:prstGeom>
-              <a:ln w="12700" cap="rnd">
-                <a:solidFill>
-                  <a:schemeClr val="tx1"/>
-                </a:solidFill>
-              </a:ln>
-              <a:effectLst/>
-              <a:scene3d>
-                <a:camera prst="orthographicFront"/>
-                <a:lightRig rig="contrasting" dir="t">
-                  <a:rot lat="0" lon="0" rev="3000000"/>
-                </a:lightRig>
-              </a:scene3d>
-              <a:sp3d contourW="7620">
-                <a:bevelT w="95250" h="31750"/>
-                <a:contourClr>
-                  <a:srgbClr val="333333"/>
-                </a:contourClr>
-              </a:sp3d>
-            </p:spPr>
-          </p:pic>
-          <p:pic>
-            <p:nvPicPr>
-              <p:cNvPr id="30" name="図 29">
-                <a:extLst>
-                  <a:ext uri="{FF2B5EF4-FFF2-40B4-BE49-F238E27FC236}">
-                    <a16:creationId xmlns:a16="http://schemas.microsoft.com/office/drawing/2014/main" id="{EA5F284A-2BAD-49EC-A9CF-22CC3ADE2866}"/>
-                  </a:ext>
-                </a:extLst>
-              </p:cNvPr>
-              <p:cNvPicPr>
-                <a:picLocks noChangeAspect="1"/>
-              </p:cNvPicPr>
-              <p:nvPr/>
-            </p:nvPicPr>
-            <p:blipFill rotWithShape="1">
-              <a:blip r:embed="rId5">
-                <a:extLst>
-                  <a:ext uri="{28A0092B-C50C-407E-A947-70E740481C1C}">
-                    <a14:useLocalDpi xmlns:a14="http://schemas.microsoft.com/office/drawing/2010/main" val="0"/>
-                  </a:ext>
-                </a:extLst>
-              </a:blip>
-              <a:srcRect l="22565" t="31783" r="22681" b="37318"/>
-              <a:stretch/>
-            </p:blipFill>
-            <p:spPr>
-              <a:xfrm>
-                <a:off x="8507688" y="4082655"/>
-                <a:ext cx="1435751" cy="1408803"/>
-              </a:xfrm>
-              <a:prstGeom prst="ellipse">
-                <a:avLst/>
-              </a:prstGeom>
-              <a:ln w="12700" cap="rnd">
-                <a:solidFill>
-                  <a:schemeClr val="tx1"/>
-                </a:solidFill>
-              </a:ln>
-              <a:effectLst/>
-              <a:scene3d>
-                <a:camera prst="orthographicFront"/>
-                <a:lightRig rig="contrasting" dir="t">
-                  <a:rot lat="0" lon="0" rev="3000000"/>
-                </a:lightRig>
-              </a:scene3d>
-              <a:sp3d contourW="7620">
-                <a:bevelT w="95250" h="31750"/>
-                <a:contourClr>
-                  <a:srgbClr val="333333"/>
-                </a:contourClr>
-              </a:sp3d>
-            </p:spPr>
-          </p:pic>
-        </p:grpSp>
+            <a:prstGeom prst="ellipse">
+              <a:avLst/>
+            </a:prstGeom>
+            <a:ln w="12700" cap="rnd">
+              <a:solidFill>
+                <a:schemeClr val="tx1"/>
+              </a:solidFill>
+            </a:ln>
+            <a:effectLst/>
+            <a:scene3d>
+              <a:camera prst="orthographicFront"/>
+              <a:lightRig rig="contrasting" dir="t">
+                <a:rot lat="0" lon="0" rev="3000000"/>
+              </a:lightRig>
+            </a:scene3d>
+            <a:sp3d contourW="7620">
+              <a:bevelT w="95250" h="31750"/>
+              <a:contourClr>
+                <a:srgbClr val="333333"/>
+              </a:contourClr>
+            </a:sp3d>
+          </p:spPr>
+        </p:pic>
+        <p:pic>
+          <p:nvPicPr>
+            <p:cNvPr id="28" name="図 27">
+              <a:extLst>
+                <a:ext uri="{FF2B5EF4-FFF2-40B4-BE49-F238E27FC236}">
+                  <a16:creationId xmlns:a16="http://schemas.microsoft.com/office/drawing/2014/main" id="{162222C0-8F7B-4262-900C-CC8EA3160D0F}"/>
+                </a:ext>
+              </a:extLst>
+            </p:cNvPr>
+            <p:cNvPicPr>
+              <a:picLocks noChangeAspect="1"/>
+            </p:cNvPicPr>
+            <p:nvPr/>
+          </p:nvPicPr>
+          <p:blipFill rotWithShape="1">
+            <a:blip r:embed="rId3">
+              <a:extLst>
+                <a:ext uri="{28A0092B-C50C-407E-A947-70E740481C1C}">
+                  <a14:useLocalDpi xmlns:a14="http://schemas.microsoft.com/office/drawing/2010/main" val="0"/>
+                </a:ext>
+              </a:extLst>
+            </a:blip>
+            <a:srcRect l="22565" t="31783" r="22681" b="37318"/>
+            <a:stretch/>
+          </p:blipFill>
+          <p:spPr>
+            <a:xfrm>
+              <a:off x="5389670" y="1669854"/>
+              <a:ext cx="1435751" cy="1408803"/>
+            </a:xfrm>
+            <a:prstGeom prst="ellipse">
+              <a:avLst/>
+            </a:prstGeom>
+            <a:ln w="12700" cap="rnd">
+              <a:solidFill>
+                <a:schemeClr val="tx1"/>
+              </a:solidFill>
+            </a:ln>
+            <a:effectLst/>
+            <a:scene3d>
+              <a:camera prst="orthographicFront"/>
+              <a:lightRig rig="contrasting" dir="t">
+                <a:rot lat="0" lon="0" rev="3000000"/>
+              </a:lightRig>
+            </a:scene3d>
+            <a:sp3d contourW="7620">
+              <a:bevelT w="95250" h="31750"/>
+              <a:contourClr>
+                <a:srgbClr val="333333"/>
+              </a:contourClr>
+            </a:sp3d>
+          </p:spPr>
+        </p:pic>
+        <p:pic>
+          <p:nvPicPr>
+            <p:cNvPr id="29" name="図 28">
+              <a:extLst>
+                <a:ext uri="{FF2B5EF4-FFF2-40B4-BE49-F238E27FC236}">
+                  <a16:creationId xmlns:a16="http://schemas.microsoft.com/office/drawing/2014/main" id="{E4094441-DF69-4A90-962F-546807F2AB5F}"/>
+                </a:ext>
+              </a:extLst>
+            </p:cNvPr>
+            <p:cNvPicPr>
+              <a:picLocks noChangeAspect="1"/>
+            </p:cNvPicPr>
+            <p:nvPr/>
+          </p:nvPicPr>
+          <p:blipFill rotWithShape="1">
+            <a:blip r:embed="rId4">
+              <a:extLst>
+                <a:ext uri="{28A0092B-C50C-407E-A947-70E740481C1C}">
+                  <a14:useLocalDpi xmlns:a14="http://schemas.microsoft.com/office/drawing/2010/main" val="0"/>
+                </a:ext>
+              </a:extLst>
+            </a:blip>
+            <a:srcRect l="22565" t="31783" r="22681" b="37318"/>
+            <a:stretch/>
+          </p:blipFill>
+          <p:spPr>
+            <a:xfrm>
+              <a:off x="6935204" y="1669854"/>
+              <a:ext cx="1435751" cy="1408803"/>
+            </a:xfrm>
+            <a:prstGeom prst="ellipse">
+              <a:avLst/>
+            </a:prstGeom>
+            <a:ln w="12700" cap="rnd">
+              <a:solidFill>
+                <a:schemeClr val="tx1"/>
+              </a:solidFill>
+            </a:ln>
+            <a:effectLst/>
+            <a:scene3d>
+              <a:camera prst="orthographicFront"/>
+              <a:lightRig rig="contrasting" dir="t">
+                <a:rot lat="0" lon="0" rev="3000000"/>
+              </a:lightRig>
+            </a:scene3d>
+            <a:sp3d contourW="7620">
+              <a:bevelT w="95250" h="31750"/>
+              <a:contourClr>
+                <a:srgbClr val="333333"/>
+              </a:contourClr>
+            </a:sp3d>
+          </p:spPr>
+        </p:pic>
+        <p:pic>
+          <p:nvPicPr>
+            <p:cNvPr id="30" name="図 29">
+              <a:extLst>
+                <a:ext uri="{FF2B5EF4-FFF2-40B4-BE49-F238E27FC236}">
+                  <a16:creationId xmlns:a16="http://schemas.microsoft.com/office/drawing/2014/main" id="{EA5F284A-2BAD-49EC-A9CF-22CC3ADE2866}"/>
+                </a:ext>
+              </a:extLst>
+            </p:cNvPr>
+            <p:cNvPicPr>
+              <a:picLocks noChangeAspect="1"/>
+            </p:cNvPicPr>
+            <p:nvPr/>
+          </p:nvPicPr>
+          <p:blipFill rotWithShape="1">
+            <a:blip r:embed="rId5">
+              <a:extLst>
+                <a:ext uri="{28A0092B-C50C-407E-A947-70E740481C1C}">
+                  <a14:useLocalDpi xmlns:a14="http://schemas.microsoft.com/office/drawing/2010/main" val="0"/>
+                </a:ext>
+              </a:extLst>
+            </a:blip>
+            <a:srcRect l="22565" t="31783" r="22681" b="37318"/>
+            <a:stretch/>
+          </p:blipFill>
+          <p:spPr>
+            <a:xfrm>
+              <a:off x="8480738" y="1669853"/>
+              <a:ext cx="1435751" cy="1408803"/>
+            </a:xfrm>
+            <a:prstGeom prst="ellipse">
+              <a:avLst/>
+            </a:prstGeom>
+            <a:ln w="12700" cap="rnd">
+              <a:solidFill>
+                <a:schemeClr val="tx1"/>
+              </a:solidFill>
+            </a:ln>
+            <a:effectLst/>
+            <a:scene3d>
+              <a:camera prst="orthographicFront"/>
+              <a:lightRig rig="contrasting" dir="t">
+                <a:rot lat="0" lon="0" rev="3000000"/>
+              </a:lightRig>
+            </a:scene3d>
+            <a:sp3d contourW="7620">
+              <a:bevelT w="95250" h="31750"/>
+              <a:contourClr>
+                <a:srgbClr val="333333"/>
+              </a:contourClr>
+            </a:sp3d>
+          </p:spPr>
+        </p:pic>
         <p:sp>
           <p:nvSpPr>
             <p:cNvPr id="16" name="テキスト ボックス 15">
@@ -10021,188 +10331,12 @@
           </p:txBody>
         </p:sp>
       </p:grpSp>
-    </p:spTree>
-    <p:extLst>
-      <p:ext uri="{BB962C8B-B14F-4D97-AF65-F5344CB8AC3E}">
-        <p14:creationId xmlns:p14="http://schemas.microsoft.com/office/powerpoint/2010/main" val="1523264111"/>
-      </p:ext>
-    </p:extLst>
-  </p:cSld>
-  <p:clrMapOvr>
-    <a:masterClrMapping/>
-  </p:clrMapOvr>
-</p:sld>
-</file>
-
-<file path=ppt/slides/slide9.xml><?xml version="1.0" encoding="utf-8"?>
-<p:sld xmlns:a="http://schemas.openxmlformats.org/drawingml/2006/main" xmlns:r="http://schemas.openxmlformats.org/officeDocument/2006/relationships" xmlns:p="http://schemas.openxmlformats.org/presentationml/2006/main">
-  <p:cSld>
-    <p:spTree>
-      <p:nvGrpSpPr>
-        <p:cNvPr id="1" name=""/>
-        <p:cNvGrpSpPr/>
-        <p:nvPr/>
-      </p:nvGrpSpPr>
-      <p:grpSpPr>
-        <a:xfrm>
-          <a:off x="0" y="0"/>
-          <a:ext cx="0" cy="0"/>
-          <a:chOff x="0" y="0"/>
-          <a:chExt cx="0" cy="0"/>
-        </a:xfrm>
-      </p:grpSpPr>
-      <p:pic>
-        <p:nvPicPr>
-          <p:cNvPr id="11" name="図 10">
-            <a:extLst>
-              <a:ext uri="{FF2B5EF4-FFF2-40B4-BE49-F238E27FC236}">
-                <a16:creationId xmlns:a16="http://schemas.microsoft.com/office/drawing/2014/main" id="{E538A875-9A59-4012-89DD-BC310019C6E8}"/>
-              </a:ext>
-            </a:extLst>
-          </p:cNvPr>
-          <p:cNvPicPr>
-            <a:picLocks noChangeAspect="1"/>
-          </p:cNvPicPr>
-          <p:nvPr/>
-        </p:nvPicPr>
-        <p:blipFill rotWithShape="1">
-          <a:blip r:embed="rId2">
-            <a:extLst>
-              <a:ext uri="{28A0092B-C50C-407E-A947-70E740481C1C}">
-                <a14:useLocalDpi xmlns:a14="http://schemas.microsoft.com/office/drawing/2010/main" val="0"/>
-              </a:ext>
-            </a:extLst>
-          </a:blip>
-          <a:srcRect l="22004" t="31660" r="22004" b="37435"/>
-          <a:stretch/>
-        </p:blipFill>
-        <p:spPr>
-          <a:xfrm>
-            <a:off x="10461021" y="1105700"/>
-            <a:ext cx="1369225" cy="1343526"/>
-          </a:xfrm>
-          <a:prstGeom prst="ellipse">
-            <a:avLst/>
-          </a:prstGeom>
-          <a:ln w="19050" cap="rnd">
-            <a:solidFill>
-              <a:schemeClr val="tx1"/>
-            </a:solidFill>
-          </a:ln>
-          <a:effectLst/>
-          <a:scene3d>
-            <a:camera prst="orthographicFront"/>
-            <a:lightRig rig="contrasting" dir="t">
-              <a:rot lat="0" lon="0" rev="3000000"/>
-            </a:lightRig>
-          </a:scene3d>
-          <a:sp3d contourW="7620">
-            <a:bevelT w="95250" h="31750"/>
-            <a:contourClr>
-              <a:srgbClr val="333333"/>
-            </a:contourClr>
-          </a:sp3d>
-        </p:spPr>
-      </p:pic>
-      <p:sp>
-        <p:nvSpPr>
-          <p:cNvPr id="14" name="楕円 13">
-            <a:extLst>
-              <a:ext uri="{FF2B5EF4-FFF2-40B4-BE49-F238E27FC236}">
-                <a16:creationId xmlns:a16="http://schemas.microsoft.com/office/drawing/2014/main" id="{B04E23A6-FA95-46B1-AD4B-8279B96AD0ED}"/>
-              </a:ext>
-            </a:extLst>
-          </p:cNvPr>
-          <p:cNvSpPr/>
-          <p:nvPr/>
-        </p:nvSpPr>
-        <p:spPr>
-          <a:xfrm>
-            <a:off x="992787" y="1105700"/>
-            <a:ext cx="1369225" cy="1343526"/>
-          </a:xfrm>
-          <a:prstGeom prst="ellipse">
-            <a:avLst/>
-          </a:prstGeom>
-          <a:noFill/>
-        </p:spPr>
-        <p:style>
-          <a:lnRef idx="2">
-            <a:schemeClr val="accent1">
-              <a:shade val="50000"/>
-            </a:schemeClr>
-          </a:lnRef>
-          <a:fillRef idx="1">
-            <a:schemeClr val="accent1"/>
-          </a:fillRef>
-          <a:effectRef idx="0">
-            <a:schemeClr val="accent1"/>
-          </a:effectRef>
-          <a:fontRef idx="minor">
-            <a:schemeClr val="lt1"/>
-          </a:fontRef>
-        </p:style>
-        <p:txBody>
-          <a:bodyPr rtlCol="0" anchor="ctr"/>
-          <a:lstStyle/>
-          <a:p>
-            <a:pPr algn="ctr"/>
-            <a:endParaRPr kumimoji="1" lang="ja-JP" altLang="en-US"/>
-          </a:p>
-        </p:txBody>
-      </p:sp>
-      <p:sp>
-        <p:nvSpPr>
-          <p:cNvPr id="15" name="正方形/長方形 14">
-            <a:extLst>
-              <a:ext uri="{FF2B5EF4-FFF2-40B4-BE49-F238E27FC236}">
-                <a16:creationId xmlns:a16="http://schemas.microsoft.com/office/drawing/2014/main" id="{BA17A39E-B151-4002-8B5C-EF87CB9FA3B3}"/>
-              </a:ext>
-            </a:extLst>
-          </p:cNvPr>
-          <p:cNvSpPr/>
-          <p:nvPr/>
-        </p:nvSpPr>
-        <p:spPr>
-          <a:xfrm>
-            <a:off x="4874976" y="451692"/>
-            <a:ext cx="136735" cy="136735"/>
-          </a:xfrm>
-          <a:prstGeom prst="rect">
-            <a:avLst/>
-          </a:prstGeom>
-        </p:spPr>
-        <p:style>
-          <a:lnRef idx="2">
-            <a:schemeClr val="accent1">
-              <a:shade val="50000"/>
-            </a:schemeClr>
-          </a:lnRef>
-          <a:fillRef idx="1">
-            <a:schemeClr val="accent1"/>
-          </a:fillRef>
-          <a:effectRef idx="0">
-            <a:schemeClr val="accent1"/>
-          </a:effectRef>
-          <a:fontRef idx="minor">
-            <a:schemeClr val="lt1"/>
-          </a:fontRef>
-        </p:style>
-        <p:txBody>
-          <a:bodyPr rtlCol="0" anchor="ctr"/>
-          <a:lstStyle/>
-          <a:p>
-            <a:pPr algn="ctr"/>
-            <a:endParaRPr kumimoji="1" lang="ja-JP" altLang="en-US"/>
-          </a:p>
-        </p:txBody>
-      </p:sp>
       <p:grpSp>
         <p:nvGrpSpPr>
           <p:cNvPr id="3" name="グループ化 2">
             <a:extLst>
               <a:ext uri="{FF2B5EF4-FFF2-40B4-BE49-F238E27FC236}">
-                <a16:creationId xmlns:a16="http://schemas.microsoft.com/office/drawing/2014/main" id="{4CD6F6DF-2D03-41EC-B989-CE2C311D511C}"/>
+                <a16:creationId xmlns:a16="http://schemas.microsoft.com/office/drawing/2014/main" id="{EA60F8AB-3766-4180-AC76-D6D59BBF339C}"/>
               </a:ext>
             </a:extLst>
           </p:cNvPr>
@@ -10211,18 +10345,18 @@
         </p:nvGrpSpPr>
         <p:grpSpPr>
           <a:xfrm>
-            <a:off x="3325364" y="1105700"/>
-            <a:ext cx="6067492" cy="1343526"/>
-            <a:chOff x="3325364" y="1105700"/>
-            <a:chExt cx="6067492" cy="1343526"/>
+            <a:off x="3679308" y="1555215"/>
+            <a:ext cx="3134723" cy="1408804"/>
+            <a:chOff x="3679308" y="1555215"/>
+            <a:chExt cx="3134723" cy="1408804"/>
           </a:xfrm>
         </p:grpSpPr>
         <p:pic>
           <p:nvPicPr>
-            <p:cNvPr id="13" name="図 12">
+            <p:cNvPr id="22" name="図 21">
               <a:extLst>
                 <a:ext uri="{FF2B5EF4-FFF2-40B4-BE49-F238E27FC236}">
-                  <a16:creationId xmlns:a16="http://schemas.microsoft.com/office/drawing/2014/main" id="{3B093671-FFA7-4C2F-9C28-BBBC42A4BD31}"/>
+                  <a16:creationId xmlns:a16="http://schemas.microsoft.com/office/drawing/2014/main" id="{6CB74F5C-5BD8-42F9-96B4-3CB68D862944}"/>
                 </a:ext>
               </a:extLst>
             </p:cNvPr>
@@ -10232,25 +10366,25 @@
             <p:nvPr/>
           </p:nvPicPr>
           <p:blipFill rotWithShape="1">
-            <a:blip r:embed="rId3">
+            <a:blip r:embed="rId4">
               <a:extLst>
                 <a:ext uri="{28A0092B-C50C-407E-A947-70E740481C1C}">
                   <a14:useLocalDpi xmlns:a14="http://schemas.microsoft.com/office/drawing/2010/main" val="0"/>
                 </a:ext>
               </a:extLst>
             </a:blip>
-            <a:srcRect l="22004" t="31660" r="22004" b="37436"/>
+            <a:srcRect l="22565" t="31783" r="22681" b="37318"/>
             <a:stretch/>
           </p:blipFill>
           <p:spPr>
             <a:xfrm>
-              <a:off x="8023631" y="1105700"/>
-              <a:ext cx="1369225" cy="1343526"/>
+              <a:off x="5378280" y="1555215"/>
+              <a:ext cx="1435751" cy="1408803"/>
             </a:xfrm>
             <a:prstGeom prst="ellipse">
               <a:avLst/>
             </a:prstGeom>
-            <a:ln w="19050" cap="rnd">
+            <a:ln w="12700" cap="rnd">
               <a:solidFill>
                 <a:schemeClr val="tx1"/>
               </a:solidFill>
@@ -10272,10 +10406,10 @@
         </p:pic>
         <p:pic>
           <p:nvPicPr>
-            <p:cNvPr id="5" name="図 4">
+            <p:cNvPr id="17" name="図 16">
               <a:extLst>
                 <a:ext uri="{FF2B5EF4-FFF2-40B4-BE49-F238E27FC236}">
-                  <a16:creationId xmlns:a16="http://schemas.microsoft.com/office/drawing/2014/main" id="{FE3E59E3-753A-45EF-AA04-62AC657C7D4F}"/>
+                  <a16:creationId xmlns:a16="http://schemas.microsoft.com/office/drawing/2014/main" id="{EA3752D5-0E5F-4A77-95C1-A726CB261D88}"/>
                 </a:ext>
               </a:extLst>
             </p:cNvPr>
@@ -10285,131 +10419,25 @@
             <p:nvPr/>
           </p:nvPicPr>
           <p:blipFill rotWithShape="1">
-            <a:blip r:embed="rId4">
+            <a:blip r:embed="rId2">
               <a:extLst>
                 <a:ext uri="{28A0092B-C50C-407E-A947-70E740481C1C}">
                   <a14:useLocalDpi xmlns:a14="http://schemas.microsoft.com/office/drawing/2010/main" val="0"/>
                 </a:ext>
               </a:extLst>
             </a:blip>
-            <a:srcRect l="22004" t="31660" r="22004" b="37435"/>
+            <a:srcRect l="22565" t="31783" r="22681" b="37318"/>
             <a:stretch/>
           </p:blipFill>
           <p:spPr>
             <a:xfrm>
-              <a:off x="3505751" y="1105700"/>
-              <a:ext cx="1369225" cy="1343526"/>
+              <a:off x="3832744" y="1555216"/>
+              <a:ext cx="1435751" cy="1408803"/>
             </a:xfrm>
             <a:prstGeom prst="ellipse">
               <a:avLst/>
             </a:prstGeom>
-            <a:ln w="19050" cap="rnd">
-              <a:solidFill>
-                <a:schemeClr val="tx1"/>
-              </a:solidFill>
-            </a:ln>
-            <a:effectLst/>
-            <a:scene3d>
-              <a:camera prst="orthographicFront"/>
-              <a:lightRig rig="contrasting" dir="t">
-                <a:rot lat="0" lon="0" rev="3000000"/>
-              </a:lightRig>
-            </a:scene3d>
-            <a:sp3d contourW="7620">
-              <a:bevelT w="95250" h="31750"/>
-              <a:contourClr>
-                <a:srgbClr val="333333"/>
-              </a:contourClr>
-            </a:sp3d>
-          </p:spPr>
-        </p:pic>
-        <p:pic>
-          <p:nvPicPr>
-            <p:cNvPr id="7" name="図 6">
-              <a:extLst>
-                <a:ext uri="{FF2B5EF4-FFF2-40B4-BE49-F238E27FC236}">
-                  <a16:creationId xmlns:a16="http://schemas.microsoft.com/office/drawing/2014/main" id="{A10BB36C-5756-44E4-8B0F-07D0E7EFE697}"/>
-                </a:ext>
-              </a:extLst>
-            </p:cNvPr>
-            <p:cNvPicPr>
-              <a:picLocks noChangeAspect="1"/>
-            </p:cNvPicPr>
-            <p:nvPr/>
-          </p:nvPicPr>
-          <p:blipFill rotWithShape="1">
-            <a:blip r:embed="rId5">
-              <a:extLst>
-                <a:ext uri="{28A0092B-C50C-407E-A947-70E740481C1C}">
-                  <a14:useLocalDpi xmlns:a14="http://schemas.microsoft.com/office/drawing/2010/main" val="0"/>
-                </a:ext>
-              </a:extLst>
-            </a:blip>
-            <a:srcRect l="22004" t="31660" r="22004" b="37436"/>
-            <a:stretch/>
-          </p:blipFill>
-          <p:spPr>
-            <a:xfrm>
-              <a:off x="5011711" y="1105700"/>
-              <a:ext cx="1369225" cy="1343526"/>
-            </a:xfrm>
-            <a:prstGeom prst="ellipse">
-              <a:avLst/>
-            </a:prstGeom>
-            <a:ln w="19050" cap="rnd">
-              <a:solidFill>
-                <a:schemeClr val="tx1"/>
-              </a:solidFill>
-            </a:ln>
-            <a:effectLst/>
-            <a:scene3d>
-              <a:camera prst="orthographicFront"/>
-              <a:lightRig rig="contrasting" dir="t">
-                <a:rot lat="0" lon="0" rev="3000000"/>
-              </a:lightRig>
-            </a:scene3d>
-            <a:sp3d contourW="7620">
-              <a:bevelT w="95250" h="31750"/>
-              <a:contourClr>
-                <a:srgbClr val="333333"/>
-              </a:contourClr>
-            </a:sp3d>
-          </p:spPr>
-        </p:pic>
-        <p:pic>
-          <p:nvPicPr>
-            <p:cNvPr id="9" name="図 8">
-              <a:extLst>
-                <a:ext uri="{FF2B5EF4-FFF2-40B4-BE49-F238E27FC236}">
-                  <a16:creationId xmlns:a16="http://schemas.microsoft.com/office/drawing/2014/main" id="{640BD315-BCAB-4CAE-A911-E2A854904AC4}"/>
-                </a:ext>
-              </a:extLst>
-            </p:cNvPr>
-            <p:cNvPicPr>
-              <a:picLocks noChangeAspect="1"/>
-            </p:cNvPicPr>
-            <p:nvPr/>
-          </p:nvPicPr>
-          <p:blipFill rotWithShape="1">
-            <a:blip r:embed="rId6">
-              <a:extLst>
-                <a:ext uri="{28A0092B-C50C-407E-A947-70E740481C1C}">
-                  <a14:useLocalDpi xmlns:a14="http://schemas.microsoft.com/office/drawing/2010/main" val="0"/>
-                </a:ext>
-              </a:extLst>
-            </a:blip>
-            <a:srcRect l="22004" t="31660" r="22004" b="37436"/>
-            <a:stretch/>
-          </p:blipFill>
-          <p:spPr>
-            <a:xfrm>
-              <a:off x="6517671" y="1105700"/>
-              <a:ext cx="1369225" cy="1343526"/>
-            </a:xfrm>
-            <a:prstGeom prst="ellipse">
-              <a:avLst/>
-            </a:prstGeom>
-            <a:ln w="19050" cap="rnd">
+            <a:ln w="12700" cap="rnd">
               <a:solidFill>
                 <a:schemeClr val="tx1"/>
               </a:solidFill>
@@ -10431,10 +10459,10 @@
         </p:pic>
         <p:sp>
           <p:nvSpPr>
-            <p:cNvPr id="2" name="テキスト ボックス 1">
+            <p:cNvPr id="24" name="テキスト ボックス 23">
               <a:extLst>
                 <a:ext uri="{FF2B5EF4-FFF2-40B4-BE49-F238E27FC236}">
-                  <a16:creationId xmlns:a16="http://schemas.microsoft.com/office/drawing/2014/main" id="{BB916852-D762-4A75-B591-2D9518BE0A2C}"/>
+                  <a16:creationId xmlns:a16="http://schemas.microsoft.com/office/drawing/2014/main" id="{D5AE0343-19FD-4D6F-918F-74953339A089}"/>
                 </a:ext>
               </a:extLst>
             </p:cNvPr>
@@ -10443,7 +10471,7 @@
           </p:nvSpPr>
           <p:spPr>
             <a:xfrm>
-              <a:off x="3325364" y="1105700"/>
+              <a:off x="3679308" y="1555218"/>
               <a:ext cx="360774" cy="276999"/>
             </a:xfrm>
             <a:prstGeom prst="rect">
@@ -10474,10 +10502,10 @@
         </p:sp>
         <p:sp>
           <p:nvSpPr>
-            <p:cNvPr id="12" name="テキスト ボックス 11">
+            <p:cNvPr id="25" name="テキスト ボックス 24">
               <a:extLst>
                 <a:ext uri="{FF2B5EF4-FFF2-40B4-BE49-F238E27FC236}">
-                  <a16:creationId xmlns:a16="http://schemas.microsoft.com/office/drawing/2014/main" id="{4A0264EA-23C0-4E03-B721-76A6A6A3E526}"/>
+                  <a16:creationId xmlns:a16="http://schemas.microsoft.com/office/drawing/2014/main" id="{C50D1106-BADA-404F-9D1F-DC37200E8561}"/>
                 </a:ext>
               </a:extLst>
             </p:cNvPr>
@@ -10486,7 +10514,7 @@
           </p:nvSpPr>
           <p:spPr>
             <a:xfrm>
-              <a:off x="4831324" y="1105700"/>
+              <a:off x="5226015" y="1555218"/>
               <a:ext cx="360774" cy="276999"/>
             </a:xfrm>
             <a:prstGeom prst="rect">
@@ -10515,125 +10543,11 @@
             </a:p>
           </p:txBody>
         </p:sp>
-        <p:sp>
-          <p:nvSpPr>
-            <p:cNvPr id="17" name="テキスト ボックス 16">
-              <a:extLst>
-                <a:ext uri="{FF2B5EF4-FFF2-40B4-BE49-F238E27FC236}">
-                  <a16:creationId xmlns:a16="http://schemas.microsoft.com/office/drawing/2014/main" id="{329D6329-C5B2-49C2-BF64-BB99899D0733}"/>
-                </a:ext>
-              </a:extLst>
-            </p:cNvPr>
-            <p:cNvSpPr txBox="1"/>
-            <p:nvPr/>
-          </p:nvSpPr>
-          <p:spPr>
-            <a:xfrm>
-              <a:off x="6337284" y="1105700"/>
-              <a:ext cx="360774" cy="276999"/>
-            </a:xfrm>
-            <a:prstGeom prst="rect">
-              <a:avLst/>
-            </a:prstGeom>
-            <a:noFill/>
-          </p:spPr>
-          <p:txBody>
-            <a:bodyPr wrap="square" rtlCol="0" anchor="ctr">
-              <a:spAutoFit/>
-            </a:bodyPr>
-            <a:lstStyle/>
-            <a:p>
-              <a:pPr algn="ctr"/>
-              <a:r>
-                <a:rPr kumimoji="1" lang="en-US" altLang="ja-JP" sz="1200" dirty="0">
-                  <a:latin typeface="Times New Roman" panose="02020603050405020304" pitchFamily="18" charset="0"/>
-                  <a:cs typeface="Times New Roman" panose="02020603050405020304" pitchFamily="18" charset="0"/>
-                </a:rPr>
-                <a:t>(</a:t>
-              </a:r>
-              <a:r>
-                <a:rPr lang="en-US" altLang="ja-JP" sz="1200" dirty="0">
-                  <a:latin typeface="Times New Roman" panose="02020603050405020304" pitchFamily="18" charset="0"/>
-                  <a:cs typeface="Times New Roman" panose="02020603050405020304" pitchFamily="18" charset="0"/>
-                </a:rPr>
-                <a:t>c</a:t>
-              </a:r>
-              <a:r>
-                <a:rPr kumimoji="1" lang="en-US" altLang="ja-JP" sz="1200" dirty="0">
-                  <a:latin typeface="Times New Roman" panose="02020603050405020304" pitchFamily="18" charset="0"/>
-                  <a:cs typeface="Times New Roman" panose="02020603050405020304" pitchFamily="18" charset="0"/>
-                </a:rPr>
-                <a:t>)</a:t>
-              </a:r>
-              <a:endParaRPr kumimoji="1" lang="ja-JP" altLang="en-US" sz="1200" dirty="0">
-                <a:latin typeface="Times New Roman" panose="02020603050405020304" pitchFamily="18" charset="0"/>
-                <a:cs typeface="Times New Roman" panose="02020603050405020304" pitchFamily="18" charset="0"/>
-              </a:endParaRPr>
-            </a:p>
-          </p:txBody>
-        </p:sp>
-        <p:sp>
-          <p:nvSpPr>
-            <p:cNvPr id="18" name="テキスト ボックス 17">
-              <a:extLst>
-                <a:ext uri="{FF2B5EF4-FFF2-40B4-BE49-F238E27FC236}">
-                  <a16:creationId xmlns:a16="http://schemas.microsoft.com/office/drawing/2014/main" id="{8EF7172B-E2B5-460A-ADAD-FC9495EB677B}"/>
-                </a:ext>
-              </a:extLst>
-            </p:cNvPr>
-            <p:cNvSpPr txBox="1"/>
-            <p:nvPr/>
-          </p:nvSpPr>
-          <p:spPr>
-            <a:xfrm>
-              <a:off x="7843244" y="1105700"/>
-              <a:ext cx="360774" cy="276999"/>
-            </a:xfrm>
-            <a:prstGeom prst="rect">
-              <a:avLst/>
-            </a:prstGeom>
-            <a:noFill/>
-          </p:spPr>
-          <p:txBody>
-            <a:bodyPr wrap="square" rtlCol="0" anchor="ctr">
-              <a:spAutoFit/>
-            </a:bodyPr>
-            <a:lstStyle/>
-            <a:p>
-              <a:pPr algn="ctr"/>
-              <a:r>
-                <a:rPr kumimoji="1" lang="en-US" altLang="ja-JP" sz="1200" dirty="0">
-                  <a:latin typeface="Times New Roman" panose="02020603050405020304" pitchFamily="18" charset="0"/>
-                  <a:cs typeface="Times New Roman" panose="02020603050405020304" pitchFamily="18" charset="0"/>
-                </a:rPr>
-                <a:t>(</a:t>
-              </a:r>
-              <a:r>
-                <a:rPr lang="en-US" altLang="ja-JP" sz="1200" dirty="0">
-                  <a:latin typeface="Times New Roman" panose="02020603050405020304" pitchFamily="18" charset="0"/>
-                  <a:cs typeface="Times New Roman" panose="02020603050405020304" pitchFamily="18" charset="0"/>
-                </a:rPr>
-                <a:t>d</a:t>
-              </a:r>
-              <a:r>
-                <a:rPr kumimoji="1" lang="en-US" altLang="ja-JP" sz="1200" dirty="0">
-                  <a:latin typeface="Times New Roman" panose="02020603050405020304" pitchFamily="18" charset="0"/>
-                  <a:cs typeface="Times New Roman" panose="02020603050405020304" pitchFamily="18" charset="0"/>
-                </a:rPr>
-                <a:t>)</a:t>
-              </a:r>
-              <a:endParaRPr kumimoji="1" lang="ja-JP" altLang="en-US" sz="1200" dirty="0">
-                <a:latin typeface="Times New Roman" panose="02020603050405020304" pitchFamily="18" charset="0"/>
-                <a:cs typeface="Times New Roman" panose="02020603050405020304" pitchFamily="18" charset="0"/>
-              </a:endParaRPr>
-            </a:p>
-          </p:txBody>
-        </p:sp>
       </p:grpSp>
     </p:spTree>
     <p:extLst>
       <p:ext uri="{BB962C8B-B14F-4D97-AF65-F5344CB8AC3E}">
-        <p14:creationId xmlns:p14="http://schemas.microsoft.com/office/powerpoint/2010/main" val="679669143"/>
+        <p14:creationId xmlns:p14="http://schemas.microsoft.com/office/powerpoint/2010/main" val="1523264111"/>
       </p:ext>
     </p:extLst>
   </p:cSld>

--- a/図とグラフ.pptx
+++ b/図とグラフ.pptx
@@ -6,16 +6,17 @@
   </p:sldMasterIdLst>
   <p:sldIdLst>
     <p:sldId id="268" r:id="rId2"/>
-    <p:sldId id="256" r:id="rId3"/>
-    <p:sldId id="257" r:id="rId4"/>
-    <p:sldId id="269" r:id="rId5"/>
-    <p:sldId id="258" r:id="rId6"/>
-    <p:sldId id="262" r:id="rId7"/>
-    <p:sldId id="266" r:id="rId8"/>
-    <p:sldId id="265" r:id="rId9"/>
-    <p:sldId id="260" r:id="rId10"/>
-    <p:sldId id="259" r:id="rId11"/>
-    <p:sldId id="261" r:id="rId12"/>
+    <p:sldId id="270" r:id="rId3"/>
+    <p:sldId id="256" r:id="rId4"/>
+    <p:sldId id="257" r:id="rId5"/>
+    <p:sldId id="269" r:id="rId6"/>
+    <p:sldId id="258" r:id="rId7"/>
+    <p:sldId id="262" r:id="rId8"/>
+    <p:sldId id="266" r:id="rId9"/>
+    <p:sldId id="265" r:id="rId10"/>
+    <p:sldId id="260" r:id="rId11"/>
+    <p:sldId id="259" r:id="rId12"/>
+    <p:sldId id="261" r:id="rId13"/>
   </p:sldIdLst>
   <p:sldSz cx="12192000" cy="6858000"/>
   <p:notesSz cx="6858000" cy="9144000"/>
@@ -1385,6 +1386,1263 @@
           <c:layoutTarget val="inner"/>
           <c:xMode val="edge"/>
           <c:yMode val="edge"/>
+          <c:x val="9.0942008142673697E-2"/>
+          <c:y val="0.14814814814814814"/>
+          <c:w val="0.87850245137677607"/>
+          <c:h val="0.6663269174686498"/>
+        </c:manualLayout>
+      </c:layout>
+      <c:lineChart>
+        <c:grouping val="standard"/>
+        <c:varyColors val="0"/>
+        <c:ser>
+          <c:idx val="0"/>
+          <c:order val="0"/>
+          <c:tx>
+            <c:strRef>
+              <c:f>All!$C$39</c:f>
+              <c:strCache>
+                <c:ptCount val="1"/>
+                <c:pt idx="0">
+                  <c:v>既存手法</c:v>
+                </c:pt>
+              </c:strCache>
+            </c:strRef>
+          </c:tx>
+          <c:spPr>
+            <a:ln w="28575" cap="rnd">
+              <a:solidFill>
+                <a:schemeClr val="accent1"/>
+              </a:solidFill>
+              <a:round/>
+            </a:ln>
+            <a:effectLst/>
+          </c:spPr>
+          <c:marker>
+            <c:symbol val="circle"/>
+            <c:size val="8"/>
+            <c:spPr>
+              <a:solidFill>
+                <a:schemeClr val="accent1"/>
+              </a:solidFill>
+              <a:ln w="9525">
+                <a:solidFill>
+                  <a:schemeClr val="accent1"/>
+                </a:solidFill>
+              </a:ln>
+              <a:effectLst/>
+            </c:spPr>
+          </c:marker>
+          <c:cat>
+            <c:numRef>
+              <c:f>All!$B$40:$B$51</c:f>
+              <c:numCache>
+                <c:formatCode>General</c:formatCode>
+                <c:ptCount val="12"/>
+                <c:pt idx="0">
+                  <c:v>1</c:v>
+                </c:pt>
+                <c:pt idx="1">
+                  <c:v>2</c:v>
+                </c:pt>
+                <c:pt idx="2">
+                  <c:v>3</c:v>
+                </c:pt>
+                <c:pt idx="3">
+                  <c:v>4</c:v>
+                </c:pt>
+                <c:pt idx="4">
+                  <c:v>5</c:v>
+                </c:pt>
+                <c:pt idx="5">
+                  <c:v>6</c:v>
+                </c:pt>
+                <c:pt idx="6">
+                  <c:v>7</c:v>
+                </c:pt>
+                <c:pt idx="7">
+                  <c:v>8</c:v>
+                </c:pt>
+                <c:pt idx="8">
+                  <c:v>9</c:v>
+                </c:pt>
+                <c:pt idx="9">
+                  <c:v>10</c:v>
+                </c:pt>
+                <c:pt idx="10">
+                  <c:v>11</c:v>
+                </c:pt>
+                <c:pt idx="11">
+                  <c:v>12</c:v>
+                </c:pt>
+              </c:numCache>
+            </c:numRef>
+          </c:cat>
+          <c:val>
+            <c:numRef>
+              <c:f>All!$C$40:$C$51</c:f>
+              <c:numCache>
+                <c:formatCode>General</c:formatCode>
+                <c:ptCount val="12"/>
+                <c:pt idx="0">
+                  <c:v>14.226130766666666</c:v>
+                </c:pt>
+                <c:pt idx="1">
+                  <c:v>12.2486268</c:v>
+                </c:pt>
+                <c:pt idx="2">
+                  <c:v>9.9478838333333321</c:v>
+                </c:pt>
+                <c:pt idx="3">
+                  <c:v>16.659993583333335</c:v>
+                </c:pt>
+                <c:pt idx="4">
+                  <c:v>11.954564516666666</c:v>
+                </c:pt>
+                <c:pt idx="5">
+                  <c:v>13.347583349999999</c:v>
+                </c:pt>
+                <c:pt idx="6">
+                  <c:v>12.065115866666668</c:v>
+                </c:pt>
+                <c:pt idx="7">
+                  <c:v>11.905062966666668</c:v>
+                </c:pt>
+                <c:pt idx="8">
+                  <c:v>8.1008299833333339</c:v>
+                </c:pt>
+                <c:pt idx="9">
+                  <c:v>6.4123380000000001</c:v>
+                </c:pt>
+                <c:pt idx="10">
+                  <c:v>10.855108300000001</c:v>
+                </c:pt>
+                <c:pt idx="11">
+                  <c:v>12.150641350000001</c:v>
+                </c:pt>
+              </c:numCache>
+            </c:numRef>
+          </c:val>
+          <c:smooth val="0"/>
+          <c:extLst>
+            <c:ext xmlns:c16="http://schemas.microsoft.com/office/drawing/2014/chart" uri="{C3380CC4-5D6E-409C-BE32-E72D297353CC}">
+              <c16:uniqueId val="{00000000-969F-4DCB-8213-DF89FB3DBC93}"/>
+            </c:ext>
+          </c:extLst>
+        </c:ser>
+        <c:ser>
+          <c:idx val="1"/>
+          <c:order val="1"/>
+          <c:tx>
+            <c:strRef>
+              <c:f>All!$D$39</c:f>
+              <c:strCache>
+                <c:ptCount val="1"/>
+                <c:pt idx="0">
+                  <c:v>提案手法</c:v>
+                </c:pt>
+              </c:strCache>
+            </c:strRef>
+          </c:tx>
+          <c:spPr>
+            <a:ln w="28575" cap="rnd">
+              <a:solidFill>
+                <a:schemeClr val="accent2"/>
+              </a:solidFill>
+              <a:round/>
+            </a:ln>
+            <a:effectLst/>
+          </c:spPr>
+          <c:marker>
+            <c:symbol val="square"/>
+            <c:size val="8"/>
+            <c:spPr>
+              <a:solidFill>
+                <a:schemeClr val="accent2"/>
+              </a:solidFill>
+              <a:ln w="9525">
+                <a:solidFill>
+                  <a:schemeClr val="accent2"/>
+                </a:solidFill>
+              </a:ln>
+              <a:effectLst/>
+            </c:spPr>
+          </c:marker>
+          <c:cat>
+            <c:numRef>
+              <c:f>All!$B$40:$B$51</c:f>
+              <c:numCache>
+                <c:formatCode>General</c:formatCode>
+                <c:ptCount val="12"/>
+                <c:pt idx="0">
+                  <c:v>1</c:v>
+                </c:pt>
+                <c:pt idx="1">
+                  <c:v>2</c:v>
+                </c:pt>
+                <c:pt idx="2">
+                  <c:v>3</c:v>
+                </c:pt>
+                <c:pt idx="3">
+                  <c:v>4</c:v>
+                </c:pt>
+                <c:pt idx="4">
+                  <c:v>5</c:v>
+                </c:pt>
+                <c:pt idx="5">
+                  <c:v>6</c:v>
+                </c:pt>
+                <c:pt idx="6">
+                  <c:v>7</c:v>
+                </c:pt>
+                <c:pt idx="7">
+                  <c:v>8</c:v>
+                </c:pt>
+                <c:pt idx="8">
+                  <c:v>9</c:v>
+                </c:pt>
+                <c:pt idx="9">
+                  <c:v>10</c:v>
+                </c:pt>
+                <c:pt idx="10">
+                  <c:v>11</c:v>
+                </c:pt>
+                <c:pt idx="11">
+                  <c:v>12</c:v>
+                </c:pt>
+              </c:numCache>
+            </c:numRef>
+          </c:cat>
+          <c:val>
+            <c:numRef>
+              <c:f>All!$D$40:$D$51</c:f>
+              <c:numCache>
+                <c:formatCode>General</c:formatCode>
+                <c:ptCount val="12"/>
+                <c:pt idx="0">
+                  <c:v>8.8575038500000005</c:v>
+                </c:pt>
+                <c:pt idx="1">
+                  <c:v>9.8964649500000004</c:v>
+                </c:pt>
+                <c:pt idx="2">
+                  <c:v>8.8273305666666673</c:v>
+                </c:pt>
+                <c:pt idx="3">
+                  <c:v>6.2952743999999985</c:v>
+                </c:pt>
+                <c:pt idx="4">
+                  <c:v>8.5266958499999994</c:v>
+                </c:pt>
+                <c:pt idx="5">
+                  <c:v>8.9163061666666668</c:v>
+                </c:pt>
+                <c:pt idx="6">
+                  <c:v>5.0876625000000004</c:v>
+                </c:pt>
+                <c:pt idx="7">
+                  <c:v>5.8134923499999998</c:v>
+                </c:pt>
+                <c:pt idx="8">
+                  <c:v>7.8373019999999993</c:v>
+                </c:pt>
+                <c:pt idx="9">
+                  <c:v>5.400433183333333</c:v>
+                </c:pt>
+                <c:pt idx="10">
+                  <c:v>5.3769842666666667</c:v>
+                </c:pt>
+                <c:pt idx="11">
+                  <c:v>5.6415346833333331</c:v>
+                </c:pt>
+              </c:numCache>
+            </c:numRef>
+          </c:val>
+          <c:smooth val="0"/>
+          <c:extLst>
+            <c:ext xmlns:c16="http://schemas.microsoft.com/office/drawing/2014/chart" uri="{C3380CC4-5D6E-409C-BE32-E72D297353CC}">
+              <c16:uniqueId val="{00000001-969F-4DCB-8213-DF89FB3DBC93}"/>
+            </c:ext>
+          </c:extLst>
+        </c:ser>
+        <c:dLbls>
+          <c:showLegendKey val="0"/>
+          <c:showVal val="0"/>
+          <c:showCatName val="0"/>
+          <c:showSerName val="0"/>
+          <c:showPercent val="0"/>
+          <c:showBubbleSize val="0"/>
+        </c:dLbls>
+        <c:marker val="1"/>
+        <c:smooth val="0"/>
+        <c:axId val="806315560"/>
+        <c:axId val="806325728"/>
+      </c:lineChart>
+      <c:catAx>
+        <c:axId val="806315560"/>
+        <c:scaling>
+          <c:orientation val="minMax"/>
+        </c:scaling>
+        <c:delete val="0"/>
+        <c:axPos val="b"/>
+        <c:title>
+          <c:tx>
+            <c:rich>
+              <a:bodyPr rot="0" spcFirstLastPara="1" vertOverflow="ellipsis" vert="horz" wrap="square" anchor="ctr" anchorCtr="1"/>
+              <a:lstStyle/>
+              <a:p>
+                <a:pPr>
+                  <a:defRPr sz="1050" b="0" i="0" u="none" strike="noStrike" kern="1200" baseline="0">
+                    <a:solidFill>
+                      <a:sysClr val="windowText" lastClr="000000"/>
+                    </a:solidFill>
+                    <a:latin typeface="+mn-lt"/>
+                    <a:ea typeface="+mn-ea"/>
+                    <a:cs typeface="+mn-cs"/>
+                  </a:defRPr>
+                </a:pPr>
+                <a:r>
+                  <a:rPr lang="ja-JP" altLang="en-US" sz="1050">
+                    <a:solidFill>
+                      <a:sysClr val="windowText" lastClr="000000"/>
+                    </a:solidFill>
+                  </a:rPr>
+                  <a:t>セッション</a:t>
+                </a:r>
+              </a:p>
+            </c:rich>
+          </c:tx>
+          <c:layout>
+            <c:manualLayout>
+              <c:xMode val="edge"/>
+              <c:yMode val="edge"/>
+              <c:x val="0.44414457567804022"/>
+              <c:y val="0.89409667541557303"/>
+            </c:manualLayout>
+          </c:layout>
+          <c:overlay val="0"/>
+          <c:spPr>
+            <a:noFill/>
+            <a:ln>
+              <a:noFill/>
+            </a:ln>
+            <a:effectLst/>
+          </c:spPr>
+          <c:txPr>
+            <a:bodyPr rot="0" spcFirstLastPara="1" vertOverflow="ellipsis" vert="horz" wrap="square" anchor="ctr" anchorCtr="1"/>
+            <a:lstStyle/>
+            <a:p>
+              <a:pPr>
+                <a:defRPr sz="1050" b="0" i="0" u="none" strike="noStrike" kern="1200" baseline="0">
+                  <a:solidFill>
+                    <a:sysClr val="windowText" lastClr="000000"/>
+                  </a:solidFill>
+                  <a:latin typeface="+mn-lt"/>
+                  <a:ea typeface="+mn-ea"/>
+                  <a:cs typeface="+mn-cs"/>
+                </a:defRPr>
+              </a:pPr>
+              <a:endParaRPr lang="ja-JP"/>
+            </a:p>
+          </c:txPr>
+        </c:title>
+        <c:numFmt formatCode="General" sourceLinked="1"/>
+        <c:majorTickMark val="none"/>
+        <c:minorTickMark val="none"/>
+        <c:tickLblPos val="nextTo"/>
+        <c:spPr>
+          <a:noFill/>
+          <a:ln w="9525" cap="flat" cmpd="sng" algn="ctr">
+            <a:solidFill>
+              <a:schemeClr val="tx1">
+                <a:lumMod val="15000"/>
+                <a:lumOff val="85000"/>
+              </a:schemeClr>
+            </a:solidFill>
+            <a:round/>
+          </a:ln>
+          <a:effectLst/>
+        </c:spPr>
+        <c:txPr>
+          <a:bodyPr rot="-60000000" spcFirstLastPara="1" vertOverflow="ellipsis" vert="horz" wrap="square" anchor="ctr" anchorCtr="1"/>
+          <a:lstStyle/>
+          <a:p>
+            <a:pPr>
+              <a:defRPr sz="900" b="0" i="0" u="none" strike="noStrike" kern="1200" baseline="0">
+                <a:solidFill>
+                  <a:sysClr val="windowText" lastClr="000000"/>
+                </a:solidFill>
+                <a:latin typeface="+mn-lt"/>
+                <a:ea typeface="+mn-ea"/>
+                <a:cs typeface="+mn-cs"/>
+              </a:defRPr>
+            </a:pPr>
+            <a:endParaRPr lang="ja-JP"/>
+          </a:p>
+        </c:txPr>
+        <c:crossAx val="806325728"/>
+        <c:crosses val="autoZero"/>
+        <c:auto val="1"/>
+        <c:lblAlgn val="ctr"/>
+        <c:lblOffset val="100"/>
+        <c:noMultiLvlLbl val="0"/>
+      </c:catAx>
+      <c:valAx>
+        <c:axId val="806325728"/>
+        <c:scaling>
+          <c:orientation val="minMax"/>
+        </c:scaling>
+        <c:delete val="0"/>
+        <c:axPos val="l"/>
+        <c:majorGridlines>
+          <c:spPr>
+            <a:ln w="9525" cap="flat" cmpd="sng" algn="ctr">
+              <a:solidFill>
+                <a:schemeClr val="tx1">
+                  <a:lumMod val="15000"/>
+                  <a:lumOff val="85000"/>
+                </a:schemeClr>
+              </a:solidFill>
+              <a:round/>
+            </a:ln>
+            <a:effectLst/>
+          </c:spPr>
+        </c:majorGridlines>
+        <c:title>
+          <c:tx>
+            <c:rich>
+              <a:bodyPr rot="0" spcFirstLastPara="1" vertOverflow="ellipsis" wrap="square" anchor="ctr" anchorCtr="1"/>
+              <a:lstStyle/>
+              <a:p>
+                <a:pPr>
+                  <a:defRPr sz="1050" b="0" i="0" u="none" strike="noStrike" kern="1200" baseline="0">
+                    <a:solidFill>
+                      <a:sysClr val="windowText" lastClr="000000"/>
+                    </a:solidFill>
+                    <a:latin typeface="+mn-lt"/>
+                    <a:ea typeface="+mn-ea"/>
+                    <a:cs typeface="+mn-cs"/>
+                  </a:defRPr>
+                </a:pPr>
+                <a:r>
+                  <a:rPr lang="en-US" altLang="ja-JP" sz="1050">
+                    <a:solidFill>
+                      <a:sysClr val="windowText" lastClr="000000"/>
+                    </a:solidFill>
+                    <a:latin typeface="+mn-ea"/>
+                    <a:ea typeface="+mn-ea"/>
+                  </a:rPr>
+                  <a:t>Cerr</a:t>
+                </a:r>
+                <a:r>
+                  <a:rPr lang="en-US" altLang="ja-JP" sz="1050" baseline="0">
+                    <a:solidFill>
+                      <a:sysClr val="windowText" lastClr="000000"/>
+                    </a:solidFill>
+                    <a:latin typeface="+mn-ea"/>
+                    <a:ea typeface="+mn-ea"/>
+                  </a:rPr>
+                  <a:t> [%]</a:t>
+                </a:r>
+                <a:endParaRPr lang="ja-JP" altLang="en-US" sz="1050">
+                  <a:solidFill>
+                    <a:sysClr val="windowText" lastClr="000000"/>
+                  </a:solidFill>
+                  <a:latin typeface="+mn-ea"/>
+                  <a:ea typeface="+mn-ea"/>
+                </a:endParaRPr>
+              </a:p>
+            </c:rich>
+          </c:tx>
+          <c:layout>
+            <c:manualLayout>
+              <c:xMode val="edge"/>
+              <c:yMode val="edge"/>
+              <c:x val="1.6604020974277097E-2"/>
+              <c:y val="2.2503674306250065E-2"/>
+            </c:manualLayout>
+          </c:layout>
+          <c:overlay val="0"/>
+          <c:spPr>
+            <a:noFill/>
+            <a:ln>
+              <a:noFill/>
+            </a:ln>
+            <a:effectLst/>
+          </c:spPr>
+          <c:txPr>
+            <a:bodyPr rot="0" spcFirstLastPara="1" vertOverflow="ellipsis" wrap="square" anchor="ctr" anchorCtr="1"/>
+            <a:lstStyle/>
+            <a:p>
+              <a:pPr>
+                <a:defRPr sz="1050" b="0" i="0" u="none" strike="noStrike" kern="1200" baseline="0">
+                  <a:solidFill>
+                    <a:sysClr val="windowText" lastClr="000000"/>
+                  </a:solidFill>
+                  <a:latin typeface="+mn-lt"/>
+                  <a:ea typeface="+mn-ea"/>
+                  <a:cs typeface="+mn-cs"/>
+                </a:defRPr>
+              </a:pPr>
+              <a:endParaRPr lang="ja-JP"/>
+            </a:p>
+          </c:txPr>
+        </c:title>
+        <c:numFmt formatCode="General" sourceLinked="1"/>
+        <c:majorTickMark val="none"/>
+        <c:minorTickMark val="none"/>
+        <c:tickLblPos val="nextTo"/>
+        <c:spPr>
+          <a:noFill/>
+          <a:ln>
+            <a:noFill/>
+          </a:ln>
+          <a:effectLst/>
+        </c:spPr>
+        <c:txPr>
+          <a:bodyPr rot="-60000000" spcFirstLastPara="1" vertOverflow="ellipsis" vert="horz" wrap="square" anchor="ctr" anchorCtr="1"/>
+          <a:lstStyle/>
+          <a:p>
+            <a:pPr>
+              <a:defRPr sz="900" b="0" i="0" u="none" strike="noStrike" kern="1200" baseline="0">
+                <a:solidFill>
+                  <a:sysClr val="windowText" lastClr="000000"/>
+                </a:solidFill>
+                <a:latin typeface="+mn-lt"/>
+                <a:ea typeface="+mn-ea"/>
+                <a:cs typeface="+mn-cs"/>
+              </a:defRPr>
+            </a:pPr>
+            <a:endParaRPr lang="ja-JP"/>
+          </a:p>
+        </c:txPr>
+        <c:crossAx val="806315560"/>
+        <c:crosses val="autoZero"/>
+        <c:crossBetween val="between"/>
+      </c:valAx>
+      <c:spPr>
+        <a:noFill/>
+        <a:ln>
+          <a:noFill/>
+        </a:ln>
+        <a:effectLst/>
+      </c:spPr>
+    </c:plotArea>
+    <c:legend>
+      <c:legendPos val="b"/>
+      <c:layout>
+        <c:manualLayout>
+          <c:xMode val="edge"/>
+          <c:yMode val="edge"/>
+          <c:x val="0.28000000000000003"/>
+          <c:y val="4.3093832020997341E-2"/>
+          <c:w val="0.44000000000000006"/>
+          <c:h val="8.6535797608632267E-2"/>
+        </c:manualLayout>
+      </c:layout>
+      <c:overlay val="0"/>
+      <c:spPr>
+        <a:noFill/>
+        <a:ln>
+          <a:noFill/>
+        </a:ln>
+        <a:effectLst/>
+      </c:spPr>
+      <c:txPr>
+        <a:bodyPr rot="0" spcFirstLastPara="1" vertOverflow="ellipsis" vert="horz" wrap="square" anchor="ctr" anchorCtr="1"/>
+        <a:lstStyle/>
+        <a:p>
+          <a:pPr>
+            <a:defRPr sz="1050" b="0" i="0" u="none" strike="noStrike" kern="1200" baseline="0">
+              <a:solidFill>
+                <a:sysClr val="windowText" lastClr="000000"/>
+              </a:solidFill>
+              <a:latin typeface="+mn-lt"/>
+              <a:ea typeface="+mn-ea"/>
+              <a:cs typeface="+mn-cs"/>
+            </a:defRPr>
+          </a:pPr>
+          <a:endParaRPr lang="ja-JP"/>
+        </a:p>
+      </c:txPr>
+    </c:legend>
+    <c:plotVisOnly val="1"/>
+    <c:dispBlanksAs val="gap"/>
+    <c:showDLblsOverMax val="0"/>
+  </c:chart>
+  <c:spPr>
+    <a:noFill/>
+    <a:ln>
+      <a:noFill/>
+    </a:ln>
+    <a:effectLst/>
+  </c:spPr>
+  <c:txPr>
+    <a:bodyPr/>
+    <a:lstStyle/>
+    <a:p>
+      <a:pPr>
+        <a:defRPr/>
+      </a:pPr>
+      <a:endParaRPr lang="ja-JP"/>
+    </a:p>
+  </c:txPr>
+  <c:externalData r:id="rId3">
+    <c:autoUpdate val="0"/>
+  </c:externalData>
+</c:chartSpace>
+</file>
+
+<file path=ppt/charts/chart4.xml><?xml version="1.0" encoding="utf-8"?>
+<c:chartSpace xmlns:c="http://schemas.openxmlformats.org/drawingml/2006/chart" xmlns:a="http://schemas.openxmlformats.org/drawingml/2006/main" xmlns:r="http://schemas.openxmlformats.org/officeDocument/2006/relationships" xmlns:c16r2="http://schemas.microsoft.com/office/drawing/2015/06/chart">
+  <c:date1904 val="0"/>
+  <c:lang val="ja-JP"/>
+  <c:roundedCorners val="0"/>
+  <mc:AlternateContent xmlns:mc="http://schemas.openxmlformats.org/markup-compatibility/2006">
+    <mc:Choice xmlns:c14="http://schemas.microsoft.com/office/drawing/2007/8/2/chart" Requires="c14">
+      <c14:style val="102"/>
+    </mc:Choice>
+    <mc:Fallback>
+      <c:style val="2"/>
+    </mc:Fallback>
+  </mc:AlternateContent>
+  <c:chart>
+    <c:autoTitleDeleted val="1"/>
+    <c:plotArea>
+      <c:layout>
+        <c:manualLayout>
+          <c:layoutTarget val="inner"/>
+          <c:xMode val="edge"/>
+          <c:yMode val="edge"/>
+          <c:x val="9.0872484689413821E-2"/>
+          <c:y val="0.1388888888888889"/>
+          <c:w val="0.87857195975503066"/>
+          <c:h val="0.68307852143482073"/>
+        </c:manualLayout>
+      </c:layout>
+      <c:lineChart>
+        <c:grouping val="standard"/>
+        <c:varyColors val="0"/>
+        <c:ser>
+          <c:idx val="0"/>
+          <c:order val="0"/>
+          <c:tx>
+            <c:strRef>
+              <c:f>All!$C$40</c:f>
+              <c:strCache>
+                <c:ptCount val="1"/>
+                <c:pt idx="0">
+                  <c:v>既存手法</c:v>
+                </c:pt>
+              </c:strCache>
+            </c:strRef>
+          </c:tx>
+          <c:spPr>
+            <a:ln w="28575" cap="rnd">
+              <a:solidFill>
+                <a:schemeClr val="accent1"/>
+              </a:solidFill>
+              <a:round/>
+            </a:ln>
+            <a:effectLst/>
+          </c:spPr>
+          <c:marker>
+            <c:symbol val="circle"/>
+            <c:size val="8"/>
+            <c:spPr>
+              <a:solidFill>
+                <a:schemeClr val="accent1"/>
+              </a:solidFill>
+              <a:ln w="9525">
+                <a:solidFill>
+                  <a:schemeClr val="accent1"/>
+                </a:solidFill>
+              </a:ln>
+              <a:effectLst/>
+            </c:spPr>
+          </c:marker>
+          <c:dLbls>
+            <c:delete val="1"/>
+          </c:dLbls>
+          <c:cat>
+            <c:strRef>
+              <c:f>All!$B$41:$B$55</c:f>
+              <c:strCache>
+                <c:ptCount val="14"/>
+                <c:pt idx="0">
+                  <c:v>1</c:v>
+                </c:pt>
+                <c:pt idx="1">
+                  <c:v>2</c:v>
+                </c:pt>
+                <c:pt idx="2">
+                  <c:v>3</c:v>
+                </c:pt>
+                <c:pt idx="3">
+                  <c:v>4</c:v>
+                </c:pt>
+                <c:pt idx="4">
+                  <c:v>5</c:v>
+                </c:pt>
+                <c:pt idx="5">
+                  <c:v>6</c:v>
+                </c:pt>
+                <c:pt idx="6">
+                  <c:v>7</c:v>
+                </c:pt>
+                <c:pt idx="7">
+                  <c:v>8</c:v>
+                </c:pt>
+                <c:pt idx="8">
+                  <c:v>9</c:v>
+                </c:pt>
+                <c:pt idx="9">
+                  <c:v>10</c:v>
+                </c:pt>
+                <c:pt idx="10">
+                  <c:v>11</c:v>
+                </c:pt>
+                <c:pt idx="11">
+                  <c:v>12</c:v>
+                </c:pt>
+                <c:pt idx="13">
+                  <c:v>all</c:v>
+                </c:pt>
+              </c:strCache>
+            </c:strRef>
+          </c:cat>
+          <c:val>
+            <c:numRef>
+              <c:f>All!$C$41:$C$52</c:f>
+              <c:numCache>
+                <c:formatCode>General</c:formatCode>
+                <c:ptCount val="12"/>
+                <c:pt idx="0">
+                  <c:v>99.145959166666657</c:v>
+                </c:pt>
+                <c:pt idx="1">
+                  <c:v>110.81027523333334</c:v>
+                </c:pt>
+                <c:pt idx="2">
+                  <c:v>123.54328958333333</c:v>
+                </c:pt>
+                <c:pt idx="3">
+                  <c:v>95.102787033333328</c:v>
+                </c:pt>
+                <c:pt idx="4">
+                  <c:v>109.53685703333333</c:v>
+                </c:pt>
+                <c:pt idx="5">
+                  <c:v>108.75405761666666</c:v>
+                </c:pt>
+                <c:pt idx="6">
+                  <c:v>113.67941593333333</c:v>
+                </c:pt>
+                <c:pt idx="7">
+                  <c:v>110.15107913333331</c:v>
+                </c:pt>
+                <c:pt idx="8">
+                  <c:v>122.43871835000002</c:v>
+                </c:pt>
+                <c:pt idx="9">
+                  <c:v>116.76659053333336</c:v>
+                </c:pt>
+                <c:pt idx="10">
+                  <c:v>112.63850588333335</c:v>
+                </c:pt>
+                <c:pt idx="11">
+                  <c:v>109.25553728333333</c:v>
+                </c:pt>
+              </c:numCache>
+            </c:numRef>
+          </c:val>
+          <c:smooth val="0"/>
+          <c:extLst>
+            <c:ext xmlns:c16="http://schemas.microsoft.com/office/drawing/2014/chart" uri="{C3380CC4-5D6E-409C-BE32-E72D297353CC}">
+              <c16:uniqueId val="{00000000-DFC7-4298-8FCA-E579C9AF5C75}"/>
+            </c:ext>
+          </c:extLst>
+        </c:ser>
+        <c:ser>
+          <c:idx val="1"/>
+          <c:order val="1"/>
+          <c:tx>
+            <c:strRef>
+              <c:f>All!$D$40</c:f>
+              <c:strCache>
+                <c:ptCount val="1"/>
+                <c:pt idx="0">
+                  <c:v>提案手法</c:v>
+                </c:pt>
+              </c:strCache>
+            </c:strRef>
+          </c:tx>
+          <c:spPr>
+            <a:ln w="28575" cap="rnd">
+              <a:solidFill>
+                <a:schemeClr val="accent2"/>
+              </a:solidFill>
+              <a:round/>
+            </a:ln>
+            <a:effectLst/>
+          </c:spPr>
+          <c:marker>
+            <c:symbol val="square"/>
+            <c:size val="8"/>
+            <c:spPr>
+              <a:solidFill>
+                <a:schemeClr val="accent2"/>
+              </a:solidFill>
+              <a:ln w="9525">
+                <a:solidFill>
+                  <a:schemeClr val="accent2"/>
+                </a:solidFill>
+              </a:ln>
+              <a:effectLst/>
+            </c:spPr>
+          </c:marker>
+          <c:dLbls>
+            <c:delete val="1"/>
+          </c:dLbls>
+          <c:cat>
+            <c:strRef>
+              <c:f>All!$B$41:$B$55</c:f>
+              <c:strCache>
+                <c:ptCount val="14"/>
+                <c:pt idx="0">
+                  <c:v>1</c:v>
+                </c:pt>
+                <c:pt idx="1">
+                  <c:v>2</c:v>
+                </c:pt>
+                <c:pt idx="2">
+                  <c:v>3</c:v>
+                </c:pt>
+                <c:pt idx="3">
+                  <c:v>4</c:v>
+                </c:pt>
+                <c:pt idx="4">
+                  <c:v>5</c:v>
+                </c:pt>
+                <c:pt idx="5">
+                  <c:v>6</c:v>
+                </c:pt>
+                <c:pt idx="6">
+                  <c:v>7</c:v>
+                </c:pt>
+                <c:pt idx="7">
+                  <c:v>8</c:v>
+                </c:pt>
+                <c:pt idx="8">
+                  <c:v>9</c:v>
+                </c:pt>
+                <c:pt idx="9">
+                  <c:v>10</c:v>
+                </c:pt>
+                <c:pt idx="10">
+                  <c:v>11</c:v>
+                </c:pt>
+                <c:pt idx="11">
+                  <c:v>12</c:v>
+                </c:pt>
+                <c:pt idx="13">
+                  <c:v>all</c:v>
+                </c:pt>
+              </c:strCache>
+            </c:strRef>
+          </c:cat>
+          <c:val>
+            <c:numRef>
+              <c:f>All!$D$41:$D$52</c:f>
+              <c:numCache>
+                <c:formatCode>General</c:formatCode>
+                <c:ptCount val="12"/>
+                <c:pt idx="0">
+                  <c:v>144.17013120000001</c:v>
+                </c:pt>
+                <c:pt idx="1">
+                  <c:v>128.21358515</c:v>
+                </c:pt>
+                <c:pt idx="2">
+                  <c:v>137.31419664999999</c:v>
+                </c:pt>
+                <c:pt idx="3">
+                  <c:v>135.06091396666667</c:v>
+                </c:pt>
+                <c:pt idx="4">
+                  <c:v>141.98991051666667</c:v>
+                </c:pt>
+                <c:pt idx="5">
+                  <c:v>147.60879869999999</c:v>
+                </c:pt>
+                <c:pt idx="6">
+                  <c:v>159.56385401666665</c:v>
+                </c:pt>
+                <c:pt idx="7">
+                  <c:v>157.94185214999999</c:v>
+                </c:pt>
+                <c:pt idx="8">
+                  <c:v>147.02166340000002</c:v>
+                </c:pt>
+                <c:pt idx="9">
+                  <c:v>142.08964723333332</c:v>
+                </c:pt>
+                <c:pt idx="10">
+                  <c:v>166.06515708333333</c:v>
+                </c:pt>
+                <c:pt idx="11">
+                  <c:v>163.71282773333334</c:v>
+                </c:pt>
+              </c:numCache>
+            </c:numRef>
+          </c:val>
+          <c:smooth val="0"/>
+          <c:extLst>
+            <c:ext xmlns:c16="http://schemas.microsoft.com/office/drawing/2014/chart" uri="{C3380CC4-5D6E-409C-BE32-E72D297353CC}">
+              <c16:uniqueId val="{00000001-DFC7-4298-8FCA-E579C9AF5C75}"/>
+            </c:ext>
+          </c:extLst>
+        </c:ser>
+        <c:dLbls>
+          <c:dLblPos val="t"/>
+          <c:showLegendKey val="0"/>
+          <c:showVal val="1"/>
+          <c:showCatName val="0"/>
+          <c:showSerName val="0"/>
+          <c:showPercent val="0"/>
+          <c:showBubbleSize val="0"/>
+        </c:dLbls>
+        <c:marker val="1"/>
+        <c:smooth val="0"/>
+        <c:axId val="864096984"/>
+        <c:axId val="864091736"/>
+      </c:lineChart>
+      <c:catAx>
+        <c:axId val="864096984"/>
+        <c:scaling>
+          <c:orientation val="minMax"/>
+        </c:scaling>
+        <c:delete val="0"/>
+        <c:axPos val="b"/>
+        <c:title>
+          <c:tx>
+            <c:rich>
+              <a:bodyPr rot="0" spcFirstLastPara="1" vertOverflow="ellipsis" vert="horz" wrap="square" anchor="ctr" anchorCtr="1"/>
+              <a:lstStyle/>
+              <a:p>
+                <a:pPr>
+                  <a:defRPr sz="1050" b="0" i="0" u="none" strike="noStrike" kern="1200" baseline="0">
+                    <a:solidFill>
+                      <a:sysClr val="windowText" lastClr="000000"/>
+                    </a:solidFill>
+                    <a:latin typeface="+mn-lt"/>
+                    <a:ea typeface="+mn-ea"/>
+                    <a:cs typeface="+mn-cs"/>
+                  </a:defRPr>
+                </a:pPr>
+                <a:r>
+                  <a:rPr lang="ja-JP" altLang="en-US" sz="1050">
+                    <a:solidFill>
+                      <a:sysClr val="windowText" lastClr="000000"/>
+                    </a:solidFill>
+                  </a:rPr>
+                  <a:t>セッション</a:t>
+                </a:r>
+              </a:p>
+            </c:rich>
+          </c:tx>
+          <c:layout>
+            <c:manualLayout>
+              <c:xMode val="edge"/>
+              <c:yMode val="edge"/>
+              <c:x val="0.4489083552055993"/>
+              <c:y val="0.88627296587926507"/>
+            </c:manualLayout>
+          </c:layout>
+          <c:overlay val="0"/>
+          <c:spPr>
+            <a:noFill/>
+            <a:ln>
+              <a:noFill/>
+            </a:ln>
+            <a:effectLst/>
+          </c:spPr>
+          <c:txPr>
+            <a:bodyPr rot="0" spcFirstLastPara="1" vertOverflow="ellipsis" vert="horz" wrap="square" anchor="ctr" anchorCtr="1"/>
+            <a:lstStyle/>
+            <a:p>
+              <a:pPr>
+                <a:defRPr sz="1050" b="0" i="0" u="none" strike="noStrike" kern="1200" baseline="0">
+                  <a:solidFill>
+                    <a:sysClr val="windowText" lastClr="000000"/>
+                  </a:solidFill>
+                  <a:latin typeface="+mn-lt"/>
+                  <a:ea typeface="+mn-ea"/>
+                  <a:cs typeface="+mn-cs"/>
+                </a:defRPr>
+              </a:pPr>
+              <a:endParaRPr lang="ja-JP"/>
+            </a:p>
+          </c:txPr>
+        </c:title>
+        <c:numFmt formatCode="General" sourceLinked="1"/>
+        <c:majorTickMark val="none"/>
+        <c:minorTickMark val="none"/>
+        <c:tickLblPos val="nextTo"/>
+        <c:spPr>
+          <a:noFill/>
+          <a:ln w="9525" cap="flat" cmpd="sng" algn="ctr">
+            <a:solidFill>
+              <a:schemeClr val="tx1">
+                <a:lumMod val="15000"/>
+                <a:lumOff val="85000"/>
+              </a:schemeClr>
+            </a:solidFill>
+            <a:round/>
+          </a:ln>
+          <a:effectLst/>
+        </c:spPr>
+        <c:txPr>
+          <a:bodyPr rot="-60000000" spcFirstLastPara="1" vertOverflow="ellipsis" vert="horz" wrap="square" anchor="ctr" anchorCtr="1"/>
+          <a:lstStyle/>
+          <a:p>
+            <a:pPr>
+              <a:defRPr sz="900" b="0" i="0" u="none" strike="noStrike" kern="1200" baseline="0">
+                <a:solidFill>
+                  <a:sysClr val="windowText" lastClr="000000"/>
+                </a:solidFill>
+                <a:latin typeface="+mn-lt"/>
+                <a:ea typeface="+mn-ea"/>
+                <a:cs typeface="+mn-cs"/>
+              </a:defRPr>
+            </a:pPr>
+            <a:endParaRPr lang="ja-JP"/>
+          </a:p>
+        </c:txPr>
+        <c:crossAx val="864091736"/>
+        <c:crosses val="autoZero"/>
+        <c:auto val="1"/>
+        <c:lblAlgn val="ctr"/>
+        <c:lblOffset val="100"/>
+        <c:noMultiLvlLbl val="0"/>
+      </c:catAx>
+      <c:valAx>
+        <c:axId val="864091736"/>
+        <c:scaling>
+          <c:orientation val="minMax"/>
+        </c:scaling>
+        <c:delete val="0"/>
+        <c:axPos val="l"/>
+        <c:majorGridlines>
+          <c:spPr>
+            <a:ln w="9525" cap="flat" cmpd="sng" algn="ctr">
+              <a:solidFill>
+                <a:schemeClr val="tx1">
+                  <a:lumMod val="15000"/>
+                  <a:lumOff val="85000"/>
+                </a:schemeClr>
+              </a:solidFill>
+              <a:round/>
+            </a:ln>
+            <a:effectLst/>
+          </c:spPr>
+        </c:majorGridlines>
+        <c:title>
+          <c:tx>
+            <c:rich>
+              <a:bodyPr rot="0" spcFirstLastPara="1" vertOverflow="ellipsis" wrap="square" anchor="ctr" anchorCtr="1"/>
+              <a:lstStyle/>
+              <a:p>
+                <a:pPr>
+                  <a:defRPr sz="1000" b="0" i="0" u="none" strike="noStrike" kern="1200" baseline="0">
+                    <a:solidFill>
+                      <a:sysClr val="windowText" lastClr="000000"/>
+                    </a:solidFill>
+                    <a:latin typeface="+mn-lt"/>
+                    <a:ea typeface="+mn-ea"/>
+                    <a:cs typeface="+mn-cs"/>
+                  </a:defRPr>
+                </a:pPr>
+                <a:r>
+                  <a:rPr lang="en-US" altLang="ja-JP" sz="1050">
+                    <a:solidFill>
+                      <a:sysClr val="windowText" lastClr="000000"/>
+                    </a:solidFill>
+                    <a:latin typeface="+mn-ea"/>
+                    <a:ea typeface="+mn-ea"/>
+                  </a:rPr>
+                  <a:t>CPM</a:t>
+                </a:r>
+                <a:endParaRPr lang="ja-JP" altLang="en-US" sz="1050">
+                  <a:solidFill>
+                    <a:sysClr val="windowText" lastClr="000000"/>
+                  </a:solidFill>
+                  <a:latin typeface="+mn-ea"/>
+                  <a:ea typeface="+mn-ea"/>
+                </a:endParaRPr>
+              </a:p>
+            </c:rich>
+          </c:tx>
+          <c:layout>
+            <c:manualLayout>
+              <c:xMode val="edge"/>
+              <c:yMode val="edge"/>
+              <c:x val="1.1203049430600338E-2"/>
+              <c:y val="2.3101515391178926E-2"/>
+            </c:manualLayout>
+          </c:layout>
+          <c:overlay val="0"/>
+          <c:spPr>
+            <a:noFill/>
+            <a:ln>
+              <a:noFill/>
+            </a:ln>
+            <a:effectLst/>
+          </c:spPr>
+          <c:txPr>
+            <a:bodyPr rot="0" spcFirstLastPara="1" vertOverflow="ellipsis" wrap="square" anchor="ctr" anchorCtr="1"/>
+            <a:lstStyle/>
+            <a:p>
+              <a:pPr>
+                <a:defRPr sz="1000" b="0" i="0" u="none" strike="noStrike" kern="1200" baseline="0">
+                  <a:solidFill>
+                    <a:sysClr val="windowText" lastClr="000000"/>
+                  </a:solidFill>
+                  <a:latin typeface="+mn-lt"/>
+                  <a:ea typeface="+mn-ea"/>
+                  <a:cs typeface="+mn-cs"/>
+                </a:defRPr>
+              </a:pPr>
+              <a:endParaRPr lang="ja-JP"/>
+            </a:p>
+          </c:txPr>
+        </c:title>
+        <c:numFmt formatCode="General" sourceLinked="1"/>
+        <c:majorTickMark val="none"/>
+        <c:minorTickMark val="none"/>
+        <c:tickLblPos val="nextTo"/>
+        <c:spPr>
+          <a:noFill/>
+          <a:ln>
+            <a:noFill/>
+          </a:ln>
+          <a:effectLst/>
+        </c:spPr>
+        <c:txPr>
+          <a:bodyPr rot="-60000000" spcFirstLastPara="1" vertOverflow="ellipsis" vert="horz" wrap="square" anchor="ctr" anchorCtr="1"/>
+          <a:lstStyle/>
+          <a:p>
+            <a:pPr>
+              <a:defRPr sz="900" b="0" i="0" u="none" strike="noStrike" kern="1200" baseline="0">
+                <a:solidFill>
+                  <a:sysClr val="windowText" lastClr="000000"/>
+                </a:solidFill>
+                <a:latin typeface="+mn-lt"/>
+                <a:ea typeface="+mn-ea"/>
+                <a:cs typeface="+mn-cs"/>
+              </a:defRPr>
+            </a:pPr>
+            <a:endParaRPr lang="ja-JP"/>
+          </a:p>
+        </c:txPr>
+        <c:crossAx val="864096984"/>
+        <c:crosses val="autoZero"/>
+        <c:crossBetween val="between"/>
+      </c:valAx>
+      <c:spPr>
+        <a:noFill/>
+        <a:ln>
+          <a:noFill/>
+        </a:ln>
+        <a:effectLst/>
+      </c:spPr>
+    </c:plotArea>
+    <c:legend>
+      <c:legendPos val="b"/>
+      <c:layout>
+        <c:manualLayout>
+          <c:xMode val="edge"/>
+          <c:yMode val="edge"/>
+          <c:x val="0.2688888888888889"/>
+          <c:y val="4.3093832020997341E-2"/>
+          <c:w val="0.44000000000000006"/>
+          <c:h val="8.6535797608632267E-2"/>
+        </c:manualLayout>
+      </c:layout>
+      <c:overlay val="0"/>
+      <c:spPr>
+        <a:noFill/>
+        <a:ln>
+          <a:noFill/>
+        </a:ln>
+        <a:effectLst/>
+      </c:spPr>
+      <c:txPr>
+        <a:bodyPr rot="0" spcFirstLastPara="1" vertOverflow="ellipsis" vert="horz" wrap="square" anchor="ctr" anchorCtr="1"/>
+        <a:lstStyle/>
+        <a:p>
+          <a:pPr>
+            <a:defRPr sz="1050" b="0" i="0" u="none" strike="noStrike" kern="1200" baseline="0">
+              <a:solidFill>
+                <a:sysClr val="windowText" lastClr="000000"/>
+              </a:solidFill>
+              <a:latin typeface="+mn-lt"/>
+              <a:ea typeface="+mn-ea"/>
+              <a:cs typeface="+mn-cs"/>
+            </a:defRPr>
+          </a:pPr>
+          <a:endParaRPr lang="ja-JP"/>
+        </a:p>
+      </c:txPr>
+    </c:legend>
+    <c:plotVisOnly val="1"/>
+    <c:dispBlanksAs val="gap"/>
+    <c:showDLblsOverMax val="0"/>
+  </c:chart>
+  <c:spPr>
+    <a:noFill/>
+    <a:ln>
+      <a:noFill/>
+    </a:ln>
+    <a:effectLst/>
+  </c:spPr>
+  <c:txPr>
+    <a:bodyPr/>
+    <a:lstStyle/>
+    <a:p>
+      <a:pPr>
+        <a:defRPr/>
+      </a:pPr>
+      <a:endParaRPr lang="ja-JP"/>
+    </a:p>
+  </c:txPr>
+  <c:externalData r:id="rId3">
+    <c:autoUpdate val="0"/>
+  </c:externalData>
+</c:chartSpace>
+</file>
+
+<file path=ppt/charts/chart5.xml><?xml version="1.0" encoding="utf-8"?>
+<c:chartSpace xmlns:c="http://schemas.openxmlformats.org/drawingml/2006/chart" xmlns:a="http://schemas.openxmlformats.org/drawingml/2006/main" xmlns:r="http://schemas.openxmlformats.org/officeDocument/2006/relationships" xmlns:c16r2="http://schemas.microsoft.com/office/drawing/2015/06/chart">
+  <c:date1904 val="0"/>
+  <c:lang val="ja-JP"/>
+  <c:roundedCorners val="0"/>
+  <mc:AlternateContent xmlns:mc="http://schemas.openxmlformats.org/markup-compatibility/2006">
+    <mc:Choice xmlns:c14="http://schemas.microsoft.com/office/drawing/2007/8/2/chart" Requires="c14">
+      <c14:style val="102"/>
+    </mc:Choice>
+    <mc:Fallback>
+      <c:style val="2"/>
+    </mc:Fallback>
+  </mc:AlternateContent>
+  <c:chart>
+    <c:autoTitleDeleted val="1"/>
+    <c:plotArea>
+      <c:layout>
+        <c:manualLayout>
+          <c:layoutTarget val="inner"/>
+          <c:xMode val="edge"/>
+          <c:yMode val="edge"/>
           <c:x val="5.4340450541451306E-2"/>
           <c:y val="9.8198044040192278E-2"/>
           <c:w val="0.91486245360043839"/>
@@ -1556,7 +2814,7 @@
           </c:val>
           <c:extLst>
             <c:ext xmlns:c16="http://schemas.microsoft.com/office/drawing/2014/chart" uri="{C3380CC4-5D6E-409C-BE32-E72D297353CC}">
-              <c16:uniqueId val="{00000000-B48C-4B52-A0DC-671F2733D2EE}"/>
+              <c16:uniqueId val="{00000000-D2B8-4CD2-B578-8FE001FFB977}"/>
             </c:ext>
           </c:extLst>
         </c:ser>
@@ -1721,7 +2979,7 @@
           </c:val>
           <c:extLst>
             <c:ext xmlns:c16="http://schemas.microsoft.com/office/drawing/2014/chart" uri="{C3380CC4-5D6E-409C-BE32-E72D297353CC}">
-              <c16:uniqueId val="{00000001-B48C-4B52-A0DC-671F2733D2EE}"/>
+              <c16:uniqueId val="{00000001-D2B8-4CD2-B578-8FE001FFB977}"/>
             </c:ext>
           </c:extLst>
         </c:ser>
@@ -1770,10 +3028,7 @@
             <a:pPr>
               <a:defRPr sz="900" b="0" i="0" u="none" strike="noStrike" kern="1200" baseline="0">
                 <a:solidFill>
-                  <a:schemeClr val="tx1">
-                    <a:lumMod val="65000"/>
-                    <a:lumOff val="35000"/>
-                  </a:schemeClr>
+                  <a:sysClr val="windowText" lastClr="000000"/>
                 </a:solidFill>
                 <a:latin typeface="+mn-lt"/>
                 <a:ea typeface="+mn-ea"/>
@@ -1830,10 +3085,7 @@
             <a:pPr>
               <a:defRPr sz="900" b="0" i="0" u="none" strike="noStrike" kern="1200" baseline="0">
                 <a:solidFill>
-                  <a:schemeClr val="tx1">
-                    <a:lumMod val="65000"/>
-                    <a:lumOff val="35000"/>
-                  </a:schemeClr>
+                  <a:sysClr val="windowText" lastClr="000000"/>
                 </a:solidFill>
                 <a:latin typeface="+mn-lt"/>
                 <a:ea typeface="+mn-ea"/>
@@ -1883,10 +3135,7 @@
           <a:pPr>
             <a:defRPr sz="900" b="0" i="0" u="none" strike="noStrike" kern="1200" baseline="0">
               <a:solidFill>
-                <a:schemeClr val="tx1">
-                  <a:lumMod val="65000"/>
-                  <a:lumOff val="35000"/>
-                </a:schemeClr>
+                <a:sysClr val="windowText" lastClr="000000"/>
               </a:solidFill>
               <a:latin typeface="+mn-lt"/>
               <a:ea typeface="+mn-ea"/>
@@ -2044,6 +3293,86 @@
 </cs:colorStyle>
 </file>
 
+<file path=ppt/charts/colors4.xml><?xml version="1.0" encoding="utf-8"?>
+<cs:colorStyle xmlns:cs="http://schemas.microsoft.com/office/drawing/2012/chartStyle" xmlns:a="http://schemas.openxmlformats.org/drawingml/2006/main" meth="cycle" id="10">
+  <a:schemeClr val="accent1"/>
+  <a:schemeClr val="accent2"/>
+  <a:schemeClr val="accent3"/>
+  <a:schemeClr val="accent4"/>
+  <a:schemeClr val="accent5"/>
+  <a:schemeClr val="accent6"/>
+  <cs:variation/>
+  <cs:variation>
+    <a:lumMod val="60000"/>
+  </cs:variation>
+  <cs:variation>
+    <a:lumMod val="80000"/>
+    <a:lumOff val="20000"/>
+  </cs:variation>
+  <cs:variation>
+    <a:lumMod val="80000"/>
+  </cs:variation>
+  <cs:variation>
+    <a:lumMod val="60000"/>
+    <a:lumOff val="40000"/>
+  </cs:variation>
+  <cs:variation>
+    <a:lumMod val="50000"/>
+  </cs:variation>
+  <cs:variation>
+    <a:lumMod val="70000"/>
+    <a:lumOff val="30000"/>
+  </cs:variation>
+  <cs:variation>
+    <a:lumMod val="70000"/>
+  </cs:variation>
+  <cs:variation>
+    <a:lumMod val="50000"/>
+    <a:lumOff val="50000"/>
+  </cs:variation>
+</cs:colorStyle>
+</file>
+
+<file path=ppt/charts/colors5.xml><?xml version="1.0" encoding="utf-8"?>
+<cs:colorStyle xmlns:cs="http://schemas.microsoft.com/office/drawing/2012/chartStyle" xmlns:a="http://schemas.openxmlformats.org/drawingml/2006/main" meth="cycle" id="10">
+  <a:schemeClr val="accent1"/>
+  <a:schemeClr val="accent2"/>
+  <a:schemeClr val="accent3"/>
+  <a:schemeClr val="accent4"/>
+  <a:schemeClr val="accent5"/>
+  <a:schemeClr val="accent6"/>
+  <cs:variation/>
+  <cs:variation>
+    <a:lumMod val="60000"/>
+  </cs:variation>
+  <cs:variation>
+    <a:lumMod val="80000"/>
+    <a:lumOff val="20000"/>
+  </cs:variation>
+  <cs:variation>
+    <a:lumMod val="80000"/>
+  </cs:variation>
+  <cs:variation>
+    <a:lumMod val="60000"/>
+    <a:lumOff val="40000"/>
+  </cs:variation>
+  <cs:variation>
+    <a:lumMod val="50000"/>
+  </cs:variation>
+  <cs:variation>
+    <a:lumMod val="70000"/>
+    <a:lumOff val="30000"/>
+  </cs:variation>
+  <cs:variation>
+    <a:lumMod val="70000"/>
+  </cs:variation>
+  <cs:variation>
+    <a:lumMod val="50000"/>
+    <a:lumOff val="50000"/>
+  </cs:variation>
+</cs:colorStyle>
+</file>
+
 <file path=ppt/charts/style1.xml><?xml version="1.0" encoding="utf-8"?>
 <cs:chartStyle xmlns:cs="http://schemas.microsoft.com/office/drawing/2012/chartStyle" xmlns:a="http://schemas.openxmlformats.org/drawingml/2006/main" id="227">
   <cs:axisTitle>
@@ -3077,6 +4406,1025 @@
 </file>
 
 <file path=ppt/charts/style3.xml><?xml version="1.0" encoding="utf-8"?>
+<cs:chartStyle xmlns:cs="http://schemas.microsoft.com/office/drawing/2012/chartStyle" xmlns:a="http://schemas.openxmlformats.org/drawingml/2006/main" id="227">
+  <cs:axisTitle>
+    <cs:lnRef idx="0"/>
+    <cs:fillRef idx="0"/>
+    <cs:effectRef idx="0"/>
+    <cs:fontRef idx="minor">
+      <a:schemeClr val="tx1">
+        <a:lumMod val="65000"/>
+        <a:lumOff val="35000"/>
+      </a:schemeClr>
+    </cs:fontRef>
+    <cs:defRPr sz="1000" kern="1200"/>
+  </cs:axisTitle>
+  <cs:categoryAxis>
+    <cs:lnRef idx="0"/>
+    <cs:fillRef idx="0"/>
+    <cs:effectRef idx="0"/>
+    <cs:fontRef idx="minor">
+      <a:schemeClr val="tx1">
+        <a:lumMod val="65000"/>
+        <a:lumOff val="35000"/>
+      </a:schemeClr>
+    </cs:fontRef>
+    <cs:spPr>
+      <a:ln w="9525" cap="flat" cmpd="sng" algn="ctr">
+        <a:solidFill>
+          <a:schemeClr val="tx1">
+            <a:lumMod val="15000"/>
+            <a:lumOff val="85000"/>
+          </a:schemeClr>
+        </a:solidFill>
+        <a:round/>
+      </a:ln>
+    </cs:spPr>
+    <cs:defRPr sz="900" kern="1200"/>
+  </cs:categoryAxis>
+  <cs:chartArea mods="allowNoFillOverride allowNoLineOverride">
+    <cs:lnRef idx="0"/>
+    <cs:fillRef idx="0"/>
+    <cs:effectRef idx="0"/>
+    <cs:fontRef idx="minor">
+      <a:schemeClr val="tx1"/>
+    </cs:fontRef>
+    <cs:spPr>
+      <a:solidFill>
+        <a:schemeClr val="bg1"/>
+      </a:solidFill>
+      <a:ln w="9525" cap="flat" cmpd="sng" algn="ctr">
+        <a:solidFill>
+          <a:schemeClr val="tx1">
+            <a:lumMod val="15000"/>
+            <a:lumOff val="85000"/>
+          </a:schemeClr>
+        </a:solidFill>
+        <a:round/>
+      </a:ln>
+    </cs:spPr>
+    <cs:defRPr sz="1000" kern="1200"/>
+  </cs:chartArea>
+  <cs:dataLabel>
+    <cs:lnRef idx="0"/>
+    <cs:fillRef idx="0"/>
+    <cs:effectRef idx="0"/>
+    <cs:fontRef idx="minor">
+      <a:schemeClr val="tx1">
+        <a:lumMod val="75000"/>
+        <a:lumOff val="25000"/>
+      </a:schemeClr>
+    </cs:fontRef>
+    <cs:defRPr sz="900" kern="1200"/>
+  </cs:dataLabel>
+  <cs:dataLabelCallout>
+    <cs:lnRef idx="0"/>
+    <cs:fillRef idx="0"/>
+    <cs:effectRef idx="0"/>
+    <cs:fontRef idx="minor">
+      <a:schemeClr val="dk1">
+        <a:lumMod val="65000"/>
+        <a:lumOff val="35000"/>
+      </a:schemeClr>
+    </cs:fontRef>
+    <cs:spPr>
+      <a:solidFill>
+        <a:schemeClr val="lt1"/>
+      </a:solidFill>
+      <a:ln>
+        <a:solidFill>
+          <a:schemeClr val="dk1">
+            <a:lumMod val="25000"/>
+            <a:lumOff val="75000"/>
+          </a:schemeClr>
+        </a:solidFill>
+      </a:ln>
+    </cs:spPr>
+    <cs:defRPr sz="900" kern="1200"/>
+    <cs:bodyPr rot="0" spcFirstLastPara="1" vertOverflow="clip" horzOverflow="clip" vert="horz" wrap="square" lIns="36576" tIns="18288" rIns="36576" bIns="18288" anchor="ctr" anchorCtr="1">
+      <a:spAutoFit/>
+    </cs:bodyPr>
+  </cs:dataLabelCallout>
+  <cs:dataPoint>
+    <cs:lnRef idx="0"/>
+    <cs:fillRef idx="1">
+      <cs:styleClr val="auto"/>
+    </cs:fillRef>
+    <cs:effectRef idx="0"/>
+    <cs:fontRef idx="minor">
+      <a:schemeClr val="tx1"/>
+    </cs:fontRef>
+    <cs:spPr>
+      <a:solidFill>
+        <a:schemeClr val="phClr"/>
+      </a:solidFill>
+    </cs:spPr>
+  </cs:dataPoint>
+  <cs:dataPoint3D>
+    <cs:lnRef idx="0"/>
+    <cs:fillRef idx="1">
+      <cs:styleClr val="auto"/>
+    </cs:fillRef>
+    <cs:effectRef idx="0"/>
+    <cs:fontRef idx="minor">
+      <a:schemeClr val="tx1"/>
+    </cs:fontRef>
+    <cs:spPr>
+      <a:solidFill>
+        <a:schemeClr val="phClr"/>
+      </a:solidFill>
+    </cs:spPr>
+  </cs:dataPoint3D>
+  <cs:dataPointLine>
+    <cs:lnRef idx="0">
+      <cs:styleClr val="auto"/>
+    </cs:lnRef>
+    <cs:fillRef idx="1"/>
+    <cs:effectRef idx="0"/>
+    <cs:fontRef idx="minor">
+      <a:schemeClr val="tx1"/>
+    </cs:fontRef>
+    <cs:spPr>
+      <a:ln w="28575" cap="rnd">
+        <a:solidFill>
+          <a:schemeClr val="phClr"/>
+        </a:solidFill>
+        <a:round/>
+      </a:ln>
+    </cs:spPr>
+  </cs:dataPointLine>
+  <cs:dataPointMarker>
+    <cs:lnRef idx="0">
+      <cs:styleClr val="auto"/>
+    </cs:lnRef>
+    <cs:fillRef idx="1">
+      <cs:styleClr val="auto"/>
+    </cs:fillRef>
+    <cs:effectRef idx="0"/>
+    <cs:fontRef idx="minor">
+      <a:schemeClr val="tx1"/>
+    </cs:fontRef>
+    <cs:spPr>
+      <a:solidFill>
+        <a:schemeClr val="phClr"/>
+      </a:solidFill>
+      <a:ln w="9525">
+        <a:solidFill>
+          <a:schemeClr val="phClr"/>
+        </a:solidFill>
+      </a:ln>
+    </cs:spPr>
+  </cs:dataPointMarker>
+  <cs:dataPointMarkerLayout symbol="circle" size="5"/>
+  <cs:dataPointWireframe>
+    <cs:lnRef idx="0">
+      <cs:styleClr val="auto"/>
+    </cs:lnRef>
+    <cs:fillRef idx="1"/>
+    <cs:effectRef idx="0"/>
+    <cs:fontRef idx="minor">
+      <a:schemeClr val="tx1"/>
+    </cs:fontRef>
+    <cs:spPr>
+      <a:ln w="9525" cap="rnd">
+        <a:solidFill>
+          <a:schemeClr val="phClr"/>
+        </a:solidFill>
+        <a:round/>
+      </a:ln>
+    </cs:spPr>
+  </cs:dataPointWireframe>
+  <cs:dataTable>
+    <cs:lnRef idx="0"/>
+    <cs:fillRef idx="0"/>
+    <cs:effectRef idx="0"/>
+    <cs:fontRef idx="minor">
+      <a:schemeClr val="tx1">
+        <a:lumMod val="65000"/>
+        <a:lumOff val="35000"/>
+      </a:schemeClr>
+    </cs:fontRef>
+    <cs:spPr>
+      <a:noFill/>
+      <a:ln w="9525" cap="flat" cmpd="sng" algn="ctr">
+        <a:solidFill>
+          <a:schemeClr val="tx1">
+            <a:lumMod val="15000"/>
+            <a:lumOff val="85000"/>
+          </a:schemeClr>
+        </a:solidFill>
+        <a:round/>
+      </a:ln>
+    </cs:spPr>
+    <cs:defRPr sz="900" kern="1200"/>
+  </cs:dataTable>
+  <cs:downBar>
+    <cs:lnRef idx="0"/>
+    <cs:fillRef idx="0"/>
+    <cs:effectRef idx="0"/>
+    <cs:fontRef idx="minor">
+      <a:schemeClr val="dk1"/>
+    </cs:fontRef>
+    <cs:spPr>
+      <a:solidFill>
+        <a:schemeClr val="dk1">
+          <a:lumMod val="65000"/>
+          <a:lumOff val="35000"/>
+        </a:schemeClr>
+      </a:solidFill>
+      <a:ln w="9525">
+        <a:solidFill>
+          <a:schemeClr val="tx1">
+            <a:lumMod val="65000"/>
+            <a:lumOff val="35000"/>
+          </a:schemeClr>
+        </a:solidFill>
+      </a:ln>
+    </cs:spPr>
+  </cs:downBar>
+  <cs:dropLine>
+    <cs:lnRef idx="0"/>
+    <cs:fillRef idx="0"/>
+    <cs:effectRef idx="0"/>
+    <cs:fontRef idx="minor">
+      <a:schemeClr val="tx1"/>
+    </cs:fontRef>
+    <cs:spPr>
+      <a:ln w="9525" cap="flat" cmpd="sng" algn="ctr">
+        <a:solidFill>
+          <a:schemeClr val="tx1">
+            <a:lumMod val="35000"/>
+            <a:lumOff val="65000"/>
+          </a:schemeClr>
+        </a:solidFill>
+        <a:round/>
+      </a:ln>
+    </cs:spPr>
+  </cs:dropLine>
+  <cs:errorBar>
+    <cs:lnRef idx="0"/>
+    <cs:fillRef idx="0"/>
+    <cs:effectRef idx="0"/>
+    <cs:fontRef idx="minor">
+      <a:schemeClr val="tx1"/>
+    </cs:fontRef>
+    <cs:spPr>
+      <a:ln w="9525" cap="flat" cmpd="sng" algn="ctr">
+        <a:solidFill>
+          <a:schemeClr val="tx1">
+            <a:lumMod val="65000"/>
+            <a:lumOff val="35000"/>
+          </a:schemeClr>
+        </a:solidFill>
+        <a:round/>
+      </a:ln>
+    </cs:spPr>
+  </cs:errorBar>
+  <cs:floor>
+    <cs:lnRef idx="0"/>
+    <cs:fillRef idx="0"/>
+    <cs:effectRef idx="0"/>
+    <cs:fontRef idx="minor">
+      <a:schemeClr val="tx1"/>
+    </cs:fontRef>
+    <cs:spPr>
+      <a:noFill/>
+      <a:ln>
+        <a:noFill/>
+      </a:ln>
+    </cs:spPr>
+  </cs:floor>
+  <cs:gridlineMajor>
+    <cs:lnRef idx="0"/>
+    <cs:fillRef idx="0"/>
+    <cs:effectRef idx="0"/>
+    <cs:fontRef idx="minor">
+      <a:schemeClr val="tx1"/>
+    </cs:fontRef>
+    <cs:spPr>
+      <a:ln w="9525" cap="flat" cmpd="sng" algn="ctr">
+        <a:solidFill>
+          <a:schemeClr val="tx1">
+            <a:lumMod val="15000"/>
+            <a:lumOff val="85000"/>
+          </a:schemeClr>
+        </a:solidFill>
+        <a:round/>
+      </a:ln>
+    </cs:spPr>
+  </cs:gridlineMajor>
+  <cs:gridlineMinor>
+    <cs:lnRef idx="0"/>
+    <cs:fillRef idx="0"/>
+    <cs:effectRef idx="0"/>
+    <cs:fontRef idx="minor">
+      <a:schemeClr val="tx1"/>
+    </cs:fontRef>
+    <cs:spPr>
+      <a:ln w="9525" cap="flat" cmpd="sng" algn="ctr">
+        <a:solidFill>
+          <a:schemeClr val="tx1">
+            <a:lumMod val="5000"/>
+            <a:lumOff val="95000"/>
+          </a:schemeClr>
+        </a:solidFill>
+        <a:round/>
+      </a:ln>
+    </cs:spPr>
+  </cs:gridlineMinor>
+  <cs:hiLoLine>
+    <cs:lnRef idx="0"/>
+    <cs:fillRef idx="0"/>
+    <cs:effectRef idx="0"/>
+    <cs:fontRef idx="minor">
+      <a:schemeClr val="tx1"/>
+    </cs:fontRef>
+    <cs:spPr>
+      <a:ln w="9525" cap="flat" cmpd="sng" algn="ctr">
+        <a:solidFill>
+          <a:schemeClr val="tx1">
+            <a:lumMod val="75000"/>
+            <a:lumOff val="25000"/>
+          </a:schemeClr>
+        </a:solidFill>
+        <a:round/>
+      </a:ln>
+    </cs:spPr>
+  </cs:hiLoLine>
+  <cs:leaderLine>
+    <cs:lnRef idx="0"/>
+    <cs:fillRef idx="0"/>
+    <cs:effectRef idx="0"/>
+    <cs:fontRef idx="minor">
+      <a:schemeClr val="tx1"/>
+    </cs:fontRef>
+    <cs:spPr>
+      <a:ln w="9525" cap="flat" cmpd="sng" algn="ctr">
+        <a:solidFill>
+          <a:schemeClr val="tx1">
+            <a:lumMod val="35000"/>
+            <a:lumOff val="65000"/>
+          </a:schemeClr>
+        </a:solidFill>
+        <a:round/>
+      </a:ln>
+    </cs:spPr>
+  </cs:leaderLine>
+  <cs:legend>
+    <cs:lnRef idx="0"/>
+    <cs:fillRef idx="0"/>
+    <cs:effectRef idx="0"/>
+    <cs:fontRef idx="minor">
+      <a:schemeClr val="tx1">
+        <a:lumMod val="65000"/>
+        <a:lumOff val="35000"/>
+      </a:schemeClr>
+    </cs:fontRef>
+    <cs:defRPr sz="900" kern="1200"/>
+  </cs:legend>
+  <cs:plotArea mods="allowNoFillOverride allowNoLineOverride">
+    <cs:lnRef idx="0"/>
+    <cs:fillRef idx="0"/>
+    <cs:effectRef idx="0"/>
+    <cs:fontRef idx="minor">
+      <a:schemeClr val="tx1"/>
+    </cs:fontRef>
+  </cs:plotArea>
+  <cs:plotArea3D mods="allowNoFillOverride allowNoLineOverride">
+    <cs:lnRef idx="0"/>
+    <cs:fillRef idx="0"/>
+    <cs:effectRef idx="0"/>
+    <cs:fontRef idx="minor">
+      <a:schemeClr val="tx1"/>
+    </cs:fontRef>
+  </cs:plotArea3D>
+  <cs:seriesAxis>
+    <cs:lnRef idx="0"/>
+    <cs:fillRef idx="0"/>
+    <cs:effectRef idx="0"/>
+    <cs:fontRef idx="minor">
+      <a:schemeClr val="tx1">
+        <a:lumMod val="65000"/>
+        <a:lumOff val="35000"/>
+      </a:schemeClr>
+    </cs:fontRef>
+    <cs:defRPr sz="900" kern="1200"/>
+  </cs:seriesAxis>
+  <cs:seriesLine>
+    <cs:lnRef idx="0"/>
+    <cs:fillRef idx="0"/>
+    <cs:effectRef idx="0"/>
+    <cs:fontRef idx="minor">
+      <a:schemeClr val="tx1"/>
+    </cs:fontRef>
+    <cs:spPr>
+      <a:ln w="9525" cap="flat" cmpd="sng" algn="ctr">
+        <a:solidFill>
+          <a:schemeClr val="tx1">
+            <a:lumMod val="35000"/>
+            <a:lumOff val="65000"/>
+          </a:schemeClr>
+        </a:solidFill>
+        <a:round/>
+      </a:ln>
+    </cs:spPr>
+  </cs:seriesLine>
+  <cs:title>
+    <cs:lnRef idx="0"/>
+    <cs:fillRef idx="0"/>
+    <cs:effectRef idx="0"/>
+    <cs:fontRef idx="minor">
+      <a:schemeClr val="tx1">
+        <a:lumMod val="65000"/>
+        <a:lumOff val="35000"/>
+      </a:schemeClr>
+    </cs:fontRef>
+    <cs:defRPr sz="1400" b="0" kern="1200" spc="0" baseline="0"/>
+  </cs:title>
+  <cs:trendline>
+    <cs:lnRef idx="0">
+      <cs:styleClr val="auto"/>
+    </cs:lnRef>
+    <cs:fillRef idx="0"/>
+    <cs:effectRef idx="0"/>
+    <cs:fontRef idx="minor">
+      <a:schemeClr val="tx1"/>
+    </cs:fontRef>
+    <cs:spPr>
+      <a:ln w="19050" cap="rnd">
+        <a:solidFill>
+          <a:schemeClr val="phClr"/>
+        </a:solidFill>
+        <a:prstDash val="sysDot"/>
+      </a:ln>
+    </cs:spPr>
+  </cs:trendline>
+  <cs:trendlineLabel>
+    <cs:lnRef idx="0"/>
+    <cs:fillRef idx="0"/>
+    <cs:effectRef idx="0"/>
+    <cs:fontRef idx="minor">
+      <a:schemeClr val="tx1">
+        <a:lumMod val="65000"/>
+        <a:lumOff val="35000"/>
+      </a:schemeClr>
+    </cs:fontRef>
+    <cs:defRPr sz="900" kern="1200"/>
+  </cs:trendlineLabel>
+  <cs:upBar>
+    <cs:lnRef idx="0"/>
+    <cs:fillRef idx="0"/>
+    <cs:effectRef idx="0"/>
+    <cs:fontRef idx="minor">
+      <a:schemeClr val="dk1"/>
+    </cs:fontRef>
+    <cs:spPr>
+      <a:solidFill>
+        <a:schemeClr val="lt1"/>
+      </a:solidFill>
+      <a:ln w="9525">
+        <a:solidFill>
+          <a:schemeClr val="tx1">
+            <a:lumMod val="15000"/>
+            <a:lumOff val="85000"/>
+          </a:schemeClr>
+        </a:solidFill>
+      </a:ln>
+    </cs:spPr>
+  </cs:upBar>
+  <cs:valueAxis>
+    <cs:lnRef idx="0"/>
+    <cs:fillRef idx="0"/>
+    <cs:effectRef idx="0"/>
+    <cs:fontRef idx="minor">
+      <a:schemeClr val="tx1">
+        <a:lumMod val="65000"/>
+        <a:lumOff val="35000"/>
+      </a:schemeClr>
+    </cs:fontRef>
+    <cs:defRPr sz="900" kern="1200"/>
+  </cs:valueAxis>
+  <cs:wall>
+    <cs:lnRef idx="0"/>
+    <cs:fillRef idx="0"/>
+    <cs:effectRef idx="0"/>
+    <cs:fontRef idx="minor">
+      <a:schemeClr val="tx1"/>
+    </cs:fontRef>
+    <cs:spPr>
+      <a:noFill/>
+      <a:ln>
+        <a:noFill/>
+      </a:ln>
+    </cs:spPr>
+  </cs:wall>
+</cs:chartStyle>
+</file>
+
+<file path=ppt/charts/style4.xml><?xml version="1.0" encoding="utf-8"?>
+<cs:chartStyle xmlns:cs="http://schemas.microsoft.com/office/drawing/2012/chartStyle" xmlns:a="http://schemas.openxmlformats.org/drawingml/2006/main" id="332">
+  <cs:axisTitle>
+    <cs:lnRef idx="0"/>
+    <cs:fillRef idx="0"/>
+    <cs:effectRef idx="0"/>
+    <cs:fontRef idx="minor">
+      <a:schemeClr val="tx1">
+        <a:lumMod val="65000"/>
+        <a:lumOff val="35000"/>
+      </a:schemeClr>
+    </cs:fontRef>
+    <cs:defRPr sz="1000" kern="1200"/>
+  </cs:axisTitle>
+  <cs:categoryAxis>
+    <cs:lnRef idx="0"/>
+    <cs:fillRef idx="0"/>
+    <cs:effectRef idx="0"/>
+    <cs:fontRef idx="minor">
+      <a:schemeClr val="tx1">
+        <a:lumMod val="65000"/>
+        <a:lumOff val="35000"/>
+      </a:schemeClr>
+    </cs:fontRef>
+    <cs:spPr>
+      <a:ln w="9525" cap="flat" cmpd="sng" algn="ctr">
+        <a:solidFill>
+          <a:schemeClr val="tx1">
+            <a:lumMod val="15000"/>
+            <a:lumOff val="85000"/>
+          </a:schemeClr>
+        </a:solidFill>
+        <a:round/>
+      </a:ln>
+    </cs:spPr>
+    <cs:defRPr sz="900" kern="1200"/>
+  </cs:categoryAxis>
+  <cs:chartArea mods="allowNoFillOverride allowNoLineOverride">
+    <cs:lnRef idx="0"/>
+    <cs:fillRef idx="0"/>
+    <cs:effectRef idx="0"/>
+    <cs:fontRef idx="minor">
+      <a:schemeClr val="tx1"/>
+    </cs:fontRef>
+    <cs:spPr>
+      <a:solidFill>
+        <a:schemeClr val="bg1"/>
+      </a:solidFill>
+      <a:ln w="9525" cap="flat" cmpd="sng" algn="ctr">
+        <a:solidFill>
+          <a:schemeClr val="tx1">
+            <a:lumMod val="15000"/>
+            <a:lumOff val="85000"/>
+          </a:schemeClr>
+        </a:solidFill>
+        <a:round/>
+      </a:ln>
+    </cs:spPr>
+    <cs:defRPr sz="1000" kern="1200"/>
+  </cs:chartArea>
+  <cs:dataLabel>
+    <cs:lnRef idx="0"/>
+    <cs:fillRef idx="0"/>
+    <cs:effectRef idx="0"/>
+    <cs:fontRef idx="minor">
+      <a:schemeClr val="tx1">
+        <a:lumMod val="75000"/>
+        <a:lumOff val="25000"/>
+      </a:schemeClr>
+    </cs:fontRef>
+    <cs:defRPr sz="900" kern="1200"/>
+  </cs:dataLabel>
+  <cs:dataLabelCallout>
+    <cs:lnRef idx="0"/>
+    <cs:fillRef idx="0"/>
+    <cs:effectRef idx="0"/>
+    <cs:fontRef idx="minor">
+      <a:schemeClr val="dk1">
+        <a:lumMod val="65000"/>
+        <a:lumOff val="35000"/>
+      </a:schemeClr>
+    </cs:fontRef>
+    <cs:spPr>
+      <a:solidFill>
+        <a:schemeClr val="lt1"/>
+      </a:solidFill>
+      <a:ln>
+        <a:solidFill>
+          <a:schemeClr val="dk1">
+            <a:lumMod val="25000"/>
+            <a:lumOff val="75000"/>
+          </a:schemeClr>
+        </a:solidFill>
+      </a:ln>
+    </cs:spPr>
+    <cs:defRPr sz="900" kern="1200"/>
+    <cs:bodyPr rot="0" spcFirstLastPara="1" vertOverflow="clip" horzOverflow="clip" vert="horz" wrap="square" lIns="36576" tIns="18288" rIns="36576" bIns="18288" anchor="ctr" anchorCtr="1">
+      <a:spAutoFit/>
+    </cs:bodyPr>
+  </cs:dataLabelCallout>
+  <cs:dataPoint>
+    <cs:lnRef idx="0"/>
+    <cs:fillRef idx="1">
+      <cs:styleClr val="auto"/>
+    </cs:fillRef>
+    <cs:effectRef idx="0"/>
+    <cs:fontRef idx="minor">
+      <a:schemeClr val="tx1"/>
+    </cs:fontRef>
+  </cs:dataPoint>
+  <cs:dataPoint3D>
+    <cs:lnRef idx="0"/>
+    <cs:fillRef idx="1">
+      <cs:styleClr val="auto"/>
+    </cs:fillRef>
+    <cs:effectRef idx="0"/>
+    <cs:fontRef idx="minor">
+      <a:schemeClr val="tx1"/>
+    </cs:fontRef>
+  </cs:dataPoint3D>
+  <cs:dataPointLine>
+    <cs:lnRef idx="0">
+      <cs:styleClr val="auto"/>
+    </cs:lnRef>
+    <cs:fillRef idx="1"/>
+    <cs:effectRef idx="0"/>
+    <cs:fontRef idx="minor">
+      <a:schemeClr val="tx1"/>
+    </cs:fontRef>
+    <cs:spPr>
+      <a:ln w="28575" cap="rnd">
+        <a:solidFill>
+          <a:schemeClr val="phClr"/>
+        </a:solidFill>
+        <a:round/>
+      </a:ln>
+    </cs:spPr>
+  </cs:dataPointLine>
+  <cs:dataPointMarker>
+    <cs:lnRef idx="0">
+      <cs:styleClr val="auto"/>
+    </cs:lnRef>
+    <cs:fillRef idx="1">
+      <cs:styleClr val="auto"/>
+    </cs:fillRef>
+    <cs:effectRef idx="0"/>
+    <cs:fontRef idx="minor">
+      <a:schemeClr val="tx1"/>
+    </cs:fontRef>
+    <cs:spPr>
+      <a:ln w="9525">
+        <a:solidFill>
+          <a:schemeClr val="phClr"/>
+        </a:solidFill>
+      </a:ln>
+    </cs:spPr>
+  </cs:dataPointMarker>
+  <cs:dataPointMarkerLayout symbol="circle" size="5"/>
+  <cs:dataPointWireframe>
+    <cs:lnRef idx="0">
+      <cs:styleClr val="auto"/>
+    </cs:lnRef>
+    <cs:fillRef idx="1"/>
+    <cs:effectRef idx="0"/>
+    <cs:fontRef idx="minor">
+      <a:schemeClr val="tx1"/>
+    </cs:fontRef>
+    <cs:spPr>
+      <a:ln w="9525" cap="rnd">
+        <a:solidFill>
+          <a:schemeClr val="phClr"/>
+        </a:solidFill>
+        <a:round/>
+      </a:ln>
+    </cs:spPr>
+  </cs:dataPointWireframe>
+  <cs:dataTable>
+    <cs:lnRef idx="0"/>
+    <cs:fillRef idx="0"/>
+    <cs:effectRef idx="0"/>
+    <cs:fontRef idx="minor">
+      <a:schemeClr val="tx1">
+        <a:lumMod val="65000"/>
+        <a:lumOff val="35000"/>
+      </a:schemeClr>
+    </cs:fontRef>
+    <cs:spPr>
+      <a:noFill/>
+      <a:ln w="9525" cap="flat" cmpd="sng" algn="ctr">
+        <a:solidFill>
+          <a:schemeClr val="tx1">
+            <a:lumMod val="15000"/>
+            <a:lumOff val="85000"/>
+          </a:schemeClr>
+        </a:solidFill>
+        <a:round/>
+      </a:ln>
+    </cs:spPr>
+    <cs:defRPr sz="900" kern="1200"/>
+  </cs:dataTable>
+  <cs:downBar>
+    <cs:lnRef idx="0"/>
+    <cs:fillRef idx="0"/>
+    <cs:effectRef idx="0"/>
+    <cs:fontRef idx="minor">
+      <a:schemeClr val="dk1"/>
+    </cs:fontRef>
+    <cs:spPr>
+      <a:solidFill>
+        <a:schemeClr val="dk1">
+          <a:lumMod val="65000"/>
+          <a:lumOff val="35000"/>
+        </a:schemeClr>
+      </a:solidFill>
+      <a:ln w="9525">
+        <a:solidFill>
+          <a:schemeClr val="tx1">
+            <a:lumMod val="65000"/>
+            <a:lumOff val="35000"/>
+          </a:schemeClr>
+        </a:solidFill>
+      </a:ln>
+    </cs:spPr>
+  </cs:downBar>
+  <cs:dropLine>
+    <cs:lnRef idx="0"/>
+    <cs:fillRef idx="0"/>
+    <cs:effectRef idx="0"/>
+    <cs:fontRef idx="minor">
+      <a:schemeClr val="tx1"/>
+    </cs:fontRef>
+    <cs:spPr>
+      <a:ln w="9525" cap="flat" cmpd="sng" algn="ctr">
+        <a:solidFill>
+          <a:schemeClr val="tx1">
+            <a:lumMod val="35000"/>
+            <a:lumOff val="65000"/>
+          </a:schemeClr>
+        </a:solidFill>
+        <a:round/>
+      </a:ln>
+    </cs:spPr>
+  </cs:dropLine>
+  <cs:errorBar>
+    <cs:lnRef idx="0"/>
+    <cs:fillRef idx="0"/>
+    <cs:effectRef idx="0"/>
+    <cs:fontRef idx="minor">
+      <a:schemeClr val="tx1"/>
+    </cs:fontRef>
+    <cs:spPr>
+      <a:ln w="9525" cap="flat" cmpd="sng" algn="ctr">
+        <a:solidFill>
+          <a:schemeClr val="tx1">
+            <a:lumMod val="65000"/>
+            <a:lumOff val="35000"/>
+          </a:schemeClr>
+        </a:solidFill>
+        <a:round/>
+      </a:ln>
+    </cs:spPr>
+  </cs:errorBar>
+  <cs:floor>
+    <cs:lnRef idx="0"/>
+    <cs:fillRef idx="0"/>
+    <cs:effectRef idx="0"/>
+    <cs:fontRef idx="minor">
+      <a:schemeClr val="tx1"/>
+    </cs:fontRef>
+    <cs:spPr>
+      <a:noFill/>
+      <a:ln>
+        <a:noFill/>
+      </a:ln>
+    </cs:spPr>
+  </cs:floor>
+  <cs:gridlineMajor>
+    <cs:lnRef idx="0"/>
+    <cs:fillRef idx="0"/>
+    <cs:effectRef idx="0"/>
+    <cs:fontRef idx="minor">
+      <a:schemeClr val="tx1"/>
+    </cs:fontRef>
+    <cs:spPr>
+      <a:ln w="9525" cap="flat" cmpd="sng" algn="ctr">
+        <a:solidFill>
+          <a:schemeClr val="tx1">
+            <a:lumMod val="15000"/>
+            <a:lumOff val="85000"/>
+          </a:schemeClr>
+        </a:solidFill>
+        <a:round/>
+      </a:ln>
+    </cs:spPr>
+  </cs:gridlineMajor>
+  <cs:gridlineMinor>
+    <cs:lnRef idx="0"/>
+    <cs:fillRef idx="0"/>
+    <cs:effectRef idx="0"/>
+    <cs:fontRef idx="minor">
+      <a:schemeClr val="tx1"/>
+    </cs:fontRef>
+    <cs:spPr>
+      <a:ln w="9525" cap="flat" cmpd="sng" algn="ctr">
+        <a:solidFill>
+          <a:schemeClr val="tx1">
+            <a:lumMod val="5000"/>
+            <a:lumOff val="95000"/>
+          </a:schemeClr>
+        </a:solidFill>
+        <a:round/>
+      </a:ln>
+    </cs:spPr>
+  </cs:gridlineMinor>
+  <cs:hiLoLine>
+    <cs:lnRef idx="0"/>
+    <cs:fillRef idx="0"/>
+    <cs:effectRef idx="0"/>
+    <cs:fontRef idx="minor">
+      <a:schemeClr val="tx1"/>
+    </cs:fontRef>
+    <cs:spPr>
+      <a:ln w="9525" cap="flat" cmpd="sng" algn="ctr">
+        <a:solidFill>
+          <a:schemeClr val="tx1">
+            <a:lumMod val="75000"/>
+            <a:lumOff val="25000"/>
+          </a:schemeClr>
+        </a:solidFill>
+        <a:round/>
+      </a:ln>
+    </cs:spPr>
+  </cs:hiLoLine>
+  <cs:leaderLine>
+    <cs:lnRef idx="0"/>
+    <cs:fillRef idx="0"/>
+    <cs:effectRef idx="0"/>
+    <cs:fontRef idx="minor">
+      <a:schemeClr val="tx1"/>
+    </cs:fontRef>
+    <cs:spPr>
+      <a:ln w="9525" cap="flat" cmpd="sng" algn="ctr">
+        <a:solidFill>
+          <a:schemeClr val="tx1">
+            <a:lumMod val="35000"/>
+            <a:lumOff val="65000"/>
+          </a:schemeClr>
+        </a:solidFill>
+        <a:round/>
+      </a:ln>
+    </cs:spPr>
+  </cs:leaderLine>
+  <cs:legend>
+    <cs:lnRef idx="0"/>
+    <cs:fillRef idx="0"/>
+    <cs:effectRef idx="0"/>
+    <cs:fontRef idx="minor">
+      <a:schemeClr val="tx1">
+        <a:lumMod val="65000"/>
+        <a:lumOff val="35000"/>
+      </a:schemeClr>
+    </cs:fontRef>
+    <cs:defRPr sz="900" kern="1200"/>
+  </cs:legend>
+  <cs:plotArea mods="allowNoFillOverride allowNoLineOverride">
+    <cs:lnRef idx="0"/>
+    <cs:fillRef idx="0"/>
+    <cs:effectRef idx="0"/>
+    <cs:fontRef idx="minor">
+      <a:schemeClr val="tx1"/>
+    </cs:fontRef>
+  </cs:plotArea>
+  <cs:plotArea3D mods="allowNoFillOverride allowNoLineOverride">
+    <cs:lnRef idx="0"/>
+    <cs:fillRef idx="0"/>
+    <cs:effectRef idx="0"/>
+    <cs:fontRef idx="minor">
+      <a:schemeClr val="tx1"/>
+    </cs:fontRef>
+  </cs:plotArea3D>
+  <cs:seriesAxis>
+    <cs:lnRef idx="0"/>
+    <cs:fillRef idx="0"/>
+    <cs:effectRef idx="0"/>
+    <cs:fontRef idx="minor">
+      <a:schemeClr val="tx1">
+        <a:lumMod val="65000"/>
+        <a:lumOff val="35000"/>
+      </a:schemeClr>
+    </cs:fontRef>
+    <cs:defRPr sz="900" kern="1200"/>
+  </cs:seriesAxis>
+  <cs:seriesLine>
+    <cs:lnRef idx="0"/>
+    <cs:fillRef idx="0"/>
+    <cs:effectRef idx="0"/>
+    <cs:fontRef idx="minor">
+      <a:schemeClr val="tx1"/>
+    </cs:fontRef>
+    <cs:spPr>
+      <a:ln w="9525" cap="flat" cmpd="sng" algn="ctr">
+        <a:solidFill>
+          <a:schemeClr val="tx1">
+            <a:lumMod val="35000"/>
+            <a:lumOff val="65000"/>
+          </a:schemeClr>
+        </a:solidFill>
+        <a:round/>
+      </a:ln>
+    </cs:spPr>
+  </cs:seriesLine>
+  <cs:title>
+    <cs:lnRef idx="0"/>
+    <cs:fillRef idx="0"/>
+    <cs:effectRef idx="0"/>
+    <cs:fontRef idx="minor">
+      <a:schemeClr val="tx1">
+        <a:lumMod val="65000"/>
+        <a:lumOff val="35000"/>
+      </a:schemeClr>
+    </cs:fontRef>
+    <cs:defRPr sz="1400" b="0" kern="1200" spc="0" baseline="0"/>
+  </cs:title>
+  <cs:trendline>
+    <cs:lnRef idx="0">
+      <cs:styleClr val="auto"/>
+    </cs:lnRef>
+    <cs:fillRef idx="0"/>
+    <cs:effectRef idx="0"/>
+    <cs:fontRef idx="minor">
+      <a:schemeClr val="tx1"/>
+    </cs:fontRef>
+    <cs:spPr>
+      <a:ln w="19050" cap="rnd">
+        <a:solidFill>
+          <a:schemeClr val="phClr"/>
+        </a:solidFill>
+        <a:prstDash val="sysDot"/>
+      </a:ln>
+    </cs:spPr>
+  </cs:trendline>
+  <cs:trendlineLabel>
+    <cs:lnRef idx="0"/>
+    <cs:fillRef idx="0"/>
+    <cs:effectRef idx="0"/>
+    <cs:fontRef idx="minor">
+      <a:schemeClr val="tx1">
+        <a:lumMod val="65000"/>
+        <a:lumOff val="35000"/>
+      </a:schemeClr>
+    </cs:fontRef>
+    <cs:defRPr sz="900" kern="1200"/>
+  </cs:trendlineLabel>
+  <cs:upBar>
+    <cs:lnRef idx="0"/>
+    <cs:fillRef idx="0"/>
+    <cs:effectRef idx="0"/>
+    <cs:fontRef idx="minor">
+      <a:schemeClr val="dk1"/>
+    </cs:fontRef>
+    <cs:spPr>
+      <a:solidFill>
+        <a:schemeClr val="lt1"/>
+      </a:solidFill>
+      <a:ln w="9525">
+        <a:solidFill>
+          <a:schemeClr val="tx1">
+            <a:lumMod val="15000"/>
+            <a:lumOff val="85000"/>
+          </a:schemeClr>
+        </a:solidFill>
+      </a:ln>
+    </cs:spPr>
+  </cs:upBar>
+  <cs:valueAxis>
+    <cs:lnRef idx="0"/>
+    <cs:fillRef idx="0"/>
+    <cs:effectRef idx="0"/>
+    <cs:fontRef idx="minor">
+      <a:schemeClr val="tx1">
+        <a:lumMod val="65000"/>
+        <a:lumOff val="35000"/>
+      </a:schemeClr>
+    </cs:fontRef>
+    <cs:defRPr sz="900" kern="1200"/>
+  </cs:valueAxis>
+  <cs:wall>
+    <cs:lnRef idx="0"/>
+    <cs:fillRef idx="0"/>
+    <cs:effectRef idx="0"/>
+    <cs:fontRef idx="minor">
+      <a:schemeClr val="tx1"/>
+    </cs:fontRef>
+    <cs:spPr>
+      <a:noFill/>
+      <a:ln>
+        <a:noFill/>
+      </a:ln>
+    </cs:spPr>
+  </cs:wall>
+</cs:chartStyle>
+</file>
+
+<file path=ppt/charts/style5.xml><?xml version="1.0" encoding="utf-8"?>
 <cs:chartStyle xmlns:cs="http://schemas.microsoft.com/office/drawing/2012/chartStyle" xmlns:a="http://schemas.openxmlformats.org/drawingml/2006/main" id="201">
   <cs:axisTitle>
     <cs:lnRef idx="0"/>
@@ -3726,7 +6074,7 @@
           <a:p>
             <a:fld id="{E4504DB8-A61F-4FA2-B642-4D4FA648320B}" type="datetimeFigureOut">
               <a:rPr kumimoji="1" lang="ja-JP" altLang="en-US" smtClean="0"/>
-              <a:t>2019/2/18</a:t>
+              <a:t>2019/2/22</a:t>
             </a:fld>
             <a:endParaRPr kumimoji="1" lang="ja-JP" altLang="en-US"/>
           </a:p>
@@ -3956,7 +6304,7 @@
           <a:p>
             <a:fld id="{E4504DB8-A61F-4FA2-B642-4D4FA648320B}" type="datetimeFigureOut">
               <a:rPr kumimoji="1" lang="ja-JP" altLang="en-US" smtClean="0"/>
-              <a:t>2019/2/18</a:t>
+              <a:t>2019/2/22</a:t>
             </a:fld>
             <a:endParaRPr kumimoji="1" lang="ja-JP" altLang="en-US"/>
           </a:p>
@@ -4196,7 +6544,7 @@
           <a:p>
             <a:fld id="{E4504DB8-A61F-4FA2-B642-4D4FA648320B}" type="datetimeFigureOut">
               <a:rPr kumimoji="1" lang="ja-JP" altLang="en-US" smtClean="0"/>
-              <a:t>2019/2/18</a:t>
+              <a:t>2019/2/22</a:t>
             </a:fld>
             <a:endParaRPr kumimoji="1" lang="ja-JP" altLang="en-US"/>
           </a:p>
@@ -4426,7 +6774,7 @@
           <a:p>
             <a:fld id="{E4504DB8-A61F-4FA2-B642-4D4FA648320B}" type="datetimeFigureOut">
               <a:rPr kumimoji="1" lang="ja-JP" altLang="en-US" smtClean="0"/>
-              <a:t>2019/2/18</a:t>
+              <a:t>2019/2/22</a:t>
             </a:fld>
             <a:endParaRPr kumimoji="1" lang="ja-JP" altLang="en-US"/>
           </a:p>
@@ -4701,7 +7049,7 @@
           <a:p>
             <a:fld id="{E4504DB8-A61F-4FA2-B642-4D4FA648320B}" type="datetimeFigureOut">
               <a:rPr kumimoji="1" lang="ja-JP" altLang="en-US" smtClean="0"/>
-              <a:t>2019/2/18</a:t>
+              <a:t>2019/2/22</a:t>
             </a:fld>
             <a:endParaRPr kumimoji="1" lang="ja-JP" altLang="en-US"/>
           </a:p>
@@ -5030,7 +7378,7 @@
           <a:p>
             <a:fld id="{E4504DB8-A61F-4FA2-B642-4D4FA648320B}" type="datetimeFigureOut">
               <a:rPr kumimoji="1" lang="ja-JP" altLang="en-US" smtClean="0"/>
-              <a:t>2019/2/18</a:t>
+              <a:t>2019/2/22</a:t>
             </a:fld>
             <a:endParaRPr kumimoji="1" lang="ja-JP" altLang="en-US"/>
           </a:p>
@@ -5506,7 +7854,7 @@
           <a:p>
             <a:fld id="{E4504DB8-A61F-4FA2-B642-4D4FA648320B}" type="datetimeFigureOut">
               <a:rPr kumimoji="1" lang="ja-JP" altLang="en-US" smtClean="0"/>
-              <a:t>2019/2/18</a:t>
+              <a:t>2019/2/22</a:t>
             </a:fld>
             <a:endParaRPr kumimoji="1" lang="ja-JP" altLang="en-US"/>
           </a:p>
@@ -5647,7 +7995,7 @@
           <a:p>
             <a:fld id="{E4504DB8-A61F-4FA2-B642-4D4FA648320B}" type="datetimeFigureOut">
               <a:rPr kumimoji="1" lang="ja-JP" altLang="en-US" smtClean="0"/>
-              <a:t>2019/2/18</a:t>
+              <a:t>2019/2/22</a:t>
             </a:fld>
             <a:endParaRPr kumimoji="1" lang="ja-JP" altLang="en-US"/>
           </a:p>
@@ -5760,7 +8108,7 @@
           <a:p>
             <a:fld id="{E4504DB8-A61F-4FA2-B642-4D4FA648320B}" type="datetimeFigureOut">
               <a:rPr kumimoji="1" lang="ja-JP" altLang="en-US" smtClean="0"/>
-              <a:t>2019/2/18</a:t>
+              <a:t>2019/2/22</a:t>
             </a:fld>
             <a:endParaRPr kumimoji="1" lang="ja-JP" altLang="en-US"/>
           </a:p>
@@ -6103,7 +8451,7 @@
           <a:p>
             <a:fld id="{E4504DB8-A61F-4FA2-B642-4D4FA648320B}" type="datetimeFigureOut">
               <a:rPr kumimoji="1" lang="ja-JP" altLang="en-US" smtClean="0"/>
-              <a:t>2019/2/18</a:t>
+              <a:t>2019/2/22</a:t>
             </a:fld>
             <a:endParaRPr kumimoji="1" lang="ja-JP" altLang="en-US"/>
           </a:p>
@@ -6391,7 +8739,7 @@
           <a:p>
             <a:fld id="{E4504DB8-A61F-4FA2-B642-4D4FA648320B}" type="datetimeFigureOut">
               <a:rPr kumimoji="1" lang="ja-JP" altLang="en-US" smtClean="0"/>
-              <a:t>2019/2/18</a:t>
+              <a:t>2019/2/22</a:t>
             </a:fld>
             <a:endParaRPr kumimoji="1" lang="ja-JP" altLang="en-US"/>
           </a:p>
@@ -6664,7 +9012,7 @@
           <a:p>
             <a:fld id="{E4504DB8-A61F-4FA2-B642-4D4FA648320B}" type="datetimeFigureOut">
               <a:rPr kumimoji="1" lang="ja-JP" altLang="en-US" smtClean="0"/>
-              <a:t>2019/2/18</a:t>
+              <a:t>2019/2/22</a:t>
             </a:fld>
             <a:endParaRPr kumimoji="1" lang="ja-JP" altLang="en-US"/>
           </a:p>
@@ -7131,13 +9479,13 @@
           <p:nvPr>
             <p:extLst>
               <p:ext uri="{D42A27DB-BD31-4B8C-83A1-F6EECF244321}">
-                <p14:modId xmlns:p14="http://schemas.microsoft.com/office/powerpoint/2010/main" val="1058199560"/>
+                <p14:modId xmlns:p14="http://schemas.microsoft.com/office/powerpoint/2010/main" val="2162505615"/>
               </p:ext>
             </p:extLst>
           </p:nvPr>
         </p:nvGraphicFramePr>
         <p:xfrm>
-          <a:off x="838200" y="1688432"/>
+          <a:off x="838200" y="1430014"/>
           <a:ext cx="4572000" cy="2743200"/>
         </p:xfrm>
         <a:graphic>
@@ -7190,2599 +9538,6 @@
 </file>
 
 <file path=ppt/slides/slide10.xml><?xml version="1.0" encoding="utf-8"?>
-<p:sld xmlns:a="http://schemas.openxmlformats.org/drawingml/2006/main" xmlns:r="http://schemas.openxmlformats.org/officeDocument/2006/relationships" xmlns:p="http://schemas.openxmlformats.org/presentationml/2006/main">
-  <p:cSld>
-    <p:spTree>
-      <p:nvGrpSpPr>
-        <p:cNvPr id="1" name=""/>
-        <p:cNvGrpSpPr/>
-        <p:nvPr/>
-      </p:nvGrpSpPr>
-      <p:grpSpPr>
-        <a:xfrm>
-          <a:off x="0" y="0"/>
-          <a:ext cx="0" cy="0"/>
-          <a:chOff x="0" y="0"/>
-          <a:chExt cx="0" cy="0"/>
-        </a:xfrm>
-      </p:grpSpPr>
-      <p:sp>
-        <p:nvSpPr>
-          <p:cNvPr id="14" name="楕円 13">
-            <a:extLst>
-              <a:ext uri="{FF2B5EF4-FFF2-40B4-BE49-F238E27FC236}">
-                <a16:creationId xmlns:a16="http://schemas.microsoft.com/office/drawing/2014/main" id="{B04E23A6-FA95-46B1-AD4B-8279B96AD0ED}"/>
-              </a:ext>
-            </a:extLst>
-          </p:cNvPr>
-          <p:cNvSpPr/>
-          <p:nvPr/>
-        </p:nvSpPr>
-        <p:spPr>
-          <a:xfrm>
-            <a:off x="992787" y="1105700"/>
-            <a:ext cx="1369225" cy="1343526"/>
-          </a:xfrm>
-          <a:prstGeom prst="ellipse">
-            <a:avLst/>
-          </a:prstGeom>
-          <a:noFill/>
-        </p:spPr>
-        <p:style>
-          <a:lnRef idx="2">
-            <a:schemeClr val="accent1">
-              <a:shade val="50000"/>
-            </a:schemeClr>
-          </a:lnRef>
-          <a:fillRef idx="1">
-            <a:schemeClr val="accent1"/>
-          </a:fillRef>
-          <a:effectRef idx="0">
-            <a:schemeClr val="accent1"/>
-          </a:effectRef>
-          <a:fontRef idx="minor">
-            <a:schemeClr val="lt1"/>
-          </a:fontRef>
-        </p:style>
-        <p:txBody>
-          <a:bodyPr rtlCol="0" anchor="ctr"/>
-          <a:lstStyle/>
-          <a:p>
-            <a:pPr algn="ctr"/>
-            <a:endParaRPr kumimoji="1" lang="ja-JP" altLang="en-US"/>
-          </a:p>
-        </p:txBody>
-      </p:sp>
-      <p:sp>
-        <p:nvSpPr>
-          <p:cNvPr id="15" name="正方形/長方形 14">
-            <a:extLst>
-              <a:ext uri="{FF2B5EF4-FFF2-40B4-BE49-F238E27FC236}">
-                <a16:creationId xmlns:a16="http://schemas.microsoft.com/office/drawing/2014/main" id="{BA17A39E-B151-4002-8B5C-EF87CB9FA3B3}"/>
-              </a:ext>
-            </a:extLst>
-          </p:cNvPr>
-          <p:cNvSpPr/>
-          <p:nvPr/>
-        </p:nvSpPr>
-        <p:spPr>
-          <a:xfrm>
-            <a:off x="4874976" y="451692"/>
-            <a:ext cx="136735" cy="136735"/>
-          </a:xfrm>
-          <a:prstGeom prst="rect">
-            <a:avLst/>
-          </a:prstGeom>
-        </p:spPr>
-        <p:style>
-          <a:lnRef idx="2">
-            <a:schemeClr val="accent1">
-              <a:shade val="50000"/>
-            </a:schemeClr>
-          </a:lnRef>
-          <a:fillRef idx="1">
-            <a:schemeClr val="accent1"/>
-          </a:fillRef>
-          <a:effectRef idx="0">
-            <a:schemeClr val="accent1"/>
-          </a:effectRef>
-          <a:fontRef idx="minor">
-            <a:schemeClr val="lt1"/>
-          </a:fontRef>
-        </p:style>
-        <p:txBody>
-          <a:bodyPr rtlCol="0" anchor="ctr"/>
-          <a:lstStyle/>
-          <a:p>
-            <a:pPr algn="ctr"/>
-            <a:endParaRPr kumimoji="1" lang="ja-JP" altLang="en-US"/>
-          </a:p>
-        </p:txBody>
-      </p:sp>
-      <p:grpSp>
-        <p:nvGrpSpPr>
-          <p:cNvPr id="4" name="グループ化 3">
-            <a:extLst>
-              <a:ext uri="{FF2B5EF4-FFF2-40B4-BE49-F238E27FC236}">
-                <a16:creationId xmlns:a16="http://schemas.microsoft.com/office/drawing/2014/main" id="{5444319B-107D-4DA2-AF2C-6A46651A8FB3}"/>
-              </a:ext>
-            </a:extLst>
-          </p:cNvPr>
-          <p:cNvGrpSpPr/>
-          <p:nvPr/>
-        </p:nvGrpSpPr>
-        <p:grpSpPr>
-          <a:xfrm>
-            <a:off x="3325364" y="1105700"/>
-            <a:ext cx="3055571" cy="1343526"/>
-            <a:chOff x="3325364" y="1105700"/>
-            <a:chExt cx="3055571" cy="1343526"/>
-          </a:xfrm>
-        </p:grpSpPr>
-        <p:pic>
-          <p:nvPicPr>
-            <p:cNvPr id="9" name="図 8">
-              <a:extLst>
-                <a:ext uri="{FF2B5EF4-FFF2-40B4-BE49-F238E27FC236}">
-                  <a16:creationId xmlns:a16="http://schemas.microsoft.com/office/drawing/2014/main" id="{640BD315-BCAB-4CAE-A911-E2A854904AC4}"/>
-                </a:ext>
-              </a:extLst>
-            </p:cNvPr>
-            <p:cNvPicPr>
-              <a:picLocks noChangeAspect="1"/>
-            </p:cNvPicPr>
-            <p:nvPr/>
-          </p:nvPicPr>
-          <p:blipFill rotWithShape="1">
-            <a:blip r:embed="rId2">
-              <a:extLst>
-                <a:ext uri="{28A0092B-C50C-407E-A947-70E740481C1C}">
-                  <a14:useLocalDpi xmlns:a14="http://schemas.microsoft.com/office/drawing/2010/main" val="0"/>
-                </a:ext>
-              </a:extLst>
-            </a:blip>
-            <a:srcRect l="22004" t="31660" r="22004" b="37436"/>
-            <a:stretch/>
-          </p:blipFill>
-          <p:spPr>
-            <a:xfrm>
-              <a:off x="5011710" y="1105700"/>
-              <a:ext cx="1369225" cy="1343526"/>
-            </a:xfrm>
-            <a:prstGeom prst="ellipse">
-              <a:avLst/>
-            </a:prstGeom>
-            <a:ln w="19050" cap="rnd">
-              <a:solidFill>
-                <a:schemeClr val="tx1"/>
-              </a:solidFill>
-            </a:ln>
-            <a:effectLst/>
-            <a:scene3d>
-              <a:camera prst="orthographicFront"/>
-              <a:lightRig rig="contrasting" dir="t">
-                <a:rot lat="0" lon="0" rev="3000000"/>
-              </a:lightRig>
-            </a:scene3d>
-            <a:sp3d contourW="7620">
-              <a:bevelT w="95250" h="31750"/>
-              <a:contourClr>
-                <a:srgbClr val="333333"/>
-              </a:contourClr>
-            </a:sp3d>
-          </p:spPr>
-        </p:pic>
-        <p:pic>
-          <p:nvPicPr>
-            <p:cNvPr id="5" name="図 4">
-              <a:extLst>
-                <a:ext uri="{FF2B5EF4-FFF2-40B4-BE49-F238E27FC236}">
-                  <a16:creationId xmlns:a16="http://schemas.microsoft.com/office/drawing/2014/main" id="{FE3E59E3-753A-45EF-AA04-62AC657C7D4F}"/>
-                </a:ext>
-              </a:extLst>
-            </p:cNvPr>
-            <p:cNvPicPr>
-              <a:picLocks noChangeAspect="1"/>
-            </p:cNvPicPr>
-            <p:nvPr/>
-          </p:nvPicPr>
-          <p:blipFill rotWithShape="1">
-            <a:blip r:embed="rId3">
-              <a:extLst>
-                <a:ext uri="{28A0092B-C50C-407E-A947-70E740481C1C}">
-                  <a14:useLocalDpi xmlns:a14="http://schemas.microsoft.com/office/drawing/2010/main" val="0"/>
-                </a:ext>
-              </a:extLst>
-            </a:blip>
-            <a:srcRect l="22004" t="31660" r="22004" b="37435"/>
-            <a:stretch/>
-          </p:blipFill>
-          <p:spPr>
-            <a:xfrm>
-              <a:off x="3505751" y="1105700"/>
-              <a:ext cx="1369225" cy="1343526"/>
-            </a:xfrm>
-            <a:prstGeom prst="ellipse">
-              <a:avLst/>
-            </a:prstGeom>
-            <a:ln w="19050" cap="rnd">
-              <a:solidFill>
-                <a:schemeClr val="tx1"/>
-              </a:solidFill>
-            </a:ln>
-            <a:effectLst/>
-            <a:scene3d>
-              <a:camera prst="orthographicFront"/>
-              <a:lightRig rig="contrasting" dir="t">
-                <a:rot lat="0" lon="0" rev="3000000"/>
-              </a:lightRig>
-            </a:scene3d>
-            <a:sp3d contourW="7620">
-              <a:bevelT w="95250" h="31750"/>
-              <a:contourClr>
-                <a:srgbClr val="333333"/>
-              </a:contourClr>
-            </a:sp3d>
-          </p:spPr>
-        </p:pic>
-        <p:sp>
-          <p:nvSpPr>
-            <p:cNvPr id="2" name="テキスト ボックス 1">
-              <a:extLst>
-                <a:ext uri="{FF2B5EF4-FFF2-40B4-BE49-F238E27FC236}">
-                  <a16:creationId xmlns:a16="http://schemas.microsoft.com/office/drawing/2014/main" id="{BB916852-D762-4A75-B591-2D9518BE0A2C}"/>
-                </a:ext>
-              </a:extLst>
-            </p:cNvPr>
-            <p:cNvSpPr txBox="1"/>
-            <p:nvPr/>
-          </p:nvSpPr>
-          <p:spPr>
-            <a:xfrm>
-              <a:off x="3325364" y="1105700"/>
-              <a:ext cx="360774" cy="276999"/>
-            </a:xfrm>
-            <a:prstGeom prst="rect">
-              <a:avLst/>
-            </a:prstGeom>
-            <a:noFill/>
-          </p:spPr>
-          <p:txBody>
-            <a:bodyPr wrap="square" rtlCol="0" anchor="ctr">
-              <a:spAutoFit/>
-            </a:bodyPr>
-            <a:lstStyle/>
-            <a:p>
-              <a:pPr algn="ctr"/>
-              <a:r>
-                <a:rPr kumimoji="1" lang="en-US" altLang="ja-JP" sz="1200" dirty="0">
-                  <a:latin typeface="Times New Roman" panose="02020603050405020304" pitchFamily="18" charset="0"/>
-                  <a:cs typeface="Times New Roman" panose="02020603050405020304" pitchFamily="18" charset="0"/>
-                </a:rPr>
-                <a:t>(a)</a:t>
-              </a:r>
-              <a:endParaRPr kumimoji="1" lang="ja-JP" altLang="en-US" sz="1200" dirty="0">
-                <a:latin typeface="Times New Roman" panose="02020603050405020304" pitchFamily="18" charset="0"/>
-                <a:cs typeface="Times New Roman" panose="02020603050405020304" pitchFamily="18" charset="0"/>
-              </a:endParaRPr>
-            </a:p>
-          </p:txBody>
-        </p:sp>
-        <p:sp>
-          <p:nvSpPr>
-            <p:cNvPr id="12" name="テキスト ボックス 11">
-              <a:extLst>
-                <a:ext uri="{FF2B5EF4-FFF2-40B4-BE49-F238E27FC236}">
-                  <a16:creationId xmlns:a16="http://schemas.microsoft.com/office/drawing/2014/main" id="{4A0264EA-23C0-4E03-B721-76A6A6A3E526}"/>
-                </a:ext>
-              </a:extLst>
-            </p:cNvPr>
-            <p:cNvSpPr txBox="1"/>
-            <p:nvPr/>
-          </p:nvSpPr>
-          <p:spPr>
-            <a:xfrm>
-              <a:off x="4831324" y="1105700"/>
-              <a:ext cx="360774" cy="276999"/>
-            </a:xfrm>
-            <a:prstGeom prst="rect">
-              <a:avLst/>
-            </a:prstGeom>
-            <a:noFill/>
-          </p:spPr>
-          <p:txBody>
-            <a:bodyPr wrap="square" rtlCol="0" anchor="ctr">
-              <a:spAutoFit/>
-            </a:bodyPr>
-            <a:lstStyle/>
-            <a:p>
-              <a:pPr algn="ctr"/>
-              <a:r>
-                <a:rPr kumimoji="1" lang="en-US" altLang="ja-JP" sz="1200" dirty="0">
-                  <a:latin typeface="Times New Roman" panose="02020603050405020304" pitchFamily="18" charset="0"/>
-                  <a:cs typeface="Times New Roman" panose="02020603050405020304" pitchFamily="18" charset="0"/>
-                </a:rPr>
-                <a:t>(b)</a:t>
-              </a:r>
-              <a:endParaRPr kumimoji="1" lang="ja-JP" altLang="en-US" sz="1200" dirty="0">
-                <a:latin typeface="Times New Roman" panose="02020603050405020304" pitchFamily="18" charset="0"/>
-                <a:cs typeface="Times New Roman" panose="02020603050405020304" pitchFamily="18" charset="0"/>
-              </a:endParaRPr>
-            </a:p>
-          </p:txBody>
-        </p:sp>
-      </p:grpSp>
-    </p:spTree>
-    <p:extLst>
-      <p:ext uri="{BB962C8B-B14F-4D97-AF65-F5344CB8AC3E}">
-        <p14:creationId xmlns:p14="http://schemas.microsoft.com/office/powerpoint/2010/main" val="679669143"/>
-      </p:ext>
-    </p:extLst>
-  </p:cSld>
-  <p:clrMapOvr>
-    <a:masterClrMapping/>
-  </p:clrMapOvr>
-</p:sld>
-</file>
-
-<file path=ppt/slides/slide11.xml><?xml version="1.0" encoding="utf-8"?>
-<p:sld xmlns:a="http://schemas.openxmlformats.org/drawingml/2006/main" xmlns:r="http://schemas.openxmlformats.org/officeDocument/2006/relationships" xmlns:p="http://schemas.openxmlformats.org/presentationml/2006/main">
-  <p:cSld>
-    <p:spTree>
-      <p:nvGrpSpPr>
-        <p:cNvPr id="1" name=""/>
-        <p:cNvGrpSpPr/>
-        <p:nvPr/>
-      </p:nvGrpSpPr>
-      <p:grpSpPr>
-        <a:xfrm>
-          <a:off x="0" y="0"/>
-          <a:ext cx="0" cy="0"/>
-          <a:chOff x="0" y="0"/>
-          <a:chExt cx="0" cy="0"/>
-        </a:xfrm>
-      </p:grpSpPr>
-      <p:sp>
-        <p:nvSpPr>
-          <p:cNvPr id="15" name="正方形/長方形 14">
-            <a:extLst>
-              <a:ext uri="{FF2B5EF4-FFF2-40B4-BE49-F238E27FC236}">
-                <a16:creationId xmlns:a16="http://schemas.microsoft.com/office/drawing/2014/main" id="{ED7C22A3-83BC-4052-9B6D-193A10E41091}"/>
-              </a:ext>
-            </a:extLst>
-          </p:cNvPr>
-          <p:cNvSpPr/>
-          <p:nvPr/>
-        </p:nvSpPr>
-        <p:spPr>
-          <a:xfrm>
-            <a:off x="3837440" y="1270150"/>
-            <a:ext cx="136735" cy="136735"/>
-          </a:xfrm>
-          <a:prstGeom prst="rect">
-            <a:avLst/>
-          </a:prstGeom>
-        </p:spPr>
-        <p:style>
-          <a:lnRef idx="2">
-            <a:schemeClr val="accent1">
-              <a:shade val="50000"/>
-            </a:schemeClr>
-          </a:lnRef>
-          <a:fillRef idx="1">
-            <a:schemeClr val="accent1"/>
-          </a:fillRef>
-          <a:effectRef idx="0">
-            <a:schemeClr val="accent1"/>
-          </a:effectRef>
-          <a:fontRef idx="minor">
-            <a:schemeClr val="lt1"/>
-          </a:fontRef>
-        </p:style>
-        <p:txBody>
-          <a:bodyPr rtlCol="0" anchor="ctr"/>
-          <a:lstStyle/>
-          <a:p>
-            <a:pPr algn="ctr"/>
-            <a:endParaRPr kumimoji="1" lang="ja-JP" altLang="en-US"/>
-          </a:p>
-        </p:txBody>
-      </p:sp>
-      <p:grpSp>
-        <p:nvGrpSpPr>
-          <p:cNvPr id="2" name="グループ化 1">
-            <a:extLst>
-              <a:ext uri="{FF2B5EF4-FFF2-40B4-BE49-F238E27FC236}">
-                <a16:creationId xmlns:a16="http://schemas.microsoft.com/office/drawing/2014/main" id="{EBEC3444-4A89-4567-A3C7-67DFFDCB2982}"/>
-              </a:ext>
-            </a:extLst>
-          </p:cNvPr>
-          <p:cNvGrpSpPr/>
-          <p:nvPr/>
-        </p:nvGrpSpPr>
-        <p:grpSpPr>
-          <a:xfrm>
-            <a:off x="2287828" y="1924157"/>
-            <a:ext cx="3054815" cy="1369228"/>
-            <a:chOff x="2287828" y="1924157"/>
-            <a:chExt cx="3054815" cy="1369228"/>
-          </a:xfrm>
-        </p:grpSpPr>
-        <p:pic>
-          <p:nvPicPr>
-            <p:cNvPr id="11" name="図 10">
-              <a:extLst>
-                <a:ext uri="{FF2B5EF4-FFF2-40B4-BE49-F238E27FC236}">
-                  <a16:creationId xmlns:a16="http://schemas.microsoft.com/office/drawing/2014/main" id="{CA67B140-B1C4-4C18-A915-F1B8876B4A09}"/>
-                </a:ext>
-              </a:extLst>
-            </p:cNvPr>
-            <p:cNvPicPr>
-              <a:picLocks noChangeAspect="1"/>
-            </p:cNvPicPr>
-            <p:nvPr/>
-          </p:nvPicPr>
-          <p:blipFill rotWithShape="1">
-            <a:blip r:embed="rId2">
-              <a:extLst>
-                <a:ext uri="{28A0092B-C50C-407E-A947-70E740481C1C}">
-                  <a14:useLocalDpi xmlns:a14="http://schemas.microsoft.com/office/drawing/2010/main" val="0"/>
-                </a:ext>
-              </a:extLst>
-            </a:blip>
-            <a:srcRect l="22565" t="31783" r="22681" b="37318"/>
-            <a:stretch/>
-          </p:blipFill>
-          <p:spPr>
-            <a:xfrm>
-              <a:off x="2441266" y="1924158"/>
-              <a:ext cx="1395418" cy="1369227"/>
-            </a:xfrm>
-            <a:prstGeom prst="ellipse">
-              <a:avLst/>
-            </a:prstGeom>
-            <a:ln w="12700" cap="rnd">
-              <a:solidFill>
-                <a:schemeClr val="tx1"/>
-              </a:solidFill>
-            </a:ln>
-            <a:effectLst/>
-            <a:scene3d>
-              <a:camera prst="orthographicFront"/>
-              <a:lightRig rig="contrasting" dir="t">
-                <a:rot lat="0" lon="0" rev="3000000"/>
-              </a:lightRig>
-            </a:scene3d>
-            <a:sp3d contourW="7620">
-              <a:bevelT w="95250" h="31750"/>
-              <a:contourClr>
-                <a:srgbClr val="333333"/>
-              </a:contourClr>
-            </a:sp3d>
-          </p:spPr>
-        </p:pic>
-        <p:pic>
-          <p:nvPicPr>
-            <p:cNvPr id="16" name="図 15">
-              <a:extLst>
-                <a:ext uri="{FF2B5EF4-FFF2-40B4-BE49-F238E27FC236}">
-                  <a16:creationId xmlns:a16="http://schemas.microsoft.com/office/drawing/2014/main" id="{EF8E6640-9A8A-41D0-9860-F6F04EEBA187}"/>
-                </a:ext>
-              </a:extLst>
-            </p:cNvPr>
-            <p:cNvPicPr>
-              <a:picLocks noChangeAspect="1"/>
-            </p:cNvPicPr>
-            <p:nvPr/>
-          </p:nvPicPr>
-          <p:blipFill rotWithShape="1">
-            <a:blip r:embed="rId3">
-              <a:extLst>
-                <a:ext uri="{28A0092B-C50C-407E-A947-70E740481C1C}">
-                  <a14:useLocalDpi xmlns:a14="http://schemas.microsoft.com/office/drawing/2010/main" val="0"/>
-                </a:ext>
-              </a:extLst>
-            </a:blip>
-            <a:srcRect l="22565" t="31783" r="22681" b="37318"/>
-            <a:stretch/>
-          </p:blipFill>
-          <p:spPr>
-            <a:xfrm>
-              <a:off x="3947225" y="1924157"/>
-              <a:ext cx="1395418" cy="1369227"/>
-            </a:xfrm>
-            <a:prstGeom prst="ellipse">
-              <a:avLst/>
-            </a:prstGeom>
-            <a:ln w="12700" cap="rnd">
-              <a:solidFill>
-                <a:schemeClr val="tx1"/>
-              </a:solidFill>
-            </a:ln>
-            <a:effectLst/>
-            <a:scene3d>
-              <a:camera prst="orthographicFront"/>
-              <a:lightRig rig="contrasting" dir="t">
-                <a:rot lat="0" lon="0" rev="3000000"/>
-              </a:lightRig>
-            </a:scene3d>
-            <a:sp3d contourW="7620">
-              <a:bevelT w="95250" h="31750"/>
-              <a:contourClr>
-                <a:srgbClr val="333333"/>
-              </a:contourClr>
-            </a:sp3d>
-          </p:spPr>
-        </p:pic>
-        <p:sp>
-          <p:nvSpPr>
-            <p:cNvPr id="21" name="テキスト ボックス 20">
-              <a:extLst>
-                <a:ext uri="{FF2B5EF4-FFF2-40B4-BE49-F238E27FC236}">
-                  <a16:creationId xmlns:a16="http://schemas.microsoft.com/office/drawing/2014/main" id="{6941C822-5AA7-49C7-87B7-05E85FCBAC9E}"/>
-                </a:ext>
-              </a:extLst>
-            </p:cNvPr>
-            <p:cNvSpPr txBox="1"/>
-            <p:nvPr/>
-          </p:nvSpPr>
-          <p:spPr>
-            <a:xfrm>
-              <a:off x="2287828" y="1924158"/>
-              <a:ext cx="360774" cy="276999"/>
-            </a:xfrm>
-            <a:prstGeom prst="rect">
-              <a:avLst/>
-            </a:prstGeom>
-            <a:noFill/>
-          </p:spPr>
-          <p:txBody>
-            <a:bodyPr wrap="square" rtlCol="0" anchor="ctr">
-              <a:spAutoFit/>
-            </a:bodyPr>
-            <a:lstStyle/>
-            <a:p>
-              <a:pPr algn="ctr"/>
-              <a:r>
-                <a:rPr kumimoji="1" lang="en-US" altLang="ja-JP" sz="1200" dirty="0">
-                  <a:latin typeface="Times New Roman" panose="02020603050405020304" pitchFamily="18" charset="0"/>
-                  <a:cs typeface="Times New Roman" panose="02020603050405020304" pitchFamily="18" charset="0"/>
-                </a:rPr>
-                <a:t>(a)</a:t>
-              </a:r>
-              <a:endParaRPr kumimoji="1" lang="ja-JP" altLang="en-US" sz="1200" dirty="0">
-                <a:latin typeface="Times New Roman" panose="02020603050405020304" pitchFamily="18" charset="0"/>
-                <a:cs typeface="Times New Roman" panose="02020603050405020304" pitchFamily="18" charset="0"/>
-              </a:endParaRPr>
-            </a:p>
-          </p:txBody>
-        </p:sp>
-        <p:sp>
-          <p:nvSpPr>
-            <p:cNvPr id="22" name="テキスト ボックス 21">
-              <a:extLst>
-                <a:ext uri="{FF2B5EF4-FFF2-40B4-BE49-F238E27FC236}">
-                  <a16:creationId xmlns:a16="http://schemas.microsoft.com/office/drawing/2014/main" id="{722020FB-8E88-4F96-B8B5-D564C39D7B27}"/>
-                </a:ext>
-              </a:extLst>
-            </p:cNvPr>
-            <p:cNvSpPr txBox="1"/>
-            <p:nvPr/>
-          </p:nvSpPr>
-          <p:spPr>
-            <a:xfrm>
-              <a:off x="3793788" y="1924158"/>
-              <a:ext cx="360774" cy="276999"/>
-            </a:xfrm>
-            <a:prstGeom prst="rect">
-              <a:avLst/>
-            </a:prstGeom>
-            <a:noFill/>
-          </p:spPr>
-          <p:txBody>
-            <a:bodyPr wrap="square" rtlCol="0" anchor="ctr">
-              <a:spAutoFit/>
-            </a:bodyPr>
-            <a:lstStyle/>
-            <a:p>
-              <a:pPr algn="ctr"/>
-              <a:r>
-                <a:rPr kumimoji="1" lang="en-US" altLang="ja-JP" sz="1200" dirty="0">
-                  <a:latin typeface="Times New Roman" panose="02020603050405020304" pitchFamily="18" charset="0"/>
-                  <a:cs typeface="Times New Roman" panose="02020603050405020304" pitchFamily="18" charset="0"/>
-                </a:rPr>
-                <a:t>(b)</a:t>
-              </a:r>
-              <a:endParaRPr kumimoji="1" lang="ja-JP" altLang="en-US" sz="1200" dirty="0">
-                <a:latin typeface="Times New Roman" panose="02020603050405020304" pitchFamily="18" charset="0"/>
-                <a:cs typeface="Times New Roman" panose="02020603050405020304" pitchFamily="18" charset="0"/>
-              </a:endParaRPr>
-            </a:p>
-          </p:txBody>
-        </p:sp>
-      </p:grpSp>
-    </p:spTree>
-    <p:extLst>
-      <p:ext uri="{BB962C8B-B14F-4D97-AF65-F5344CB8AC3E}">
-        <p14:creationId xmlns:p14="http://schemas.microsoft.com/office/powerpoint/2010/main" val="75408884"/>
-      </p:ext>
-    </p:extLst>
-  </p:cSld>
-  <p:clrMapOvr>
-    <a:masterClrMapping/>
-  </p:clrMapOvr>
-</p:sld>
-</file>
-
-<file path=ppt/slides/slide2.xml><?xml version="1.0" encoding="utf-8"?>
-<p:sld xmlns:a="http://schemas.openxmlformats.org/drawingml/2006/main" xmlns:r="http://schemas.openxmlformats.org/officeDocument/2006/relationships" xmlns:p="http://schemas.openxmlformats.org/presentationml/2006/main">
-  <p:cSld>
-    <p:spTree>
-      <p:nvGrpSpPr>
-        <p:cNvPr id="1" name=""/>
-        <p:cNvGrpSpPr/>
-        <p:nvPr/>
-      </p:nvGrpSpPr>
-      <p:grpSpPr>
-        <a:xfrm>
-          <a:off x="0" y="0"/>
-          <a:ext cx="0" cy="0"/>
-          <a:chOff x="0" y="0"/>
-          <a:chExt cx="0" cy="0"/>
-        </a:xfrm>
-      </p:grpSpPr>
-      <p:graphicFrame>
-        <p:nvGraphicFramePr>
-          <p:cNvPr id="12" name="グラフ 11">
-            <a:extLst>
-              <a:ext uri="{FF2B5EF4-FFF2-40B4-BE49-F238E27FC236}">
-                <a16:creationId xmlns:a16="http://schemas.microsoft.com/office/drawing/2014/main" id="{34E9AF61-7C64-4D91-B83C-D198FB6C97FE}"/>
-              </a:ext>
-            </a:extLst>
-          </p:cNvPr>
-          <p:cNvGraphicFramePr>
-            <a:graphicFrameLocks/>
-          </p:cNvGraphicFramePr>
-          <p:nvPr>
-            <p:extLst>
-              <p:ext uri="{D42A27DB-BD31-4B8C-83A1-F6EECF244321}">
-                <p14:modId xmlns:p14="http://schemas.microsoft.com/office/powerpoint/2010/main" val="2155268369"/>
-              </p:ext>
-            </p:extLst>
-          </p:nvPr>
-        </p:nvGraphicFramePr>
-        <p:xfrm>
-          <a:off x="1292474" y="1642513"/>
-          <a:ext cx="4536142" cy="2974601"/>
-        </p:xfrm>
-        <a:graphic>
-          <a:graphicData uri="http://schemas.openxmlformats.org/drawingml/2006/chart">
-            <c:chart xmlns:c="http://schemas.openxmlformats.org/drawingml/2006/chart" xmlns:r="http://schemas.openxmlformats.org/officeDocument/2006/relationships" r:id="rId2"/>
-          </a:graphicData>
-        </a:graphic>
-      </p:graphicFrame>
-      <p:sp>
-        <p:nvSpPr>
-          <p:cNvPr id="5" name="正方形/長方形 4">
-            <a:extLst>
-              <a:ext uri="{FF2B5EF4-FFF2-40B4-BE49-F238E27FC236}">
-                <a16:creationId xmlns:a16="http://schemas.microsoft.com/office/drawing/2014/main" id="{A48736BC-B94E-49F3-B386-2EC498000351}"/>
-              </a:ext>
-            </a:extLst>
-          </p:cNvPr>
-          <p:cNvSpPr/>
-          <p:nvPr/>
-        </p:nvSpPr>
-        <p:spPr>
-          <a:xfrm>
-            <a:off x="4120913" y="1025499"/>
-            <a:ext cx="399253" cy="69056"/>
-          </a:xfrm>
-          <a:prstGeom prst="rect">
-            <a:avLst/>
-          </a:prstGeom>
-          <a:noFill/>
-          <a:ln w="9525">
-            <a:solidFill>
-              <a:srgbClr val="FFC000"/>
-            </a:solidFill>
-          </a:ln>
-        </p:spPr>
-        <p:style>
-          <a:lnRef idx="2">
-            <a:schemeClr val="accent1">
-              <a:shade val="50000"/>
-            </a:schemeClr>
-          </a:lnRef>
-          <a:fillRef idx="1">
-            <a:schemeClr val="accent1"/>
-          </a:fillRef>
-          <a:effectRef idx="0">
-            <a:schemeClr val="accent1"/>
-          </a:effectRef>
-          <a:fontRef idx="minor">
-            <a:schemeClr val="lt1"/>
-          </a:fontRef>
-        </p:style>
-        <p:txBody>
-          <a:bodyPr/>
-          <a:lstStyle>
-            <a:lvl1pPr marL="0" indent="0">
-              <a:defRPr sz="1100">
-                <a:solidFill>
-                  <a:schemeClr val="lt1"/>
-                </a:solidFill>
-                <a:latin typeface="+mn-lt"/>
-                <a:ea typeface="+mn-ea"/>
-                <a:cs typeface="+mn-cs"/>
-              </a:defRPr>
-            </a:lvl1pPr>
-            <a:lvl2pPr marL="457200" indent="0">
-              <a:defRPr sz="1100">
-                <a:solidFill>
-                  <a:schemeClr val="lt1"/>
-                </a:solidFill>
-                <a:latin typeface="+mn-lt"/>
-                <a:ea typeface="+mn-ea"/>
-                <a:cs typeface="+mn-cs"/>
-              </a:defRPr>
-            </a:lvl2pPr>
-            <a:lvl3pPr marL="914400" indent="0">
-              <a:defRPr sz="1100">
-                <a:solidFill>
-                  <a:schemeClr val="lt1"/>
-                </a:solidFill>
-                <a:latin typeface="+mn-lt"/>
-                <a:ea typeface="+mn-ea"/>
-                <a:cs typeface="+mn-cs"/>
-              </a:defRPr>
-            </a:lvl3pPr>
-            <a:lvl4pPr marL="1371600" indent="0">
-              <a:defRPr sz="1100">
-                <a:solidFill>
-                  <a:schemeClr val="lt1"/>
-                </a:solidFill>
-                <a:latin typeface="+mn-lt"/>
-                <a:ea typeface="+mn-ea"/>
-                <a:cs typeface="+mn-cs"/>
-              </a:defRPr>
-            </a:lvl4pPr>
-            <a:lvl5pPr marL="1828800" indent="0">
-              <a:defRPr sz="1100">
-                <a:solidFill>
-                  <a:schemeClr val="lt1"/>
-                </a:solidFill>
-                <a:latin typeface="+mn-lt"/>
-                <a:ea typeface="+mn-ea"/>
-                <a:cs typeface="+mn-cs"/>
-              </a:defRPr>
-            </a:lvl5pPr>
-            <a:lvl6pPr marL="2286000" indent="0">
-              <a:defRPr sz="1100">
-                <a:solidFill>
-                  <a:schemeClr val="lt1"/>
-                </a:solidFill>
-                <a:latin typeface="+mn-lt"/>
-                <a:ea typeface="+mn-ea"/>
-                <a:cs typeface="+mn-cs"/>
-              </a:defRPr>
-            </a:lvl6pPr>
-            <a:lvl7pPr marL="2743200" indent="0">
-              <a:defRPr sz="1100">
-                <a:solidFill>
-                  <a:schemeClr val="lt1"/>
-                </a:solidFill>
-                <a:latin typeface="+mn-lt"/>
-                <a:ea typeface="+mn-ea"/>
-                <a:cs typeface="+mn-cs"/>
-              </a:defRPr>
-            </a:lvl7pPr>
-            <a:lvl8pPr marL="3200400" indent="0">
-              <a:defRPr sz="1100">
-                <a:solidFill>
-                  <a:schemeClr val="lt1"/>
-                </a:solidFill>
-                <a:latin typeface="+mn-lt"/>
-                <a:ea typeface="+mn-ea"/>
-                <a:cs typeface="+mn-cs"/>
-              </a:defRPr>
-            </a:lvl8pPr>
-            <a:lvl9pPr marL="3657600" indent="0">
-              <a:defRPr sz="1100">
-                <a:solidFill>
-                  <a:schemeClr val="lt1"/>
-                </a:solidFill>
-                <a:latin typeface="+mn-lt"/>
-                <a:ea typeface="+mn-ea"/>
-                <a:cs typeface="+mn-cs"/>
-              </a:defRPr>
-            </a:lvl9pPr>
-          </a:lstStyle>
-          <a:p>
-            <a:endParaRPr lang="ja-JP"/>
-          </a:p>
-        </p:txBody>
-      </p:sp>
-      <p:grpSp>
-        <p:nvGrpSpPr>
-          <p:cNvPr id="11" name="グループ化 10">
-            <a:extLst>
-              <a:ext uri="{FF2B5EF4-FFF2-40B4-BE49-F238E27FC236}">
-                <a16:creationId xmlns:a16="http://schemas.microsoft.com/office/drawing/2014/main" id="{52DB4A3E-B445-4936-AA59-0F6C4661C338}"/>
-              </a:ext>
-            </a:extLst>
-          </p:cNvPr>
-          <p:cNvGrpSpPr/>
-          <p:nvPr/>
-        </p:nvGrpSpPr>
-        <p:grpSpPr>
-          <a:xfrm>
-            <a:off x="2028732" y="2358096"/>
-            <a:ext cx="399253" cy="253916"/>
-            <a:chOff x="4436269" y="2095389"/>
-            <a:chExt cx="400050" cy="253916"/>
-          </a:xfrm>
-        </p:grpSpPr>
-        <p:sp>
-          <p:nvSpPr>
-            <p:cNvPr id="17" name="左大かっこ 16">
-              <a:extLst>
-                <a:ext uri="{FF2B5EF4-FFF2-40B4-BE49-F238E27FC236}">
-                  <a16:creationId xmlns:a16="http://schemas.microsoft.com/office/drawing/2014/main" id="{358F810B-CC43-4770-8504-07BBAEA2D646}"/>
-                </a:ext>
-              </a:extLst>
-            </p:cNvPr>
-            <p:cNvSpPr/>
-            <p:nvPr/>
-          </p:nvSpPr>
-          <p:spPr>
-            <a:xfrm rot="5400000">
-              <a:off x="4598194" y="2097885"/>
-              <a:ext cx="76200" cy="400050"/>
-            </a:xfrm>
-            <a:prstGeom prst="leftBracket">
-              <a:avLst>
-                <a:gd name="adj" fmla="val 0"/>
-              </a:avLst>
-            </a:prstGeom>
-            <a:noFill/>
-            <a:ln w="9525">
-              <a:solidFill>
-                <a:srgbClr val="595959"/>
-              </a:solidFill>
-            </a:ln>
-          </p:spPr>
-          <p:style>
-            <a:lnRef idx="1">
-              <a:schemeClr val="accent1"/>
-            </a:lnRef>
-            <a:fillRef idx="0">
-              <a:schemeClr val="accent1"/>
-            </a:fillRef>
-            <a:effectRef idx="0">
-              <a:schemeClr val="accent1"/>
-            </a:effectRef>
-            <a:fontRef idx="minor">
-              <a:schemeClr val="tx1"/>
-            </a:fontRef>
-          </p:style>
-          <p:txBody>
-            <a:bodyPr rtlCol="0" anchor="ctr"/>
-            <a:lstStyle/>
-            <a:p>
-              <a:pPr algn="ctr"/>
-              <a:endParaRPr kumimoji="1" lang="ja-JP" altLang="en-US"/>
-            </a:p>
-          </p:txBody>
-        </p:sp>
-        <p:sp>
-          <p:nvSpPr>
-            <p:cNvPr id="18" name="テキスト ボックス 17">
-              <a:extLst>
-                <a:ext uri="{FF2B5EF4-FFF2-40B4-BE49-F238E27FC236}">
-                  <a16:creationId xmlns:a16="http://schemas.microsoft.com/office/drawing/2014/main" id="{B951C72D-F14D-4E64-99F0-2EC30692448C}"/>
-                </a:ext>
-              </a:extLst>
-            </p:cNvPr>
-            <p:cNvSpPr txBox="1"/>
-            <p:nvPr/>
-          </p:nvSpPr>
-          <p:spPr>
-            <a:xfrm>
-              <a:off x="4483803" y="2095389"/>
-              <a:ext cx="311430" cy="253916"/>
-            </a:xfrm>
-            <a:prstGeom prst="rect">
-              <a:avLst/>
-            </a:prstGeom>
-            <a:noFill/>
-          </p:spPr>
-          <p:txBody>
-            <a:bodyPr wrap="square" rtlCol="0" anchor="ctr">
-              <a:spAutoFit/>
-            </a:bodyPr>
-            <a:lstStyle/>
-            <a:p>
-              <a:pPr algn="ctr"/>
-              <a:r>
-                <a:rPr lang="en-US" altLang="ja-JP" sz="1000" dirty="0"/>
-                <a:t>**</a:t>
-              </a:r>
-              <a:endParaRPr lang="ja-JP" altLang="en-US" sz="1000" dirty="0"/>
-            </a:p>
-          </p:txBody>
-        </p:sp>
-      </p:grpSp>
-      <p:grpSp>
-        <p:nvGrpSpPr>
-          <p:cNvPr id="16" name="グループ化 15">
-            <a:extLst>
-              <a:ext uri="{FF2B5EF4-FFF2-40B4-BE49-F238E27FC236}">
-                <a16:creationId xmlns:a16="http://schemas.microsoft.com/office/drawing/2014/main" id="{A314A9B2-25CB-4C6E-882C-F60C0E28B2F1}"/>
-              </a:ext>
-            </a:extLst>
-          </p:cNvPr>
-          <p:cNvGrpSpPr/>
-          <p:nvPr/>
-        </p:nvGrpSpPr>
-        <p:grpSpPr>
-          <a:xfrm>
-            <a:off x="3412236" y="2413178"/>
-            <a:ext cx="399254" cy="253916"/>
-            <a:chOff x="4436269" y="2095389"/>
-            <a:chExt cx="400050" cy="253916"/>
-          </a:xfrm>
-        </p:grpSpPr>
-        <p:sp>
-          <p:nvSpPr>
-            <p:cNvPr id="19" name="左大かっこ 18">
-              <a:extLst>
-                <a:ext uri="{FF2B5EF4-FFF2-40B4-BE49-F238E27FC236}">
-                  <a16:creationId xmlns:a16="http://schemas.microsoft.com/office/drawing/2014/main" id="{FDA5C87B-9BAD-4B2E-999E-E495A526B8EA}"/>
-                </a:ext>
-              </a:extLst>
-            </p:cNvPr>
-            <p:cNvSpPr/>
-            <p:nvPr/>
-          </p:nvSpPr>
-          <p:spPr>
-            <a:xfrm rot="5400000">
-              <a:off x="4598194" y="2097885"/>
-              <a:ext cx="76200" cy="400050"/>
-            </a:xfrm>
-            <a:prstGeom prst="leftBracket">
-              <a:avLst>
-                <a:gd name="adj" fmla="val 0"/>
-              </a:avLst>
-            </a:prstGeom>
-            <a:noFill/>
-            <a:ln w="9525">
-              <a:solidFill>
-                <a:srgbClr val="595959"/>
-              </a:solidFill>
-            </a:ln>
-          </p:spPr>
-          <p:style>
-            <a:lnRef idx="1">
-              <a:schemeClr val="accent1"/>
-            </a:lnRef>
-            <a:fillRef idx="0">
-              <a:schemeClr val="accent1"/>
-            </a:fillRef>
-            <a:effectRef idx="0">
-              <a:schemeClr val="accent1"/>
-            </a:effectRef>
-            <a:fontRef idx="minor">
-              <a:schemeClr val="tx1"/>
-            </a:fontRef>
-          </p:style>
-          <p:txBody>
-            <a:bodyPr rtlCol="0" anchor="ctr"/>
-            <a:lstStyle/>
-            <a:p>
-              <a:pPr algn="ctr"/>
-              <a:endParaRPr kumimoji="1" lang="ja-JP" altLang="en-US"/>
-            </a:p>
-          </p:txBody>
-        </p:sp>
-        <p:sp>
-          <p:nvSpPr>
-            <p:cNvPr id="23" name="テキスト ボックス 22">
-              <a:extLst>
-                <a:ext uri="{FF2B5EF4-FFF2-40B4-BE49-F238E27FC236}">
-                  <a16:creationId xmlns:a16="http://schemas.microsoft.com/office/drawing/2014/main" id="{DC79FFA1-156D-4427-963C-7D088BE47860}"/>
-                </a:ext>
-              </a:extLst>
-            </p:cNvPr>
-            <p:cNvSpPr txBox="1"/>
-            <p:nvPr/>
-          </p:nvSpPr>
-          <p:spPr>
-            <a:xfrm>
-              <a:off x="4483803" y="2095389"/>
-              <a:ext cx="311430" cy="253916"/>
-            </a:xfrm>
-            <a:prstGeom prst="rect">
-              <a:avLst/>
-            </a:prstGeom>
-            <a:noFill/>
-          </p:spPr>
-          <p:txBody>
-            <a:bodyPr wrap="square" rtlCol="0" anchor="ctr">
-              <a:spAutoFit/>
-            </a:bodyPr>
-            <a:lstStyle/>
-            <a:p>
-              <a:pPr algn="ctr"/>
-              <a:r>
-                <a:rPr lang="en-US" altLang="ja-JP" sz="1000" dirty="0"/>
-                <a:t>**</a:t>
-              </a:r>
-              <a:endParaRPr lang="ja-JP" altLang="en-US" sz="1000" dirty="0"/>
-            </a:p>
-          </p:txBody>
-        </p:sp>
-      </p:grpSp>
-      <p:grpSp>
-        <p:nvGrpSpPr>
-          <p:cNvPr id="13" name="グループ化 12">
-            <a:extLst>
-              <a:ext uri="{FF2B5EF4-FFF2-40B4-BE49-F238E27FC236}">
-                <a16:creationId xmlns:a16="http://schemas.microsoft.com/office/drawing/2014/main" id="{DB321BE0-C4CB-446C-B43E-8B4BCCBCAD73}"/>
-              </a:ext>
-            </a:extLst>
-          </p:cNvPr>
-          <p:cNvGrpSpPr/>
-          <p:nvPr/>
-        </p:nvGrpSpPr>
-        <p:grpSpPr>
-          <a:xfrm>
-            <a:off x="4795558" y="1977184"/>
-            <a:ext cx="399253" cy="269010"/>
-            <a:chOff x="4436269" y="2067000"/>
-            <a:chExt cx="400050" cy="269010"/>
-          </a:xfrm>
-        </p:grpSpPr>
-        <p:sp>
-          <p:nvSpPr>
-            <p:cNvPr id="14" name="左大かっこ 13">
-              <a:extLst>
-                <a:ext uri="{FF2B5EF4-FFF2-40B4-BE49-F238E27FC236}">
-                  <a16:creationId xmlns:a16="http://schemas.microsoft.com/office/drawing/2014/main" id="{917E28CB-6614-4991-B193-43FB06BBBD61}"/>
-                </a:ext>
-              </a:extLst>
-            </p:cNvPr>
-            <p:cNvSpPr/>
-            <p:nvPr/>
-          </p:nvSpPr>
-          <p:spPr>
-            <a:xfrm rot="5400000">
-              <a:off x="4598194" y="2097885"/>
-              <a:ext cx="76200" cy="400050"/>
-            </a:xfrm>
-            <a:prstGeom prst="leftBracket">
-              <a:avLst>
-                <a:gd name="adj" fmla="val 0"/>
-              </a:avLst>
-            </a:prstGeom>
-            <a:noFill/>
-            <a:ln w="9525">
-              <a:solidFill>
-                <a:srgbClr val="595959"/>
-              </a:solidFill>
-            </a:ln>
-          </p:spPr>
-          <p:style>
-            <a:lnRef idx="1">
-              <a:schemeClr val="accent1"/>
-            </a:lnRef>
-            <a:fillRef idx="0">
-              <a:schemeClr val="accent1"/>
-            </a:fillRef>
-            <a:effectRef idx="0">
-              <a:schemeClr val="accent1"/>
-            </a:effectRef>
-            <a:fontRef idx="minor">
-              <a:schemeClr val="tx1"/>
-            </a:fontRef>
-          </p:style>
-          <p:txBody>
-            <a:bodyPr rtlCol="0" anchor="ctr"/>
-            <a:lstStyle/>
-            <a:p>
-              <a:pPr algn="ctr"/>
-              <a:endParaRPr kumimoji="1" lang="ja-JP" altLang="en-US"/>
-            </a:p>
-          </p:txBody>
-        </p:sp>
-        <p:sp>
-          <p:nvSpPr>
-            <p:cNvPr id="15" name="テキスト ボックス 14">
-              <a:extLst>
-                <a:ext uri="{FF2B5EF4-FFF2-40B4-BE49-F238E27FC236}">
-                  <a16:creationId xmlns:a16="http://schemas.microsoft.com/office/drawing/2014/main" id="{7F717667-D902-4C7C-A1F0-F610669DB362}"/>
-                </a:ext>
-              </a:extLst>
-            </p:cNvPr>
-            <p:cNvSpPr txBox="1"/>
-            <p:nvPr/>
-          </p:nvSpPr>
-          <p:spPr>
-            <a:xfrm>
-              <a:off x="4436269" y="2067000"/>
-              <a:ext cx="400050" cy="215444"/>
-            </a:xfrm>
-            <a:prstGeom prst="rect">
-              <a:avLst/>
-            </a:prstGeom>
-            <a:noFill/>
-          </p:spPr>
-          <p:txBody>
-            <a:bodyPr wrap="square" rtlCol="0" anchor="ctr">
-              <a:spAutoFit/>
-            </a:bodyPr>
-            <a:lstStyle/>
-            <a:p>
-              <a:pPr algn="ctr"/>
-              <a:r>
-                <a:rPr lang="en-US" altLang="ja-JP" sz="800" dirty="0" err="1"/>
-                <a:t>n.s</a:t>
-              </a:r>
-              <a:r>
-                <a:rPr lang="en-US" altLang="ja-JP" sz="800" dirty="0"/>
-                <a:t>.</a:t>
-              </a:r>
-              <a:endParaRPr lang="ja-JP" altLang="en-US" sz="800" dirty="0"/>
-            </a:p>
-          </p:txBody>
-        </p:sp>
-      </p:grpSp>
-    </p:spTree>
-    <p:extLst>
-      <p:ext uri="{BB962C8B-B14F-4D97-AF65-F5344CB8AC3E}">
-        <p14:creationId xmlns:p14="http://schemas.microsoft.com/office/powerpoint/2010/main" val="888015544"/>
-      </p:ext>
-    </p:extLst>
-  </p:cSld>
-  <p:clrMapOvr>
-    <a:masterClrMapping/>
-  </p:clrMapOvr>
-</p:sld>
-</file>
-
-<file path=ppt/slides/slide3.xml><?xml version="1.0" encoding="utf-8"?>
-<p:sld xmlns:a="http://schemas.openxmlformats.org/drawingml/2006/main" xmlns:r="http://schemas.openxmlformats.org/officeDocument/2006/relationships" xmlns:p="http://schemas.openxmlformats.org/presentationml/2006/main">
-  <p:cSld>
-    <p:spTree>
-      <p:nvGrpSpPr>
-        <p:cNvPr id="1" name=""/>
-        <p:cNvGrpSpPr/>
-        <p:nvPr/>
-      </p:nvGrpSpPr>
-      <p:grpSpPr>
-        <a:xfrm>
-          <a:off x="0" y="0"/>
-          <a:ext cx="0" cy="0"/>
-          <a:chOff x="0" y="0"/>
-          <a:chExt cx="0" cy="0"/>
-        </a:xfrm>
-      </p:grpSpPr>
-      <p:grpSp>
-        <p:nvGrpSpPr>
-          <p:cNvPr id="8" name="グループ化 7">
-            <a:extLst>
-              <a:ext uri="{FF2B5EF4-FFF2-40B4-BE49-F238E27FC236}">
-                <a16:creationId xmlns:a16="http://schemas.microsoft.com/office/drawing/2014/main" id="{4A0CCC45-7CEC-4A40-BA38-F8373F8EEA31}"/>
-              </a:ext>
-            </a:extLst>
-          </p:cNvPr>
-          <p:cNvGrpSpPr/>
-          <p:nvPr/>
-        </p:nvGrpSpPr>
-        <p:grpSpPr>
-          <a:xfrm>
-            <a:off x="2668781" y="0"/>
-            <a:ext cx="6854437" cy="6858000"/>
-            <a:chOff x="2668781" y="0"/>
-            <a:chExt cx="6854437" cy="6858000"/>
-          </a:xfrm>
-        </p:grpSpPr>
-        <p:pic>
-          <p:nvPicPr>
-            <p:cNvPr id="5" name="図 4">
-              <a:extLst>
-                <a:ext uri="{FF2B5EF4-FFF2-40B4-BE49-F238E27FC236}">
-                  <a16:creationId xmlns:a16="http://schemas.microsoft.com/office/drawing/2014/main" id="{969868C4-C4AA-46F4-8C4F-C247FA5F471A}"/>
-                </a:ext>
-              </a:extLst>
-            </p:cNvPr>
-            <p:cNvPicPr>
-              <a:picLocks noChangeAspect="1"/>
-            </p:cNvPicPr>
-            <p:nvPr/>
-          </p:nvPicPr>
-          <p:blipFill>
-            <a:blip r:embed="rId2">
-              <a:extLst>
-                <a:ext uri="{28A0092B-C50C-407E-A947-70E740481C1C}">
-                  <a14:useLocalDpi xmlns:a14="http://schemas.microsoft.com/office/drawing/2010/main" val="0"/>
-                </a:ext>
-              </a:extLst>
-            </a:blip>
-            <a:stretch>
-              <a:fillRect/>
-            </a:stretch>
-          </p:blipFill>
-          <p:spPr>
-            <a:xfrm>
-              <a:off x="2668781" y="0"/>
-              <a:ext cx="6854437" cy="6858000"/>
-            </a:xfrm>
-            <a:prstGeom prst="rect">
-              <a:avLst/>
-            </a:prstGeom>
-          </p:spPr>
-        </p:pic>
-        <p:sp>
-          <p:nvSpPr>
-            <p:cNvPr id="6" name="正方形/長方形 5">
-              <a:extLst>
-                <a:ext uri="{FF2B5EF4-FFF2-40B4-BE49-F238E27FC236}">
-                  <a16:creationId xmlns:a16="http://schemas.microsoft.com/office/drawing/2014/main" id="{F27AD886-C8D7-4891-945E-25AABDBFF2A7}"/>
-                </a:ext>
-              </a:extLst>
-            </p:cNvPr>
-            <p:cNvSpPr/>
-            <p:nvPr/>
-          </p:nvSpPr>
-          <p:spPr>
-            <a:xfrm>
-              <a:off x="4983858" y="1897982"/>
-              <a:ext cx="767038" cy="146193"/>
-            </a:xfrm>
-            <a:prstGeom prst="rect">
-              <a:avLst/>
-            </a:prstGeom>
-            <a:solidFill>
-              <a:schemeClr val="tx1"/>
-            </a:solidFill>
-            <a:ln>
-              <a:noFill/>
-            </a:ln>
-          </p:spPr>
-          <p:style>
-            <a:lnRef idx="2">
-              <a:schemeClr val="accent1">
-                <a:shade val="50000"/>
-              </a:schemeClr>
-            </a:lnRef>
-            <a:fillRef idx="1">
-              <a:schemeClr val="accent1"/>
-            </a:fillRef>
-            <a:effectRef idx="0">
-              <a:schemeClr val="accent1"/>
-            </a:effectRef>
-            <a:fontRef idx="minor">
-              <a:schemeClr val="lt1"/>
-            </a:fontRef>
-          </p:style>
-          <p:txBody>
-            <a:bodyPr rtlCol="0" anchor="ctr"/>
-            <a:lstStyle/>
-            <a:p>
-              <a:pPr algn="ctr"/>
-              <a:endParaRPr kumimoji="1" lang="ja-JP" altLang="en-US"/>
-            </a:p>
-          </p:txBody>
-        </p:sp>
-      </p:grpSp>
-    </p:spTree>
-    <p:extLst>
-      <p:ext uri="{BB962C8B-B14F-4D97-AF65-F5344CB8AC3E}">
-        <p14:creationId xmlns:p14="http://schemas.microsoft.com/office/powerpoint/2010/main" val="2548766365"/>
-      </p:ext>
-    </p:extLst>
-  </p:cSld>
-  <p:clrMapOvr>
-    <a:masterClrMapping/>
-  </p:clrMapOvr>
-</p:sld>
-</file>
-
-<file path=ppt/slides/slide4.xml><?xml version="1.0" encoding="utf-8"?>
-<p:sld xmlns:a="http://schemas.openxmlformats.org/drawingml/2006/main" xmlns:r="http://schemas.openxmlformats.org/officeDocument/2006/relationships" xmlns:p="http://schemas.openxmlformats.org/presentationml/2006/main">
-  <p:cSld>
-    <p:spTree>
-      <p:nvGrpSpPr>
-        <p:cNvPr id="1" name=""/>
-        <p:cNvGrpSpPr/>
-        <p:nvPr/>
-      </p:nvGrpSpPr>
-      <p:grpSpPr>
-        <a:xfrm>
-          <a:off x="0" y="0"/>
-          <a:ext cx="0" cy="0"/>
-          <a:chOff x="0" y="0"/>
-          <a:chExt cx="0" cy="0"/>
-        </a:xfrm>
-      </p:grpSpPr>
-      <p:grpSp>
-        <p:nvGrpSpPr>
-          <p:cNvPr id="10" name="グループ化 9">
-            <a:extLst>
-              <a:ext uri="{FF2B5EF4-FFF2-40B4-BE49-F238E27FC236}">
-                <a16:creationId xmlns:a16="http://schemas.microsoft.com/office/drawing/2014/main" id="{21788C8B-5A22-4175-88AC-266FA6F70766}"/>
-              </a:ext>
-            </a:extLst>
-          </p:cNvPr>
-          <p:cNvGrpSpPr/>
-          <p:nvPr/>
-        </p:nvGrpSpPr>
-        <p:grpSpPr>
-          <a:xfrm>
-            <a:off x="1608766" y="1319001"/>
-            <a:ext cx="3133167" cy="1286634"/>
-            <a:chOff x="500698" y="1319001"/>
-            <a:chExt cx="10828146" cy="4446574"/>
-          </a:xfrm>
-        </p:grpSpPr>
-        <p:pic>
-          <p:nvPicPr>
-            <p:cNvPr id="5" name="図 4">
-              <a:extLst>
-                <a:ext uri="{FF2B5EF4-FFF2-40B4-BE49-F238E27FC236}">
-                  <a16:creationId xmlns:a16="http://schemas.microsoft.com/office/drawing/2014/main" id="{18D8C9D3-B8CC-4C7A-AB4B-6EF194F76EE9}"/>
-                </a:ext>
-              </a:extLst>
-            </p:cNvPr>
-            <p:cNvPicPr>
-              <a:picLocks noChangeAspect="1"/>
-            </p:cNvPicPr>
-            <p:nvPr/>
-          </p:nvPicPr>
-          <p:blipFill>
-            <a:blip r:embed="rId2">
-              <a:extLst>
-                <a:ext uri="{28A0092B-C50C-407E-A947-70E740481C1C}">
-                  <a14:useLocalDpi xmlns:a14="http://schemas.microsoft.com/office/drawing/2010/main" val="0"/>
-                </a:ext>
-              </a:extLst>
-            </a:blip>
-            <a:stretch>
-              <a:fillRect/>
-            </a:stretch>
-          </p:blipFill>
-          <p:spPr>
-            <a:xfrm>
-              <a:off x="500698" y="1319001"/>
-              <a:ext cx="5284893" cy="4446574"/>
-            </a:xfrm>
-            <a:prstGeom prst="rect">
-              <a:avLst/>
-            </a:prstGeom>
-          </p:spPr>
-        </p:pic>
-        <p:pic>
-          <p:nvPicPr>
-            <p:cNvPr id="7" name="図 6">
-              <a:extLst>
-                <a:ext uri="{FF2B5EF4-FFF2-40B4-BE49-F238E27FC236}">
-                  <a16:creationId xmlns:a16="http://schemas.microsoft.com/office/drawing/2014/main" id="{2739C57C-6F9B-40BD-8BEC-349037B3F63A}"/>
-                </a:ext>
-              </a:extLst>
-            </p:cNvPr>
-            <p:cNvPicPr>
-              <a:picLocks noChangeAspect="1"/>
-            </p:cNvPicPr>
-            <p:nvPr/>
-          </p:nvPicPr>
-          <p:blipFill>
-            <a:blip r:embed="rId3">
-              <a:extLst>
-                <a:ext uri="{28A0092B-C50C-407E-A947-70E740481C1C}">
-                  <a14:useLocalDpi xmlns:a14="http://schemas.microsoft.com/office/drawing/2010/main" val="0"/>
-                </a:ext>
-              </a:extLst>
-            </a:blip>
-            <a:stretch>
-              <a:fillRect/>
-            </a:stretch>
-          </p:blipFill>
-          <p:spPr>
-            <a:xfrm>
-              <a:off x="5785591" y="1319001"/>
-              <a:ext cx="5543253" cy="4446573"/>
-            </a:xfrm>
-            <a:prstGeom prst="rect">
-              <a:avLst/>
-            </a:prstGeom>
-          </p:spPr>
-        </p:pic>
-      </p:grpSp>
-    </p:spTree>
-    <p:extLst>
-      <p:ext uri="{BB962C8B-B14F-4D97-AF65-F5344CB8AC3E}">
-        <p14:creationId xmlns:p14="http://schemas.microsoft.com/office/powerpoint/2010/main" val="3563927957"/>
-      </p:ext>
-    </p:extLst>
-  </p:cSld>
-  <p:clrMapOvr>
-    <a:masterClrMapping/>
-  </p:clrMapOvr>
-</p:sld>
-</file>
-
-<file path=ppt/slides/slide5.xml><?xml version="1.0" encoding="utf-8"?>
-<p:sld xmlns:a="http://schemas.openxmlformats.org/drawingml/2006/main" xmlns:r="http://schemas.openxmlformats.org/officeDocument/2006/relationships" xmlns:p="http://schemas.openxmlformats.org/presentationml/2006/main">
-  <p:cSld>
-    <p:spTree>
-      <p:nvGrpSpPr>
-        <p:cNvPr id="1" name=""/>
-        <p:cNvGrpSpPr/>
-        <p:nvPr/>
-      </p:nvGrpSpPr>
-      <p:grpSpPr>
-        <a:xfrm>
-          <a:off x="0" y="0"/>
-          <a:ext cx="0" cy="0"/>
-          <a:chOff x="0" y="0"/>
-          <a:chExt cx="0" cy="0"/>
-        </a:xfrm>
-      </p:grpSpPr>
-      <p:grpSp>
-        <p:nvGrpSpPr>
-          <p:cNvPr id="10" name="グループ化 9">
-            <a:extLst>
-              <a:ext uri="{FF2B5EF4-FFF2-40B4-BE49-F238E27FC236}">
-                <a16:creationId xmlns:a16="http://schemas.microsoft.com/office/drawing/2014/main" id="{1A56CC14-8366-48D6-92DA-0340468948D9}"/>
-              </a:ext>
-            </a:extLst>
-          </p:cNvPr>
-          <p:cNvGrpSpPr/>
-          <p:nvPr/>
-        </p:nvGrpSpPr>
-        <p:grpSpPr>
-          <a:xfrm>
-            <a:off x="324302" y="342039"/>
-            <a:ext cx="11543395" cy="3224464"/>
-            <a:chOff x="219671" y="309382"/>
-            <a:chExt cx="11543395" cy="3224464"/>
-          </a:xfrm>
-        </p:grpSpPr>
-        <p:pic>
-          <p:nvPicPr>
-            <p:cNvPr id="5" name="図 4">
-              <a:extLst>
-                <a:ext uri="{FF2B5EF4-FFF2-40B4-BE49-F238E27FC236}">
-                  <a16:creationId xmlns:a16="http://schemas.microsoft.com/office/drawing/2014/main" id="{8F6A4D98-AE15-4621-89EE-FAFEC012FA50}"/>
-                </a:ext>
-              </a:extLst>
-            </p:cNvPr>
-            <p:cNvPicPr>
-              <a:picLocks noChangeAspect="1"/>
-            </p:cNvPicPr>
-            <p:nvPr/>
-          </p:nvPicPr>
-          <p:blipFill>
-            <a:blip r:embed="rId2">
-              <a:extLst>
-                <a:ext uri="{28A0092B-C50C-407E-A947-70E740481C1C}">
-                  <a14:useLocalDpi xmlns:a14="http://schemas.microsoft.com/office/drawing/2010/main" val="0"/>
-                </a:ext>
-              </a:extLst>
-            </a:blip>
-            <a:stretch>
-              <a:fillRect/>
-            </a:stretch>
-          </p:blipFill>
-          <p:spPr>
-            <a:xfrm>
-              <a:off x="6030686" y="309382"/>
-              <a:ext cx="5732380" cy="3224464"/>
-            </a:xfrm>
-            <a:prstGeom prst="rect">
-              <a:avLst/>
-            </a:prstGeom>
-          </p:spPr>
-        </p:pic>
-        <p:pic>
-          <p:nvPicPr>
-            <p:cNvPr id="7" name="図 6">
-              <a:extLst>
-                <a:ext uri="{FF2B5EF4-FFF2-40B4-BE49-F238E27FC236}">
-                  <a16:creationId xmlns:a16="http://schemas.microsoft.com/office/drawing/2014/main" id="{A3457FBA-8FAF-4F15-85F6-D475F66BC76F}"/>
-                </a:ext>
-              </a:extLst>
-            </p:cNvPr>
-            <p:cNvPicPr>
-              <a:picLocks noChangeAspect="1"/>
-            </p:cNvPicPr>
-            <p:nvPr/>
-          </p:nvPicPr>
-          <p:blipFill>
-            <a:blip r:embed="rId3">
-              <a:extLst>
-                <a:ext uri="{28A0092B-C50C-407E-A947-70E740481C1C}">
-                  <a14:useLocalDpi xmlns:a14="http://schemas.microsoft.com/office/drawing/2010/main" val="0"/>
-                </a:ext>
-              </a:extLst>
-            </a:blip>
-            <a:stretch>
-              <a:fillRect/>
-            </a:stretch>
-          </p:blipFill>
-          <p:spPr>
-            <a:xfrm>
-              <a:off x="219671" y="309382"/>
-              <a:ext cx="5732379" cy="3224463"/>
-            </a:xfrm>
-            <a:prstGeom prst="rect">
-              <a:avLst/>
-            </a:prstGeom>
-          </p:spPr>
-        </p:pic>
-      </p:grpSp>
-      <p:sp>
-        <p:nvSpPr>
-          <p:cNvPr id="2" name="テキスト ボックス 1">
-            <a:extLst>
-              <a:ext uri="{FF2B5EF4-FFF2-40B4-BE49-F238E27FC236}">
-                <a16:creationId xmlns:a16="http://schemas.microsoft.com/office/drawing/2014/main" id="{F081152A-52C4-4517-BA83-078270E1F336}"/>
-              </a:ext>
-            </a:extLst>
-          </p:cNvPr>
-          <p:cNvSpPr txBox="1"/>
-          <p:nvPr/>
-        </p:nvSpPr>
-        <p:spPr>
-          <a:xfrm>
-            <a:off x="324302" y="417094"/>
-            <a:ext cx="1098884" cy="369332"/>
-          </a:xfrm>
-          <a:prstGeom prst="rect">
-            <a:avLst/>
-          </a:prstGeom>
-          <a:noFill/>
-        </p:spPr>
-        <p:txBody>
-          <a:bodyPr wrap="square" rtlCol="0">
-            <a:spAutoFit/>
-          </a:bodyPr>
-          <a:lstStyle/>
-          <a:p>
-            <a:r>
-              <a:rPr kumimoji="1" lang="ja-JP" altLang="en-US" dirty="0">
-                <a:solidFill>
-                  <a:schemeClr val="bg1"/>
-                </a:solidFill>
-              </a:rPr>
-              <a:t>既存手法</a:t>
-            </a:r>
-          </a:p>
-        </p:txBody>
-      </p:sp>
-      <p:sp>
-        <p:nvSpPr>
-          <p:cNvPr id="6" name="テキスト ボックス 5">
-            <a:extLst>
-              <a:ext uri="{FF2B5EF4-FFF2-40B4-BE49-F238E27FC236}">
-                <a16:creationId xmlns:a16="http://schemas.microsoft.com/office/drawing/2014/main" id="{19472F89-967B-4FDD-B365-4D88E510C868}"/>
-              </a:ext>
-            </a:extLst>
-          </p:cNvPr>
-          <p:cNvSpPr txBox="1"/>
-          <p:nvPr/>
-        </p:nvSpPr>
-        <p:spPr>
-          <a:xfrm>
-            <a:off x="6135317" y="417094"/>
-            <a:ext cx="1098884" cy="369332"/>
-          </a:xfrm>
-          <a:prstGeom prst="rect">
-            <a:avLst/>
-          </a:prstGeom>
-          <a:noFill/>
-        </p:spPr>
-        <p:txBody>
-          <a:bodyPr wrap="square" rtlCol="0">
-            <a:spAutoFit/>
-          </a:bodyPr>
-          <a:lstStyle/>
-          <a:p>
-            <a:r>
-              <a:rPr kumimoji="1" lang="ja-JP" altLang="en-US" dirty="0">
-                <a:solidFill>
-                  <a:schemeClr val="bg1"/>
-                </a:solidFill>
-              </a:rPr>
-              <a:t>提案手法</a:t>
-            </a:r>
-          </a:p>
-        </p:txBody>
-      </p:sp>
-    </p:spTree>
-    <p:extLst>
-      <p:ext uri="{BB962C8B-B14F-4D97-AF65-F5344CB8AC3E}">
-        <p14:creationId xmlns:p14="http://schemas.microsoft.com/office/powerpoint/2010/main" val="1710590706"/>
-      </p:ext>
-    </p:extLst>
-  </p:cSld>
-  <p:clrMapOvr>
-    <a:masterClrMapping/>
-  </p:clrMapOvr>
-</p:sld>
-</file>
-
-<file path=ppt/slides/slide6.xml><?xml version="1.0" encoding="utf-8"?>
-<p:sld xmlns:a="http://schemas.openxmlformats.org/drawingml/2006/main" xmlns:r="http://schemas.openxmlformats.org/officeDocument/2006/relationships" xmlns:p="http://schemas.openxmlformats.org/presentationml/2006/main">
-  <p:cSld>
-    <p:spTree>
-      <p:nvGrpSpPr>
-        <p:cNvPr id="1" name=""/>
-        <p:cNvGrpSpPr/>
-        <p:nvPr/>
-      </p:nvGrpSpPr>
-      <p:grpSpPr>
-        <a:xfrm>
-          <a:off x="0" y="0"/>
-          <a:ext cx="0" cy="0"/>
-          <a:chOff x="0" y="0"/>
-          <a:chExt cx="0" cy="0"/>
-        </a:xfrm>
-      </p:grpSpPr>
-      <p:grpSp>
-        <p:nvGrpSpPr>
-          <p:cNvPr id="15" name="グループ化 14">
-            <a:extLst>
-              <a:ext uri="{FF2B5EF4-FFF2-40B4-BE49-F238E27FC236}">
-                <a16:creationId xmlns:a16="http://schemas.microsoft.com/office/drawing/2014/main" id="{3F311659-9FA2-4D13-8709-526F0DDD7C32}"/>
-              </a:ext>
-            </a:extLst>
-          </p:cNvPr>
-          <p:cNvGrpSpPr/>
-          <p:nvPr/>
-        </p:nvGrpSpPr>
-        <p:grpSpPr>
-          <a:xfrm>
-            <a:off x="3850026" y="1591476"/>
-            <a:ext cx="3134721" cy="1408804"/>
-            <a:chOff x="5966209" y="768516"/>
-            <a:chExt cx="3134721" cy="1408804"/>
-          </a:xfrm>
-        </p:grpSpPr>
-        <p:grpSp>
-          <p:nvGrpSpPr>
-            <p:cNvPr id="2" name="グループ化 1">
-              <a:extLst>
-                <a:ext uri="{FF2B5EF4-FFF2-40B4-BE49-F238E27FC236}">
-                  <a16:creationId xmlns:a16="http://schemas.microsoft.com/office/drawing/2014/main" id="{2CF583D9-BE9C-4927-8E83-B5EF28364A7B}"/>
-                </a:ext>
-              </a:extLst>
-            </p:cNvPr>
-            <p:cNvGrpSpPr/>
-            <p:nvPr/>
-          </p:nvGrpSpPr>
-          <p:grpSpPr>
-            <a:xfrm>
-              <a:off x="6146597" y="768516"/>
-              <a:ext cx="2954333" cy="1408804"/>
-              <a:chOff x="6146594" y="2436795"/>
-              <a:chExt cx="2954333" cy="1408804"/>
-            </a:xfrm>
-          </p:grpSpPr>
-          <p:pic>
-            <p:nvPicPr>
-              <p:cNvPr id="5" name="図 4">
-                <a:extLst>
-                  <a:ext uri="{FF2B5EF4-FFF2-40B4-BE49-F238E27FC236}">
-                    <a16:creationId xmlns:a16="http://schemas.microsoft.com/office/drawing/2014/main" id="{24D37E5A-C9B6-42D8-8228-0A8BB9E6CC17}"/>
-                  </a:ext>
-                </a:extLst>
-              </p:cNvPr>
-              <p:cNvPicPr>
-                <a:picLocks noChangeAspect="1"/>
-              </p:cNvPicPr>
-              <p:nvPr/>
-            </p:nvPicPr>
-            <p:blipFill>
-              <a:blip r:embed="rId2">
-                <a:extLst>
-                  <a:ext uri="{28A0092B-C50C-407E-A947-70E740481C1C}">
-                    <a14:useLocalDpi xmlns:a14="http://schemas.microsoft.com/office/drawing/2010/main" val="0"/>
-                  </a:ext>
-                </a:extLst>
-              </a:blip>
-              <a:stretch>
-                <a:fillRect/>
-              </a:stretch>
-            </p:blipFill>
-            <p:spPr>
-              <a:xfrm>
-                <a:off x="6146594" y="2436796"/>
-                <a:ext cx="1408803" cy="1408803"/>
-              </a:xfrm>
-              <a:prstGeom prst="ellipse">
-                <a:avLst/>
-              </a:prstGeom>
-              <a:ln w="12700" cap="rnd">
-                <a:solidFill>
-                  <a:schemeClr val="tx1"/>
-                </a:solidFill>
-              </a:ln>
-              <a:effectLst/>
-              <a:scene3d>
-                <a:camera prst="orthographicFront"/>
-                <a:lightRig rig="contrasting" dir="t">
-                  <a:rot lat="0" lon="0" rev="3000000"/>
-                </a:lightRig>
-              </a:scene3d>
-              <a:sp3d contourW="7620">
-                <a:bevelT w="95250" h="31750"/>
-                <a:contourClr>
-                  <a:srgbClr val="333333"/>
-                </a:contourClr>
-              </a:sp3d>
-            </p:spPr>
-          </p:pic>
-          <p:pic>
-            <p:nvPicPr>
-              <p:cNvPr id="14" name="図 13">
-                <a:extLst>
-                  <a:ext uri="{FF2B5EF4-FFF2-40B4-BE49-F238E27FC236}">
-                    <a16:creationId xmlns:a16="http://schemas.microsoft.com/office/drawing/2014/main" id="{695B19D3-383C-42C3-B538-4B4A6C242D20}"/>
-                  </a:ext>
-                </a:extLst>
-              </p:cNvPr>
-              <p:cNvPicPr>
-                <a:picLocks noChangeAspect="1"/>
-              </p:cNvPicPr>
-              <p:nvPr/>
-            </p:nvPicPr>
-            <p:blipFill rotWithShape="1">
-              <a:blip r:embed="rId3">
-                <a:extLst>
-                  <a:ext uri="{28A0092B-C50C-407E-A947-70E740481C1C}">
-                    <a14:useLocalDpi xmlns:a14="http://schemas.microsoft.com/office/drawing/2010/main" val="0"/>
-                  </a:ext>
-                </a:extLst>
-              </a:blip>
-              <a:srcRect l="22565" t="31783" r="22681" b="37318"/>
-              <a:stretch/>
-            </p:blipFill>
-            <p:spPr>
-              <a:xfrm>
-                <a:off x="7692123" y="2436795"/>
-                <a:ext cx="1408804" cy="1408803"/>
-              </a:xfrm>
-              <a:prstGeom prst="ellipse">
-                <a:avLst/>
-              </a:prstGeom>
-              <a:ln w="12700" cap="rnd">
-                <a:solidFill>
-                  <a:schemeClr val="tx1"/>
-                </a:solidFill>
-              </a:ln>
-              <a:effectLst/>
-              <a:scene3d>
-                <a:camera prst="orthographicFront"/>
-                <a:lightRig rig="contrasting" dir="t">
-                  <a:rot lat="0" lon="0" rev="3000000"/>
-                </a:lightRig>
-              </a:scene3d>
-              <a:sp3d contourW="7620">
-                <a:bevelT w="95250" h="31750"/>
-                <a:contourClr>
-                  <a:srgbClr val="333333"/>
-                </a:contourClr>
-              </a:sp3d>
-            </p:spPr>
-          </p:pic>
-        </p:grpSp>
-        <p:sp>
-          <p:nvSpPr>
-            <p:cNvPr id="6" name="テキスト ボックス 5">
-              <a:extLst>
-                <a:ext uri="{FF2B5EF4-FFF2-40B4-BE49-F238E27FC236}">
-                  <a16:creationId xmlns:a16="http://schemas.microsoft.com/office/drawing/2014/main" id="{38E41EA9-F781-4D03-9260-539E2FBF80A9}"/>
-                </a:ext>
-              </a:extLst>
-            </p:cNvPr>
-            <p:cNvSpPr txBox="1"/>
-            <p:nvPr/>
-          </p:nvSpPr>
-          <p:spPr>
-            <a:xfrm>
-              <a:off x="5966209" y="768519"/>
-              <a:ext cx="360774" cy="276999"/>
-            </a:xfrm>
-            <a:prstGeom prst="rect">
-              <a:avLst/>
-            </a:prstGeom>
-            <a:noFill/>
-          </p:spPr>
-          <p:txBody>
-            <a:bodyPr wrap="square" rtlCol="0" anchor="ctr">
-              <a:spAutoFit/>
-            </a:bodyPr>
-            <a:lstStyle/>
-            <a:p>
-              <a:pPr algn="ctr"/>
-              <a:r>
-                <a:rPr kumimoji="1" lang="en-US" altLang="ja-JP" sz="1200" dirty="0">
-                  <a:latin typeface="Times New Roman" panose="02020603050405020304" pitchFamily="18" charset="0"/>
-                  <a:cs typeface="Times New Roman" panose="02020603050405020304" pitchFamily="18" charset="0"/>
-                </a:rPr>
-                <a:t>(a)</a:t>
-              </a:r>
-              <a:endParaRPr kumimoji="1" lang="ja-JP" altLang="en-US" sz="1200" dirty="0">
-                <a:latin typeface="Times New Roman" panose="02020603050405020304" pitchFamily="18" charset="0"/>
-                <a:cs typeface="Times New Roman" panose="02020603050405020304" pitchFamily="18" charset="0"/>
-              </a:endParaRPr>
-            </a:p>
-          </p:txBody>
-        </p:sp>
-        <p:sp>
-          <p:nvSpPr>
-            <p:cNvPr id="7" name="テキスト ボックス 6">
-              <a:extLst>
-                <a:ext uri="{FF2B5EF4-FFF2-40B4-BE49-F238E27FC236}">
-                  <a16:creationId xmlns:a16="http://schemas.microsoft.com/office/drawing/2014/main" id="{D0176E0E-4D9C-4C76-A475-50EEBC764507}"/>
-                </a:ext>
-              </a:extLst>
-            </p:cNvPr>
-            <p:cNvSpPr txBox="1"/>
-            <p:nvPr/>
-          </p:nvSpPr>
-          <p:spPr>
-            <a:xfrm>
-              <a:off x="7512916" y="768519"/>
-              <a:ext cx="360774" cy="276999"/>
-            </a:xfrm>
-            <a:prstGeom prst="rect">
-              <a:avLst/>
-            </a:prstGeom>
-            <a:noFill/>
-          </p:spPr>
-          <p:txBody>
-            <a:bodyPr wrap="square" rtlCol="0" anchor="ctr">
-              <a:spAutoFit/>
-            </a:bodyPr>
-            <a:lstStyle/>
-            <a:p>
-              <a:pPr algn="ctr"/>
-              <a:r>
-                <a:rPr kumimoji="1" lang="en-US" altLang="ja-JP" sz="1200" dirty="0">
-                  <a:latin typeface="Times New Roman" panose="02020603050405020304" pitchFamily="18" charset="0"/>
-                  <a:cs typeface="Times New Roman" panose="02020603050405020304" pitchFamily="18" charset="0"/>
-                </a:rPr>
-                <a:t>(b)</a:t>
-              </a:r>
-              <a:endParaRPr kumimoji="1" lang="ja-JP" altLang="en-US" sz="1200" dirty="0">
-                <a:latin typeface="Times New Roman" panose="02020603050405020304" pitchFamily="18" charset="0"/>
-                <a:cs typeface="Times New Roman" panose="02020603050405020304" pitchFamily="18" charset="0"/>
-              </a:endParaRPr>
-            </a:p>
-          </p:txBody>
-        </p:sp>
-      </p:grpSp>
-    </p:spTree>
-    <p:extLst>
-      <p:ext uri="{BB962C8B-B14F-4D97-AF65-F5344CB8AC3E}">
-        <p14:creationId xmlns:p14="http://schemas.microsoft.com/office/powerpoint/2010/main" val="1098806807"/>
-      </p:ext>
-    </p:extLst>
-  </p:cSld>
-  <p:clrMapOvr>
-    <a:masterClrMapping/>
-  </p:clrMapOvr>
-</p:sld>
-</file>
-
-<file path=ppt/slides/slide7.xml><?xml version="1.0" encoding="utf-8"?>
-<p:sld xmlns:a="http://schemas.openxmlformats.org/drawingml/2006/main" xmlns:r="http://schemas.openxmlformats.org/officeDocument/2006/relationships" xmlns:p="http://schemas.openxmlformats.org/presentationml/2006/main">
-  <p:cSld>
-    <p:spTree>
-      <p:nvGrpSpPr>
-        <p:cNvPr id="1" name=""/>
-        <p:cNvGrpSpPr/>
-        <p:nvPr/>
-      </p:nvGrpSpPr>
-      <p:grpSpPr>
-        <a:xfrm>
-          <a:off x="0" y="0"/>
-          <a:ext cx="0" cy="0"/>
-          <a:chOff x="0" y="0"/>
-          <a:chExt cx="0" cy="0"/>
-        </a:xfrm>
-      </p:grpSpPr>
-      <p:pic>
-        <p:nvPicPr>
-          <p:cNvPr id="1026" name="Picture 2" descr="Google 日本語入力のフリック入力のガイド">
-            <a:extLst>
-              <a:ext uri="{FF2B5EF4-FFF2-40B4-BE49-F238E27FC236}">
-                <a16:creationId xmlns:a16="http://schemas.microsoft.com/office/drawing/2014/main" id="{7322BD52-8ECE-4698-A5F3-6DC04415EB2C}"/>
-              </a:ext>
-            </a:extLst>
-          </p:cNvPr>
-          <p:cNvPicPr>
-            <a:picLocks noChangeAspect="1" noChangeArrowheads="1"/>
-          </p:cNvPicPr>
-          <p:nvPr/>
-        </p:nvPicPr>
-        <p:blipFill>
-          <a:blip r:embed="rId2">
-            <a:extLst>
-              <a:ext uri="{28A0092B-C50C-407E-A947-70E740481C1C}">
-                <a14:useLocalDpi xmlns:a14="http://schemas.microsoft.com/office/drawing/2010/main" val="0"/>
-              </a:ext>
-            </a:extLst>
-          </a:blip>
-          <a:srcRect/>
-          <a:stretch>
-            <a:fillRect/>
-          </a:stretch>
-        </p:blipFill>
-        <p:spPr bwMode="auto">
-          <a:xfrm>
-            <a:off x="1428058" y="1215131"/>
-            <a:ext cx="4381500" cy="3895725"/>
-          </a:xfrm>
-          <a:prstGeom prst="rect">
-            <a:avLst/>
-          </a:prstGeom>
-          <a:noFill/>
-          <a:extLst>
-            <a:ext uri="{909E8E84-426E-40DD-AFC4-6F175D3DCCD1}">
-              <a14:hiddenFill xmlns:a14="http://schemas.microsoft.com/office/drawing/2010/main">
-                <a:solidFill>
-                  <a:srgbClr val="FFFFFF"/>
-                </a:solidFill>
-              </a14:hiddenFill>
-            </a:ext>
-          </a:extLst>
-        </p:spPr>
-      </p:pic>
-      <p:pic>
-        <p:nvPicPr>
-          <p:cNvPr id="7" name="図 6">
-            <a:extLst>
-              <a:ext uri="{FF2B5EF4-FFF2-40B4-BE49-F238E27FC236}">
-                <a16:creationId xmlns:a16="http://schemas.microsoft.com/office/drawing/2014/main" id="{29F921D4-3D55-46FD-A813-9D9BD1BB9905}"/>
-              </a:ext>
-            </a:extLst>
-          </p:cNvPr>
-          <p:cNvPicPr>
-            <a:picLocks noChangeAspect="1"/>
-          </p:cNvPicPr>
-          <p:nvPr/>
-        </p:nvPicPr>
-        <p:blipFill rotWithShape="1">
-          <a:blip r:embed="rId3">
-            <a:extLst>
-              <a:ext uri="{28A0092B-C50C-407E-A947-70E740481C1C}">
-                <a14:useLocalDpi xmlns:a14="http://schemas.microsoft.com/office/drawing/2010/main" val="0"/>
-              </a:ext>
-            </a:extLst>
-          </a:blip>
-          <a:srcRect t="63564" b="5281"/>
-          <a:stretch/>
-        </p:blipFill>
-        <p:spPr>
-          <a:xfrm>
-            <a:off x="6218742" y="2205789"/>
-            <a:ext cx="4662412" cy="2905067"/>
-          </a:xfrm>
-          <a:prstGeom prst="rect">
-            <a:avLst/>
-          </a:prstGeom>
-        </p:spPr>
-      </p:pic>
-    </p:spTree>
-    <p:extLst>
-      <p:ext uri="{BB962C8B-B14F-4D97-AF65-F5344CB8AC3E}">
-        <p14:creationId xmlns:p14="http://schemas.microsoft.com/office/powerpoint/2010/main" val="1470164038"/>
-      </p:ext>
-    </p:extLst>
-  </p:cSld>
-  <p:clrMapOvr>
-    <a:masterClrMapping/>
-  </p:clrMapOvr>
-</p:sld>
-</file>
-
-<file path=ppt/slides/slide8.xml><?xml version="1.0" encoding="utf-8"?>
-<p:sld xmlns:a="http://schemas.openxmlformats.org/drawingml/2006/main" xmlns:r="http://schemas.openxmlformats.org/officeDocument/2006/relationships" xmlns:p="http://schemas.openxmlformats.org/presentationml/2006/main">
-  <p:cSld>
-    <p:spTree>
-      <p:nvGrpSpPr>
-        <p:cNvPr id="1" name=""/>
-        <p:cNvGrpSpPr/>
-        <p:nvPr/>
-      </p:nvGrpSpPr>
-      <p:grpSpPr>
-        <a:xfrm>
-          <a:off x="0" y="0"/>
-          <a:ext cx="0" cy="0"/>
-          <a:chOff x="0" y="0"/>
-          <a:chExt cx="0" cy="0"/>
-        </a:xfrm>
-      </p:grpSpPr>
-      <p:grpSp>
-        <p:nvGrpSpPr>
-          <p:cNvPr id="2" name="グループ化 1">
-            <a:extLst>
-              <a:ext uri="{FF2B5EF4-FFF2-40B4-BE49-F238E27FC236}">
-                <a16:creationId xmlns:a16="http://schemas.microsoft.com/office/drawing/2014/main" id="{8D909B7A-1136-421D-947C-A2040439C65B}"/>
-              </a:ext>
-            </a:extLst>
-          </p:cNvPr>
-          <p:cNvGrpSpPr/>
-          <p:nvPr/>
-        </p:nvGrpSpPr>
-        <p:grpSpPr>
-          <a:xfrm>
-            <a:off x="1584658" y="804675"/>
-            <a:ext cx="8467841" cy="4449747"/>
-            <a:chOff x="1584658" y="804675"/>
-            <a:chExt cx="8467841" cy="4449747"/>
-          </a:xfrm>
-        </p:grpSpPr>
-        <p:pic>
-          <p:nvPicPr>
-            <p:cNvPr id="14" name="図 13">
-              <a:extLst>
-                <a:ext uri="{FF2B5EF4-FFF2-40B4-BE49-F238E27FC236}">
-                  <a16:creationId xmlns:a16="http://schemas.microsoft.com/office/drawing/2014/main" id="{D0ED5C61-C965-4031-9EB4-FBC8A4C369F3}"/>
-                </a:ext>
-              </a:extLst>
-            </p:cNvPr>
-            <p:cNvPicPr>
-              <a:picLocks noChangeAspect="1"/>
-            </p:cNvPicPr>
-            <p:nvPr/>
-          </p:nvPicPr>
-          <p:blipFill rotWithShape="1">
-            <a:blip r:embed="rId2">
-              <a:extLst>
-                <a:ext uri="{28A0092B-C50C-407E-A947-70E740481C1C}">
-                  <a14:useLocalDpi xmlns:a14="http://schemas.microsoft.com/office/drawing/2010/main" val="0"/>
-                </a:ext>
-              </a:extLst>
-            </a:blip>
-            <a:srcRect l="22565" t="31783" r="22681" b="37318"/>
-            <a:stretch/>
-          </p:blipFill>
-          <p:spPr>
-            <a:xfrm>
-              <a:off x="3889923" y="1130956"/>
-              <a:ext cx="3857311" cy="3784912"/>
-            </a:xfrm>
-            <a:prstGeom prst="ellipse">
-              <a:avLst/>
-            </a:prstGeom>
-            <a:ln w="12700" cap="rnd">
-              <a:solidFill>
-                <a:schemeClr val="tx1"/>
-              </a:solidFill>
-            </a:ln>
-            <a:effectLst/>
-            <a:scene3d>
-              <a:camera prst="orthographicFront"/>
-              <a:lightRig rig="contrasting" dir="t">
-                <a:rot lat="0" lon="0" rev="3000000"/>
-              </a:lightRig>
-            </a:scene3d>
-            <a:sp3d contourW="7620">
-              <a:bevelT w="95250" h="31750"/>
-              <a:contourClr>
-                <a:srgbClr val="333333"/>
-              </a:contourClr>
-            </a:sp3d>
-          </p:spPr>
-        </p:pic>
-        <p:sp>
-          <p:nvSpPr>
-            <p:cNvPr id="6" name="テキスト ボックス 5">
-              <a:extLst>
-                <a:ext uri="{FF2B5EF4-FFF2-40B4-BE49-F238E27FC236}">
-                  <a16:creationId xmlns:a16="http://schemas.microsoft.com/office/drawing/2014/main" id="{C6EE7A89-2147-46E5-834F-850809C3360D}"/>
-                </a:ext>
-              </a:extLst>
-            </p:cNvPr>
-            <p:cNvSpPr txBox="1"/>
-            <p:nvPr/>
-          </p:nvSpPr>
-          <p:spPr>
-            <a:xfrm>
-              <a:off x="2337644" y="1967714"/>
-              <a:ext cx="1757260" cy="338554"/>
-            </a:xfrm>
-            <a:prstGeom prst="rect">
-              <a:avLst/>
-            </a:prstGeom>
-            <a:noFill/>
-          </p:spPr>
-          <p:txBody>
-            <a:bodyPr wrap="square" rtlCol="0">
-              <a:spAutoFit/>
-            </a:bodyPr>
-            <a:lstStyle/>
-            <a:p>
-              <a:pPr algn="r"/>
-              <a:r>
-                <a:rPr lang="ja-JP" altLang="en-US" sz="1600" dirty="0">
-                  <a:latin typeface="源真ゴシック等幅 Medium" panose="020B0409020203020207" pitchFamily="49" charset="-128"/>
-                  <a:ea typeface="源真ゴシック等幅 Medium" panose="020B0409020203020207" pitchFamily="49" charset="-128"/>
-                  <a:cs typeface="源真ゴシック等幅 Medium" panose="020B0409020203020207" pitchFamily="49" charset="-128"/>
-                </a:rPr>
-                <a:t>キーボード開閉</a:t>
-              </a:r>
-              <a:endParaRPr kumimoji="1" lang="ja-JP" altLang="en-US" sz="1600" dirty="0">
-                <a:latin typeface="源真ゴシック等幅 Medium" panose="020B0409020203020207" pitchFamily="49" charset="-128"/>
-                <a:ea typeface="源真ゴシック等幅 Medium" panose="020B0409020203020207" pitchFamily="49" charset="-128"/>
-                <a:cs typeface="源真ゴシック等幅 Medium" panose="020B0409020203020207" pitchFamily="49" charset="-128"/>
-              </a:endParaRPr>
-            </a:p>
-          </p:txBody>
-        </p:sp>
-        <p:sp>
-          <p:nvSpPr>
-            <p:cNvPr id="19" name="テキスト ボックス 18">
-              <a:extLst>
-                <a:ext uri="{FF2B5EF4-FFF2-40B4-BE49-F238E27FC236}">
-                  <a16:creationId xmlns:a16="http://schemas.microsoft.com/office/drawing/2014/main" id="{EC82D8BA-E862-40BB-9826-E1C26B7D2AE9}"/>
-                </a:ext>
-              </a:extLst>
-            </p:cNvPr>
-            <p:cNvSpPr txBox="1"/>
-            <p:nvPr/>
-          </p:nvSpPr>
-          <p:spPr>
-            <a:xfrm>
-              <a:off x="7549956" y="1967714"/>
-              <a:ext cx="638192" cy="338554"/>
-            </a:xfrm>
-            <a:prstGeom prst="rect">
-              <a:avLst/>
-            </a:prstGeom>
-            <a:noFill/>
-          </p:spPr>
-          <p:txBody>
-            <a:bodyPr wrap="square" rtlCol="0">
-              <a:spAutoFit/>
-            </a:bodyPr>
-            <a:lstStyle/>
-            <a:p>
-              <a:r>
-                <a:rPr lang="ja-JP" altLang="en-US" sz="1600" dirty="0">
-                  <a:latin typeface="源真ゴシック等幅 Medium" panose="020B0409020203020207" pitchFamily="49" charset="-128"/>
-                  <a:ea typeface="源真ゴシック等幅 Medium" panose="020B0409020203020207" pitchFamily="49" charset="-128"/>
-                  <a:cs typeface="源真ゴシック等幅 Medium" panose="020B0409020203020207" pitchFamily="49" charset="-128"/>
-                </a:rPr>
-                <a:t>削除</a:t>
-              </a:r>
-              <a:endParaRPr kumimoji="1" lang="ja-JP" altLang="en-US" sz="1600" dirty="0">
-                <a:latin typeface="源真ゴシック等幅 Medium" panose="020B0409020203020207" pitchFamily="49" charset="-128"/>
-                <a:ea typeface="源真ゴシック等幅 Medium" panose="020B0409020203020207" pitchFamily="49" charset="-128"/>
-                <a:cs typeface="源真ゴシック等幅 Medium" panose="020B0409020203020207" pitchFamily="49" charset="-128"/>
-              </a:endParaRPr>
-            </a:p>
-          </p:txBody>
-        </p:sp>
-        <p:sp>
-          <p:nvSpPr>
-            <p:cNvPr id="23" name="テキスト ボックス 22">
-              <a:extLst>
-                <a:ext uri="{FF2B5EF4-FFF2-40B4-BE49-F238E27FC236}">
-                  <a16:creationId xmlns:a16="http://schemas.microsoft.com/office/drawing/2014/main" id="{08D01FE0-BF2B-4F70-BB08-E818DCF5E584}"/>
-                </a:ext>
-              </a:extLst>
-            </p:cNvPr>
-            <p:cNvSpPr txBox="1"/>
-            <p:nvPr/>
-          </p:nvSpPr>
-          <p:spPr>
-            <a:xfrm>
-              <a:off x="1927859" y="2769068"/>
-              <a:ext cx="2105989" cy="338554"/>
-            </a:xfrm>
-            <a:prstGeom prst="rect">
-              <a:avLst/>
-            </a:prstGeom>
-            <a:noFill/>
-          </p:spPr>
-          <p:txBody>
-            <a:bodyPr wrap="square" rtlCol="0">
-              <a:spAutoFit/>
-            </a:bodyPr>
-            <a:lstStyle/>
-            <a:p>
-              <a:pPr algn="r"/>
-              <a:r>
-                <a:rPr lang="ja-JP" altLang="en-US" sz="1600" dirty="0">
-                  <a:latin typeface="源真ゴシック等幅 Medium" panose="020B0409020203020207" pitchFamily="49" charset="-128"/>
-                  <a:ea typeface="源真ゴシック等幅 Medium" panose="020B0409020203020207" pitchFamily="49" charset="-128"/>
-                  <a:cs typeface="源真ゴシック等幅 Medium" panose="020B0409020203020207" pitchFamily="49" charset="-128"/>
-                </a:rPr>
-                <a:t>カーソル移動（左）</a:t>
-              </a:r>
-              <a:endParaRPr lang="en-US" altLang="ja-JP" sz="1600" dirty="0">
-                <a:latin typeface="源真ゴシック等幅 Medium" panose="020B0409020203020207" pitchFamily="49" charset="-128"/>
-                <a:ea typeface="源真ゴシック等幅 Medium" panose="020B0409020203020207" pitchFamily="49" charset="-128"/>
-                <a:cs typeface="源真ゴシック等幅 Medium" panose="020B0409020203020207" pitchFamily="49" charset="-128"/>
-              </a:endParaRPr>
-            </a:p>
-          </p:txBody>
-        </p:sp>
-        <p:sp>
-          <p:nvSpPr>
-            <p:cNvPr id="24" name="テキスト ボックス 23">
-              <a:extLst>
-                <a:ext uri="{FF2B5EF4-FFF2-40B4-BE49-F238E27FC236}">
-                  <a16:creationId xmlns:a16="http://schemas.microsoft.com/office/drawing/2014/main" id="{E9C94DCC-D205-412B-BDEF-431E7324F463}"/>
-                </a:ext>
-              </a:extLst>
-            </p:cNvPr>
-            <p:cNvSpPr txBox="1"/>
-            <p:nvPr/>
-          </p:nvSpPr>
-          <p:spPr>
-            <a:xfrm>
-              <a:off x="7706688" y="2774338"/>
-              <a:ext cx="2014351" cy="338554"/>
-            </a:xfrm>
-            <a:prstGeom prst="rect">
-              <a:avLst/>
-            </a:prstGeom>
-            <a:noFill/>
-          </p:spPr>
-          <p:txBody>
-            <a:bodyPr wrap="square" rtlCol="0">
-              <a:spAutoFit/>
-            </a:bodyPr>
-            <a:lstStyle/>
-            <a:p>
-              <a:r>
-                <a:rPr lang="ja-JP" altLang="en-US" sz="1600" dirty="0">
-                  <a:latin typeface="源真ゴシック等幅 Medium" panose="020B0409020203020207" pitchFamily="49" charset="-128"/>
-                  <a:ea typeface="源真ゴシック等幅 Medium" panose="020B0409020203020207" pitchFamily="49" charset="-128"/>
-                  <a:cs typeface="源真ゴシック等幅 Medium" panose="020B0409020203020207" pitchFamily="49" charset="-128"/>
-                </a:rPr>
-                <a:t>カーソル移動（右）</a:t>
-              </a:r>
-              <a:endParaRPr lang="en-US" altLang="ja-JP" sz="1600" dirty="0">
-                <a:latin typeface="源真ゴシック等幅 Medium" panose="020B0409020203020207" pitchFamily="49" charset="-128"/>
-                <a:ea typeface="源真ゴシック等幅 Medium" panose="020B0409020203020207" pitchFamily="49" charset="-128"/>
-                <a:cs typeface="源真ゴシック等幅 Medium" panose="020B0409020203020207" pitchFamily="49" charset="-128"/>
-              </a:endParaRPr>
-            </a:p>
-          </p:txBody>
-        </p:sp>
-        <p:sp>
-          <p:nvSpPr>
-            <p:cNvPr id="25" name="テキスト ボックス 24">
-              <a:extLst>
-                <a:ext uri="{FF2B5EF4-FFF2-40B4-BE49-F238E27FC236}">
-                  <a16:creationId xmlns:a16="http://schemas.microsoft.com/office/drawing/2014/main" id="{76CF2C26-3A35-47FF-93E1-2F120660B46B}"/>
-                </a:ext>
-              </a:extLst>
-            </p:cNvPr>
-            <p:cNvSpPr txBox="1"/>
-            <p:nvPr/>
-          </p:nvSpPr>
-          <p:spPr>
-            <a:xfrm>
-              <a:off x="1584658" y="3532322"/>
-              <a:ext cx="2475014" cy="338554"/>
-            </a:xfrm>
-            <a:prstGeom prst="rect">
-              <a:avLst/>
-            </a:prstGeom>
-            <a:noFill/>
-          </p:spPr>
-          <p:txBody>
-            <a:bodyPr wrap="square" rtlCol="0">
-              <a:spAutoFit/>
-            </a:bodyPr>
-            <a:lstStyle/>
-            <a:p>
-              <a:pPr algn="r"/>
-              <a:r>
-                <a:rPr lang="ja-JP" altLang="en-US" sz="1600" dirty="0">
-                  <a:latin typeface="源真ゴシック等幅 Medium" panose="020B0409020203020207" pitchFamily="49" charset="-128"/>
-                  <a:ea typeface="源真ゴシック等幅 Medium" panose="020B0409020203020207" pitchFamily="49" charset="-128"/>
-                  <a:cs typeface="源真ゴシック等幅 Medium" panose="020B0409020203020207" pitchFamily="49" charset="-128"/>
-                </a:rPr>
-                <a:t>キートップ</a:t>
-              </a:r>
-              <a:r>
-                <a:rPr kumimoji="1" lang="ja-JP" altLang="en-US" sz="1600" dirty="0">
-                  <a:latin typeface="源真ゴシック等幅 Medium" panose="020B0409020203020207" pitchFamily="49" charset="-128"/>
-                  <a:ea typeface="源真ゴシック等幅 Medium" panose="020B0409020203020207" pitchFamily="49" charset="-128"/>
-                  <a:cs typeface="源真ゴシック等幅 Medium" panose="020B0409020203020207" pitchFamily="49" charset="-128"/>
-                </a:rPr>
-                <a:t>表示切り替え</a:t>
-              </a:r>
-            </a:p>
-          </p:txBody>
-        </p:sp>
-        <p:sp>
-          <p:nvSpPr>
-            <p:cNvPr id="26" name="テキスト ボックス 25">
-              <a:extLst>
-                <a:ext uri="{FF2B5EF4-FFF2-40B4-BE49-F238E27FC236}">
-                  <a16:creationId xmlns:a16="http://schemas.microsoft.com/office/drawing/2014/main" id="{B81F4999-18B0-4FAF-8C20-0A0D54917649}"/>
-                </a:ext>
-              </a:extLst>
-            </p:cNvPr>
-            <p:cNvSpPr txBox="1"/>
-            <p:nvPr/>
-          </p:nvSpPr>
-          <p:spPr>
-            <a:xfrm>
-              <a:off x="7600676" y="3532322"/>
-              <a:ext cx="1559366" cy="338554"/>
-            </a:xfrm>
-            <a:prstGeom prst="rect">
-              <a:avLst/>
-            </a:prstGeom>
-            <a:noFill/>
-          </p:spPr>
-          <p:txBody>
-            <a:bodyPr wrap="square" rtlCol="0">
-              <a:spAutoFit/>
-            </a:bodyPr>
-            <a:lstStyle/>
-            <a:p>
-              <a:r>
-                <a:rPr lang="ja-JP" altLang="en-US" sz="1600" dirty="0">
-                  <a:latin typeface="源真ゴシック等幅 Medium" panose="020B0409020203020207" pitchFamily="49" charset="-128"/>
-                  <a:ea typeface="源真ゴシック等幅 Medium" panose="020B0409020203020207" pitchFamily="49" charset="-128"/>
-                  <a:cs typeface="源真ゴシック等幅 Medium" panose="020B0409020203020207" pitchFamily="49" charset="-128"/>
-                </a:rPr>
-                <a:t>改行・完了</a:t>
-              </a:r>
-              <a:endParaRPr lang="en-US" altLang="ja-JP" sz="1600" dirty="0">
-                <a:latin typeface="源真ゴシック等幅 Medium" panose="020B0409020203020207" pitchFamily="49" charset="-128"/>
-                <a:ea typeface="源真ゴシック等幅 Medium" panose="020B0409020203020207" pitchFamily="49" charset="-128"/>
-                <a:cs typeface="源真ゴシック等幅 Medium" panose="020B0409020203020207" pitchFamily="49" charset="-128"/>
-              </a:endParaRPr>
-            </a:p>
-          </p:txBody>
-        </p:sp>
-        <p:sp>
-          <p:nvSpPr>
-            <p:cNvPr id="27" name="テキスト ボックス 26">
-              <a:extLst>
-                <a:ext uri="{FF2B5EF4-FFF2-40B4-BE49-F238E27FC236}">
-                  <a16:creationId xmlns:a16="http://schemas.microsoft.com/office/drawing/2014/main" id="{6E8CFB4D-380B-4751-AE77-0FA1BF56B666}"/>
-                </a:ext>
-              </a:extLst>
-            </p:cNvPr>
-            <p:cNvSpPr txBox="1"/>
-            <p:nvPr/>
-          </p:nvSpPr>
-          <p:spPr>
-            <a:xfrm>
-              <a:off x="4938298" y="4915868"/>
-              <a:ext cx="1757260" cy="338554"/>
-            </a:xfrm>
-            <a:prstGeom prst="rect">
-              <a:avLst/>
-            </a:prstGeom>
-            <a:noFill/>
-          </p:spPr>
-          <p:txBody>
-            <a:bodyPr wrap="square" rtlCol="0">
-              <a:spAutoFit/>
-            </a:bodyPr>
-            <a:lstStyle/>
-            <a:p>
-              <a:pPr algn="ctr"/>
-              <a:r>
-                <a:rPr lang="ja-JP" altLang="en-US" sz="1600" dirty="0">
-                  <a:latin typeface="源真ゴシック等幅 Medium" panose="020B0409020203020207" pitchFamily="49" charset="-128"/>
-                  <a:ea typeface="源真ゴシック等幅 Medium" panose="020B0409020203020207" pitchFamily="49" charset="-128"/>
-                  <a:cs typeface="源真ゴシック等幅 Medium" panose="020B0409020203020207" pitchFamily="49" charset="-128"/>
-                </a:rPr>
-                <a:t>スペース</a:t>
-              </a:r>
-              <a:endParaRPr kumimoji="1" lang="ja-JP" altLang="en-US" sz="1600" dirty="0">
-                <a:latin typeface="源真ゴシック等幅 Medium" panose="020B0409020203020207" pitchFamily="49" charset="-128"/>
-                <a:ea typeface="源真ゴシック等幅 Medium" panose="020B0409020203020207" pitchFamily="49" charset="-128"/>
-                <a:cs typeface="源真ゴシック等幅 Medium" panose="020B0409020203020207" pitchFamily="49" charset="-128"/>
-              </a:endParaRPr>
-            </a:p>
-          </p:txBody>
-        </p:sp>
-        <p:sp>
-          <p:nvSpPr>
-            <p:cNvPr id="28" name="テキスト ボックス 27">
-              <a:extLst>
-                <a:ext uri="{FF2B5EF4-FFF2-40B4-BE49-F238E27FC236}">
-                  <a16:creationId xmlns:a16="http://schemas.microsoft.com/office/drawing/2014/main" id="{CBBAEF31-E4C7-48A0-8E80-17A0E7B88E0E}"/>
-                </a:ext>
-              </a:extLst>
-            </p:cNvPr>
-            <p:cNvSpPr txBox="1"/>
-            <p:nvPr/>
-          </p:nvSpPr>
-          <p:spPr>
-            <a:xfrm>
-              <a:off x="6156295" y="804675"/>
-              <a:ext cx="1393661" cy="338554"/>
-            </a:xfrm>
-            <a:prstGeom prst="rect">
-              <a:avLst/>
-            </a:prstGeom>
-            <a:noFill/>
-          </p:spPr>
-          <p:txBody>
-            <a:bodyPr wrap="square" rtlCol="0">
-              <a:spAutoFit/>
-            </a:bodyPr>
-            <a:lstStyle/>
-            <a:p>
-              <a:pPr algn="ctr"/>
-              <a:r>
-                <a:rPr kumimoji="1" lang="ja-JP" altLang="en-US" sz="1600" dirty="0">
-                  <a:latin typeface="源真ゴシック等幅 Medium" panose="020B0409020203020207" pitchFamily="49" charset="-128"/>
-                  <a:ea typeface="源真ゴシック等幅 Medium" panose="020B0409020203020207" pitchFamily="49" charset="-128"/>
-                  <a:cs typeface="源真ゴシック等幅 Medium" panose="020B0409020203020207" pitchFamily="49" charset="-128"/>
-                </a:rPr>
-                <a:t>変換エリア</a:t>
-              </a:r>
-            </a:p>
-          </p:txBody>
-        </p:sp>
-        <p:sp>
-          <p:nvSpPr>
-            <p:cNvPr id="30" name="テキスト ボックス 29">
-              <a:extLst>
-                <a:ext uri="{FF2B5EF4-FFF2-40B4-BE49-F238E27FC236}">
-                  <a16:creationId xmlns:a16="http://schemas.microsoft.com/office/drawing/2014/main" id="{1BB5A3F8-F350-495C-A779-7814A4F84B74}"/>
-                </a:ext>
-              </a:extLst>
-            </p:cNvPr>
-            <p:cNvSpPr txBox="1"/>
-            <p:nvPr/>
-          </p:nvSpPr>
-          <p:spPr>
-            <a:xfrm>
-              <a:off x="6811301" y="4655741"/>
-              <a:ext cx="3241198" cy="338554"/>
-            </a:xfrm>
-            <a:prstGeom prst="rect">
-              <a:avLst/>
-            </a:prstGeom>
-            <a:noFill/>
-          </p:spPr>
-          <p:txBody>
-            <a:bodyPr wrap="square" rtlCol="0">
-              <a:spAutoFit/>
-            </a:bodyPr>
-            <a:lstStyle/>
-            <a:p>
-              <a:r>
-                <a:rPr lang="ja-JP" altLang="en-US" sz="1600" dirty="0">
-                  <a:latin typeface="源真ゴシック等幅 Medium" panose="020B0409020203020207" pitchFamily="49" charset="-128"/>
-                  <a:ea typeface="源真ゴシック等幅 Medium" panose="020B0409020203020207" pitchFamily="49" charset="-128"/>
-                  <a:cs typeface="源真ゴシック等幅 Medium" panose="020B0409020203020207" pitchFamily="49" charset="-128"/>
-                </a:rPr>
-                <a:t>フリック方向を示すポップアップ</a:t>
-              </a:r>
-              <a:endParaRPr lang="en-US" altLang="ja-JP" sz="1600" dirty="0">
-                <a:latin typeface="源真ゴシック等幅 Medium" panose="020B0409020203020207" pitchFamily="49" charset="-128"/>
-                <a:ea typeface="源真ゴシック等幅 Medium" panose="020B0409020203020207" pitchFamily="49" charset="-128"/>
-                <a:cs typeface="源真ゴシック等幅 Medium" panose="020B0409020203020207" pitchFamily="49" charset="-128"/>
-              </a:endParaRPr>
-            </a:p>
-          </p:txBody>
-        </p:sp>
-        <p:cxnSp>
-          <p:nvCxnSpPr>
-            <p:cNvPr id="32" name="直線コネクタ 31">
-              <a:extLst>
-                <a:ext uri="{FF2B5EF4-FFF2-40B4-BE49-F238E27FC236}">
-                  <a16:creationId xmlns:a16="http://schemas.microsoft.com/office/drawing/2014/main" id="{EA6E2B76-349A-4052-8D6C-19CBA3472AAA}"/>
-                </a:ext>
-              </a:extLst>
-            </p:cNvPr>
-            <p:cNvCxnSpPr>
-              <a:cxnSpLocks/>
-              <a:endCxn id="30" idx="1"/>
-            </p:cNvCxnSpPr>
-            <p:nvPr/>
-          </p:nvCxnSpPr>
-          <p:spPr>
-            <a:xfrm>
-              <a:off x="5826265" y="3686297"/>
-              <a:ext cx="985036" cy="1138721"/>
-            </a:xfrm>
-            <a:prstGeom prst="line">
-              <a:avLst/>
-            </a:prstGeom>
-            <a:ln w="31750" cap="rnd">
-              <a:solidFill>
-                <a:srgbClr val="FF0000"/>
-              </a:solidFill>
-              <a:round/>
-            </a:ln>
-          </p:spPr>
-          <p:style>
-            <a:lnRef idx="1">
-              <a:schemeClr val="accent1"/>
-            </a:lnRef>
-            <a:fillRef idx="0">
-              <a:schemeClr val="accent1"/>
-            </a:fillRef>
-            <a:effectRef idx="0">
-              <a:schemeClr val="accent1"/>
-            </a:effectRef>
-            <a:fontRef idx="minor">
-              <a:schemeClr val="tx1"/>
-            </a:fontRef>
-          </p:style>
-        </p:cxnSp>
-        <p:cxnSp>
-          <p:nvCxnSpPr>
-            <p:cNvPr id="47" name="直線コネクタ 46">
-              <a:extLst>
-                <a:ext uri="{FF2B5EF4-FFF2-40B4-BE49-F238E27FC236}">
-                  <a16:creationId xmlns:a16="http://schemas.microsoft.com/office/drawing/2014/main" id="{1FCF2E14-4C0B-49DF-A853-8F89FE623469}"/>
-                </a:ext>
-              </a:extLst>
-            </p:cNvPr>
-            <p:cNvCxnSpPr>
-              <a:cxnSpLocks/>
-            </p:cNvCxnSpPr>
-            <p:nvPr/>
-          </p:nvCxnSpPr>
-          <p:spPr>
-            <a:xfrm flipV="1">
-              <a:off x="6374505" y="1143229"/>
-              <a:ext cx="432695" cy="326282"/>
-            </a:xfrm>
-            <a:prstGeom prst="line">
-              <a:avLst/>
-            </a:prstGeom>
-            <a:ln w="31750" cap="rnd">
-              <a:solidFill>
-                <a:srgbClr val="FF0000"/>
-              </a:solidFill>
-              <a:round/>
-            </a:ln>
-          </p:spPr>
-          <p:style>
-            <a:lnRef idx="1">
-              <a:schemeClr val="accent1"/>
-            </a:lnRef>
-            <a:fillRef idx="0">
-              <a:schemeClr val="accent1"/>
-            </a:fillRef>
-            <a:effectRef idx="0">
-              <a:schemeClr val="accent1"/>
-            </a:effectRef>
-            <a:fontRef idx="minor">
-              <a:schemeClr val="tx1"/>
-            </a:fontRef>
-          </p:style>
-        </p:cxnSp>
-      </p:grpSp>
-    </p:spTree>
-    <p:extLst>
-      <p:ext uri="{BB962C8B-B14F-4D97-AF65-F5344CB8AC3E}">
-        <p14:creationId xmlns:p14="http://schemas.microsoft.com/office/powerpoint/2010/main" val="3744354016"/>
-      </p:ext>
-    </p:extLst>
-  </p:cSld>
-  <p:clrMapOvr>
-    <a:masterClrMapping/>
-  </p:clrMapOvr>
-</p:sld>
-</file>
-
-<file path=ppt/slides/slide9.xml><?xml version="1.0" encoding="utf-8"?>
 <p:sld xmlns:a="http://schemas.openxmlformats.org/drawingml/2006/main" xmlns:r="http://schemas.openxmlformats.org/officeDocument/2006/relationships" xmlns:p="http://schemas.openxmlformats.org/presentationml/2006/main">
   <p:cSld>
     <p:spTree>
@@ -10557,6 +10312,2760 @@
 </p:sld>
 </file>
 
+<file path=ppt/slides/slide11.xml><?xml version="1.0" encoding="utf-8"?>
+<p:sld xmlns:a="http://schemas.openxmlformats.org/drawingml/2006/main" xmlns:r="http://schemas.openxmlformats.org/officeDocument/2006/relationships" xmlns:p="http://schemas.openxmlformats.org/presentationml/2006/main">
+  <p:cSld>
+    <p:spTree>
+      <p:nvGrpSpPr>
+        <p:cNvPr id="1" name=""/>
+        <p:cNvGrpSpPr/>
+        <p:nvPr/>
+      </p:nvGrpSpPr>
+      <p:grpSpPr>
+        <a:xfrm>
+          <a:off x="0" y="0"/>
+          <a:ext cx="0" cy="0"/>
+          <a:chOff x="0" y="0"/>
+          <a:chExt cx="0" cy="0"/>
+        </a:xfrm>
+      </p:grpSpPr>
+      <p:sp>
+        <p:nvSpPr>
+          <p:cNvPr id="14" name="楕円 13">
+            <a:extLst>
+              <a:ext uri="{FF2B5EF4-FFF2-40B4-BE49-F238E27FC236}">
+                <a16:creationId xmlns:a16="http://schemas.microsoft.com/office/drawing/2014/main" id="{B04E23A6-FA95-46B1-AD4B-8279B96AD0ED}"/>
+              </a:ext>
+            </a:extLst>
+          </p:cNvPr>
+          <p:cNvSpPr/>
+          <p:nvPr/>
+        </p:nvSpPr>
+        <p:spPr>
+          <a:xfrm>
+            <a:off x="992787" y="1105700"/>
+            <a:ext cx="1369225" cy="1343526"/>
+          </a:xfrm>
+          <a:prstGeom prst="ellipse">
+            <a:avLst/>
+          </a:prstGeom>
+          <a:noFill/>
+        </p:spPr>
+        <p:style>
+          <a:lnRef idx="2">
+            <a:schemeClr val="accent1">
+              <a:shade val="50000"/>
+            </a:schemeClr>
+          </a:lnRef>
+          <a:fillRef idx="1">
+            <a:schemeClr val="accent1"/>
+          </a:fillRef>
+          <a:effectRef idx="0">
+            <a:schemeClr val="accent1"/>
+          </a:effectRef>
+          <a:fontRef idx="minor">
+            <a:schemeClr val="lt1"/>
+          </a:fontRef>
+        </p:style>
+        <p:txBody>
+          <a:bodyPr rtlCol="0" anchor="ctr"/>
+          <a:lstStyle/>
+          <a:p>
+            <a:pPr algn="ctr"/>
+            <a:endParaRPr kumimoji="1" lang="ja-JP" altLang="en-US"/>
+          </a:p>
+        </p:txBody>
+      </p:sp>
+      <p:sp>
+        <p:nvSpPr>
+          <p:cNvPr id="15" name="正方形/長方形 14">
+            <a:extLst>
+              <a:ext uri="{FF2B5EF4-FFF2-40B4-BE49-F238E27FC236}">
+                <a16:creationId xmlns:a16="http://schemas.microsoft.com/office/drawing/2014/main" id="{BA17A39E-B151-4002-8B5C-EF87CB9FA3B3}"/>
+              </a:ext>
+            </a:extLst>
+          </p:cNvPr>
+          <p:cNvSpPr/>
+          <p:nvPr/>
+        </p:nvSpPr>
+        <p:spPr>
+          <a:xfrm>
+            <a:off x="4874976" y="451692"/>
+            <a:ext cx="136735" cy="136735"/>
+          </a:xfrm>
+          <a:prstGeom prst="rect">
+            <a:avLst/>
+          </a:prstGeom>
+        </p:spPr>
+        <p:style>
+          <a:lnRef idx="2">
+            <a:schemeClr val="accent1">
+              <a:shade val="50000"/>
+            </a:schemeClr>
+          </a:lnRef>
+          <a:fillRef idx="1">
+            <a:schemeClr val="accent1"/>
+          </a:fillRef>
+          <a:effectRef idx="0">
+            <a:schemeClr val="accent1"/>
+          </a:effectRef>
+          <a:fontRef idx="minor">
+            <a:schemeClr val="lt1"/>
+          </a:fontRef>
+        </p:style>
+        <p:txBody>
+          <a:bodyPr rtlCol="0" anchor="ctr"/>
+          <a:lstStyle/>
+          <a:p>
+            <a:pPr algn="ctr"/>
+            <a:endParaRPr kumimoji="1" lang="ja-JP" altLang="en-US"/>
+          </a:p>
+        </p:txBody>
+      </p:sp>
+      <p:grpSp>
+        <p:nvGrpSpPr>
+          <p:cNvPr id="4" name="グループ化 3">
+            <a:extLst>
+              <a:ext uri="{FF2B5EF4-FFF2-40B4-BE49-F238E27FC236}">
+                <a16:creationId xmlns:a16="http://schemas.microsoft.com/office/drawing/2014/main" id="{5444319B-107D-4DA2-AF2C-6A46651A8FB3}"/>
+              </a:ext>
+            </a:extLst>
+          </p:cNvPr>
+          <p:cNvGrpSpPr/>
+          <p:nvPr/>
+        </p:nvGrpSpPr>
+        <p:grpSpPr>
+          <a:xfrm>
+            <a:off x="3325364" y="1105700"/>
+            <a:ext cx="3055571" cy="1343526"/>
+            <a:chOff x="3325364" y="1105700"/>
+            <a:chExt cx="3055571" cy="1343526"/>
+          </a:xfrm>
+        </p:grpSpPr>
+        <p:pic>
+          <p:nvPicPr>
+            <p:cNvPr id="9" name="図 8">
+              <a:extLst>
+                <a:ext uri="{FF2B5EF4-FFF2-40B4-BE49-F238E27FC236}">
+                  <a16:creationId xmlns:a16="http://schemas.microsoft.com/office/drawing/2014/main" id="{640BD315-BCAB-4CAE-A911-E2A854904AC4}"/>
+                </a:ext>
+              </a:extLst>
+            </p:cNvPr>
+            <p:cNvPicPr>
+              <a:picLocks noChangeAspect="1"/>
+            </p:cNvPicPr>
+            <p:nvPr/>
+          </p:nvPicPr>
+          <p:blipFill rotWithShape="1">
+            <a:blip r:embed="rId2">
+              <a:extLst>
+                <a:ext uri="{28A0092B-C50C-407E-A947-70E740481C1C}">
+                  <a14:useLocalDpi xmlns:a14="http://schemas.microsoft.com/office/drawing/2010/main" val="0"/>
+                </a:ext>
+              </a:extLst>
+            </a:blip>
+            <a:srcRect l="22004" t="31660" r="22004" b="37436"/>
+            <a:stretch/>
+          </p:blipFill>
+          <p:spPr>
+            <a:xfrm>
+              <a:off x="5011710" y="1105700"/>
+              <a:ext cx="1369225" cy="1343526"/>
+            </a:xfrm>
+            <a:prstGeom prst="ellipse">
+              <a:avLst/>
+            </a:prstGeom>
+            <a:ln w="19050" cap="rnd">
+              <a:solidFill>
+                <a:schemeClr val="tx1"/>
+              </a:solidFill>
+            </a:ln>
+            <a:effectLst/>
+            <a:scene3d>
+              <a:camera prst="orthographicFront"/>
+              <a:lightRig rig="contrasting" dir="t">
+                <a:rot lat="0" lon="0" rev="3000000"/>
+              </a:lightRig>
+            </a:scene3d>
+            <a:sp3d contourW="7620">
+              <a:bevelT w="95250" h="31750"/>
+              <a:contourClr>
+                <a:srgbClr val="333333"/>
+              </a:contourClr>
+            </a:sp3d>
+          </p:spPr>
+        </p:pic>
+        <p:pic>
+          <p:nvPicPr>
+            <p:cNvPr id="5" name="図 4">
+              <a:extLst>
+                <a:ext uri="{FF2B5EF4-FFF2-40B4-BE49-F238E27FC236}">
+                  <a16:creationId xmlns:a16="http://schemas.microsoft.com/office/drawing/2014/main" id="{FE3E59E3-753A-45EF-AA04-62AC657C7D4F}"/>
+                </a:ext>
+              </a:extLst>
+            </p:cNvPr>
+            <p:cNvPicPr>
+              <a:picLocks noChangeAspect="1"/>
+            </p:cNvPicPr>
+            <p:nvPr/>
+          </p:nvPicPr>
+          <p:blipFill rotWithShape="1">
+            <a:blip r:embed="rId3">
+              <a:extLst>
+                <a:ext uri="{28A0092B-C50C-407E-A947-70E740481C1C}">
+                  <a14:useLocalDpi xmlns:a14="http://schemas.microsoft.com/office/drawing/2010/main" val="0"/>
+                </a:ext>
+              </a:extLst>
+            </a:blip>
+            <a:srcRect l="22004" t="31660" r="22004" b="37435"/>
+            <a:stretch/>
+          </p:blipFill>
+          <p:spPr>
+            <a:xfrm>
+              <a:off x="3505751" y="1105700"/>
+              <a:ext cx="1369225" cy="1343526"/>
+            </a:xfrm>
+            <a:prstGeom prst="ellipse">
+              <a:avLst/>
+            </a:prstGeom>
+            <a:ln w="19050" cap="rnd">
+              <a:solidFill>
+                <a:schemeClr val="tx1"/>
+              </a:solidFill>
+            </a:ln>
+            <a:effectLst/>
+            <a:scene3d>
+              <a:camera prst="orthographicFront"/>
+              <a:lightRig rig="contrasting" dir="t">
+                <a:rot lat="0" lon="0" rev="3000000"/>
+              </a:lightRig>
+            </a:scene3d>
+            <a:sp3d contourW="7620">
+              <a:bevelT w="95250" h="31750"/>
+              <a:contourClr>
+                <a:srgbClr val="333333"/>
+              </a:contourClr>
+            </a:sp3d>
+          </p:spPr>
+        </p:pic>
+        <p:sp>
+          <p:nvSpPr>
+            <p:cNvPr id="2" name="テキスト ボックス 1">
+              <a:extLst>
+                <a:ext uri="{FF2B5EF4-FFF2-40B4-BE49-F238E27FC236}">
+                  <a16:creationId xmlns:a16="http://schemas.microsoft.com/office/drawing/2014/main" id="{BB916852-D762-4A75-B591-2D9518BE0A2C}"/>
+                </a:ext>
+              </a:extLst>
+            </p:cNvPr>
+            <p:cNvSpPr txBox="1"/>
+            <p:nvPr/>
+          </p:nvSpPr>
+          <p:spPr>
+            <a:xfrm>
+              <a:off x="3325364" y="1105700"/>
+              <a:ext cx="360774" cy="276999"/>
+            </a:xfrm>
+            <a:prstGeom prst="rect">
+              <a:avLst/>
+            </a:prstGeom>
+            <a:noFill/>
+          </p:spPr>
+          <p:txBody>
+            <a:bodyPr wrap="square" rtlCol="0" anchor="ctr">
+              <a:spAutoFit/>
+            </a:bodyPr>
+            <a:lstStyle/>
+            <a:p>
+              <a:pPr algn="ctr"/>
+              <a:r>
+                <a:rPr kumimoji="1" lang="en-US" altLang="ja-JP" sz="1200" dirty="0">
+                  <a:latin typeface="Times New Roman" panose="02020603050405020304" pitchFamily="18" charset="0"/>
+                  <a:cs typeface="Times New Roman" panose="02020603050405020304" pitchFamily="18" charset="0"/>
+                </a:rPr>
+                <a:t>(a)</a:t>
+              </a:r>
+              <a:endParaRPr kumimoji="1" lang="ja-JP" altLang="en-US" sz="1200" dirty="0">
+                <a:latin typeface="Times New Roman" panose="02020603050405020304" pitchFamily="18" charset="0"/>
+                <a:cs typeface="Times New Roman" panose="02020603050405020304" pitchFamily="18" charset="0"/>
+              </a:endParaRPr>
+            </a:p>
+          </p:txBody>
+        </p:sp>
+        <p:sp>
+          <p:nvSpPr>
+            <p:cNvPr id="12" name="テキスト ボックス 11">
+              <a:extLst>
+                <a:ext uri="{FF2B5EF4-FFF2-40B4-BE49-F238E27FC236}">
+                  <a16:creationId xmlns:a16="http://schemas.microsoft.com/office/drawing/2014/main" id="{4A0264EA-23C0-4E03-B721-76A6A6A3E526}"/>
+                </a:ext>
+              </a:extLst>
+            </p:cNvPr>
+            <p:cNvSpPr txBox="1"/>
+            <p:nvPr/>
+          </p:nvSpPr>
+          <p:spPr>
+            <a:xfrm>
+              <a:off x="4831324" y="1105700"/>
+              <a:ext cx="360774" cy="276999"/>
+            </a:xfrm>
+            <a:prstGeom prst="rect">
+              <a:avLst/>
+            </a:prstGeom>
+            <a:noFill/>
+          </p:spPr>
+          <p:txBody>
+            <a:bodyPr wrap="square" rtlCol="0" anchor="ctr">
+              <a:spAutoFit/>
+            </a:bodyPr>
+            <a:lstStyle/>
+            <a:p>
+              <a:pPr algn="ctr"/>
+              <a:r>
+                <a:rPr kumimoji="1" lang="en-US" altLang="ja-JP" sz="1200" dirty="0">
+                  <a:latin typeface="Times New Roman" panose="02020603050405020304" pitchFamily="18" charset="0"/>
+                  <a:cs typeface="Times New Roman" panose="02020603050405020304" pitchFamily="18" charset="0"/>
+                </a:rPr>
+                <a:t>(b)</a:t>
+              </a:r>
+              <a:endParaRPr kumimoji="1" lang="ja-JP" altLang="en-US" sz="1200" dirty="0">
+                <a:latin typeface="Times New Roman" panose="02020603050405020304" pitchFamily="18" charset="0"/>
+                <a:cs typeface="Times New Roman" panose="02020603050405020304" pitchFamily="18" charset="0"/>
+              </a:endParaRPr>
+            </a:p>
+          </p:txBody>
+        </p:sp>
+      </p:grpSp>
+    </p:spTree>
+    <p:extLst>
+      <p:ext uri="{BB962C8B-B14F-4D97-AF65-F5344CB8AC3E}">
+        <p14:creationId xmlns:p14="http://schemas.microsoft.com/office/powerpoint/2010/main" val="679669143"/>
+      </p:ext>
+    </p:extLst>
+  </p:cSld>
+  <p:clrMapOvr>
+    <a:masterClrMapping/>
+  </p:clrMapOvr>
+</p:sld>
+</file>
+
+<file path=ppt/slides/slide12.xml><?xml version="1.0" encoding="utf-8"?>
+<p:sld xmlns:a="http://schemas.openxmlformats.org/drawingml/2006/main" xmlns:r="http://schemas.openxmlformats.org/officeDocument/2006/relationships" xmlns:p="http://schemas.openxmlformats.org/presentationml/2006/main">
+  <p:cSld>
+    <p:spTree>
+      <p:nvGrpSpPr>
+        <p:cNvPr id="1" name=""/>
+        <p:cNvGrpSpPr/>
+        <p:nvPr/>
+      </p:nvGrpSpPr>
+      <p:grpSpPr>
+        <a:xfrm>
+          <a:off x="0" y="0"/>
+          <a:ext cx="0" cy="0"/>
+          <a:chOff x="0" y="0"/>
+          <a:chExt cx="0" cy="0"/>
+        </a:xfrm>
+      </p:grpSpPr>
+      <p:sp>
+        <p:nvSpPr>
+          <p:cNvPr id="15" name="正方形/長方形 14">
+            <a:extLst>
+              <a:ext uri="{FF2B5EF4-FFF2-40B4-BE49-F238E27FC236}">
+                <a16:creationId xmlns:a16="http://schemas.microsoft.com/office/drawing/2014/main" id="{ED7C22A3-83BC-4052-9B6D-193A10E41091}"/>
+              </a:ext>
+            </a:extLst>
+          </p:cNvPr>
+          <p:cNvSpPr/>
+          <p:nvPr/>
+        </p:nvSpPr>
+        <p:spPr>
+          <a:xfrm>
+            <a:off x="3837440" y="1270150"/>
+            <a:ext cx="136735" cy="136735"/>
+          </a:xfrm>
+          <a:prstGeom prst="rect">
+            <a:avLst/>
+          </a:prstGeom>
+        </p:spPr>
+        <p:style>
+          <a:lnRef idx="2">
+            <a:schemeClr val="accent1">
+              <a:shade val="50000"/>
+            </a:schemeClr>
+          </a:lnRef>
+          <a:fillRef idx="1">
+            <a:schemeClr val="accent1"/>
+          </a:fillRef>
+          <a:effectRef idx="0">
+            <a:schemeClr val="accent1"/>
+          </a:effectRef>
+          <a:fontRef idx="minor">
+            <a:schemeClr val="lt1"/>
+          </a:fontRef>
+        </p:style>
+        <p:txBody>
+          <a:bodyPr rtlCol="0" anchor="ctr"/>
+          <a:lstStyle/>
+          <a:p>
+            <a:pPr algn="ctr"/>
+            <a:endParaRPr kumimoji="1" lang="ja-JP" altLang="en-US"/>
+          </a:p>
+        </p:txBody>
+      </p:sp>
+      <p:grpSp>
+        <p:nvGrpSpPr>
+          <p:cNvPr id="2" name="グループ化 1">
+            <a:extLst>
+              <a:ext uri="{FF2B5EF4-FFF2-40B4-BE49-F238E27FC236}">
+                <a16:creationId xmlns:a16="http://schemas.microsoft.com/office/drawing/2014/main" id="{EBEC3444-4A89-4567-A3C7-67DFFDCB2982}"/>
+              </a:ext>
+            </a:extLst>
+          </p:cNvPr>
+          <p:cNvGrpSpPr/>
+          <p:nvPr/>
+        </p:nvGrpSpPr>
+        <p:grpSpPr>
+          <a:xfrm>
+            <a:off x="2287828" y="1924157"/>
+            <a:ext cx="3054815" cy="1369228"/>
+            <a:chOff x="2287828" y="1924157"/>
+            <a:chExt cx="3054815" cy="1369228"/>
+          </a:xfrm>
+        </p:grpSpPr>
+        <p:pic>
+          <p:nvPicPr>
+            <p:cNvPr id="11" name="図 10">
+              <a:extLst>
+                <a:ext uri="{FF2B5EF4-FFF2-40B4-BE49-F238E27FC236}">
+                  <a16:creationId xmlns:a16="http://schemas.microsoft.com/office/drawing/2014/main" id="{CA67B140-B1C4-4C18-A915-F1B8876B4A09}"/>
+                </a:ext>
+              </a:extLst>
+            </p:cNvPr>
+            <p:cNvPicPr>
+              <a:picLocks noChangeAspect="1"/>
+            </p:cNvPicPr>
+            <p:nvPr/>
+          </p:nvPicPr>
+          <p:blipFill rotWithShape="1">
+            <a:blip r:embed="rId2">
+              <a:extLst>
+                <a:ext uri="{28A0092B-C50C-407E-A947-70E740481C1C}">
+                  <a14:useLocalDpi xmlns:a14="http://schemas.microsoft.com/office/drawing/2010/main" val="0"/>
+                </a:ext>
+              </a:extLst>
+            </a:blip>
+            <a:srcRect l="22565" t="31783" r="22681" b="37318"/>
+            <a:stretch/>
+          </p:blipFill>
+          <p:spPr>
+            <a:xfrm>
+              <a:off x="2441266" y="1924158"/>
+              <a:ext cx="1395418" cy="1369227"/>
+            </a:xfrm>
+            <a:prstGeom prst="ellipse">
+              <a:avLst/>
+            </a:prstGeom>
+            <a:ln w="12700" cap="rnd">
+              <a:solidFill>
+                <a:schemeClr val="tx1"/>
+              </a:solidFill>
+            </a:ln>
+            <a:effectLst/>
+            <a:scene3d>
+              <a:camera prst="orthographicFront"/>
+              <a:lightRig rig="contrasting" dir="t">
+                <a:rot lat="0" lon="0" rev="3000000"/>
+              </a:lightRig>
+            </a:scene3d>
+            <a:sp3d contourW="7620">
+              <a:bevelT w="95250" h="31750"/>
+              <a:contourClr>
+                <a:srgbClr val="333333"/>
+              </a:contourClr>
+            </a:sp3d>
+          </p:spPr>
+        </p:pic>
+        <p:pic>
+          <p:nvPicPr>
+            <p:cNvPr id="16" name="図 15">
+              <a:extLst>
+                <a:ext uri="{FF2B5EF4-FFF2-40B4-BE49-F238E27FC236}">
+                  <a16:creationId xmlns:a16="http://schemas.microsoft.com/office/drawing/2014/main" id="{EF8E6640-9A8A-41D0-9860-F6F04EEBA187}"/>
+                </a:ext>
+              </a:extLst>
+            </p:cNvPr>
+            <p:cNvPicPr>
+              <a:picLocks noChangeAspect="1"/>
+            </p:cNvPicPr>
+            <p:nvPr/>
+          </p:nvPicPr>
+          <p:blipFill rotWithShape="1">
+            <a:blip r:embed="rId3">
+              <a:extLst>
+                <a:ext uri="{28A0092B-C50C-407E-A947-70E740481C1C}">
+                  <a14:useLocalDpi xmlns:a14="http://schemas.microsoft.com/office/drawing/2010/main" val="0"/>
+                </a:ext>
+              </a:extLst>
+            </a:blip>
+            <a:srcRect l="22565" t="31783" r="22681" b="37318"/>
+            <a:stretch/>
+          </p:blipFill>
+          <p:spPr>
+            <a:xfrm>
+              <a:off x="3947225" y="1924157"/>
+              <a:ext cx="1395418" cy="1369227"/>
+            </a:xfrm>
+            <a:prstGeom prst="ellipse">
+              <a:avLst/>
+            </a:prstGeom>
+            <a:ln w="12700" cap="rnd">
+              <a:solidFill>
+                <a:schemeClr val="tx1"/>
+              </a:solidFill>
+            </a:ln>
+            <a:effectLst/>
+            <a:scene3d>
+              <a:camera prst="orthographicFront"/>
+              <a:lightRig rig="contrasting" dir="t">
+                <a:rot lat="0" lon="0" rev="3000000"/>
+              </a:lightRig>
+            </a:scene3d>
+            <a:sp3d contourW="7620">
+              <a:bevelT w="95250" h="31750"/>
+              <a:contourClr>
+                <a:srgbClr val="333333"/>
+              </a:contourClr>
+            </a:sp3d>
+          </p:spPr>
+        </p:pic>
+        <p:sp>
+          <p:nvSpPr>
+            <p:cNvPr id="21" name="テキスト ボックス 20">
+              <a:extLst>
+                <a:ext uri="{FF2B5EF4-FFF2-40B4-BE49-F238E27FC236}">
+                  <a16:creationId xmlns:a16="http://schemas.microsoft.com/office/drawing/2014/main" id="{6941C822-5AA7-49C7-87B7-05E85FCBAC9E}"/>
+                </a:ext>
+              </a:extLst>
+            </p:cNvPr>
+            <p:cNvSpPr txBox="1"/>
+            <p:nvPr/>
+          </p:nvSpPr>
+          <p:spPr>
+            <a:xfrm>
+              <a:off x="2287828" y="1924158"/>
+              <a:ext cx="360774" cy="276999"/>
+            </a:xfrm>
+            <a:prstGeom prst="rect">
+              <a:avLst/>
+            </a:prstGeom>
+            <a:noFill/>
+          </p:spPr>
+          <p:txBody>
+            <a:bodyPr wrap="square" rtlCol="0" anchor="ctr">
+              <a:spAutoFit/>
+            </a:bodyPr>
+            <a:lstStyle/>
+            <a:p>
+              <a:pPr algn="ctr"/>
+              <a:r>
+                <a:rPr kumimoji="1" lang="en-US" altLang="ja-JP" sz="1200" dirty="0">
+                  <a:latin typeface="Times New Roman" panose="02020603050405020304" pitchFamily="18" charset="0"/>
+                  <a:cs typeface="Times New Roman" panose="02020603050405020304" pitchFamily="18" charset="0"/>
+                </a:rPr>
+                <a:t>(a)</a:t>
+              </a:r>
+              <a:endParaRPr kumimoji="1" lang="ja-JP" altLang="en-US" sz="1200" dirty="0">
+                <a:latin typeface="Times New Roman" panose="02020603050405020304" pitchFamily="18" charset="0"/>
+                <a:cs typeface="Times New Roman" panose="02020603050405020304" pitchFamily="18" charset="0"/>
+              </a:endParaRPr>
+            </a:p>
+          </p:txBody>
+        </p:sp>
+        <p:sp>
+          <p:nvSpPr>
+            <p:cNvPr id="22" name="テキスト ボックス 21">
+              <a:extLst>
+                <a:ext uri="{FF2B5EF4-FFF2-40B4-BE49-F238E27FC236}">
+                  <a16:creationId xmlns:a16="http://schemas.microsoft.com/office/drawing/2014/main" id="{722020FB-8E88-4F96-B8B5-D564C39D7B27}"/>
+                </a:ext>
+              </a:extLst>
+            </p:cNvPr>
+            <p:cNvSpPr txBox="1"/>
+            <p:nvPr/>
+          </p:nvSpPr>
+          <p:spPr>
+            <a:xfrm>
+              <a:off x="3793788" y="1924158"/>
+              <a:ext cx="360774" cy="276999"/>
+            </a:xfrm>
+            <a:prstGeom prst="rect">
+              <a:avLst/>
+            </a:prstGeom>
+            <a:noFill/>
+          </p:spPr>
+          <p:txBody>
+            <a:bodyPr wrap="square" rtlCol="0" anchor="ctr">
+              <a:spAutoFit/>
+            </a:bodyPr>
+            <a:lstStyle/>
+            <a:p>
+              <a:pPr algn="ctr"/>
+              <a:r>
+                <a:rPr kumimoji="1" lang="en-US" altLang="ja-JP" sz="1200" dirty="0">
+                  <a:latin typeface="Times New Roman" panose="02020603050405020304" pitchFamily="18" charset="0"/>
+                  <a:cs typeface="Times New Roman" panose="02020603050405020304" pitchFamily="18" charset="0"/>
+                </a:rPr>
+                <a:t>(b)</a:t>
+              </a:r>
+              <a:endParaRPr kumimoji="1" lang="ja-JP" altLang="en-US" sz="1200" dirty="0">
+                <a:latin typeface="Times New Roman" panose="02020603050405020304" pitchFamily="18" charset="0"/>
+                <a:cs typeface="Times New Roman" panose="02020603050405020304" pitchFamily="18" charset="0"/>
+              </a:endParaRPr>
+            </a:p>
+          </p:txBody>
+        </p:sp>
+      </p:grpSp>
+    </p:spTree>
+    <p:extLst>
+      <p:ext uri="{BB962C8B-B14F-4D97-AF65-F5344CB8AC3E}">
+        <p14:creationId xmlns:p14="http://schemas.microsoft.com/office/powerpoint/2010/main" val="75408884"/>
+      </p:ext>
+    </p:extLst>
+  </p:cSld>
+  <p:clrMapOvr>
+    <a:masterClrMapping/>
+  </p:clrMapOvr>
+</p:sld>
+</file>
+
+<file path=ppt/slides/slide2.xml><?xml version="1.0" encoding="utf-8"?>
+<p:sld xmlns:a="http://schemas.openxmlformats.org/drawingml/2006/main" xmlns:r="http://schemas.openxmlformats.org/officeDocument/2006/relationships" xmlns:p="http://schemas.openxmlformats.org/presentationml/2006/main">
+  <p:cSld>
+    <p:spTree>
+      <p:nvGrpSpPr>
+        <p:cNvPr id="1" name=""/>
+        <p:cNvGrpSpPr/>
+        <p:nvPr/>
+      </p:nvGrpSpPr>
+      <p:grpSpPr>
+        <a:xfrm>
+          <a:off x="0" y="0"/>
+          <a:ext cx="0" cy="0"/>
+          <a:chOff x="0" y="0"/>
+          <a:chExt cx="0" cy="0"/>
+        </a:xfrm>
+      </p:grpSpPr>
+      <p:sp>
+        <p:nvSpPr>
+          <p:cNvPr id="2" name="タイトル 1">
+            <a:extLst>
+              <a:ext uri="{FF2B5EF4-FFF2-40B4-BE49-F238E27FC236}">
+                <a16:creationId xmlns:a16="http://schemas.microsoft.com/office/drawing/2014/main" id="{5974AD65-AC18-4CFC-867F-6B048C9ABDE4}"/>
+              </a:ext>
+            </a:extLst>
+          </p:cNvPr>
+          <p:cNvSpPr>
+            <a:spLocks noGrp="1"/>
+          </p:cNvSpPr>
+          <p:nvPr>
+            <p:ph type="title"/>
+          </p:nvPr>
+        </p:nvSpPr>
+        <p:spPr/>
+        <p:txBody>
+          <a:bodyPr/>
+          <a:lstStyle/>
+          <a:p>
+            <a:r>
+              <a:rPr kumimoji="1" lang="en-US" altLang="ja-JP" dirty="0"/>
+              <a:t>All</a:t>
+            </a:r>
+            <a:endParaRPr kumimoji="1" lang="ja-JP" altLang="en-US" dirty="0"/>
+          </a:p>
+        </p:txBody>
+      </p:sp>
+      <p:graphicFrame>
+        <p:nvGraphicFramePr>
+          <p:cNvPr id="4" name="グラフ 3">
+            <a:extLst>
+              <a:ext uri="{FF2B5EF4-FFF2-40B4-BE49-F238E27FC236}">
+                <a16:creationId xmlns:a16="http://schemas.microsoft.com/office/drawing/2014/main" id="{786201CA-749B-46CB-B9B6-1D863F7BEE19}"/>
+              </a:ext>
+            </a:extLst>
+          </p:cNvPr>
+          <p:cNvGraphicFramePr>
+            <a:graphicFrameLocks/>
+          </p:cNvGraphicFramePr>
+          <p:nvPr>
+            <p:extLst>
+              <p:ext uri="{D42A27DB-BD31-4B8C-83A1-F6EECF244321}">
+                <p14:modId xmlns:p14="http://schemas.microsoft.com/office/powerpoint/2010/main" val="4075315814"/>
+              </p:ext>
+            </p:extLst>
+          </p:nvPr>
+        </p:nvGraphicFramePr>
+        <p:xfrm>
+          <a:off x="661876" y="2162073"/>
+          <a:ext cx="4606595" cy="2712757"/>
+        </p:xfrm>
+        <a:graphic>
+          <a:graphicData uri="http://schemas.openxmlformats.org/drawingml/2006/chart">
+            <c:chart xmlns:c="http://schemas.openxmlformats.org/drawingml/2006/chart" xmlns:r="http://schemas.openxmlformats.org/officeDocument/2006/relationships" r:id="rId2"/>
+          </a:graphicData>
+        </a:graphic>
+      </p:graphicFrame>
+      <p:graphicFrame>
+        <p:nvGraphicFramePr>
+          <p:cNvPr id="5" name="グラフ 4">
+            <a:extLst>
+              <a:ext uri="{FF2B5EF4-FFF2-40B4-BE49-F238E27FC236}">
+                <a16:creationId xmlns:a16="http://schemas.microsoft.com/office/drawing/2014/main" id="{6085EAFE-1CA7-4D22-BD33-CE55DE3BCF9A}"/>
+              </a:ext>
+            </a:extLst>
+          </p:cNvPr>
+          <p:cNvGraphicFramePr>
+            <a:graphicFrameLocks/>
+          </p:cNvGraphicFramePr>
+          <p:nvPr>
+            <p:extLst>
+              <p:ext uri="{D42A27DB-BD31-4B8C-83A1-F6EECF244321}">
+                <p14:modId xmlns:p14="http://schemas.microsoft.com/office/powerpoint/2010/main" val="1602366278"/>
+              </p:ext>
+            </p:extLst>
+          </p:nvPr>
+        </p:nvGraphicFramePr>
+        <p:xfrm>
+          <a:off x="5662981" y="2213273"/>
+          <a:ext cx="4623027" cy="2661557"/>
+        </p:xfrm>
+        <a:graphic>
+          <a:graphicData uri="http://schemas.openxmlformats.org/drawingml/2006/chart">
+            <c:chart xmlns:c="http://schemas.openxmlformats.org/drawingml/2006/chart" xmlns:r="http://schemas.openxmlformats.org/officeDocument/2006/relationships" r:id="rId3"/>
+          </a:graphicData>
+        </a:graphic>
+      </p:graphicFrame>
+    </p:spTree>
+    <p:extLst>
+      <p:ext uri="{BB962C8B-B14F-4D97-AF65-F5344CB8AC3E}">
+        <p14:creationId xmlns:p14="http://schemas.microsoft.com/office/powerpoint/2010/main" val="3311999416"/>
+      </p:ext>
+    </p:extLst>
+  </p:cSld>
+  <p:clrMapOvr>
+    <a:masterClrMapping/>
+  </p:clrMapOvr>
+</p:sld>
+</file>
+
+<file path=ppt/slides/slide3.xml><?xml version="1.0" encoding="utf-8"?>
+<p:sld xmlns:a="http://schemas.openxmlformats.org/drawingml/2006/main" xmlns:r="http://schemas.openxmlformats.org/officeDocument/2006/relationships" xmlns:p="http://schemas.openxmlformats.org/presentationml/2006/main">
+  <p:cSld>
+    <p:spTree>
+      <p:nvGrpSpPr>
+        <p:cNvPr id="1" name=""/>
+        <p:cNvGrpSpPr/>
+        <p:nvPr/>
+      </p:nvGrpSpPr>
+      <p:grpSpPr>
+        <a:xfrm>
+          <a:off x="0" y="0"/>
+          <a:ext cx="0" cy="0"/>
+          <a:chOff x="0" y="0"/>
+          <a:chExt cx="0" cy="0"/>
+        </a:xfrm>
+      </p:grpSpPr>
+      <p:sp>
+        <p:nvSpPr>
+          <p:cNvPr id="5" name="正方形/長方形 4">
+            <a:extLst>
+              <a:ext uri="{FF2B5EF4-FFF2-40B4-BE49-F238E27FC236}">
+                <a16:creationId xmlns:a16="http://schemas.microsoft.com/office/drawing/2014/main" id="{A48736BC-B94E-49F3-B386-2EC498000351}"/>
+              </a:ext>
+            </a:extLst>
+          </p:cNvPr>
+          <p:cNvSpPr/>
+          <p:nvPr/>
+        </p:nvSpPr>
+        <p:spPr>
+          <a:xfrm>
+            <a:off x="4120913" y="1025499"/>
+            <a:ext cx="399253" cy="69056"/>
+          </a:xfrm>
+          <a:prstGeom prst="rect">
+            <a:avLst/>
+          </a:prstGeom>
+          <a:noFill/>
+          <a:ln w="9525">
+            <a:solidFill>
+              <a:srgbClr val="FFC000"/>
+            </a:solidFill>
+          </a:ln>
+        </p:spPr>
+        <p:style>
+          <a:lnRef idx="2">
+            <a:schemeClr val="accent1">
+              <a:shade val="50000"/>
+            </a:schemeClr>
+          </a:lnRef>
+          <a:fillRef idx="1">
+            <a:schemeClr val="accent1"/>
+          </a:fillRef>
+          <a:effectRef idx="0">
+            <a:schemeClr val="accent1"/>
+          </a:effectRef>
+          <a:fontRef idx="minor">
+            <a:schemeClr val="lt1"/>
+          </a:fontRef>
+        </p:style>
+        <p:txBody>
+          <a:bodyPr/>
+          <a:lstStyle>
+            <a:lvl1pPr marL="0" indent="0">
+              <a:defRPr sz="1100">
+                <a:solidFill>
+                  <a:schemeClr val="lt1"/>
+                </a:solidFill>
+                <a:latin typeface="+mn-lt"/>
+                <a:ea typeface="+mn-ea"/>
+                <a:cs typeface="+mn-cs"/>
+              </a:defRPr>
+            </a:lvl1pPr>
+            <a:lvl2pPr marL="457200" indent="0">
+              <a:defRPr sz="1100">
+                <a:solidFill>
+                  <a:schemeClr val="lt1"/>
+                </a:solidFill>
+                <a:latin typeface="+mn-lt"/>
+                <a:ea typeface="+mn-ea"/>
+                <a:cs typeface="+mn-cs"/>
+              </a:defRPr>
+            </a:lvl2pPr>
+            <a:lvl3pPr marL="914400" indent="0">
+              <a:defRPr sz="1100">
+                <a:solidFill>
+                  <a:schemeClr val="lt1"/>
+                </a:solidFill>
+                <a:latin typeface="+mn-lt"/>
+                <a:ea typeface="+mn-ea"/>
+                <a:cs typeface="+mn-cs"/>
+              </a:defRPr>
+            </a:lvl3pPr>
+            <a:lvl4pPr marL="1371600" indent="0">
+              <a:defRPr sz="1100">
+                <a:solidFill>
+                  <a:schemeClr val="lt1"/>
+                </a:solidFill>
+                <a:latin typeface="+mn-lt"/>
+                <a:ea typeface="+mn-ea"/>
+                <a:cs typeface="+mn-cs"/>
+              </a:defRPr>
+            </a:lvl4pPr>
+            <a:lvl5pPr marL="1828800" indent="0">
+              <a:defRPr sz="1100">
+                <a:solidFill>
+                  <a:schemeClr val="lt1"/>
+                </a:solidFill>
+                <a:latin typeface="+mn-lt"/>
+                <a:ea typeface="+mn-ea"/>
+                <a:cs typeface="+mn-cs"/>
+              </a:defRPr>
+            </a:lvl5pPr>
+            <a:lvl6pPr marL="2286000" indent="0">
+              <a:defRPr sz="1100">
+                <a:solidFill>
+                  <a:schemeClr val="lt1"/>
+                </a:solidFill>
+                <a:latin typeface="+mn-lt"/>
+                <a:ea typeface="+mn-ea"/>
+                <a:cs typeface="+mn-cs"/>
+              </a:defRPr>
+            </a:lvl6pPr>
+            <a:lvl7pPr marL="2743200" indent="0">
+              <a:defRPr sz="1100">
+                <a:solidFill>
+                  <a:schemeClr val="lt1"/>
+                </a:solidFill>
+                <a:latin typeface="+mn-lt"/>
+                <a:ea typeface="+mn-ea"/>
+                <a:cs typeface="+mn-cs"/>
+              </a:defRPr>
+            </a:lvl7pPr>
+            <a:lvl8pPr marL="3200400" indent="0">
+              <a:defRPr sz="1100">
+                <a:solidFill>
+                  <a:schemeClr val="lt1"/>
+                </a:solidFill>
+                <a:latin typeface="+mn-lt"/>
+                <a:ea typeface="+mn-ea"/>
+                <a:cs typeface="+mn-cs"/>
+              </a:defRPr>
+            </a:lvl8pPr>
+            <a:lvl9pPr marL="3657600" indent="0">
+              <a:defRPr sz="1100">
+                <a:solidFill>
+                  <a:schemeClr val="lt1"/>
+                </a:solidFill>
+                <a:latin typeface="+mn-lt"/>
+                <a:ea typeface="+mn-ea"/>
+                <a:cs typeface="+mn-cs"/>
+              </a:defRPr>
+            </a:lvl9pPr>
+          </a:lstStyle>
+          <a:p>
+            <a:endParaRPr lang="ja-JP"/>
+          </a:p>
+        </p:txBody>
+      </p:sp>
+      <p:grpSp>
+        <p:nvGrpSpPr>
+          <p:cNvPr id="2" name="グループ化 1">
+            <a:extLst>
+              <a:ext uri="{FF2B5EF4-FFF2-40B4-BE49-F238E27FC236}">
+                <a16:creationId xmlns:a16="http://schemas.microsoft.com/office/drawing/2014/main" id="{7AEBF987-56FF-4B27-97BA-53FB055B3A9C}"/>
+              </a:ext>
+            </a:extLst>
+          </p:cNvPr>
+          <p:cNvGrpSpPr/>
+          <p:nvPr/>
+        </p:nvGrpSpPr>
+        <p:grpSpPr>
+          <a:xfrm>
+            <a:off x="5828616" y="1642512"/>
+            <a:ext cx="4536142" cy="2974601"/>
+            <a:chOff x="5828616" y="1642512"/>
+            <a:chExt cx="4536142" cy="2974601"/>
+          </a:xfrm>
+        </p:grpSpPr>
+        <p:graphicFrame>
+          <p:nvGraphicFramePr>
+            <p:cNvPr id="20" name="グラフ 19">
+              <a:extLst>
+                <a:ext uri="{FF2B5EF4-FFF2-40B4-BE49-F238E27FC236}">
+                  <a16:creationId xmlns:a16="http://schemas.microsoft.com/office/drawing/2014/main" id="{34E9AF61-7C64-4D91-B83C-D198FB6C97FE}"/>
+                </a:ext>
+              </a:extLst>
+            </p:cNvPr>
+            <p:cNvGraphicFramePr>
+              <a:graphicFrameLocks/>
+            </p:cNvGraphicFramePr>
+            <p:nvPr>
+              <p:extLst>
+                <p:ext uri="{D42A27DB-BD31-4B8C-83A1-F6EECF244321}">
+                  <p14:modId xmlns:p14="http://schemas.microsoft.com/office/powerpoint/2010/main" val="1095382821"/>
+                </p:ext>
+              </p:extLst>
+            </p:nvPr>
+          </p:nvGraphicFramePr>
+          <p:xfrm>
+            <a:off x="5828616" y="1642512"/>
+            <a:ext cx="4536142" cy="2974601"/>
+          </p:xfrm>
+          <a:graphic>
+            <a:graphicData uri="http://schemas.openxmlformats.org/drawingml/2006/chart">
+              <c:chart xmlns:c="http://schemas.openxmlformats.org/drawingml/2006/chart" xmlns:r="http://schemas.openxmlformats.org/officeDocument/2006/relationships" r:id="rId2"/>
+            </a:graphicData>
+          </a:graphic>
+        </p:graphicFrame>
+        <p:grpSp>
+          <p:nvGrpSpPr>
+            <p:cNvPr id="21" name="グループ化 20">
+              <a:extLst>
+                <a:ext uri="{FF2B5EF4-FFF2-40B4-BE49-F238E27FC236}">
+                  <a16:creationId xmlns:a16="http://schemas.microsoft.com/office/drawing/2014/main" id="{9067B271-E066-41C0-BE7F-1E0E62AEF387}"/>
+                </a:ext>
+              </a:extLst>
+            </p:cNvPr>
+            <p:cNvGrpSpPr/>
+            <p:nvPr/>
+          </p:nvGrpSpPr>
+          <p:grpSpPr>
+            <a:xfrm>
+              <a:off x="6564874" y="2358096"/>
+              <a:ext cx="399253" cy="253916"/>
+              <a:chOff x="4436269" y="2095389"/>
+              <a:chExt cx="400050" cy="253916"/>
+            </a:xfrm>
+          </p:grpSpPr>
+          <p:sp>
+            <p:nvSpPr>
+              <p:cNvPr id="22" name="左大かっこ 21">
+                <a:extLst>
+                  <a:ext uri="{FF2B5EF4-FFF2-40B4-BE49-F238E27FC236}">
+                    <a16:creationId xmlns:a16="http://schemas.microsoft.com/office/drawing/2014/main" id="{8F4C2660-C8BD-4E7E-B3D5-B4BFDD5EA74D}"/>
+                  </a:ext>
+                </a:extLst>
+              </p:cNvPr>
+              <p:cNvSpPr/>
+              <p:nvPr/>
+            </p:nvSpPr>
+            <p:spPr>
+              <a:xfrm rot="5400000">
+                <a:off x="4598194" y="2097885"/>
+                <a:ext cx="76200" cy="400050"/>
+              </a:xfrm>
+              <a:prstGeom prst="leftBracket">
+                <a:avLst>
+                  <a:gd name="adj" fmla="val 0"/>
+                </a:avLst>
+              </a:prstGeom>
+              <a:noFill/>
+              <a:ln w="9525">
+                <a:solidFill>
+                  <a:srgbClr val="595959"/>
+                </a:solidFill>
+              </a:ln>
+            </p:spPr>
+            <p:style>
+              <a:lnRef idx="1">
+                <a:schemeClr val="accent1"/>
+              </a:lnRef>
+              <a:fillRef idx="0">
+                <a:schemeClr val="accent1"/>
+              </a:fillRef>
+              <a:effectRef idx="0">
+                <a:schemeClr val="accent1"/>
+              </a:effectRef>
+              <a:fontRef idx="minor">
+                <a:schemeClr val="tx1"/>
+              </a:fontRef>
+            </p:style>
+            <p:txBody>
+              <a:bodyPr rtlCol="0" anchor="ctr"/>
+              <a:lstStyle/>
+              <a:p>
+                <a:pPr algn="ctr"/>
+                <a:endParaRPr kumimoji="1" lang="ja-JP" altLang="en-US"/>
+              </a:p>
+            </p:txBody>
+          </p:sp>
+          <p:sp>
+            <p:nvSpPr>
+              <p:cNvPr id="24" name="テキスト ボックス 23">
+                <a:extLst>
+                  <a:ext uri="{FF2B5EF4-FFF2-40B4-BE49-F238E27FC236}">
+                    <a16:creationId xmlns:a16="http://schemas.microsoft.com/office/drawing/2014/main" id="{71DD4039-887F-4F5E-B93D-1D76B8D29D3B}"/>
+                  </a:ext>
+                </a:extLst>
+              </p:cNvPr>
+              <p:cNvSpPr txBox="1"/>
+              <p:nvPr/>
+            </p:nvSpPr>
+            <p:spPr>
+              <a:xfrm>
+                <a:off x="4483803" y="2095389"/>
+                <a:ext cx="311430" cy="253916"/>
+              </a:xfrm>
+              <a:prstGeom prst="rect">
+                <a:avLst/>
+              </a:prstGeom>
+              <a:noFill/>
+            </p:spPr>
+            <p:txBody>
+              <a:bodyPr wrap="square" rtlCol="0" anchor="ctr">
+                <a:spAutoFit/>
+              </a:bodyPr>
+              <a:lstStyle/>
+              <a:p>
+                <a:pPr algn="ctr"/>
+                <a:r>
+                  <a:rPr lang="en-US" altLang="ja-JP" sz="1000" dirty="0"/>
+                  <a:t>**</a:t>
+                </a:r>
+                <a:endParaRPr lang="ja-JP" altLang="en-US" sz="1000" dirty="0"/>
+              </a:p>
+            </p:txBody>
+          </p:sp>
+        </p:grpSp>
+        <p:grpSp>
+          <p:nvGrpSpPr>
+            <p:cNvPr id="25" name="グループ化 24">
+              <a:extLst>
+                <a:ext uri="{FF2B5EF4-FFF2-40B4-BE49-F238E27FC236}">
+                  <a16:creationId xmlns:a16="http://schemas.microsoft.com/office/drawing/2014/main" id="{92F70E78-2D9F-4074-BD3E-51053572646D}"/>
+                </a:ext>
+              </a:extLst>
+            </p:cNvPr>
+            <p:cNvGrpSpPr/>
+            <p:nvPr/>
+          </p:nvGrpSpPr>
+          <p:grpSpPr>
+            <a:xfrm>
+              <a:off x="7948378" y="2413178"/>
+              <a:ext cx="399254" cy="253916"/>
+              <a:chOff x="4436269" y="2095389"/>
+              <a:chExt cx="400050" cy="253916"/>
+            </a:xfrm>
+          </p:grpSpPr>
+          <p:sp>
+            <p:nvSpPr>
+              <p:cNvPr id="26" name="左大かっこ 25">
+                <a:extLst>
+                  <a:ext uri="{FF2B5EF4-FFF2-40B4-BE49-F238E27FC236}">
+                    <a16:creationId xmlns:a16="http://schemas.microsoft.com/office/drawing/2014/main" id="{16543C89-35FA-479A-B395-53BBFB7CB269}"/>
+                  </a:ext>
+                </a:extLst>
+              </p:cNvPr>
+              <p:cNvSpPr/>
+              <p:nvPr/>
+            </p:nvSpPr>
+            <p:spPr>
+              <a:xfrm rot="5400000">
+                <a:off x="4598194" y="2097885"/>
+                <a:ext cx="76200" cy="400050"/>
+              </a:xfrm>
+              <a:prstGeom prst="leftBracket">
+                <a:avLst>
+                  <a:gd name="adj" fmla="val 0"/>
+                </a:avLst>
+              </a:prstGeom>
+              <a:noFill/>
+              <a:ln w="9525">
+                <a:solidFill>
+                  <a:srgbClr val="595959"/>
+                </a:solidFill>
+              </a:ln>
+            </p:spPr>
+            <p:style>
+              <a:lnRef idx="1">
+                <a:schemeClr val="accent1"/>
+              </a:lnRef>
+              <a:fillRef idx="0">
+                <a:schemeClr val="accent1"/>
+              </a:fillRef>
+              <a:effectRef idx="0">
+                <a:schemeClr val="accent1"/>
+              </a:effectRef>
+              <a:fontRef idx="minor">
+                <a:schemeClr val="tx1"/>
+              </a:fontRef>
+            </p:style>
+            <p:txBody>
+              <a:bodyPr rtlCol="0" anchor="ctr"/>
+              <a:lstStyle/>
+              <a:p>
+                <a:pPr algn="ctr"/>
+                <a:endParaRPr kumimoji="1" lang="ja-JP" altLang="en-US"/>
+              </a:p>
+            </p:txBody>
+          </p:sp>
+          <p:sp>
+            <p:nvSpPr>
+              <p:cNvPr id="27" name="テキスト ボックス 26">
+                <a:extLst>
+                  <a:ext uri="{FF2B5EF4-FFF2-40B4-BE49-F238E27FC236}">
+                    <a16:creationId xmlns:a16="http://schemas.microsoft.com/office/drawing/2014/main" id="{BDAA0ABB-290F-4511-B409-3E05D12D2CC4}"/>
+                  </a:ext>
+                </a:extLst>
+              </p:cNvPr>
+              <p:cNvSpPr txBox="1"/>
+              <p:nvPr/>
+            </p:nvSpPr>
+            <p:spPr>
+              <a:xfrm>
+                <a:off x="4483803" y="2095389"/>
+                <a:ext cx="311430" cy="253916"/>
+              </a:xfrm>
+              <a:prstGeom prst="rect">
+                <a:avLst/>
+              </a:prstGeom>
+              <a:noFill/>
+            </p:spPr>
+            <p:txBody>
+              <a:bodyPr wrap="square" rtlCol="0" anchor="ctr">
+                <a:spAutoFit/>
+              </a:bodyPr>
+              <a:lstStyle/>
+              <a:p>
+                <a:pPr algn="ctr"/>
+                <a:r>
+                  <a:rPr lang="en-US" altLang="ja-JP" sz="1000" dirty="0"/>
+                  <a:t>**</a:t>
+                </a:r>
+                <a:endParaRPr lang="ja-JP" altLang="en-US" sz="1000" dirty="0"/>
+              </a:p>
+            </p:txBody>
+          </p:sp>
+        </p:grpSp>
+        <p:grpSp>
+          <p:nvGrpSpPr>
+            <p:cNvPr id="28" name="グループ化 27">
+              <a:extLst>
+                <a:ext uri="{FF2B5EF4-FFF2-40B4-BE49-F238E27FC236}">
+                  <a16:creationId xmlns:a16="http://schemas.microsoft.com/office/drawing/2014/main" id="{B9CF99B4-E659-454E-8BB1-8464AD6111B2}"/>
+                </a:ext>
+              </a:extLst>
+            </p:cNvPr>
+            <p:cNvGrpSpPr/>
+            <p:nvPr/>
+          </p:nvGrpSpPr>
+          <p:grpSpPr>
+            <a:xfrm>
+              <a:off x="9331700" y="1977184"/>
+              <a:ext cx="399253" cy="269010"/>
+              <a:chOff x="4436269" y="2067000"/>
+              <a:chExt cx="400050" cy="269010"/>
+            </a:xfrm>
+          </p:grpSpPr>
+          <p:sp>
+            <p:nvSpPr>
+              <p:cNvPr id="29" name="左大かっこ 28">
+                <a:extLst>
+                  <a:ext uri="{FF2B5EF4-FFF2-40B4-BE49-F238E27FC236}">
+                    <a16:creationId xmlns:a16="http://schemas.microsoft.com/office/drawing/2014/main" id="{1A087C1A-7ABE-42D8-ACDD-64EF298347D6}"/>
+                  </a:ext>
+                </a:extLst>
+              </p:cNvPr>
+              <p:cNvSpPr/>
+              <p:nvPr/>
+            </p:nvSpPr>
+            <p:spPr>
+              <a:xfrm rot="5400000">
+                <a:off x="4598194" y="2097885"/>
+                <a:ext cx="76200" cy="400050"/>
+              </a:xfrm>
+              <a:prstGeom prst="leftBracket">
+                <a:avLst>
+                  <a:gd name="adj" fmla="val 0"/>
+                </a:avLst>
+              </a:prstGeom>
+              <a:noFill/>
+              <a:ln w="9525">
+                <a:solidFill>
+                  <a:srgbClr val="595959"/>
+                </a:solidFill>
+              </a:ln>
+            </p:spPr>
+            <p:style>
+              <a:lnRef idx="1">
+                <a:schemeClr val="accent1"/>
+              </a:lnRef>
+              <a:fillRef idx="0">
+                <a:schemeClr val="accent1"/>
+              </a:fillRef>
+              <a:effectRef idx="0">
+                <a:schemeClr val="accent1"/>
+              </a:effectRef>
+              <a:fontRef idx="minor">
+                <a:schemeClr val="tx1"/>
+              </a:fontRef>
+            </p:style>
+            <p:txBody>
+              <a:bodyPr rtlCol="0" anchor="ctr"/>
+              <a:lstStyle/>
+              <a:p>
+                <a:pPr algn="ctr"/>
+                <a:endParaRPr kumimoji="1" lang="ja-JP" altLang="en-US"/>
+              </a:p>
+            </p:txBody>
+          </p:sp>
+          <p:sp>
+            <p:nvSpPr>
+              <p:cNvPr id="30" name="テキスト ボックス 29">
+                <a:extLst>
+                  <a:ext uri="{FF2B5EF4-FFF2-40B4-BE49-F238E27FC236}">
+                    <a16:creationId xmlns:a16="http://schemas.microsoft.com/office/drawing/2014/main" id="{F3A0B496-378F-4D05-877A-7CFEDC656F8A}"/>
+                  </a:ext>
+                </a:extLst>
+              </p:cNvPr>
+              <p:cNvSpPr txBox="1"/>
+              <p:nvPr/>
+            </p:nvSpPr>
+            <p:spPr>
+              <a:xfrm>
+                <a:off x="4436269" y="2067000"/>
+                <a:ext cx="400050" cy="215444"/>
+              </a:xfrm>
+              <a:prstGeom prst="rect">
+                <a:avLst/>
+              </a:prstGeom>
+              <a:noFill/>
+            </p:spPr>
+            <p:txBody>
+              <a:bodyPr wrap="square" rtlCol="0" anchor="ctr">
+                <a:spAutoFit/>
+              </a:bodyPr>
+              <a:lstStyle/>
+              <a:p>
+                <a:pPr algn="ctr"/>
+                <a:r>
+                  <a:rPr lang="en-US" altLang="ja-JP" sz="800" dirty="0" err="1"/>
+                  <a:t>n.s</a:t>
+                </a:r>
+                <a:r>
+                  <a:rPr lang="en-US" altLang="ja-JP" sz="800" dirty="0"/>
+                  <a:t>.</a:t>
+                </a:r>
+                <a:endParaRPr lang="ja-JP" altLang="en-US" sz="800" dirty="0"/>
+              </a:p>
+            </p:txBody>
+          </p:sp>
+        </p:grpSp>
+      </p:grpSp>
+    </p:spTree>
+    <p:extLst>
+      <p:ext uri="{BB962C8B-B14F-4D97-AF65-F5344CB8AC3E}">
+        <p14:creationId xmlns:p14="http://schemas.microsoft.com/office/powerpoint/2010/main" val="888015544"/>
+      </p:ext>
+    </p:extLst>
+  </p:cSld>
+  <p:clrMapOvr>
+    <a:masterClrMapping/>
+  </p:clrMapOvr>
+</p:sld>
+</file>
+
+<file path=ppt/slides/slide4.xml><?xml version="1.0" encoding="utf-8"?>
+<p:sld xmlns:a="http://schemas.openxmlformats.org/drawingml/2006/main" xmlns:r="http://schemas.openxmlformats.org/officeDocument/2006/relationships" xmlns:p="http://schemas.openxmlformats.org/presentationml/2006/main">
+  <p:cSld>
+    <p:spTree>
+      <p:nvGrpSpPr>
+        <p:cNvPr id="1" name=""/>
+        <p:cNvGrpSpPr/>
+        <p:nvPr/>
+      </p:nvGrpSpPr>
+      <p:grpSpPr>
+        <a:xfrm>
+          <a:off x="0" y="0"/>
+          <a:ext cx="0" cy="0"/>
+          <a:chOff x="0" y="0"/>
+          <a:chExt cx="0" cy="0"/>
+        </a:xfrm>
+      </p:grpSpPr>
+      <p:grpSp>
+        <p:nvGrpSpPr>
+          <p:cNvPr id="8" name="グループ化 7">
+            <a:extLst>
+              <a:ext uri="{FF2B5EF4-FFF2-40B4-BE49-F238E27FC236}">
+                <a16:creationId xmlns:a16="http://schemas.microsoft.com/office/drawing/2014/main" id="{4A0CCC45-7CEC-4A40-BA38-F8373F8EEA31}"/>
+              </a:ext>
+            </a:extLst>
+          </p:cNvPr>
+          <p:cNvGrpSpPr/>
+          <p:nvPr/>
+        </p:nvGrpSpPr>
+        <p:grpSpPr>
+          <a:xfrm>
+            <a:off x="2668781" y="0"/>
+            <a:ext cx="6854437" cy="6858000"/>
+            <a:chOff x="2668781" y="0"/>
+            <a:chExt cx="6854437" cy="6858000"/>
+          </a:xfrm>
+        </p:grpSpPr>
+        <p:pic>
+          <p:nvPicPr>
+            <p:cNvPr id="5" name="図 4">
+              <a:extLst>
+                <a:ext uri="{FF2B5EF4-FFF2-40B4-BE49-F238E27FC236}">
+                  <a16:creationId xmlns:a16="http://schemas.microsoft.com/office/drawing/2014/main" id="{969868C4-C4AA-46F4-8C4F-C247FA5F471A}"/>
+                </a:ext>
+              </a:extLst>
+            </p:cNvPr>
+            <p:cNvPicPr>
+              <a:picLocks noChangeAspect="1"/>
+            </p:cNvPicPr>
+            <p:nvPr/>
+          </p:nvPicPr>
+          <p:blipFill>
+            <a:blip r:embed="rId2">
+              <a:extLst>
+                <a:ext uri="{28A0092B-C50C-407E-A947-70E740481C1C}">
+                  <a14:useLocalDpi xmlns:a14="http://schemas.microsoft.com/office/drawing/2010/main" val="0"/>
+                </a:ext>
+              </a:extLst>
+            </a:blip>
+            <a:stretch>
+              <a:fillRect/>
+            </a:stretch>
+          </p:blipFill>
+          <p:spPr>
+            <a:xfrm>
+              <a:off x="2668781" y="0"/>
+              <a:ext cx="6854437" cy="6858000"/>
+            </a:xfrm>
+            <a:prstGeom prst="rect">
+              <a:avLst/>
+            </a:prstGeom>
+          </p:spPr>
+        </p:pic>
+        <p:sp>
+          <p:nvSpPr>
+            <p:cNvPr id="6" name="正方形/長方形 5">
+              <a:extLst>
+                <a:ext uri="{FF2B5EF4-FFF2-40B4-BE49-F238E27FC236}">
+                  <a16:creationId xmlns:a16="http://schemas.microsoft.com/office/drawing/2014/main" id="{F27AD886-C8D7-4891-945E-25AABDBFF2A7}"/>
+                </a:ext>
+              </a:extLst>
+            </p:cNvPr>
+            <p:cNvSpPr/>
+            <p:nvPr/>
+          </p:nvSpPr>
+          <p:spPr>
+            <a:xfrm>
+              <a:off x="4983858" y="1897982"/>
+              <a:ext cx="767038" cy="146193"/>
+            </a:xfrm>
+            <a:prstGeom prst="rect">
+              <a:avLst/>
+            </a:prstGeom>
+            <a:solidFill>
+              <a:schemeClr val="tx1"/>
+            </a:solidFill>
+            <a:ln>
+              <a:noFill/>
+            </a:ln>
+          </p:spPr>
+          <p:style>
+            <a:lnRef idx="2">
+              <a:schemeClr val="accent1">
+                <a:shade val="50000"/>
+              </a:schemeClr>
+            </a:lnRef>
+            <a:fillRef idx="1">
+              <a:schemeClr val="accent1"/>
+            </a:fillRef>
+            <a:effectRef idx="0">
+              <a:schemeClr val="accent1"/>
+            </a:effectRef>
+            <a:fontRef idx="minor">
+              <a:schemeClr val="lt1"/>
+            </a:fontRef>
+          </p:style>
+          <p:txBody>
+            <a:bodyPr rtlCol="0" anchor="ctr"/>
+            <a:lstStyle/>
+            <a:p>
+              <a:pPr algn="ctr"/>
+              <a:endParaRPr kumimoji="1" lang="ja-JP" altLang="en-US"/>
+            </a:p>
+          </p:txBody>
+        </p:sp>
+      </p:grpSp>
+    </p:spTree>
+    <p:extLst>
+      <p:ext uri="{BB962C8B-B14F-4D97-AF65-F5344CB8AC3E}">
+        <p14:creationId xmlns:p14="http://schemas.microsoft.com/office/powerpoint/2010/main" val="2548766365"/>
+      </p:ext>
+    </p:extLst>
+  </p:cSld>
+  <p:clrMapOvr>
+    <a:masterClrMapping/>
+  </p:clrMapOvr>
+</p:sld>
+</file>
+
+<file path=ppt/slides/slide5.xml><?xml version="1.0" encoding="utf-8"?>
+<p:sld xmlns:a="http://schemas.openxmlformats.org/drawingml/2006/main" xmlns:r="http://schemas.openxmlformats.org/officeDocument/2006/relationships" xmlns:p="http://schemas.openxmlformats.org/presentationml/2006/main">
+  <p:cSld>
+    <p:spTree>
+      <p:nvGrpSpPr>
+        <p:cNvPr id="1" name=""/>
+        <p:cNvGrpSpPr/>
+        <p:nvPr/>
+      </p:nvGrpSpPr>
+      <p:grpSpPr>
+        <a:xfrm>
+          <a:off x="0" y="0"/>
+          <a:ext cx="0" cy="0"/>
+          <a:chOff x="0" y="0"/>
+          <a:chExt cx="0" cy="0"/>
+        </a:xfrm>
+      </p:grpSpPr>
+      <p:grpSp>
+        <p:nvGrpSpPr>
+          <p:cNvPr id="10" name="グループ化 9">
+            <a:extLst>
+              <a:ext uri="{FF2B5EF4-FFF2-40B4-BE49-F238E27FC236}">
+                <a16:creationId xmlns:a16="http://schemas.microsoft.com/office/drawing/2014/main" id="{21788C8B-5A22-4175-88AC-266FA6F70766}"/>
+              </a:ext>
+            </a:extLst>
+          </p:cNvPr>
+          <p:cNvGrpSpPr/>
+          <p:nvPr/>
+        </p:nvGrpSpPr>
+        <p:grpSpPr>
+          <a:xfrm>
+            <a:off x="1608766" y="1319001"/>
+            <a:ext cx="3133167" cy="1286634"/>
+            <a:chOff x="500698" y="1319001"/>
+            <a:chExt cx="10828146" cy="4446574"/>
+          </a:xfrm>
+        </p:grpSpPr>
+        <p:pic>
+          <p:nvPicPr>
+            <p:cNvPr id="5" name="図 4">
+              <a:extLst>
+                <a:ext uri="{FF2B5EF4-FFF2-40B4-BE49-F238E27FC236}">
+                  <a16:creationId xmlns:a16="http://schemas.microsoft.com/office/drawing/2014/main" id="{18D8C9D3-B8CC-4C7A-AB4B-6EF194F76EE9}"/>
+                </a:ext>
+              </a:extLst>
+            </p:cNvPr>
+            <p:cNvPicPr>
+              <a:picLocks noChangeAspect="1"/>
+            </p:cNvPicPr>
+            <p:nvPr/>
+          </p:nvPicPr>
+          <p:blipFill>
+            <a:blip r:embed="rId2">
+              <a:extLst>
+                <a:ext uri="{28A0092B-C50C-407E-A947-70E740481C1C}">
+                  <a14:useLocalDpi xmlns:a14="http://schemas.microsoft.com/office/drawing/2010/main" val="0"/>
+                </a:ext>
+              </a:extLst>
+            </a:blip>
+            <a:stretch>
+              <a:fillRect/>
+            </a:stretch>
+          </p:blipFill>
+          <p:spPr>
+            <a:xfrm>
+              <a:off x="500698" y="1319001"/>
+              <a:ext cx="5284893" cy="4446574"/>
+            </a:xfrm>
+            <a:prstGeom prst="rect">
+              <a:avLst/>
+            </a:prstGeom>
+          </p:spPr>
+        </p:pic>
+        <p:pic>
+          <p:nvPicPr>
+            <p:cNvPr id="7" name="図 6">
+              <a:extLst>
+                <a:ext uri="{FF2B5EF4-FFF2-40B4-BE49-F238E27FC236}">
+                  <a16:creationId xmlns:a16="http://schemas.microsoft.com/office/drawing/2014/main" id="{2739C57C-6F9B-40BD-8BEC-349037B3F63A}"/>
+                </a:ext>
+              </a:extLst>
+            </p:cNvPr>
+            <p:cNvPicPr>
+              <a:picLocks noChangeAspect="1"/>
+            </p:cNvPicPr>
+            <p:nvPr/>
+          </p:nvPicPr>
+          <p:blipFill>
+            <a:blip r:embed="rId3">
+              <a:extLst>
+                <a:ext uri="{28A0092B-C50C-407E-A947-70E740481C1C}">
+                  <a14:useLocalDpi xmlns:a14="http://schemas.microsoft.com/office/drawing/2010/main" val="0"/>
+                </a:ext>
+              </a:extLst>
+            </a:blip>
+            <a:stretch>
+              <a:fillRect/>
+            </a:stretch>
+          </p:blipFill>
+          <p:spPr>
+            <a:xfrm>
+              <a:off x="5785591" y="1319001"/>
+              <a:ext cx="5543253" cy="4446573"/>
+            </a:xfrm>
+            <a:prstGeom prst="rect">
+              <a:avLst/>
+            </a:prstGeom>
+          </p:spPr>
+        </p:pic>
+      </p:grpSp>
+    </p:spTree>
+    <p:extLst>
+      <p:ext uri="{BB962C8B-B14F-4D97-AF65-F5344CB8AC3E}">
+        <p14:creationId xmlns:p14="http://schemas.microsoft.com/office/powerpoint/2010/main" val="3563927957"/>
+      </p:ext>
+    </p:extLst>
+  </p:cSld>
+  <p:clrMapOvr>
+    <a:masterClrMapping/>
+  </p:clrMapOvr>
+</p:sld>
+</file>
+
+<file path=ppt/slides/slide6.xml><?xml version="1.0" encoding="utf-8"?>
+<p:sld xmlns:a="http://schemas.openxmlformats.org/drawingml/2006/main" xmlns:r="http://schemas.openxmlformats.org/officeDocument/2006/relationships" xmlns:p="http://schemas.openxmlformats.org/presentationml/2006/main">
+  <p:cSld>
+    <p:spTree>
+      <p:nvGrpSpPr>
+        <p:cNvPr id="1" name=""/>
+        <p:cNvGrpSpPr/>
+        <p:nvPr/>
+      </p:nvGrpSpPr>
+      <p:grpSpPr>
+        <a:xfrm>
+          <a:off x="0" y="0"/>
+          <a:ext cx="0" cy="0"/>
+          <a:chOff x="0" y="0"/>
+          <a:chExt cx="0" cy="0"/>
+        </a:xfrm>
+      </p:grpSpPr>
+      <p:grpSp>
+        <p:nvGrpSpPr>
+          <p:cNvPr id="3" name="グループ化 2">
+            <a:extLst>
+              <a:ext uri="{FF2B5EF4-FFF2-40B4-BE49-F238E27FC236}">
+                <a16:creationId xmlns:a16="http://schemas.microsoft.com/office/drawing/2014/main" id="{B164E725-5E5B-4093-980B-B098E9608ECB}"/>
+              </a:ext>
+            </a:extLst>
+          </p:cNvPr>
+          <p:cNvGrpSpPr/>
+          <p:nvPr/>
+        </p:nvGrpSpPr>
+        <p:grpSpPr>
+          <a:xfrm>
+            <a:off x="324302" y="342039"/>
+            <a:ext cx="5732379" cy="3224463"/>
+            <a:chOff x="324302" y="342039"/>
+            <a:chExt cx="5732379" cy="3224463"/>
+          </a:xfrm>
+        </p:grpSpPr>
+        <p:pic>
+          <p:nvPicPr>
+            <p:cNvPr id="7" name="図 6">
+              <a:extLst>
+                <a:ext uri="{FF2B5EF4-FFF2-40B4-BE49-F238E27FC236}">
+                  <a16:creationId xmlns:a16="http://schemas.microsoft.com/office/drawing/2014/main" id="{A3457FBA-8FAF-4F15-85F6-D475F66BC76F}"/>
+                </a:ext>
+              </a:extLst>
+            </p:cNvPr>
+            <p:cNvPicPr>
+              <a:picLocks noChangeAspect="1"/>
+            </p:cNvPicPr>
+            <p:nvPr/>
+          </p:nvPicPr>
+          <p:blipFill>
+            <a:blip r:embed="rId2">
+              <a:extLst>
+                <a:ext uri="{28A0092B-C50C-407E-A947-70E740481C1C}">
+                  <a14:useLocalDpi xmlns:a14="http://schemas.microsoft.com/office/drawing/2010/main" val="0"/>
+                </a:ext>
+              </a:extLst>
+            </a:blip>
+            <a:stretch>
+              <a:fillRect/>
+            </a:stretch>
+          </p:blipFill>
+          <p:spPr>
+            <a:xfrm>
+              <a:off x="324302" y="342039"/>
+              <a:ext cx="5732379" cy="3224463"/>
+            </a:xfrm>
+            <a:prstGeom prst="rect">
+              <a:avLst/>
+            </a:prstGeom>
+          </p:spPr>
+        </p:pic>
+        <p:sp>
+          <p:nvSpPr>
+            <p:cNvPr id="2" name="テキスト ボックス 1">
+              <a:extLst>
+                <a:ext uri="{FF2B5EF4-FFF2-40B4-BE49-F238E27FC236}">
+                  <a16:creationId xmlns:a16="http://schemas.microsoft.com/office/drawing/2014/main" id="{F081152A-52C4-4517-BA83-078270E1F336}"/>
+                </a:ext>
+              </a:extLst>
+            </p:cNvPr>
+            <p:cNvSpPr txBox="1"/>
+            <p:nvPr/>
+          </p:nvSpPr>
+          <p:spPr>
+            <a:xfrm>
+              <a:off x="324302" y="417094"/>
+              <a:ext cx="1098884" cy="369332"/>
+            </a:xfrm>
+            <a:prstGeom prst="rect">
+              <a:avLst/>
+            </a:prstGeom>
+            <a:noFill/>
+          </p:spPr>
+          <p:txBody>
+            <a:bodyPr wrap="square" rtlCol="0">
+              <a:spAutoFit/>
+            </a:bodyPr>
+            <a:lstStyle/>
+            <a:p>
+              <a:r>
+                <a:rPr kumimoji="1" lang="ja-JP" altLang="en-US" dirty="0">
+                  <a:solidFill>
+                    <a:schemeClr val="bg1"/>
+                  </a:solidFill>
+                </a:rPr>
+                <a:t>既存手法</a:t>
+              </a:r>
+            </a:p>
+          </p:txBody>
+        </p:sp>
+      </p:grpSp>
+      <p:grpSp>
+        <p:nvGrpSpPr>
+          <p:cNvPr id="4" name="グループ化 3">
+            <a:extLst>
+              <a:ext uri="{FF2B5EF4-FFF2-40B4-BE49-F238E27FC236}">
+                <a16:creationId xmlns:a16="http://schemas.microsoft.com/office/drawing/2014/main" id="{3FB4771C-871A-443A-8693-148093D34E07}"/>
+              </a:ext>
+            </a:extLst>
+          </p:cNvPr>
+          <p:cNvGrpSpPr/>
+          <p:nvPr/>
+        </p:nvGrpSpPr>
+        <p:grpSpPr>
+          <a:xfrm>
+            <a:off x="6135318" y="342039"/>
+            <a:ext cx="5732380" cy="3224464"/>
+            <a:chOff x="6135318" y="342039"/>
+            <a:chExt cx="5732380" cy="3224464"/>
+          </a:xfrm>
+        </p:grpSpPr>
+        <p:pic>
+          <p:nvPicPr>
+            <p:cNvPr id="5" name="図 4">
+              <a:extLst>
+                <a:ext uri="{FF2B5EF4-FFF2-40B4-BE49-F238E27FC236}">
+                  <a16:creationId xmlns:a16="http://schemas.microsoft.com/office/drawing/2014/main" id="{8F6A4D98-AE15-4621-89EE-FAFEC012FA50}"/>
+                </a:ext>
+              </a:extLst>
+            </p:cNvPr>
+            <p:cNvPicPr>
+              <a:picLocks noChangeAspect="1"/>
+            </p:cNvPicPr>
+            <p:nvPr/>
+          </p:nvPicPr>
+          <p:blipFill>
+            <a:blip r:embed="rId3">
+              <a:extLst>
+                <a:ext uri="{28A0092B-C50C-407E-A947-70E740481C1C}">
+                  <a14:useLocalDpi xmlns:a14="http://schemas.microsoft.com/office/drawing/2010/main" val="0"/>
+                </a:ext>
+              </a:extLst>
+            </a:blip>
+            <a:stretch>
+              <a:fillRect/>
+            </a:stretch>
+          </p:blipFill>
+          <p:spPr>
+            <a:xfrm>
+              <a:off x="6135318" y="342039"/>
+              <a:ext cx="5732380" cy="3224464"/>
+            </a:xfrm>
+            <a:prstGeom prst="rect">
+              <a:avLst/>
+            </a:prstGeom>
+          </p:spPr>
+        </p:pic>
+        <p:sp>
+          <p:nvSpPr>
+            <p:cNvPr id="6" name="テキスト ボックス 5">
+              <a:extLst>
+                <a:ext uri="{FF2B5EF4-FFF2-40B4-BE49-F238E27FC236}">
+                  <a16:creationId xmlns:a16="http://schemas.microsoft.com/office/drawing/2014/main" id="{19472F89-967B-4FDD-B365-4D88E510C868}"/>
+                </a:ext>
+              </a:extLst>
+            </p:cNvPr>
+            <p:cNvSpPr txBox="1"/>
+            <p:nvPr/>
+          </p:nvSpPr>
+          <p:spPr>
+            <a:xfrm>
+              <a:off x="6135318" y="417094"/>
+              <a:ext cx="1098884" cy="369332"/>
+            </a:xfrm>
+            <a:prstGeom prst="rect">
+              <a:avLst/>
+            </a:prstGeom>
+            <a:noFill/>
+          </p:spPr>
+          <p:txBody>
+            <a:bodyPr wrap="square" rtlCol="0">
+              <a:spAutoFit/>
+            </a:bodyPr>
+            <a:lstStyle/>
+            <a:p>
+              <a:r>
+                <a:rPr kumimoji="1" lang="ja-JP" altLang="en-US" dirty="0">
+                  <a:solidFill>
+                    <a:schemeClr val="bg1"/>
+                  </a:solidFill>
+                </a:rPr>
+                <a:t>提案手法</a:t>
+              </a:r>
+            </a:p>
+          </p:txBody>
+        </p:sp>
+      </p:grpSp>
+    </p:spTree>
+    <p:extLst>
+      <p:ext uri="{BB962C8B-B14F-4D97-AF65-F5344CB8AC3E}">
+        <p14:creationId xmlns:p14="http://schemas.microsoft.com/office/powerpoint/2010/main" val="1710590706"/>
+      </p:ext>
+    </p:extLst>
+  </p:cSld>
+  <p:clrMapOvr>
+    <a:masterClrMapping/>
+  </p:clrMapOvr>
+</p:sld>
+</file>
+
+<file path=ppt/slides/slide7.xml><?xml version="1.0" encoding="utf-8"?>
+<p:sld xmlns:a="http://schemas.openxmlformats.org/drawingml/2006/main" xmlns:r="http://schemas.openxmlformats.org/officeDocument/2006/relationships" xmlns:p="http://schemas.openxmlformats.org/presentationml/2006/main">
+  <p:cSld>
+    <p:spTree>
+      <p:nvGrpSpPr>
+        <p:cNvPr id="1" name=""/>
+        <p:cNvGrpSpPr/>
+        <p:nvPr/>
+      </p:nvGrpSpPr>
+      <p:grpSpPr>
+        <a:xfrm>
+          <a:off x="0" y="0"/>
+          <a:ext cx="0" cy="0"/>
+          <a:chOff x="0" y="0"/>
+          <a:chExt cx="0" cy="0"/>
+        </a:xfrm>
+      </p:grpSpPr>
+      <p:grpSp>
+        <p:nvGrpSpPr>
+          <p:cNvPr id="15" name="グループ化 14">
+            <a:extLst>
+              <a:ext uri="{FF2B5EF4-FFF2-40B4-BE49-F238E27FC236}">
+                <a16:creationId xmlns:a16="http://schemas.microsoft.com/office/drawing/2014/main" id="{3F311659-9FA2-4D13-8709-526F0DDD7C32}"/>
+              </a:ext>
+            </a:extLst>
+          </p:cNvPr>
+          <p:cNvGrpSpPr/>
+          <p:nvPr/>
+        </p:nvGrpSpPr>
+        <p:grpSpPr>
+          <a:xfrm>
+            <a:off x="3850026" y="1591476"/>
+            <a:ext cx="3134721" cy="1408804"/>
+            <a:chOff x="5966209" y="768516"/>
+            <a:chExt cx="3134721" cy="1408804"/>
+          </a:xfrm>
+        </p:grpSpPr>
+        <p:grpSp>
+          <p:nvGrpSpPr>
+            <p:cNvPr id="2" name="グループ化 1">
+              <a:extLst>
+                <a:ext uri="{FF2B5EF4-FFF2-40B4-BE49-F238E27FC236}">
+                  <a16:creationId xmlns:a16="http://schemas.microsoft.com/office/drawing/2014/main" id="{2CF583D9-BE9C-4927-8E83-B5EF28364A7B}"/>
+                </a:ext>
+              </a:extLst>
+            </p:cNvPr>
+            <p:cNvGrpSpPr/>
+            <p:nvPr/>
+          </p:nvGrpSpPr>
+          <p:grpSpPr>
+            <a:xfrm>
+              <a:off x="6146597" y="768516"/>
+              <a:ext cx="2954333" cy="1408804"/>
+              <a:chOff x="6146594" y="2436795"/>
+              <a:chExt cx="2954333" cy="1408804"/>
+            </a:xfrm>
+          </p:grpSpPr>
+          <p:pic>
+            <p:nvPicPr>
+              <p:cNvPr id="5" name="図 4">
+                <a:extLst>
+                  <a:ext uri="{FF2B5EF4-FFF2-40B4-BE49-F238E27FC236}">
+                    <a16:creationId xmlns:a16="http://schemas.microsoft.com/office/drawing/2014/main" id="{24D37E5A-C9B6-42D8-8228-0A8BB9E6CC17}"/>
+                  </a:ext>
+                </a:extLst>
+              </p:cNvPr>
+              <p:cNvPicPr>
+                <a:picLocks noChangeAspect="1"/>
+              </p:cNvPicPr>
+              <p:nvPr/>
+            </p:nvPicPr>
+            <p:blipFill>
+              <a:blip r:embed="rId2">
+                <a:extLst>
+                  <a:ext uri="{28A0092B-C50C-407E-A947-70E740481C1C}">
+                    <a14:useLocalDpi xmlns:a14="http://schemas.microsoft.com/office/drawing/2010/main" val="0"/>
+                  </a:ext>
+                </a:extLst>
+              </a:blip>
+              <a:stretch>
+                <a:fillRect/>
+              </a:stretch>
+            </p:blipFill>
+            <p:spPr>
+              <a:xfrm>
+                <a:off x="6146594" y="2436796"/>
+                <a:ext cx="1408803" cy="1408803"/>
+              </a:xfrm>
+              <a:prstGeom prst="ellipse">
+                <a:avLst/>
+              </a:prstGeom>
+              <a:ln w="12700" cap="rnd">
+                <a:solidFill>
+                  <a:schemeClr val="tx1"/>
+                </a:solidFill>
+              </a:ln>
+              <a:effectLst/>
+              <a:scene3d>
+                <a:camera prst="orthographicFront"/>
+                <a:lightRig rig="contrasting" dir="t">
+                  <a:rot lat="0" lon="0" rev="3000000"/>
+                </a:lightRig>
+              </a:scene3d>
+              <a:sp3d contourW="7620">
+                <a:bevelT w="95250" h="31750"/>
+                <a:contourClr>
+                  <a:srgbClr val="333333"/>
+                </a:contourClr>
+              </a:sp3d>
+            </p:spPr>
+          </p:pic>
+          <p:pic>
+            <p:nvPicPr>
+              <p:cNvPr id="14" name="図 13">
+                <a:extLst>
+                  <a:ext uri="{FF2B5EF4-FFF2-40B4-BE49-F238E27FC236}">
+                    <a16:creationId xmlns:a16="http://schemas.microsoft.com/office/drawing/2014/main" id="{695B19D3-383C-42C3-B538-4B4A6C242D20}"/>
+                  </a:ext>
+                </a:extLst>
+              </p:cNvPr>
+              <p:cNvPicPr>
+                <a:picLocks noChangeAspect="1"/>
+              </p:cNvPicPr>
+              <p:nvPr/>
+            </p:nvPicPr>
+            <p:blipFill rotWithShape="1">
+              <a:blip r:embed="rId3">
+                <a:extLst>
+                  <a:ext uri="{28A0092B-C50C-407E-A947-70E740481C1C}">
+                    <a14:useLocalDpi xmlns:a14="http://schemas.microsoft.com/office/drawing/2010/main" val="0"/>
+                  </a:ext>
+                </a:extLst>
+              </a:blip>
+              <a:srcRect l="22565" t="31783" r="22681" b="37318"/>
+              <a:stretch/>
+            </p:blipFill>
+            <p:spPr>
+              <a:xfrm>
+                <a:off x="7692123" y="2436795"/>
+                <a:ext cx="1408804" cy="1408803"/>
+              </a:xfrm>
+              <a:prstGeom prst="ellipse">
+                <a:avLst/>
+              </a:prstGeom>
+              <a:ln w="12700" cap="rnd">
+                <a:solidFill>
+                  <a:schemeClr val="tx1"/>
+                </a:solidFill>
+              </a:ln>
+              <a:effectLst/>
+              <a:scene3d>
+                <a:camera prst="orthographicFront"/>
+                <a:lightRig rig="contrasting" dir="t">
+                  <a:rot lat="0" lon="0" rev="3000000"/>
+                </a:lightRig>
+              </a:scene3d>
+              <a:sp3d contourW="7620">
+                <a:bevelT w="95250" h="31750"/>
+                <a:contourClr>
+                  <a:srgbClr val="333333"/>
+                </a:contourClr>
+              </a:sp3d>
+            </p:spPr>
+          </p:pic>
+        </p:grpSp>
+        <p:sp>
+          <p:nvSpPr>
+            <p:cNvPr id="6" name="テキスト ボックス 5">
+              <a:extLst>
+                <a:ext uri="{FF2B5EF4-FFF2-40B4-BE49-F238E27FC236}">
+                  <a16:creationId xmlns:a16="http://schemas.microsoft.com/office/drawing/2014/main" id="{38E41EA9-F781-4D03-9260-539E2FBF80A9}"/>
+                </a:ext>
+              </a:extLst>
+            </p:cNvPr>
+            <p:cNvSpPr txBox="1"/>
+            <p:nvPr/>
+          </p:nvSpPr>
+          <p:spPr>
+            <a:xfrm>
+              <a:off x="5966209" y="768519"/>
+              <a:ext cx="360774" cy="276999"/>
+            </a:xfrm>
+            <a:prstGeom prst="rect">
+              <a:avLst/>
+            </a:prstGeom>
+            <a:noFill/>
+          </p:spPr>
+          <p:txBody>
+            <a:bodyPr wrap="square" rtlCol="0" anchor="ctr">
+              <a:spAutoFit/>
+            </a:bodyPr>
+            <a:lstStyle/>
+            <a:p>
+              <a:pPr algn="ctr"/>
+              <a:r>
+                <a:rPr kumimoji="1" lang="en-US" altLang="ja-JP" sz="1200" dirty="0">
+                  <a:latin typeface="Times New Roman" panose="02020603050405020304" pitchFamily="18" charset="0"/>
+                  <a:cs typeface="Times New Roman" panose="02020603050405020304" pitchFamily="18" charset="0"/>
+                </a:rPr>
+                <a:t>(a)</a:t>
+              </a:r>
+              <a:endParaRPr kumimoji="1" lang="ja-JP" altLang="en-US" sz="1200" dirty="0">
+                <a:latin typeface="Times New Roman" panose="02020603050405020304" pitchFamily="18" charset="0"/>
+                <a:cs typeface="Times New Roman" panose="02020603050405020304" pitchFamily="18" charset="0"/>
+              </a:endParaRPr>
+            </a:p>
+          </p:txBody>
+        </p:sp>
+        <p:sp>
+          <p:nvSpPr>
+            <p:cNvPr id="7" name="テキスト ボックス 6">
+              <a:extLst>
+                <a:ext uri="{FF2B5EF4-FFF2-40B4-BE49-F238E27FC236}">
+                  <a16:creationId xmlns:a16="http://schemas.microsoft.com/office/drawing/2014/main" id="{D0176E0E-4D9C-4C76-A475-50EEBC764507}"/>
+                </a:ext>
+              </a:extLst>
+            </p:cNvPr>
+            <p:cNvSpPr txBox="1"/>
+            <p:nvPr/>
+          </p:nvSpPr>
+          <p:spPr>
+            <a:xfrm>
+              <a:off x="7512916" y="768519"/>
+              <a:ext cx="360774" cy="276999"/>
+            </a:xfrm>
+            <a:prstGeom prst="rect">
+              <a:avLst/>
+            </a:prstGeom>
+            <a:noFill/>
+          </p:spPr>
+          <p:txBody>
+            <a:bodyPr wrap="square" rtlCol="0" anchor="ctr">
+              <a:spAutoFit/>
+            </a:bodyPr>
+            <a:lstStyle/>
+            <a:p>
+              <a:pPr algn="ctr"/>
+              <a:r>
+                <a:rPr kumimoji="1" lang="en-US" altLang="ja-JP" sz="1200" dirty="0">
+                  <a:latin typeface="Times New Roman" panose="02020603050405020304" pitchFamily="18" charset="0"/>
+                  <a:cs typeface="Times New Roman" panose="02020603050405020304" pitchFamily="18" charset="0"/>
+                </a:rPr>
+                <a:t>(b)</a:t>
+              </a:r>
+              <a:endParaRPr kumimoji="1" lang="ja-JP" altLang="en-US" sz="1200" dirty="0">
+                <a:latin typeface="Times New Roman" panose="02020603050405020304" pitchFamily="18" charset="0"/>
+                <a:cs typeface="Times New Roman" panose="02020603050405020304" pitchFamily="18" charset="0"/>
+              </a:endParaRPr>
+            </a:p>
+          </p:txBody>
+        </p:sp>
+      </p:grpSp>
+    </p:spTree>
+    <p:extLst>
+      <p:ext uri="{BB962C8B-B14F-4D97-AF65-F5344CB8AC3E}">
+        <p14:creationId xmlns:p14="http://schemas.microsoft.com/office/powerpoint/2010/main" val="1098806807"/>
+      </p:ext>
+    </p:extLst>
+  </p:cSld>
+  <p:clrMapOvr>
+    <a:masterClrMapping/>
+  </p:clrMapOvr>
+</p:sld>
+</file>
+
+<file path=ppt/slides/slide8.xml><?xml version="1.0" encoding="utf-8"?>
+<p:sld xmlns:a="http://schemas.openxmlformats.org/drawingml/2006/main" xmlns:r="http://schemas.openxmlformats.org/officeDocument/2006/relationships" xmlns:p="http://schemas.openxmlformats.org/presentationml/2006/main">
+  <p:cSld>
+    <p:spTree>
+      <p:nvGrpSpPr>
+        <p:cNvPr id="1" name=""/>
+        <p:cNvGrpSpPr/>
+        <p:nvPr/>
+      </p:nvGrpSpPr>
+      <p:grpSpPr>
+        <a:xfrm>
+          <a:off x="0" y="0"/>
+          <a:ext cx="0" cy="0"/>
+          <a:chOff x="0" y="0"/>
+          <a:chExt cx="0" cy="0"/>
+        </a:xfrm>
+      </p:grpSpPr>
+      <p:pic>
+        <p:nvPicPr>
+          <p:cNvPr id="1026" name="Picture 2" descr="Google 日本語入力のフリック入力のガイド">
+            <a:extLst>
+              <a:ext uri="{FF2B5EF4-FFF2-40B4-BE49-F238E27FC236}">
+                <a16:creationId xmlns:a16="http://schemas.microsoft.com/office/drawing/2014/main" id="{7322BD52-8ECE-4698-A5F3-6DC04415EB2C}"/>
+              </a:ext>
+            </a:extLst>
+          </p:cNvPr>
+          <p:cNvPicPr>
+            <a:picLocks noChangeAspect="1" noChangeArrowheads="1"/>
+          </p:cNvPicPr>
+          <p:nvPr/>
+        </p:nvPicPr>
+        <p:blipFill>
+          <a:blip r:embed="rId2">
+            <a:extLst>
+              <a:ext uri="{28A0092B-C50C-407E-A947-70E740481C1C}">
+                <a14:useLocalDpi xmlns:a14="http://schemas.microsoft.com/office/drawing/2010/main" val="0"/>
+              </a:ext>
+            </a:extLst>
+          </a:blip>
+          <a:srcRect/>
+          <a:stretch>
+            <a:fillRect/>
+          </a:stretch>
+        </p:blipFill>
+        <p:spPr bwMode="auto">
+          <a:xfrm>
+            <a:off x="1428058" y="1215131"/>
+            <a:ext cx="4381500" cy="3895725"/>
+          </a:xfrm>
+          <a:prstGeom prst="rect">
+            <a:avLst/>
+          </a:prstGeom>
+          <a:noFill/>
+          <a:extLst>
+            <a:ext uri="{909E8E84-426E-40DD-AFC4-6F175D3DCCD1}">
+              <a14:hiddenFill xmlns:a14="http://schemas.microsoft.com/office/drawing/2010/main">
+                <a:solidFill>
+                  <a:srgbClr val="FFFFFF"/>
+                </a:solidFill>
+              </a14:hiddenFill>
+            </a:ext>
+          </a:extLst>
+        </p:spPr>
+      </p:pic>
+      <p:pic>
+        <p:nvPicPr>
+          <p:cNvPr id="7" name="図 6">
+            <a:extLst>
+              <a:ext uri="{FF2B5EF4-FFF2-40B4-BE49-F238E27FC236}">
+                <a16:creationId xmlns:a16="http://schemas.microsoft.com/office/drawing/2014/main" id="{29F921D4-3D55-46FD-A813-9D9BD1BB9905}"/>
+              </a:ext>
+            </a:extLst>
+          </p:cNvPr>
+          <p:cNvPicPr>
+            <a:picLocks noChangeAspect="1"/>
+          </p:cNvPicPr>
+          <p:nvPr/>
+        </p:nvPicPr>
+        <p:blipFill rotWithShape="1">
+          <a:blip r:embed="rId3">
+            <a:extLst>
+              <a:ext uri="{28A0092B-C50C-407E-A947-70E740481C1C}">
+                <a14:useLocalDpi xmlns:a14="http://schemas.microsoft.com/office/drawing/2010/main" val="0"/>
+              </a:ext>
+            </a:extLst>
+          </a:blip>
+          <a:srcRect t="63564" b="5281"/>
+          <a:stretch/>
+        </p:blipFill>
+        <p:spPr>
+          <a:xfrm>
+            <a:off x="6218742" y="2205789"/>
+            <a:ext cx="4662412" cy="2905067"/>
+          </a:xfrm>
+          <a:prstGeom prst="rect">
+            <a:avLst/>
+          </a:prstGeom>
+        </p:spPr>
+      </p:pic>
+    </p:spTree>
+    <p:extLst>
+      <p:ext uri="{BB962C8B-B14F-4D97-AF65-F5344CB8AC3E}">
+        <p14:creationId xmlns:p14="http://schemas.microsoft.com/office/powerpoint/2010/main" val="1470164038"/>
+      </p:ext>
+    </p:extLst>
+  </p:cSld>
+  <p:clrMapOvr>
+    <a:masterClrMapping/>
+  </p:clrMapOvr>
+</p:sld>
+</file>
+
+<file path=ppt/slides/slide9.xml><?xml version="1.0" encoding="utf-8"?>
+<p:sld xmlns:a="http://schemas.openxmlformats.org/drawingml/2006/main" xmlns:r="http://schemas.openxmlformats.org/officeDocument/2006/relationships" xmlns:p="http://schemas.openxmlformats.org/presentationml/2006/main">
+  <p:cSld>
+    <p:spTree>
+      <p:nvGrpSpPr>
+        <p:cNvPr id="1" name=""/>
+        <p:cNvGrpSpPr/>
+        <p:nvPr/>
+      </p:nvGrpSpPr>
+      <p:grpSpPr>
+        <a:xfrm>
+          <a:off x="0" y="0"/>
+          <a:ext cx="0" cy="0"/>
+          <a:chOff x="0" y="0"/>
+          <a:chExt cx="0" cy="0"/>
+        </a:xfrm>
+      </p:grpSpPr>
+      <p:grpSp>
+        <p:nvGrpSpPr>
+          <p:cNvPr id="2" name="グループ化 1">
+            <a:extLst>
+              <a:ext uri="{FF2B5EF4-FFF2-40B4-BE49-F238E27FC236}">
+                <a16:creationId xmlns:a16="http://schemas.microsoft.com/office/drawing/2014/main" id="{8D909B7A-1136-421D-947C-A2040439C65B}"/>
+              </a:ext>
+            </a:extLst>
+          </p:cNvPr>
+          <p:cNvGrpSpPr/>
+          <p:nvPr/>
+        </p:nvGrpSpPr>
+        <p:grpSpPr>
+          <a:xfrm>
+            <a:off x="1584658" y="804675"/>
+            <a:ext cx="8467841" cy="4449747"/>
+            <a:chOff x="1584658" y="804675"/>
+            <a:chExt cx="8467841" cy="4449747"/>
+          </a:xfrm>
+        </p:grpSpPr>
+        <p:pic>
+          <p:nvPicPr>
+            <p:cNvPr id="14" name="図 13">
+              <a:extLst>
+                <a:ext uri="{FF2B5EF4-FFF2-40B4-BE49-F238E27FC236}">
+                  <a16:creationId xmlns:a16="http://schemas.microsoft.com/office/drawing/2014/main" id="{D0ED5C61-C965-4031-9EB4-FBC8A4C369F3}"/>
+                </a:ext>
+              </a:extLst>
+            </p:cNvPr>
+            <p:cNvPicPr>
+              <a:picLocks noChangeAspect="1"/>
+            </p:cNvPicPr>
+            <p:nvPr/>
+          </p:nvPicPr>
+          <p:blipFill rotWithShape="1">
+            <a:blip r:embed="rId2">
+              <a:extLst>
+                <a:ext uri="{28A0092B-C50C-407E-A947-70E740481C1C}">
+                  <a14:useLocalDpi xmlns:a14="http://schemas.microsoft.com/office/drawing/2010/main" val="0"/>
+                </a:ext>
+              </a:extLst>
+            </a:blip>
+            <a:srcRect l="22565" t="31783" r="22681" b="37318"/>
+            <a:stretch/>
+          </p:blipFill>
+          <p:spPr>
+            <a:xfrm>
+              <a:off x="3889923" y="1130956"/>
+              <a:ext cx="3857311" cy="3784912"/>
+            </a:xfrm>
+            <a:prstGeom prst="ellipse">
+              <a:avLst/>
+            </a:prstGeom>
+            <a:ln w="12700" cap="rnd">
+              <a:solidFill>
+                <a:schemeClr val="tx1"/>
+              </a:solidFill>
+            </a:ln>
+            <a:effectLst/>
+            <a:scene3d>
+              <a:camera prst="orthographicFront"/>
+              <a:lightRig rig="contrasting" dir="t">
+                <a:rot lat="0" lon="0" rev="3000000"/>
+              </a:lightRig>
+            </a:scene3d>
+            <a:sp3d contourW="7620">
+              <a:bevelT w="95250" h="31750"/>
+              <a:contourClr>
+                <a:srgbClr val="333333"/>
+              </a:contourClr>
+            </a:sp3d>
+          </p:spPr>
+        </p:pic>
+        <p:sp>
+          <p:nvSpPr>
+            <p:cNvPr id="6" name="テキスト ボックス 5">
+              <a:extLst>
+                <a:ext uri="{FF2B5EF4-FFF2-40B4-BE49-F238E27FC236}">
+                  <a16:creationId xmlns:a16="http://schemas.microsoft.com/office/drawing/2014/main" id="{C6EE7A89-2147-46E5-834F-850809C3360D}"/>
+                </a:ext>
+              </a:extLst>
+            </p:cNvPr>
+            <p:cNvSpPr txBox="1"/>
+            <p:nvPr/>
+          </p:nvSpPr>
+          <p:spPr>
+            <a:xfrm>
+              <a:off x="2337644" y="1967714"/>
+              <a:ext cx="1757260" cy="338554"/>
+            </a:xfrm>
+            <a:prstGeom prst="rect">
+              <a:avLst/>
+            </a:prstGeom>
+            <a:noFill/>
+          </p:spPr>
+          <p:txBody>
+            <a:bodyPr wrap="square" rtlCol="0">
+              <a:spAutoFit/>
+            </a:bodyPr>
+            <a:lstStyle/>
+            <a:p>
+              <a:pPr algn="r"/>
+              <a:r>
+                <a:rPr lang="ja-JP" altLang="en-US" sz="1600" dirty="0">
+                  <a:latin typeface="源真ゴシック等幅 Medium" panose="020B0409020203020207" pitchFamily="49" charset="-128"/>
+                  <a:ea typeface="源真ゴシック等幅 Medium" panose="020B0409020203020207" pitchFamily="49" charset="-128"/>
+                  <a:cs typeface="源真ゴシック等幅 Medium" panose="020B0409020203020207" pitchFamily="49" charset="-128"/>
+                </a:rPr>
+                <a:t>キーボード開閉</a:t>
+              </a:r>
+              <a:endParaRPr kumimoji="1" lang="ja-JP" altLang="en-US" sz="1600" dirty="0">
+                <a:latin typeface="源真ゴシック等幅 Medium" panose="020B0409020203020207" pitchFamily="49" charset="-128"/>
+                <a:ea typeface="源真ゴシック等幅 Medium" panose="020B0409020203020207" pitchFamily="49" charset="-128"/>
+                <a:cs typeface="源真ゴシック等幅 Medium" panose="020B0409020203020207" pitchFamily="49" charset="-128"/>
+              </a:endParaRPr>
+            </a:p>
+          </p:txBody>
+        </p:sp>
+        <p:sp>
+          <p:nvSpPr>
+            <p:cNvPr id="19" name="テキスト ボックス 18">
+              <a:extLst>
+                <a:ext uri="{FF2B5EF4-FFF2-40B4-BE49-F238E27FC236}">
+                  <a16:creationId xmlns:a16="http://schemas.microsoft.com/office/drawing/2014/main" id="{EC82D8BA-E862-40BB-9826-E1C26B7D2AE9}"/>
+                </a:ext>
+              </a:extLst>
+            </p:cNvPr>
+            <p:cNvSpPr txBox="1"/>
+            <p:nvPr/>
+          </p:nvSpPr>
+          <p:spPr>
+            <a:xfrm>
+              <a:off x="7549956" y="1967714"/>
+              <a:ext cx="638192" cy="338554"/>
+            </a:xfrm>
+            <a:prstGeom prst="rect">
+              <a:avLst/>
+            </a:prstGeom>
+            <a:noFill/>
+          </p:spPr>
+          <p:txBody>
+            <a:bodyPr wrap="square" rtlCol="0">
+              <a:spAutoFit/>
+            </a:bodyPr>
+            <a:lstStyle/>
+            <a:p>
+              <a:r>
+                <a:rPr lang="ja-JP" altLang="en-US" sz="1600" dirty="0">
+                  <a:latin typeface="源真ゴシック等幅 Medium" panose="020B0409020203020207" pitchFamily="49" charset="-128"/>
+                  <a:ea typeface="源真ゴシック等幅 Medium" panose="020B0409020203020207" pitchFamily="49" charset="-128"/>
+                  <a:cs typeface="源真ゴシック等幅 Medium" panose="020B0409020203020207" pitchFamily="49" charset="-128"/>
+                </a:rPr>
+                <a:t>削除</a:t>
+              </a:r>
+              <a:endParaRPr kumimoji="1" lang="ja-JP" altLang="en-US" sz="1600" dirty="0">
+                <a:latin typeface="源真ゴシック等幅 Medium" panose="020B0409020203020207" pitchFamily="49" charset="-128"/>
+                <a:ea typeface="源真ゴシック等幅 Medium" panose="020B0409020203020207" pitchFamily="49" charset="-128"/>
+                <a:cs typeface="源真ゴシック等幅 Medium" panose="020B0409020203020207" pitchFamily="49" charset="-128"/>
+              </a:endParaRPr>
+            </a:p>
+          </p:txBody>
+        </p:sp>
+        <p:sp>
+          <p:nvSpPr>
+            <p:cNvPr id="23" name="テキスト ボックス 22">
+              <a:extLst>
+                <a:ext uri="{FF2B5EF4-FFF2-40B4-BE49-F238E27FC236}">
+                  <a16:creationId xmlns:a16="http://schemas.microsoft.com/office/drawing/2014/main" id="{08D01FE0-BF2B-4F70-BB08-E818DCF5E584}"/>
+                </a:ext>
+              </a:extLst>
+            </p:cNvPr>
+            <p:cNvSpPr txBox="1"/>
+            <p:nvPr/>
+          </p:nvSpPr>
+          <p:spPr>
+            <a:xfrm>
+              <a:off x="1927859" y="2769068"/>
+              <a:ext cx="2105989" cy="338554"/>
+            </a:xfrm>
+            <a:prstGeom prst="rect">
+              <a:avLst/>
+            </a:prstGeom>
+            <a:noFill/>
+          </p:spPr>
+          <p:txBody>
+            <a:bodyPr wrap="square" rtlCol="0">
+              <a:spAutoFit/>
+            </a:bodyPr>
+            <a:lstStyle/>
+            <a:p>
+              <a:pPr algn="r"/>
+              <a:r>
+                <a:rPr lang="ja-JP" altLang="en-US" sz="1600" dirty="0">
+                  <a:latin typeface="源真ゴシック等幅 Medium" panose="020B0409020203020207" pitchFamily="49" charset="-128"/>
+                  <a:ea typeface="源真ゴシック等幅 Medium" panose="020B0409020203020207" pitchFamily="49" charset="-128"/>
+                  <a:cs typeface="源真ゴシック等幅 Medium" panose="020B0409020203020207" pitchFamily="49" charset="-128"/>
+                </a:rPr>
+                <a:t>カーソル移動（左）</a:t>
+              </a:r>
+              <a:endParaRPr lang="en-US" altLang="ja-JP" sz="1600" dirty="0">
+                <a:latin typeface="源真ゴシック等幅 Medium" panose="020B0409020203020207" pitchFamily="49" charset="-128"/>
+                <a:ea typeface="源真ゴシック等幅 Medium" panose="020B0409020203020207" pitchFamily="49" charset="-128"/>
+                <a:cs typeface="源真ゴシック等幅 Medium" panose="020B0409020203020207" pitchFamily="49" charset="-128"/>
+              </a:endParaRPr>
+            </a:p>
+          </p:txBody>
+        </p:sp>
+        <p:sp>
+          <p:nvSpPr>
+            <p:cNvPr id="24" name="テキスト ボックス 23">
+              <a:extLst>
+                <a:ext uri="{FF2B5EF4-FFF2-40B4-BE49-F238E27FC236}">
+                  <a16:creationId xmlns:a16="http://schemas.microsoft.com/office/drawing/2014/main" id="{E9C94DCC-D205-412B-BDEF-431E7324F463}"/>
+                </a:ext>
+              </a:extLst>
+            </p:cNvPr>
+            <p:cNvSpPr txBox="1"/>
+            <p:nvPr/>
+          </p:nvSpPr>
+          <p:spPr>
+            <a:xfrm>
+              <a:off x="7706688" y="2774338"/>
+              <a:ext cx="2014351" cy="338554"/>
+            </a:xfrm>
+            <a:prstGeom prst="rect">
+              <a:avLst/>
+            </a:prstGeom>
+            <a:noFill/>
+          </p:spPr>
+          <p:txBody>
+            <a:bodyPr wrap="square" rtlCol="0">
+              <a:spAutoFit/>
+            </a:bodyPr>
+            <a:lstStyle/>
+            <a:p>
+              <a:r>
+                <a:rPr lang="ja-JP" altLang="en-US" sz="1600" dirty="0">
+                  <a:latin typeface="源真ゴシック等幅 Medium" panose="020B0409020203020207" pitchFamily="49" charset="-128"/>
+                  <a:ea typeface="源真ゴシック等幅 Medium" panose="020B0409020203020207" pitchFamily="49" charset="-128"/>
+                  <a:cs typeface="源真ゴシック等幅 Medium" panose="020B0409020203020207" pitchFamily="49" charset="-128"/>
+                </a:rPr>
+                <a:t>カーソル移動（右）</a:t>
+              </a:r>
+              <a:endParaRPr lang="en-US" altLang="ja-JP" sz="1600" dirty="0">
+                <a:latin typeface="源真ゴシック等幅 Medium" panose="020B0409020203020207" pitchFamily="49" charset="-128"/>
+                <a:ea typeface="源真ゴシック等幅 Medium" panose="020B0409020203020207" pitchFamily="49" charset="-128"/>
+                <a:cs typeface="源真ゴシック等幅 Medium" panose="020B0409020203020207" pitchFamily="49" charset="-128"/>
+              </a:endParaRPr>
+            </a:p>
+          </p:txBody>
+        </p:sp>
+        <p:sp>
+          <p:nvSpPr>
+            <p:cNvPr id="25" name="テキスト ボックス 24">
+              <a:extLst>
+                <a:ext uri="{FF2B5EF4-FFF2-40B4-BE49-F238E27FC236}">
+                  <a16:creationId xmlns:a16="http://schemas.microsoft.com/office/drawing/2014/main" id="{76CF2C26-3A35-47FF-93E1-2F120660B46B}"/>
+                </a:ext>
+              </a:extLst>
+            </p:cNvPr>
+            <p:cNvSpPr txBox="1"/>
+            <p:nvPr/>
+          </p:nvSpPr>
+          <p:spPr>
+            <a:xfrm>
+              <a:off x="1584658" y="3532322"/>
+              <a:ext cx="2475014" cy="338554"/>
+            </a:xfrm>
+            <a:prstGeom prst="rect">
+              <a:avLst/>
+            </a:prstGeom>
+            <a:noFill/>
+          </p:spPr>
+          <p:txBody>
+            <a:bodyPr wrap="square" rtlCol="0">
+              <a:spAutoFit/>
+            </a:bodyPr>
+            <a:lstStyle/>
+            <a:p>
+              <a:pPr algn="r"/>
+              <a:r>
+                <a:rPr lang="ja-JP" altLang="en-US" sz="1600" dirty="0">
+                  <a:latin typeface="源真ゴシック等幅 Medium" panose="020B0409020203020207" pitchFamily="49" charset="-128"/>
+                  <a:ea typeface="源真ゴシック等幅 Medium" panose="020B0409020203020207" pitchFamily="49" charset="-128"/>
+                  <a:cs typeface="源真ゴシック等幅 Medium" panose="020B0409020203020207" pitchFamily="49" charset="-128"/>
+                </a:rPr>
+                <a:t>キートップ</a:t>
+              </a:r>
+              <a:r>
+                <a:rPr kumimoji="1" lang="ja-JP" altLang="en-US" sz="1600" dirty="0">
+                  <a:latin typeface="源真ゴシック等幅 Medium" panose="020B0409020203020207" pitchFamily="49" charset="-128"/>
+                  <a:ea typeface="源真ゴシック等幅 Medium" panose="020B0409020203020207" pitchFamily="49" charset="-128"/>
+                  <a:cs typeface="源真ゴシック等幅 Medium" panose="020B0409020203020207" pitchFamily="49" charset="-128"/>
+                </a:rPr>
+                <a:t>表示切り替え</a:t>
+              </a:r>
+            </a:p>
+          </p:txBody>
+        </p:sp>
+        <p:sp>
+          <p:nvSpPr>
+            <p:cNvPr id="26" name="テキスト ボックス 25">
+              <a:extLst>
+                <a:ext uri="{FF2B5EF4-FFF2-40B4-BE49-F238E27FC236}">
+                  <a16:creationId xmlns:a16="http://schemas.microsoft.com/office/drawing/2014/main" id="{B81F4999-18B0-4FAF-8C20-0A0D54917649}"/>
+                </a:ext>
+              </a:extLst>
+            </p:cNvPr>
+            <p:cNvSpPr txBox="1"/>
+            <p:nvPr/>
+          </p:nvSpPr>
+          <p:spPr>
+            <a:xfrm>
+              <a:off x="7600676" y="3532322"/>
+              <a:ext cx="1559366" cy="338554"/>
+            </a:xfrm>
+            <a:prstGeom prst="rect">
+              <a:avLst/>
+            </a:prstGeom>
+            <a:noFill/>
+          </p:spPr>
+          <p:txBody>
+            <a:bodyPr wrap="square" rtlCol="0">
+              <a:spAutoFit/>
+            </a:bodyPr>
+            <a:lstStyle/>
+            <a:p>
+              <a:r>
+                <a:rPr lang="ja-JP" altLang="en-US" sz="1600" dirty="0">
+                  <a:latin typeface="源真ゴシック等幅 Medium" panose="020B0409020203020207" pitchFamily="49" charset="-128"/>
+                  <a:ea typeface="源真ゴシック等幅 Medium" panose="020B0409020203020207" pitchFamily="49" charset="-128"/>
+                  <a:cs typeface="源真ゴシック等幅 Medium" panose="020B0409020203020207" pitchFamily="49" charset="-128"/>
+                </a:rPr>
+                <a:t>改行・完了</a:t>
+              </a:r>
+              <a:endParaRPr lang="en-US" altLang="ja-JP" sz="1600" dirty="0">
+                <a:latin typeface="源真ゴシック等幅 Medium" panose="020B0409020203020207" pitchFamily="49" charset="-128"/>
+                <a:ea typeface="源真ゴシック等幅 Medium" panose="020B0409020203020207" pitchFamily="49" charset="-128"/>
+                <a:cs typeface="源真ゴシック等幅 Medium" panose="020B0409020203020207" pitchFamily="49" charset="-128"/>
+              </a:endParaRPr>
+            </a:p>
+          </p:txBody>
+        </p:sp>
+        <p:sp>
+          <p:nvSpPr>
+            <p:cNvPr id="27" name="テキスト ボックス 26">
+              <a:extLst>
+                <a:ext uri="{FF2B5EF4-FFF2-40B4-BE49-F238E27FC236}">
+                  <a16:creationId xmlns:a16="http://schemas.microsoft.com/office/drawing/2014/main" id="{6E8CFB4D-380B-4751-AE77-0FA1BF56B666}"/>
+                </a:ext>
+              </a:extLst>
+            </p:cNvPr>
+            <p:cNvSpPr txBox="1"/>
+            <p:nvPr/>
+          </p:nvSpPr>
+          <p:spPr>
+            <a:xfrm>
+              <a:off x="4938298" y="4915868"/>
+              <a:ext cx="1757260" cy="338554"/>
+            </a:xfrm>
+            <a:prstGeom prst="rect">
+              <a:avLst/>
+            </a:prstGeom>
+            <a:noFill/>
+          </p:spPr>
+          <p:txBody>
+            <a:bodyPr wrap="square" rtlCol="0">
+              <a:spAutoFit/>
+            </a:bodyPr>
+            <a:lstStyle/>
+            <a:p>
+              <a:pPr algn="ctr"/>
+              <a:r>
+                <a:rPr lang="ja-JP" altLang="en-US" sz="1600" dirty="0">
+                  <a:latin typeface="源真ゴシック等幅 Medium" panose="020B0409020203020207" pitchFamily="49" charset="-128"/>
+                  <a:ea typeface="源真ゴシック等幅 Medium" panose="020B0409020203020207" pitchFamily="49" charset="-128"/>
+                  <a:cs typeface="源真ゴシック等幅 Medium" panose="020B0409020203020207" pitchFamily="49" charset="-128"/>
+                </a:rPr>
+                <a:t>スペース</a:t>
+              </a:r>
+              <a:endParaRPr kumimoji="1" lang="ja-JP" altLang="en-US" sz="1600" dirty="0">
+                <a:latin typeface="源真ゴシック等幅 Medium" panose="020B0409020203020207" pitchFamily="49" charset="-128"/>
+                <a:ea typeface="源真ゴシック等幅 Medium" panose="020B0409020203020207" pitchFamily="49" charset="-128"/>
+                <a:cs typeface="源真ゴシック等幅 Medium" panose="020B0409020203020207" pitchFamily="49" charset="-128"/>
+              </a:endParaRPr>
+            </a:p>
+          </p:txBody>
+        </p:sp>
+        <p:sp>
+          <p:nvSpPr>
+            <p:cNvPr id="28" name="テキスト ボックス 27">
+              <a:extLst>
+                <a:ext uri="{FF2B5EF4-FFF2-40B4-BE49-F238E27FC236}">
+                  <a16:creationId xmlns:a16="http://schemas.microsoft.com/office/drawing/2014/main" id="{CBBAEF31-E4C7-48A0-8E80-17A0E7B88E0E}"/>
+                </a:ext>
+              </a:extLst>
+            </p:cNvPr>
+            <p:cNvSpPr txBox="1"/>
+            <p:nvPr/>
+          </p:nvSpPr>
+          <p:spPr>
+            <a:xfrm>
+              <a:off x="6156295" y="804675"/>
+              <a:ext cx="1393661" cy="338554"/>
+            </a:xfrm>
+            <a:prstGeom prst="rect">
+              <a:avLst/>
+            </a:prstGeom>
+            <a:noFill/>
+          </p:spPr>
+          <p:txBody>
+            <a:bodyPr wrap="square" rtlCol="0">
+              <a:spAutoFit/>
+            </a:bodyPr>
+            <a:lstStyle/>
+            <a:p>
+              <a:pPr algn="ctr"/>
+              <a:r>
+                <a:rPr kumimoji="1" lang="ja-JP" altLang="en-US" sz="1600" dirty="0">
+                  <a:latin typeface="源真ゴシック等幅 Medium" panose="020B0409020203020207" pitchFamily="49" charset="-128"/>
+                  <a:ea typeface="源真ゴシック等幅 Medium" panose="020B0409020203020207" pitchFamily="49" charset="-128"/>
+                  <a:cs typeface="源真ゴシック等幅 Medium" panose="020B0409020203020207" pitchFamily="49" charset="-128"/>
+                </a:rPr>
+                <a:t>変換エリア</a:t>
+              </a:r>
+            </a:p>
+          </p:txBody>
+        </p:sp>
+        <p:sp>
+          <p:nvSpPr>
+            <p:cNvPr id="30" name="テキスト ボックス 29">
+              <a:extLst>
+                <a:ext uri="{FF2B5EF4-FFF2-40B4-BE49-F238E27FC236}">
+                  <a16:creationId xmlns:a16="http://schemas.microsoft.com/office/drawing/2014/main" id="{1BB5A3F8-F350-495C-A779-7814A4F84B74}"/>
+                </a:ext>
+              </a:extLst>
+            </p:cNvPr>
+            <p:cNvSpPr txBox="1"/>
+            <p:nvPr/>
+          </p:nvSpPr>
+          <p:spPr>
+            <a:xfrm>
+              <a:off x="6811301" y="4655741"/>
+              <a:ext cx="3241198" cy="338554"/>
+            </a:xfrm>
+            <a:prstGeom prst="rect">
+              <a:avLst/>
+            </a:prstGeom>
+            <a:noFill/>
+          </p:spPr>
+          <p:txBody>
+            <a:bodyPr wrap="square" rtlCol="0">
+              <a:spAutoFit/>
+            </a:bodyPr>
+            <a:lstStyle/>
+            <a:p>
+              <a:r>
+                <a:rPr lang="ja-JP" altLang="en-US" sz="1600" dirty="0">
+                  <a:latin typeface="源真ゴシック等幅 Medium" panose="020B0409020203020207" pitchFamily="49" charset="-128"/>
+                  <a:ea typeface="源真ゴシック等幅 Medium" panose="020B0409020203020207" pitchFamily="49" charset="-128"/>
+                  <a:cs typeface="源真ゴシック等幅 Medium" panose="020B0409020203020207" pitchFamily="49" charset="-128"/>
+                </a:rPr>
+                <a:t>フリック方向を示すポップアップ</a:t>
+              </a:r>
+              <a:endParaRPr lang="en-US" altLang="ja-JP" sz="1600" dirty="0">
+                <a:latin typeface="源真ゴシック等幅 Medium" panose="020B0409020203020207" pitchFamily="49" charset="-128"/>
+                <a:ea typeface="源真ゴシック等幅 Medium" panose="020B0409020203020207" pitchFamily="49" charset="-128"/>
+                <a:cs typeface="源真ゴシック等幅 Medium" panose="020B0409020203020207" pitchFamily="49" charset="-128"/>
+              </a:endParaRPr>
+            </a:p>
+          </p:txBody>
+        </p:sp>
+        <p:cxnSp>
+          <p:nvCxnSpPr>
+            <p:cNvPr id="32" name="直線コネクタ 31">
+              <a:extLst>
+                <a:ext uri="{FF2B5EF4-FFF2-40B4-BE49-F238E27FC236}">
+                  <a16:creationId xmlns:a16="http://schemas.microsoft.com/office/drawing/2014/main" id="{EA6E2B76-349A-4052-8D6C-19CBA3472AAA}"/>
+                </a:ext>
+              </a:extLst>
+            </p:cNvPr>
+            <p:cNvCxnSpPr>
+              <a:cxnSpLocks/>
+              <a:endCxn id="30" idx="1"/>
+            </p:cNvCxnSpPr>
+            <p:nvPr/>
+          </p:nvCxnSpPr>
+          <p:spPr>
+            <a:xfrm>
+              <a:off x="5826265" y="3686297"/>
+              <a:ext cx="985036" cy="1138721"/>
+            </a:xfrm>
+            <a:prstGeom prst="line">
+              <a:avLst/>
+            </a:prstGeom>
+            <a:ln w="31750" cap="rnd">
+              <a:solidFill>
+                <a:srgbClr val="FF0000"/>
+              </a:solidFill>
+              <a:round/>
+            </a:ln>
+          </p:spPr>
+          <p:style>
+            <a:lnRef idx="1">
+              <a:schemeClr val="accent1"/>
+            </a:lnRef>
+            <a:fillRef idx="0">
+              <a:schemeClr val="accent1"/>
+            </a:fillRef>
+            <a:effectRef idx="0">
+              <a:schemeClr val="accent1"/>
+            </a:effectRef>
+            <a:fontRef idx="minor">
+              <a:schemeClr val="tx1"/>
+            </a:fontRef>
+          </p:style>
+        </p:cxnSp>
+        <p:cxnSp>
+          <p:nvCxnSpPr>
+            <p:cNvPr id="47" name="直線コネクタ 46">
+              <a:extLst>
+                <a:ext uri="{FF2B5EF4-FFF2-40B4-BE49-F238E27FC236}">
+                  <a16:creationId xmlns:a16="http://schemas.microsoft.com/office/drawing/2014/main" id="{1FCF2E14-4C0B-49DF-A853-8F89FE623469}"/>
+                </a:ext>
+              </a:extLst>
+            </p:cNvPr>
+            <p:cNvCxnSpPr>
+              <a:cxnSpLocks/>
+            </p:cNvCxnSpPr>
+            <p:nvPr/>
+          </p:nvCxnSpPr>
+          <p:spPr>
+            <a:xfrm flipV="1">
+              <a:off x="6374505" y="1143229"/>
+              <a:ext cx="432695" cy="326282"/>
+            </a:xfrm>
+            <a:prstGeom prst="line">
+              <a:avLst/>
+            </a:prstGeom>
+            <a:ln w="31750" cap="rnd">
+              <a:solidFill>
+                <a:srgbClr val="FF0000"/>
+              </a:solidFill>
+              <a:round/>
+            </a:ln>
+          </p:spPr>
+          <p:style>
+            <a:lnRef idx="1">
+              <a:schemeClr val="accent1"/>
+            </a:lnRef>
+            <a:fillRef idx="0">
+              <a:schemeClr val="accent1"/>
+            </a:fillRef>
+            <a:effectRef idx="0">
+              <a:schemeClr val="accent1"/>
+            </a:effectRef>
+            <a:fontRef idx="minor">
+              <a:schemeClr val="tx1"/>
+            </a:fontRef>
+          </p:style>
+        </p:cxnSp>
+      </p:grpSp>
+    </p:spTree>
+    <p:extLst>
+      <p:ext uri="{BB962C8B-B14F-4D97-AF65-F5344CB8AC3E}">
+        <p14:creationId xmlns:p14="http://schemas.microsoft.com/office/powerpoint/2010/main" val="3744354016"/>
+      </p:ext>
+    </p:extLst>
+  </p:cSld>
+  <p:clrMapOvr>
+    <a:masterClrMapping/>
+  </p:clrMapOvr>
+</p:sld>
+</file>
+
 <file path=ppt/theme/theme1.xml><?xml version="1.0" encoding="utf-8"?>
 <a:theme xmlns:a="http://schemas.openxmlformats.org/drawingml/2006/main" name="Office テーマ">
   <a:themeElements>

--- a/図とグラフ.pptx
+++ b/図とグラフ.pptx
@@ -5,18 +5,19 @@
     <p:sldMasterId id="2147483648" r:id="rId1"/>
   </p:sldMasterIdLst>
   <p:sldIdLst>
-    <p:sldId id="268" r:id="rId2"/>
-    <p:sldId id="270" r:id="rId3"/>
+    <p:sldId id="270" r:id="rId2"/>
+    <p:sldId id="268" r:id="rId3"/>
     <p:sldId id="256" r:id="rId4"/>
-    <p:sldId id="257" r:id="rId5"/>
-    <p:sldId id="269" r:id="rId6"/>
-    <p:sldId id="258" r:id="rId7"/>
-    <p:sldId id="262" r:id="rId8"/>
-    <p:sldId id="266" r:id="rId9"/>
-    <p:sldId id="265" r:id="rId10"/>
-    <p:sldId id="260" r:id="rId11"/>
-    <p:sldId id="259" r:id="rId12"/>
-    <p:sldId id="261" r:id="rId13"/>
+    <p:sldId id="271" r:id="rId5"/>
+    <p:sldId id="257" r:id="rId6"/>
+    <p:sldId id="269" r:id="rId7"/>
+    <p:sldId id="258" r:id="rId8"/>
+    <p:sldId id="262" r:id="rId9"/>
+    <p:sldId id="266" r:id="rId10"/>
+    <p:sldId id="265" r:id="rId11"/>
+    <p:sldId id="260" r:id="rId12"/>
+    <p:sldId id="259" r:id="rId13"/>
+    <p:sldId id="261" r:id="rId14"/>
   </p:sldIdLst>
   <p:sldSz cx="12192000" cy="6858000"/>
   <p:notesSz cx="6858000" cy="9144000"/>
@@ -124,6 +125,1270 @@
 </file>
 
 <file path=ppt/charts/chart1.xml><?xml version="1.0" encoding="utf-8"?>
+<c:chartSpace xmlns:c="http://schemas.openxmlformats.org/drawingml/2006/chart" xmlns:a="http://schemas.openxmlformats.org/drawingml/2006/main" xmlns:r="http://schemas.openxmlformats.org/officeDocument/2006/relationships" xmlns:c16r2="http://schemas.microsoft.com/office/drawing/2015/06/chart">
+  <c:date1904 val="0"/>
+  <c:lang val="ja-JP"/>
+  <c:roundedCorners val="0"/>
+  <mc:AlternateContent xmlns:mc="http://schemas.openxmlformats.org/markup-compatibility/2006">
+    <mc:Choice xmlns:c14="http://schemas.microsoft.com/office/drawing/2007/8/2/chart" Requires="c14">
+      <c14:style val="102"/>
+    </mc:Choice>
+    <mc:Fallback>
+      <c:style val="2"/>
+    </mc:Fallback>
+  </mc:AlternateContent>
+  <c:chart>
+    <c:autoTitleDeleted val="1"/>
+    <c:plotArea>
+      <c:layout>
+        <c:manualLayout>
+          <c:layoutTarget val="inner"/>
+          <c:xMode val="edge"/>
+          <c:yMode val="edge"/>
+          <c:x val="9.0942008142673697E-2"/>
+          <c:y val="0.14814814814814814"/>
+          <c:w val="0.87850245137677607"/>
+          <c:h val="0.6663269174686498"/>
+        </c:manualLayout>
+      </c:layout>
+      <c:lineChart>
+        <c:grouping val="standard"/>
+        <c:varyColors val="0"/>
+        <c:ser>
+          <c:idx val="0"/>
+          <c:order val="0"/>
+          <c:tx>
+            <c:strRef>
+              <c:f>All!$C$39</c:f>
+              <c:strCache>
+                <c:ptCount val="1"/>
+                <c:pt idx="0">
+                  <c:v>既存手法</c:v>
+                </c:pt>
+              </c:strCache>
+            </c:strRef>
+          </c:tx>
+          <c:spPr>
+            <a:ln w="28575" cap="rnd">
+              <a:solidFill>
+                <a:schemeClr val="accent1"/>
+              </a:solidFill>
+              <a:round/>
+            </a:ln>
+            <a:effectLst/>
+          </c:spPr>
+          <c:marker>
+            <c:symbol val="circle"/>
+            <c:size val="8"/>
+            <c:spPr>
+              <a:solidFill>
+                <a:schemeClr val="accent1"/>
+              </a:solidFill>
+              <a:ln w="9525">
+                <a:solidFill>
+                  <a:schemeClr val="accent1"/>
+                </a:solidFill>
+              </a:ln>
+              <a:effectLst/>
+            </c:spPr>
+          </c:marker>
+          <c:cat>
+            <c:numRef>
+              <c:f>All!$B$40:$B$51</c:f>
+              <c:numCache>
+                <c:formatCode>General</c:formatCode>
+                <c:ptCount val="12"/>
+                <c:pt idx="0">
+                  <c:v>1</c:v>
+                </c:pt>
+                <c:pt idx="1">
+                  <c:v>2</c:v>
+                </c:pt>
+                <c:pt idx="2">
+                  <c:v>3</c:v>
+                </c:pt>
+                <c:pt idx="3">
+                  <c:v>4</c:v>
+                </c:pt>
+                <c:pt idx="4">
+                  <c:v>5</c:v>
+                </c:pt>
+                <c:pt idx="5">
+                  <c:v>6</c:v>
+                </c:pt>
+                <c:pt idx="6">
+                  <c:v>7</c:v>
+                </c:pt>
+                <c:pt idx="7">
+                  <c:v>8</c:v>
+                </c:pt>
+                <c:pt idx="8">
+                  <c:v>9</c:v>
+                </c:pt>
+                <c:pt idx="9">
+                  <c:v>10</c:v>
+                </c:pt>
+                <c:pt idx="10">
+                  <c:v>11</c:v>
+                </c:pt>
+                <c:pt idx="11">
+                  <c:v>12</c:v>
+                </c:pt>
+              </c:numCache>
+            </c:numRef>
+          </c:cat>
+          <c:val>
+            <c:numRef>
+              <c:f>All!$C$40:$C$51</c:f>
+              <c:numCache>
+                <c:formatCode>General</c:formatCode>
+                <c:ptCount val="12"/>
+                <c:pt idx="0">
+                  <c:v>14.226130766666666</c:v>
+                </c:pt>
+                <c:pt idx="1">
+                  <c:v>12.2486268</c:v>
+                </c:pt>
+                <c:pt idx="2">
+                  <c:v>9.9478838333333321</c:v>
+                </c:pt>
+                <c:pt idx="3">
+                  <c:v>16.659993583333335</c:v>
+                </c:pt>
+                <c:pt idx="4">
+                  <c:v>11.954564516666666</c:v>
+                </c:pt>
+                <c:pt idx="5">
+                  <c:v>13.347583349999999</c:v>
+                </c:pt>
+                <c:pt idx="6">
+                  <c:v>12.065115866666668</c:v>
+                </c:pt>
+                <c:pt idx="7">
+                  <c:v>11.905062966666668</c:v>
+                </c:pt>
+                <c:pt idx="8">
+                  <c:v>8.1008299833333339</c:v>
+                </c:pt>
+                <c:pt idx="9">
+                  <c:v>6.4123380000000001</c:v>
+                </c:pt>
+                <c:pt idx="10">
+                  <c:v>10.855108300000001</c:v>
+                </c:pt>
+                <c:pt idx="11">
+                  <c:v>12.150641350000001</c:v>
+                </c:pt>
+              </c:numCache>
+            </c:numRef>
+          </c:val>
+          <c:smooth val="0"/>
+          <c:extLst>
+            <c:ext xmlns:c16="http://schemas.microsoft.com/office/drawing/2014/chart" uri="{C3380CC4-5D6E-409C-BE32-E72D297353CC}">
+              <c16:uniqueId val="{00000000-969F-4DCB-8213-DF89FB3DBC93}"/>
+            </c:ext>
+          </c:extLst>
+        </c:ser>
+        <c:ser>
+          <c:idx val="1"/>
+          <c:order val="1"/>
+          <c:tx>
+            <c:strRef>
+              <c:f>All!$D$39</c:f>
+              <c:strCache>
+                <c:ptCount val="1"/>
+                <c:pt idx="0">
+                  <c:v>提案手法</c:v>
+                </c:pt>
+              </c:strCache>
+            </c:strRef>
+          </c:tx>
+          <c:spPr>
+            <a:ln w="28575" cap="rnd">
+              <a:solidFill>
+                <a:schemeClr val="accent2"/>
+              </a:solidFill>
+              <a:round/>
+            </a:ln>
+            <a:effectLst/>
+          </c:spPr>
+          <c:marker>
+            <c:symbol val="square"/>
+            <c:size val="8"/>
+            <c:spPr>
+              <a:solidFill>
+                <a:schemeClr val="accent2"/>
+              </a:solidFill>
+              <a:ln w="9525">
+                <a:solidFill>
+                  <a:schemeClr val="accent2"/>
+                </a:solidFill>
+              </a:ln>
+              <a:effectLst/>
+            </c:spPr>
+          </c:marker>
+          <c:cat>
+            <c:numRef>
+              <c:f>All!$B$40:$B$51</c:f>
+              <c:numCache>
+                <c:formatCode>General</c:formatCode>
+                <c:ptCount val="12"/>
+                <c:pt idx="0">
+                  <c:v>1</c:v>
+                </c:pt>
+                <c:pt idx="1">
+                  <c:v>2</c:v>
+                </c:pt>
+                <c:pt idx="2">
+                  <c:v>3</c:v>
+                </c:pt>
+                <c:pt idx="3">
+                  <c:v>4</c:v>
+                </c:pt>
+                <c:pt idx="4">
+                  <c:v>5</c:v>
+                </c:pt>
+                <c:pt idx="5">
+                  <c:v>6</c:v>
+                </c:pt>
+                <c:pt idx="6">
+                  <c:v>7</c:v>
+                </c:pt>
+                <c:pt idx="7">
+                  <c:v>8</c:v>
+                </c:pt>
+                <c:pt idx="8">
+                  <c:v>9</c:v>
+                </c:pt>
+                <c:pt idx="9">
+                  <c:v>10</c:v>
+                </c:pt>
+                <c:pt idx="10">
+                  <c:v>11</c:v>
+                </c:pt>
+                <c:pt idx="11">
+                  <c:v>12</c:v>
+                </c:pt>
+              </c:numCache>
+            </c:numRef>
+          </c:cat>
+          <c:val>
+            <c:numRef>
+              <c:f>All!$D$40:$D$51</c:f>
+              <c:numCache>
+                <c:formatCode>General</c:formatCode>
+                <c:ptCount val="12"/>
+                <c:pt idx="0">
+                  <c:v>8.8575038500000005</c:v>
+                </c:pt>
+                <c:pt idx="1">
+                  <c:v>9.8964649500000004</c:v>
+                </c:pt>
+                <c:pt idx="2">
+                  <c:v>8.8273305666666673</c:v>
+                </c:pt>
+                <c:pt idx="3">
+                  <c:v>6.2952743999999985</c:v>
+                </c:pt>
+                <c:pt idx="4">
+                  <c:v>8.5266958499999994</c:v>
+                </c:pt>
+                <c:pt idx="5">
+                  <c:v>8.9163061666666668</c:v>
+                </c:pt>
+                <c:pt idx="6">
+                  <c:v>5.0876625000000004</c:v>
+                </c:pt>
+                <c:pt idx="7">
+                  <c:v>5.8134923499999998</c:v>
+                </c:pt>
+                <c:pt idx="8">
+                  <c:v>7.8373019999999993</c:v>
+                </c:pt>
+                <c:pt idx="9">
+                  <c:v>5.400433183333333</c:v>
+                </c:pt>
+                <c:pt idx="10">
+                  <c:v>5.3769842666666667</c:v>
+                </c:pt>
+                <c:pt idx="11">
+                  <c:v>5.6415346833333331</c:v>
+                </c:pt>
+              </c:numCache>
+            </c:numRef>
+          </c:val>
+          <c:smooth val="0"/>
+          <c:extLst>
+            <c:ext xmlns:c16="http://schemas.microsoft.com/office/drawing/2014/chart" uri="{C3380CC4-5D6E-409C-BE32-E72D297353CC}">
+              <c16:uniqueId val="{00000001-969F-4DCB-8213-DF89FB3DBC93}"/>
+            </c:ext>
+          </c:extLst>
+        </c:ser>
+        <c:dLbls>
+          <c:showLegendKey val="0"/>
+          <c:showVal val="0"/>
+          <c:showCatName val="0"/>
+          <c:showSerName val="0"/>
+          <c:showPercent val="0"/>
+          <c:showBubbleSize val="0"/>
+        </c:dLbls>
+        <c:marker val="1"/>
+        <c:smooth val="0"/>
+        <c:axId val="806315560"/>
+        <c:axId val="806325728"/>
+      </c:lineChart>
+      <c:catAx>
+        <c:axId val="806315560"/>
+        <c:scaling>
+          <c:orientation val="minMax"/>
+        </c:scaling>
+        <c:delete val="0"/>
+        <c:axPos val="b"/>
+        <c:title>
+          <c:tx>
+            <c:rich>
+              <a:bodyPr rot="0" spcFirstLastPara="1" vertOverflow="ellipsis" vert="horz" wrap="square" anchor="ctr" anchorCtr="1"/>
+              <a:lstStyle/>
+              <a:p>
+                <a:pPr>
+                  <a:defRPr sz="1050" b="0" i="0" u="none" strike="noStrike" kern="1200" baseline="0">
+                    <a:solidFill>
+                      <a:sysClr val="windowText" lastClr="000000"/>
+                    </a:solidFill>
+                    <a:latin typeface="游ゴシック Medium" panose="020B0500000000000000" pitchFamily="50" charset="-128"/>
+                    <a:ea typeface="游ゴシック Medium" panose="020B0500000000000000" pitchFamily="50" charset="-128"/>
+                    <a:cs typeface="+mn-cs"/>
+                  </a:defRPr>
+                </a:pPr>
+                <a:r>
+                  <a:rPr lang="ja-JP" altLang="en-US" sz="1050">
+                    <a:solidFill>
+                      <a:sysClr val="windowText" lastClr="000000"/>
+                    </a:solidFill>
+                    <a:latin typeface="游ゴシック Medium" panose="020B0500000000000000" pitchFamily="50" charset="-128"/>
+                    <a:ea typeface="游ゴシック Medium" panose="020B0500000000000000" pitchFamily="50" charset="-128"/>
+                  </a:rPr>
+                  <a:t>セッション</a:t>
+                </a:r>
+              </a:p>
+            </c:rich>
+          </c:tx>
+          <c:layout>
+            <c:manualLayout>
+              <c:xMode val="edge"/>
+              <c:yMode val="edge"/>
+              <c:x val="0.44414457567804022"/>
+              <c:y val="0.89409667541557303"/>
+            </c:manualLayout>
+          </c:layout>
+          <c:overlay val="0"/>
+          <c:spPr>
+            <a:noFill/>
+            <a:ln>
+              <a:noFill/>
+            </a:ln>
+            <a:effectLst/>
+          </c:spPr>
+          <c:txPr>
+            <a:bodyPr rot="0" spcFirstLastPara="1" vertOverflow="ellipsis" vert="horz" wrap="square" anchor="ctr" anchorCtr="1"/>
+            <a:lstStyle/>
+            <a:p>
+              <a:pPr>
+                <a:defRPr sz="1050" b="0" i="0" u="none" strike="noStrike" kern="1200" baseline="0">
+                  <a:solidFill>
+                    <a:sysClr val="windowText" lastClr="000000"/>
+                  </a:solidFill>
+                  <a:latin typeface="游ゴシック Medium" panose="020B0500000000000000" pitchFamily="50" charset="-128"/>
+                  <a:ea typeface="游ゴシック Medium" panose="020B0500000000000000" pitchFamily="50" charset="-128"/>
+                  <a:cs typeface="+mn-cs"/>
+                </a:defRPr>
+              </a:pPr>
+              <a:endParaRPr lang="ja-JP"/>
+            </a:p>
+          </c:txPr>
+        </c:title>
+        <c:numFmt formatCode="General" sourceLinked="1"/>
+        <c:majorTickMark val="none"/>
+        <c:minorTickMark val="none"/>
+        <c:tickLblPos val="nextTo"/>
+        <c:spPr>
+          <a:noFill/>
+          <a:ln w="9525" cap="flat" cmpd="sng" algn="ctr">
+            <a:solidFill>
+              <a:schemeClr val="tx1">
+                <a:lumMod val="15000"/>
+                <a:lumOff val="85000"/>
+              </a:schemeClr>
+            </a:solidFill>
+            <a:round/>
+          </a:ln>
+          <a:effectLst/>
+        </c:spPr>
+        <c:txPr>
+          <a:bodyPr rot="-60000000" spcFirstLastPara="1" vertOverflow="ellipsis" vert="horz" wrap="square" anchor="ctr" anchorCtr="1"/>
+          <a:lstStyle/>
+          <a:p>
+            <a:pPr>
+              <a:defRPr sz="900" b="0" i="0" u="none" strike="noStrike" kern="1200" baseline="0">
+                <a:solidFill>
+                  <a:sysClr val="windowText" lastClr="000000"/>
+                </a:solidFill>
+                <a:latin typeface="游ゴシック Medium" panose="020B0500000000000000" pitchFamily="50" charset="-128"/>
+                <a:ea typeface="游ゴシック Medium" panose="020B0500000000000000" pitchFamily="50" charset="-128"/>
+                <a:cs typeface="+mn-cs"/>
+              </a:defRPr>
+            </a:pPr>
+            <a:endParaRPr lang="ja-JP"/>
+          </a:p>
+        </c:txPr>
+        <c:crossAx val="806325728"/>
+        <c:crosses val="autoZero"/>
+        <c:auto val="1"/>
+        <c:lblAlgn val="ctr"/>
+        <c:lblOffset val="100"/>
+        <c:noMultiLvlLbl val="0"/>
+      </c:catAx>
+      <c:valAx>
+        <c:axId val="806325728"/>
+        <c:scaling>
+          <c:orientation val="minMax"/>
+        </c:scaling>
+        <c:delete val="0"/>
+        <c:axPos val="l"/>
+        <c:majorGridlines>
+          <c:spPr>
+            <a:ln w="9525" cap="flat" cmpd="sng" algn="ctr">
+              <a:solidFill>
+                <a:schemeClr val="tx1">
+                  <a:lumMod val="15000"/>
+                  <a:lumOff val="85000"/>
+                </a:schemeClr>
+              </a:solidFill>
+              <a:round/>
+            </a:ln>
+            <a:effectLst/>
+          </c:spPr>
+        </c:majorGridlines>
+        <c:title>
+          <c:tx>
+            <c:rich>
+              <a:bodyPr rot="0" spcFirstLastPara="1" vertOverflow="ellipsis" wrap="square" anchor="ctr" anchorCtr="1"/>
+              <a:lstStyle/>
+              <a:p>
+                <a:pPr>
+                  <a:defRPr sz="1050" b="0" i="0" u="none" strike="noStrike" kern="1200" baseline="0">
+                    <a:solidFill>
+                      <a:sysClr val="windowText" lastClr="000000"/>
+                    </a:solidFill>
+                    <a:latin typeface="游ゴシック Medium" panose="020B0500000000000000" pitchFamily="50" charset="-128"/>
+                    <a:ea typeface="游ゴシック Medium" panose="020B0500000000000000" pitchFamily="50" charset="-128"/>
+                    <a:cs typeface="+mn-cs"/>
+                  </a:defRPr>
+                </a:pPr>
+                <a:r>
+                  <a:rPr lang="en-US" altLang="ja-JP" sz="1050">
+                    <a:solidFill>
+                      <a:sysClr val="windowText" lastClr="000000"/>
+                    </a:solidFill>
+                    <a:latin typeface="游ゴシック Medium" panose="020B0500000000000000" pitchFamily="50" charset="-128"/>
+                    <a:ea typeface="游ゴシック Medium" panose="020B0500000000000000" pitchFamily="50" charset="-128"/>
+                  </a:rPr>
+                  <a:t>Cerr</a:t>
+                </a:r>
+                <a:r>
+                  <a:rPr lang="en-US" altLang="ja-JP" sz="1050" baseline="0">
+                    <a:solidFill>
+                      <a:sysClr val="windowText" lastClr="000000"/>
+                    </a:solidFill>
+                    <a:latin typeface="游ゴシック Medium" panose="020B0500000000000000" pitchFamily="50" charset="-128"/>
+                    <a:ea typeface="游ゴシック Medium" panose="020B0500000000000000" pitchFamily="50" charset="-128"/>
+                  </a:rPr>
+                  <a:t> [%]</a:t>
+                </a:r>
+                <a:endParaRPr lang="ja-JP" altLang="en-US" sz="1050">
+                  <a:solidFill>
+                    <a:sysClr val="windowText" lastClr="000000"/>
+                  </a:solidFill>
+                  <a:latin typeface="游ゴシック Medium" panose="020B0500000000000000" pitchFamily="50" charset="-128"/>
+                  <a:ea typeface="游ゴシック Medium" panose="020B0500000000000000" pitchFamily="50" charset="-128"/>
+                </a:endParaRPr>
+              </a:p>
+            </c:rich>
+          </c:tx>
+          <c:layout>
+            <c:manualLayout>
+              <c:xMode val="edge"/>
+              <c:yMode val="edge"/>
+              <c:x val="1.6604020974277097E-2"/>
+              <c:y val="2.2503674306250065E-2"/>
+            </c:manualLayout>
+          </c:layout>
+          <c:overlay val="0"/>
+          <c:spPr>
+            <a:noFill/>
+            <a:ln>
+              <a:noFill/>
+            </a:ln>
+            <a:effectLst/>
+          </c:spPr>
+          <c:txPr>
+            <a:bodyPr rot="0" spcFirstLastPara="1" vertOverflow="ellipsis" wrap="square" anchor="ctr" anchorCtr="1"/>
+            <a:lstStyle/>
+            <a:p>
+              <a:pPr>
+                <a:defRPr sz="1050" b="0" i="0" u="none" strike="noStrike" kern="1200" baseline="0">
+                  <a:solidFill>
+                    <a:sysClr val="windowText" lastClr="000000"/>
+                  </a:solidFill>
+                  <a:latin typeface="游ゴシック Medium" panose="020B0500000000000000" pitchFamily="50" charset="-128"/>
+                  <a:ea typeface="游ゴシック Medium" panose="020B0500000000000000" pitchFamily="50" charset="-128"/>
+                  <a:cs typeface="+mn-cs"/>
+                </a:defRPr>
+              </a:pPr>
+              <a:endParaRPr lang="ja-JP"/>
+            </a:p>
+          </c:txPr>
+        </c:title>
+        <c:numFmt formatCode="General" sourceLinked="1"/>
+        <c:majorTickMark val="none"/>
+        <c:minorTickMark val="none"/>
+        <c:tickLblPos val="nextTo"/>
+        <c:spPr>
+          <a:noFill/>
+          <a:ln>
+            <a:noFill/>
+          </a:ln>
+          <a:effectLst/>
+        </c:spPr>
+        <c:txPr>
+          <a:bodyPr rot="-60000000" spcFirstLastPara="1" vertOverflow="ellipsis" vert="horz" wrap="square" anchor="ctr" anchorCtr="1"/>
+          <a:lstStyle/>
+          <a:p>
+            <a:pPr>
+              <a:defRPr sz="900" b="0" i="0" u="none" strike="noStrike" kern="1200" baseline="0">
+                <a:solidFill>
+                  <a:sysClr val="windowText" lastClr="000000"/>
+                </a:solidFill>
+                <a:latin typeface="游ゴシック Medium" panose="020B0500000000000000" pitchFamily="50" charset="-128"/>
+                <a:ea typeface="游ゴシック Medium" panose="020B0500000000000000" pitchFamily="50" charset="-128"/>
+                <a:cs typeface="+mn-cs"/>
+              </a:defRPr>
+            </a:pPr>
+            <a:endParaRPr lang="ja-JP"/>
+          </a:p>
+        </c:txPr>
+        <c:crossAx val="806315560"/>
+        <c:crosses val="autoZero"/>
+        <c:crossBetween val="between"/>
+      </c:valAx>
+      <c:spPr>
+        <a:noFill/>
+        <a:ln>
+          <a:noFill/>
+        </a:ln>
+        <a:effectLst/>
+      </c:spPr>
+    </c:plotArea>
+    <c:legend>
+      <c:legendPos val="b"/>
+      <c:layout>
+        <c:manualLayout>
+          <c:xMode val="edge"/>
+          <c:yMode val="edge"/>
+          <c:x val="0.28000000000000003"/>
+          <c:y val="4.3093832020997341E-2"/>
+          <c:w val="0.44000000000000006"/>
+          <c:h val="8.6535797608632267E-2"/>
+        </c:manualLayout>
+      </c:layout>
+      <c:overlay val="0"/>
+      <c:spPr>
+        <a:noFill/>
+        <a:ln>
+          <a:noFill/>
+        </a:ln>
+        <a:effectLst/>
+      </c:spPr>
+      <c:txPr>
+        <a:bodyPr rot="0" spcFirstLastPara="1" vertOverflow="ellipsis" vert="horz" wrap="square" anchor="ctr" anchorCtr="1"/>
+        <a:lstStyle/>
+        <a:p>
+          <a:pPr>
+            <a:defRPr sz="1050" b="0" i="0" u="none" strike="noStrike" kern="1200" baseline="0">
+              <a:solidFill>
+                <a:sysClr val="windowText" lastClr="000000"/>
+              </a:solidFill>
+              <a:latin typeface="游ゴシック Medium" panose="020B0500000000000000" pitchFamily="50" charset="-128"/>
+              <a:ea typeface="游ゴシック Medium" panose="020B0500000000000000" pitchFamily="50" charset="-128"/>
+              <a:cs typeface="+mn-cs"/>
+            </a:defRPr>
+          </a:pPr>
+          <a:endParaRPr lang="ja-JP"/>
+        </a:p>
+      </c:txPr>
+    </c:legend>
+    <c:plotVisOnly val="1"/>
+    <c:dispBlanksAs val="gap"/>
+    <c:showDLblsOverMax val="0"/>
+  </c:chart>
+  <c:spPr>
+    <a:noFill/>
+    <a:ln>
+      <a:noFill/>
+    </a:ln>
+    <a:effectLst/>
+  </c:spPr>
+  <c:txPr>
+    <a:bodyPr/>
+    <a:lstStyle/>
+    <a:p>
+      <a:pPr>
+        <a:defRPr/>
+      </a:pPr>
+      <a:endParaRPr lang="ja-JP"/>
+    </a:p>
+  </c:txPr>
+  <c:externalData r:id="rId3">
+    <c:autoUpdate val="0"/>
+  </c:externalData>
+</c:chartSpace>
+</file>
+
+<file path=ppt/charts/chart2.xml><?xml version="1.0" encoding="utf-8"?>
+<c:chartSpace xmlns:c="http://schemas.openxmlformats.org/drawingml/2006/chart" xmlns:a="http://schemas.openxmlformats.org/drawingml/2006/main" xmlns:r="http://schemas.openxmlformats.org/officeDocument/2006/relationships" xmlns:c16r2="http://schemas.microsoft.com/office/drawing/2015/06/chart">
+  <c:date1904 val="0"/>
+  <c:lang val="ja-JP"/>
+  <c:roundedCorners val="0"/>
+  <mc:AlternateContent xmlns:mc="http://schemas.openxmlformats.org/markup-compatibility/2006">
+    <mc:Choice xmlns:c14="http://schemas.microsoft.com/office/drawing/2007/8/2/chart" Requires="c14">
+      <c14:style val="102"/>
+    </mc:Choice>
+    <mc:Fallback>
+      <c:style val="2"/>
+    </mc:Fallback>
+  </mc:AlternateContent>
+  <c:chart>
+    <c:autoTitleDeleted val="1"/>
+    <c:plotArea>
+      <c:layout>
+        <c:manualLayout>
+          <c:layoutTarget val="inner"/>
+          <c:xMode val="edge"/>
+          <c:yMode val="edge"/>
+          <c:x val="9.0872484689413821E-2"/>
+          <c:y val="0.1388888888888889"/>
+          <c:w val="0.87857195975503066"/>
+          <c:h val="0.68307852143482073"/>
+        </c:manualLayout>
+      </c:layout>
+      <c:lineChart>
+        <c:grouping val="standard"/>
+        <c:varyColors val="0"/>
+        <c:ser>
+          <c:idx val="0"/>
+          <c:order val="0"/>
+          <c:tx>
+            <c:strRef>
+              <c:f>All!$C$40</c:f>
+              <c:strCache>
+                <c:ptCount val="1"/>
+                <c:pt idx="0">
+                  <c:v>既存手法</c:v>
+                </c:pt>
+              </c:strCache>
+            </c:strRef>
+          </c:tx>
+          <c:spPr>
+            <a:ln w="28575" cap="rnd">
+              <a:solidFill>
+                <a:schemeClr val="accent1"/>
+              </a:solidFill>
+              <a:round/>
+            </a:ln>
+            <a:effectLst/>
+          </c:spPr>
+          <c:marker>
+            <c:symbol val="circle"/>
+            <c:size val="8"/>
+            <c:spPr>
+              <a:solidFill>
+                <a:schemeClr val="accent1"/>
+              </a:solidFill>
+              <a:ln w="9525">
+                <a:solidFill>
+                  <a:schemeClr val="accent1"/>
+                </a:solidFill>
+              </a:ln>
+              <a:effectLst/>
+            </c:spPr>
+          </c:marker>
+          <c:dLbls>
+            <c:delete val="1"/>
+          </c:dLbls>
+          <c:cat>
+            <c:strRef>
+              <c:f>All!$B$41:$B$55</c:f>
+              <c:strCache>
+                <c:ptCount val="14"/>
+                <c:pt idx="0">
+                  <c:v>1</c:v>
+                </c:pt>
+                <c:pt idx="1">
+                  <c:v>2</c:v>
+                </c:pt>
+                <c:pt idx="2">
+                  <c:v>3</c:v>
+                </c:pt>
+                <c:pt idx="3">
+                  <c:v>4</c:v>
+                </c:pt>
+                <c:pt idx="4">
+                  <c:v>5</c:v>
+                </c:pt>
+                <c:pt idx="5">
+                  <c:v>6</c:v>
+                </c:pt>
+                <c:pt idx="6">
+                  <c:v>7</c:v>
+                </c:pt>
+                <c:pt idx="7">
+                  <c:v>8</c:v>
+                </c:pt>
+                <c:pt idx="8">
+                  <c:v>9</c:v>
+                </c:pt>
+                <c:pt idx="9">
+                  <c:v>10</c:v>
+                </c:pt>
+                <c:pt idx="10">
+                  <c:v>11</c:v>
+                </c:pt>
+                <c:pt idx="11">
+                  <c:v>12</c:v>
+                </c:pt>
+                <c:pt idx="13">
+                  <c:v>all</c:v>
+                </c:pt>
+              </c:strCache>
+            </c:strRef>
+          </c:cat>
+          <c:val>
+            <c:numRef>
+              <c:f>All!$C$41:$C$52</c:f>
+              <c:numCache>
+                <c:formatCode>General</c:formatCode>
+                <c:ptCount val="12"/>
+                <c:pt idx="0">
+                  <c:v>99.145959166666657</c:v>
+                </c:pt>
+                <c:pt idx="1">
+                  <c:v>110.81027523333334</c:v>
+                </c:pt>
+                <c:pt idx="2">
+                  <c:v>123.54328958333333</c:v>
+                </c:pt>
+                <c:pt idx="3">
+                  <c:v>95.102787033333328</c:v>
+                </c:pt>
+                <c:pt idx="4">
+                  <c:v>109.53685703333333</c:v>
+                </c:pt>
+                <c:pt idx="5">
+                  <c:v>108.75405761666666</c:v>
+                </c:pt>
+                <c:pt idx="6">
+                  <c:v>113.67941593333333</c:v>
+                </c:pt>
+                <c:pt idx="7">
+                  <c:v>110.15107913333331</c:v>
+                </c:pt>
+                <c:pt idx="8">
+                  <c:v>122.43871835000002</c:v>
+                </c:pt>
+                <c:pt idx="9">
+                  <c:v>116.76659053333336</c:v>
+                </c:pt>
+                <c:pt idx="10">
+                  <c:v>112.63850588333335</c:v>
+                </c:pt>
+                <c:pt idx="11">
+                  <c:v>109.25553728333333</c:v>
+                </c:pt>
+              </c:numCache>
+            </c:numRef>
+          </c:val>
+          <c:smooth val="0"/>
+          <c:extLst>
+            <c:ext xmlns:c16="http://schemas.microsoft.com/office/drawing/2014/chart" uri="{C3380CC4-5D6E-409C-BE32-E72D297353CC}">
+              <c16:uniqueId val="{00000000-DFC7-4298-8FCA-E579C9AF5C75}"/>
+            </c:ext>
+          </c:extLst>
+        </c:ser>
+        <c:ser>
+          <c:idx val="1"/>
+          <c:order val="1"/>
+          <c:tx>
+            <c:strRef>
+              <c:f>All!$D$40</c:f>
+              <c:strCache>
+                <c:ptCount val="1"/>
+                <c:pt idx="0">
+                  <c:v>提案手法</c:v>
+                </c:pt>
+              </c:strCache>
+            </c:strRef>
+          </c:tx>
+          <c:spPr>
+            <a:ln w="28575" cap="rnd">
+              <a:solidFill>
+                <a:schemeClr val="accent2"/>
+              </a:solidFill>
+              <a:round/>
+            </a:ln>
+            <a:effectLst/>
+          </c:spPr>
+          <c:marker>
+            <c:symbol val="square"/>
+            <c:size val="8"/>
+            <c:spPr>
+              <a:solidFill>
+                <a:schemeClr val="accent2"/>
+              </a:solidFill>
+              <a:ln w="9525">
+                <a:solidFill>
+                  <a:schemeClr val="accent2"/>
+                </a:solidFill>
+              </a:ln>
+              <a:effectLst/>
+            </c:spPr>
+          </c:marker>
+          <c:dLbls>
+            <c:delete val="1"/>
+          </c:dLbls>
+          <c:cat>
+            <c:strRef>
+              <c:f>All!$B$41:$B$55</c:f>
+              <c:strCache>
+                <c:ptCount val="14"/>
+                <c:pt idx="0">
+                  <c:v>1</c:v>
+                </c:pt>
+                <c:pt idx="1">
+                  <c:v>2</c:v>
+                </c:pt>
+                <c:pt idx="2">
+                  <c:v>3</c:v>
+                </c:pt>
+                <c:pt idx="3">
+                  <c:v>4</c:v>
+                </c:pt>
+                <c:pt idx="4">
+                  <c:v>5</c:v>
+                </c:pt>
+                <c:pt idx="5">
+                  <c:v>6</c:v>
+                </c:pt>
+                <c:pt idx="6">
+                  <c:v>7</c:v>
+                </c:pt>
+                <c:pt idx="7">
+                  <c:v>8</c:v>
+                </c:pt>
+                <c:pt idx="8">
+                  <c:v>9</c:v>
+                </c:pt>
+                <c:pt idx="9">
+                  <c:v>10</c:v>
+                </c:pt>
+                <c:pt idx="10">
+                  <c:v>11</c:v>
+                </c:pt>
+                <c:pt idx="11">
+                  <c:v>12</c:v>
+                </c:pt>
+                <c:pt idx="13">
+                  <c:v>all</c:v>
+                </c:pt>
+              </c:strCache>
+            </c:strRef>
+          </c:cat>
+          <c:val>
+            <c:numRef>
+              <c:f>All!$D$41:$D$52</c:f>
+              <c:numCache>
+                <c:formatCode>General</c:formatCode>
+                <c:ptCount val="12"/>
+                <c:pt idx="0">
+                  <c:v>144.17013120000001</c:v>
+                </c:pt>
+                <c:pt idx="1">
+                  <c:v>128.21358515</c:v>
+                </c:pt>
+                <c:pt idx="2">
+                  <c:v>137.31419664999999</c:v>
+                </c:pt>
+                <c:pt idx="3">
+                  <c:v>135.06091396666667</c:v>
+                </c:pt>
+                <c:pt idx="4">
+                  <c:v>141.98991051666667</c:v>
+                </c:pt>
+                <c:pt idx="5">
+                  <c:v>147.60879869999999</c:v>
+                </c:pt>
+                <c:pt idx="6">
+                  <c:v>159.56385401666665</c:v>
+                </c:pt>
+                <c:pt idx="7">
+                  <c:v>157.94185214999999</c:v>
+                </c:pt>
+                <c:pt idx="8">
+                  <c:v>147.02166340000002</c:v>
+                </c:pt>
+                <c:pt idx="9">
+                  <c:v>142.08964723333332</c:v>
+                </c:pt>
+                <c:pt idx="10">
+                  <c:v>166.06515708333333</c:v>
+                </c:pt>
+                <c:pt idx="11">
+                  <c:v>163.71282773333334</c:v>
+                </c:pt>
+              </c:numCache>
+            </c:numRef>
+          </c:val>
+          <c:smooth val="0"/>
+          <c:extLst>
+            <c:ext xmlns:c16="http://schemas.microsoft.com/office/drawing/2014/chart" uri="{C3380CC4-5D6E-409C-BE32-E72D297353CC}">
+              <c16:uniqueId val="{00000001-DFC7-4298-8FCA-E579C9AF5C75}"/>
+            </c:ext>
+          </c:extLst>
+        </c:ser>
+        <c:dLbls>
+          <c:dLblPos val="t"/>
+          <c:showLegendKey val="0"/>
+          <c:showVal val="1"/>
+          <c:showCatName val="0"/>
+          <c:showSerName val="0"/>
+          <c:showPercent val="0"/>
+          <c:showBubbleSize val="0"/>
+        </c:dLbls>
+        <c:marker val="1"/>
+        <c:smooth val="0"/>
+        <c:axId val="864096984"/>
+        <c:axId val="864091736"/>
+      </c:lineChart>
+      <c:catAx>
+        <c:axId val="864096984"/>
+        <c:scaling>
+          <c:orientation val="minMax"/>
+        </c:scaling>
+        <c:delete val="0"/>
+        <c:axPos val="b"/>
+        <c:title>
+          <c:tx>
+            <c:rich>
+              <a:bodyPr rot="0" spcFirstLastPara="1" vertOverflow="ellipsis" vert="horz" wrap="square" anchor="ctr" anchorCtr="1"/>
+              <a:lstStyle/>
+              <a:p>
+                <a:pPr>
+                  <a:defRPr sz="1050" b="0" i="0" u="none" strike="noStrike" kern="1200" baseline="0">
+                    <a:solidFill>
+                      <a:sysClr val="windowText" lastClr="000000"/>
+                    </a:solidFill>
+                    <a:latin typeface="游ゴシック Medium" panose="020B0500000000000000" pitchFamily="50" charset="-128"/>
+                    <a:ea typeface="游ゴシック Medium" panose="020B0500000000000000" pitchFamily="50" charset="-128"/>
+                    <a:cs typeface="+mn-cs"/>
+                  </a:defRPr>
+                </a:pPr>
+                <a:r>
+                  <a:rPr lang="ja-JP" altLang="en-US" sz="1050">
+                    <a:solidFill>
+                      <a:sysClr val="windowText" lastClr="000000"/>
+                    </a:solidFill>
+                    <a:latin typeface="游ゴシック Medium" panose="020B0500000000000000" pitchFamily="50" charset="-128"/>
+                    <a:ea typeface="游ゴシック Medium" panose="020B0500000000000000" pitchFamily="50" charset="-128"/>
+                  </a:rPr>
+                  <a:t>セッション</a:t>
+                </a:r>
+              </a:p>
+            </c:rich>
+          </c:tx>
+          <c:layout>
+            <c:manualLayout>
+              <c:xMode val="edge"/>
+              <c:yMode val="edge"/>
+              <c:x val="0.44341402289019721"/>
+              <c:y val="0.89104460283961606"/>
+            </c:manualLayout>
+          </c:layout>
+          <c:overlay val="0"/>
+          <c:spPr>
+            <a:noFill/>
+            <a:ln>
+              <a:noFill/>
+            </a:ln>
+            <a:effectLst/>
+          </c:spPr>
+          <c:txPr>
+            <a:bodyPr rot="0" spcFirstLastPara="1" vertOverflow="ellipsis" vert="horz" wrap="square" anchor="ctr" anchorCtr="1"/>
+            <a:lstStyle/>
+            <a:p>
+              <a:pPr>
+                <a:defRPr sz="1050" b="0" i="0" u="none" strike="noStrike" kern="1200" baseline="0">
+                  <a:solidFill>
+                    <a:sysClr val="windowText" lastClr="000000"/>
+                  </a:solidFill>
+                  <a:latin typeface="游ゴシック Medium" panose="020B0500000000000000" pitchFamily="50" charset="-128"/>
+                  <a:ea typeface="游ゴシック Medium" panose="020B0500000000000000" pitchFamily="50" charset="-128"/>
+                  <a:cs typeface="+mn-cs"/>
+                </a:defRPr>
+              </a:pPr>
+              <a:endParaRPr lang="ja-JP"/>
+            </a:p>
+          </c:txPr>
+        </c:title>
+        <c:numFmt formatCode="General" sourceLinked="1"/>
+        <c:majorTickMark val="none"/>
+        <c:minorTickMark val="none"/>
+        <c:tickLblPos val="nextTo"/>
+        <c:spPr>
+          <a:noFill/>
+          <a:ln w="9525" cap="flat" cmpd="sng" algn="ctr">
+            <a:solidFill>
+              <a:schemeClr val="tx1">
+                <a:lumMod val="15000"/>
+                <a:lumOff val="85000"/>
+              </a:schemeClr>
+            </a:solidFill>
+            <a:round/>
+          </a:ln>
+          <a:effectLst/>
+        </c:spPr>
+        <c:txPr>
+          <a:bodyPr rot="-60000000" spcFirstLastPara="1" vertOverflow="ellipsis" vert="horz" wrap="square" anchor="ctr" anchorCtr="1"/>
+          <a:lstStyle/>
+          <a:p>
+            <a:pPr>
+              <a:defRPr sz="900" b="0" i="0" u="none" strike="noStrike" kern="1200" baseline="0">
+                <a:solidFill>
+                  <a:sysClr val="windowText" lastClr="000000"/>
+                </a:solidFill>
+                <a:latin typeface="游ゴシック Medium" panose="020B0500000000000000" pitchFamily="50" charset="-128"/>
+                <a:ea typeface="游ゴシック Medium" panose="020B0500000000000000" pitchFamily="50" charset="-128"/>
+                <a:cs typeface="+mn-cs"/>
+              </a:defRPr>
+            </a:pPr>
+            <a:endParaRPr lang="ja-JP"/>
+          </a:p>
+        </c:txPr>
+        <c:crossAx val="864091736"/>
+        <c:crosses val="autoZero"/>
+        <c:auto val="1"/>
+        <c:lblAlgn val="ctr"/>
+        <c:lblOffset val="100"/>
+        <c:noMultiLvlLbl val="0"/>
+      </c:catAx>
+      <c:valAx>
+        <c:axId val="864091736"/>
+        <c:scaling>
+          <c:orientation val="minMax"/>
+          <c:max val="180"/>
+          <c:min val="0"/>
+        </c:scaling>
+        <c:delete val="0"/>
+        <c:axPos val="l"/>
+        <c:majorGridlines>
+          <c:spPr>
+            <a:ln w="9525" cap="flat" cmpd="sng" algn="ctr">
+              <a:solidFill>
+                <a:schemeClr val="tx1">
+                  <a:lumMod val="15000"/>
+                  <a:lumOff val="85000"/>
+                </a:schemeClr>
+              </a:solidFill>
+              <a:round/>
+            </a:ln>
+            <a:effectLst/>
+          </c:spPr>
+        </c:majorGridlines>
+        <c:title>
+          <c:tx>
+            <c:rich>
+              <a:bodyPr rot="0" spcFirstLastPara="1" vertOverflow="ellipsis" wrap="square" anchor="ctr" anchorCtr="1"/>
+              <a:lstStyle/>
+              <a:p>
+                <a:pPr>
+                  <a:defRPr sz="1000" b="0" i="0" u="none" strike="noStrike" kern="1200" baseline="0">
+                    <a:solidFill>
+                      <a:sysClr val="windowText" lastClr="000000"/>
+                    </a:solidFill>
+                    <a:latin typeface="游ゴシック Medium" panose="020B0500000000000000" pitchFamily="50" charset="-128"/>
+                    <a:ea typeface="游ゴシック Medium" panose="020B0500000000000000" pitchFamily="50" charset="-128"/>
+                    <a:cs typeface="+mn-cs"/>
+                  </a:defRPr>
+                </a:pPr>
+                <a:r>
+                  <a:rPr lang="en-US" altLang="ja-JP" sz="1050">
+                    <a:solidFill>
+                      <a:sysClr val="windowText" lastClr="000000"/>
+                    </a:solidFill>
+                    <a:latin typeface="游ゴシック Medium" panose="020B0500000000000000" pitchFamily="50" charset="-128"/>
+                    <a:ea typeface="游ゴシック Medium" panose="020B0500000000000000" pitchFamily="50" charset="-128"/>
+                  </a:rPr>
+                  <a:t>CPM</a:t>
+                </a:r>
+                <a:endParaRPr lang="ja-JP" altLang="en-US" sz="1050">
+                  <a:solidFill>
+                    <a:sysClr val="windowText" lastClr="000000"/>
+                  </a:solidFill>
+                  <a:latin typeface="游ゴシック Medium" panose="020B0500000000000000" pitchFamily="50" charset="-128"/>
+                  <a:ea typeface="游ゴシック Medium" panose="020B0500000000000000" pitchFamily="50" charset="-128"/>
+                </a:endParaRPr>
+              </a:p>
+            </c:rich>
+          </c:tx>
+          <c:layout>
+            <c:manualLayout>
+              <c:xMode val="edge"/>
+              <c:yMode val="edge"/>
+              <c:x val="1.1203049430600338E-2"/>
+              <c:y val="2.3101515391178926E-2"/>
+            </c:manualLayout>
+          </c:layout>
+          <c:overlay val="0"/>
+          <c:spPr>
+            <a:noFill/>
+            <a:ln>
+              <a:noFill/>
+            </a:ln>
+            <a:effectLst/>
+          </c:spPr>
+          <c:txPr>
+            <a:bodyPr rot="0" spcFirstLastPara="1" vertOverflow="ellipsis" wrap="square" anchor="ctr" anchorCtr="1"/>
+            <a:lstStyle/>
+            <a:p>
+              <a:pPr>
+                <a:defRPr sz="1000" b="0" i="0" u="none" strike="noStrike" kern="1200" baseline="0">
+                  <a:solidFill>
+                    <a:sysClr val="windowText" lastClr="000000"/>
+                  </a:solidFill>
+                  <a:latin typeface="游ゴシック Medium" panose="020B0500000000000000" pitchFamily="50" charset="-128"/>
+                  <a:ea typeface="游ゴシック Medium" panose="020B0500000000000000" pitchFamily="50" charset="-128"/>
+                  <a:cs typeface="+mn-cs"/>
+                </a:defRPr>
+              </a:pPr>
+              <a:endParaRPr lang="ja-JP"/>
+            </a:p>
+          </c:txPr>
+        </c:title>
+        <c:numFmt formatCode="General" sourceLinked="1"/>
+        <c:majorTickMark val="none"/>
+        <c:minorTickMark val="none"/>
+        <c:tickLblPos val="nextTo"/>
+        <c:spPr>
+          <a:noFill/>
+          <a:ln>
+            <a:noFill/>
+          </a:ln>
+          <a:effectLst/>
+        </c:spPr>
+        <c:txPr>
+          <a:bodyPr rot="-60000000" spcFirstLastPara="1" vertOverflow="ellipsis" vert="horz" wrap="square" anchor="ctr" anchorCtr="1"/>
+          <a:lstStyle/>
+          <a:p>
+            <a:pPr>
+              <a:defRPr sz="900" b="0" i="0" u="none" strike="noStrike" kern="1200" baseline="0">
+                <a:solidFill>
+                  <a:sysClr val="windowText" lastClr="000000"/>
+                </a:solidFill>
+                <a:latin typeface="游ゴシック Medium" panose="020B0500000000000000" pitchFamily="50" charset="-128"/>
+                <a:ea typeface="游ゴシック Medium" panose="020B0500000000000000" pitchFamily="50" charset="-128"/>
+                <a:cs typeface="+mn-cs"/>
+              </a:defRPr>
+            </a:pPr>
+            <a:endParaRPr lang="ja-JP"/>
+          </a:p>
+        </c:txPr>
+        <c:crossAx val="864096984"/>
+        <c:crosses val="autoZero"/>
+        <c:crossBetween val="between"/>
+        <c:majorUnit val="20"/>
+      </c:valAx>
+      <c:spPr>
+        <a:noFill/>
+        <a:ln>
+          <a:noFill/>
+        </a:ln>
+        <a:effectLst/>
+      </c:spPr>
+    </c:plotArea>
+    <c:legend>
+      <c:legendPos val="b"/>
+      <c:layout>
+        <c:manualLayout>
+          <c:xMode val="edge"/>
+          <c:yMode val="edge"/>
+          <c:x val="0.2688888888888889"/>
+          <c:y val="4.3093832020997341E-2"/>
+          <c:w val="0.44000000000000006"/>
+          <c:h val="8.6535797608632267E-2"/>
+        </c:manualLayout>
+      </c:layout>
+      <c:overlay val="0"/>
+      <c:spPr>
+        <a:noFill/>
+        <a:ln>
+          <a:noFill/>
+        </a:ln>
+        <a:effectLst/>
+      </c:spPr>
+      <c:txPr>
+        <a:bodyPr rot="0" spcFirstLastPara="1" vertOverflow="ellipsis" vert="horz" wrap="square" anchor="ctr" anchorCtr="1"/>
+        <a:lstStyle/>
+        <a:p>
+          <a:pPr>
+            <a:defRPr sz="1050" b="0" i="0" u="none" strike="noStrike" kern="1200" baseline="0">
+              <a:solidFill>
+                <a:sysClr val="windowText" lastClr="000000"/>
+              </a:solidFill>
+              <a:latin typeface="游ゴシック Medium" panose="020B0500000000000000" pitchFamily="50" charset="-128"/>
+              <a:ea typeface="游ゴシック Medium" panose="020B0500000000000000" pitchFamily="50" charset="-128"/>
+              <a:cs typeface="+mn-cs"/>
+            </a:defRPr>
+          </a:pPr>
+          <a:endParaRPr lang="ja-JP"/>
+        </a:p>
+      </c:txPr>
+    </c:legend>
+    <c:plotVisOnly val="1"/>
+    <c:dispBlanksAs val="gap"/>
+    <c:showDLblsOverMax val="0"/>
+  </c:chart>
+  <c:spPr>
+    <a:noFill/>
+    <a:ln>
+      <a:noFill/>
+    </a:ln>
+    <a:effectLst/>
+  </c:spPr>
+  <c:txPr>
+    <a:bodyPr/>
+    <a:lstStyle/>
+    <a:p>
+      <a:pPr>
+        <a:defRPr/>
+      </a:pPr>
+      <a:endParaRPr lang="ja-JP"/>
+    </a:p>
+  </c:txPr>
+  <c:externalData r:id="rId3">
+    <c:autoUpdate val="0"/>
+  </c:externalData>
+</c:chartSpace>
+</file>
+
+<file path=ppt/charts/chart3.xml><?xml version="1.0" encoding="utf-8"?>
 <c:chartSpace xmlns:c="http://schemas.openxmlformats.org/drawingml/2006/chart" xmlns:a="http://schemas.openxmlformats.org/drawingml/2006/main" xmlns:r="http://schemas.openxmlformats.org/officeDocument/2006/relationships" xmlns:c16r2="http://schemas.microsoft.com/office/drawing/2015/06/chart">
   <c:date1904 val="0"/>
   <c:lang val="ja-JP"/>
@@ -744,7 +2009,7 @@
 </c:chartSpace>
 </file>
 
-<file path=ppt/charts/chart2.xml><?xml version="1.0" encoding="utf-8"?>
+<file path=ppt/charts/chart4.xml><?xml version="1.0" encoding="utf-8"?>
 <c:chartSpace xmlns:c="http://schemas.openxmlformats.org/drawingml/2006/chart" xmlns:a="http://schemas.openxmlformats.org/drawingml/2006/main" xmlns:r="http://schemas.openxmlformats.org/officeDocument/2006/relationships" xmlns:c16r2="http://schemas.microsoft.com/office/drawing/2015/06/chart">
   <c:date1904 val="0"/>
   <c:lang val="ja-JP"/>
@@ -1365,1263 +2630,6 @@
 </c:chartSpace>
 </file>
 
-<file path=ppt/charts/chart3.xml><?xml version="1.0" encoding="utf-8"?>
-<c:chartSpace xmlns:c="http://schemas.openxmlformats.org/drawingml/2006/chart" xmlns:a="http://schemas.openxmlformats.org/drawingml/2006/main" xmlns:r="http://schemas.openxmlformats.org/officeDocument/2006/relationships" xmlns:c16r2="http://schemas.microsoft.com/office/drawing/2015/06/chart">
-  <c:date1904 val="0"/>
-  <c:lang val="ja-JP"/>
-  <c:roundedCorners val="0"/>
-  <mc:AlternateContent xmlns:mc="http://schemas.openxmlformats.org/markup-compatibility/2006">
-    <mc:Choice xmlns:c14="http://schemas.microsoft.com/office/drawing/2007/8/2/chart" Requires="c14">
-      <c14:style val="102"/>
-    </mc:Choice>
-    <mc:Fallback>
-      <c:style val="2"/>
-    </mc:Fallback>
-  </mc:AlternateContent>
-  <c:chart>
-    <c:autoTitleDeleted val="1"/>
-    <c:plotArea>
-      <c:layout>
-        <c:manualLayout>
-          <c:layoutTarget val="inner"/>
-          <c:xMode val="edge"/>
-          <c:yMode val="edge"/>
-          <c:x val="9.0942008142673697E-2"/>
-          <c:y val="0.14814814814814814"/>
-          <c:w val="0.87850245137677607"/>
-          <c:h val="0.6663269174686498"/>
-        </c:manualLayout>
-      </c:layout>
-      <c:lineChart>
-        <c:grouping val="standard"/>
-        <c:varyColors val="0"/>
-        <c:ser>
-          <c:idx val="0"/>
-          <c:order val="0"/>
-          <c:tx>
-            <c:strRef>
-              <c:f>All!$C$39</c:f>
-              <c:strCache>
-                <c:ptCount val="1"/>
-                <c:pt idx="0">
-                  <c:v>既存手法</c:v>
-                </c:pt>
-              </c:strCache>
-            </c:strRef>
-          </c:tx>
-          <c:spPr>
-            <a:ln w="28575" cap="rnd">
-              <a:solidFill>
-                <a:schemeClr val="accent1"/>
-              </a:solidFill>
-              <a:round/>
-            </a:ln>
-            <a:effectLst/>
-          </c:spPr>
-          <c:marker>
-            <c:symbol val="circle"/>
-            <c:size val="8"/>
-            <c:spPr>
-              <a:solidFill>
-                <a:schemeClr val="accent1"/>
-              </a:solidFill>
-              <a:ln w="9525">
-                <a:solidFill>
-                  <a:schemeClr val="accent1"/>
-                </a:solidFill>
-              </a:ln>
-              <a:effectLst/>
-            </c:spPr>
-          </c:marker>
-          <c:cat>
-            <c:numRef>
-              <c:f>All!$B$40:$B$51</c:f>
-              <c:numCache>
-                <c:formatCode>General</c:formatCode>
-                <c:ptCount val="12"/>
-                <c:pt idx="0">
-                  <c:v>1</c:v>
-                </c:pt>
-                <c:pt idx="1">
-                  <c:v>2</c:v>
-                </c:pt>
-                <c:pt idx="2">
-                  <c:v>3</c:v>
-                </c:pt>
-                <c:pt idx="3">
-                  <c:v>4</c:v>
-                </c:pt>
-                <c:pt idx="4">
-                  <c:v>5</c:v>
-                </c:pt>
-                <c:pt idx="5">
-                  <c:v>6</c:v>
-                </c:pt>
-                <c:pt idx="6">
-                  <c:v>7</c:v>
-                </c:pt>
-                <c:pt idx="7">
-                  <c:v>8</c:v>
-                </c:pt>
-                <c:pt idx="8">
-                  <c:v>9</c:v>
-                </c:pt>
-                <c:pt idx="9">
-                  <c:v>10</c:v>
-                </c:pt>
-                <c:pt idx="10">
-                  <c:v>11</c:v>
-                </c:pt>
-                <c:pt idx="11">
-                  <c:v>12</c:v>
-                </c:pt>
-              </c:numCache>
-            </c:numRef>
-          </c:cat>
-          <c:val>
-            <c:numRef>
-              <c:f>All!$C$40:$C$51</c:f>
-              <c:numCache>
-                <c:formatCode>General</c:formatCode>
-                <c:ptCount val="12"/>
-                <c:pt idx="0">
-                  <c:v>14.226130766666666</c:v>
-                </c:pt>
-                <c:pt idx="1">
-                  <c:v>12.2486268</c:v>
-                </c:pt>
-                <c:pt idx="2">
-                  <c:v>9.9478838333333321</c:v>
-                </c:pt>
-                <c:pt idx="3">
-                  <c:v>16.659993583333335</c:v>
-                </c:pt>
-                <c:pt idx="4">
-                  <c:v>11.954564516666666</c:v>
-                </c:pt>
-                <c:pt idx="5">
-                  <c:v>13.347583349999999</c:v>
-                </c:pt>
-                <c:pt idx="6">
-                  <c:v>12.065115866666668</c:v>
-                </c:pt>
-                <c:pt idx="7">
-                  <c:v>11.905062966666668</c:v>
-                </c:pt>
-                <c:pt idx="8">
-                  <c:v>8.1008299833333339</c:v>
-                </c:pt>
-                <c:pt idx="9">
-                  <c:v>6.4123380000000001</c:v>
-                </c:pt>
-                <c:pt idx="10">
-                  <c:v>10.855108300000001</c:v>
-                </c:pt>
-                <c:pt idx="11">
-                  <c:v>12.150641350000001</c:v>
-                </c:pt>
-              </c:numCache>
-            </c:numRef>
-          </c:val>
-          <c:smooth val="0"/>
-          <c:extLst>
-            <c:ext xmlns:c16="http://schemas.microsoft.com/office/drawing/2014/chart" uri="{C3380CC4-5D6E-409C-BE32-E72D297353CC}">
-              <c16:uniqueId val="{00000000-969F-4DCB-8213-DF89FB3DBC93}"/>
-            </c:ext>
-          </c:extLst>
-        </c:ser>
-        <c:ser>
-          <c:idx val="1"/>
-          <c:order val="1"/>
-          <c:tx>
-            <c:strRef>
-              <c:f>All!$D$39</c:f>
-              <c:strCache>
-                <c:ptCount val="1"/>
-                <c:pt idx="0">
-                  <c:v>提案手法</c:v>
-                </c:pt>
-              </c:strCache>
-            </c:strRef>
-          </c:tx>
-          <c:spPr>
-            <a:ln w="28575" cap="rnd">
-              <a:solidFill>
-                <a:schemeClr val="accent2"/>
-              </a:solidFill>
-              <a:round/>
-            </a:ln>
-            <a:effectLst/>
-          </c:spPr>
-          <c:marker>
-            <c:symbol val="square"/>
-            <c:size val="8"/>
-            <c:spPr>
-              <a:solidFill>
-                <a:schemeClr val="accent2"/>
-              </a:solidFill>
-              <a:ln w="9525">
-                <a:solidFill>
-                  <a:schemeClr val="accent2"/>
-                </a:solidFill>
-              </a:ln>
-              <a:effectLst/>
-            </c:spPr>
-          </c:marker>
-          <c:cat>
-            <c:numRef>
-              <c:f>All!$B$40:$B$51</c:f>
-              <c:numCache>
-                <c:formatCode>General</c:formatCode>
-                <c:ptCount val="12"/>
-                <c:pt idx="0">
-                  <c:v>1</c:v>
-                </c:pt>
-                <c:pt idx="1">
-                  <c:v>2</c:v>
-                </c:pt>
-                <c:pt idx="2">
-                  <c:v>3</c:v>
-                </c:pt>
-                <c:pt idx="3">
-                  <c:v>4</c:v>
-                </c:pt>
-                <c:pt idx="4">
-                  <c:v>5</c:v>
-                </c:pt>
-                <c:pt idx="5">
-                  <c:v>6</c:v>
-                </c:pt>
-                <c:pt idx="6">
-                  <c:v>7</c:v>
-                </c:pt>
-                <c:pt idx="7">
-                  <c:v>8</c:v>
-                </c:pt>
-                <c:pt idx="8">
-                  <c:v>9</c:v>
-                </c:pt>
-                <c:pt idx="9">
-                  <c:v>10</c:v>
-                </c:pt>
-                <c:pt idx="10">
-                  <c:v>11</c:v>
-                </c:pt>
-                <c:pt idx="11">
-                  <c:v>12</c:v>
-                </c:pt>
-              </c:numCache>
-            </c:numRef>
-          </c:cat>
-          <c:val>
-            <c:numRef>
-              <c:f>All!$D$40:$D$51</c:f>
-              <c:numCache>
-                <c:formatCode>General</c:formatCode>
-                <c:ptCount val="12"/>
-                <c:pt idx="0">
-                  <c:v>8.8575038500000005</c:v>
-                </c:pt>
-                <c:pt idx="1">
-                  <c:v>9.8964649500000004</c:v>
-                </c:pt>
-                <c:pt idx="2">
-                  <c:v>8.8273305666666673</c:v>
-                </c:pt>
-                <c:pt idx="3">
-                  <c:v>6.2952743999999985</c:v>
-                </c:pt>
-                <c:pt idx="4">
-                  <c:v>8.5266958499999994</c:v>
-                </c:pt>
-                <c:pt idx="5">
-                  <c:v>8.9163061666666668</c:v>
-                </c:pt>
-                <c:pt idx="6">
-                  <c:v>5.0876625000000004</c:v>
-                </c:pt>
-                <c:pt idx="7">
-                  <c:v>5.8134923499999998</c:v>
-                </c:pt>
-                <c:pt idx="8">
-                  <c:v>7.8373019999999993</c:v>
-                </c:pt>
-                <c:pt idx="9">
-                  <c:v>5.400433183333333</c:v>
-                </c:pt>
-                <c:pt idx="10">
-                  <c:v>5.3769842666666667</c:v>
-                </c:pt>
-                <c:pt idx="11">
-                  <c:v>5.6415346833333331</c:v>
-                </c:pt>
-              </c:numCache>
-            </c:numRef>
-          </c:val>
-          <c:smooth val="0"/>
-          <c:extLst>
-            <c:ext xmlns:c16="http://schemas.microsoft.com/office/drawing/2014/chart" uri="{C3380CC4-5D6E-409C-BE32-E72D297353CC}">
-              <c16:uniqueId val="{00000001-969F-4DCB-8213-DF89FB3DBC93}"/>
-            </c:ext>
-          </c:extLst>
-        </c:ser>
-        <c:dLbls>
-          <c:showLegendKey val="0"/>
-          <c:showVal val="0"/>
-          <c:showCatName val="0"/>
-          <c:showSerName val="0"/>
-          <c:showPercent val="0"/>
-          <c:showBubbleSize val="0"/>
-        </c:dLbls>
-        <c:marker val="1"/>
-        <c:smooth val="0"/>
-        <c:axId val="806315560"/>
-        <c:axId val="806325728"/>
-      </c:lineChart>
-      <c:catAx>
-        <c:axId val="806315560"/>
-        <c:scaling>
-          <c:orientation val="minMax"/>
-        </c:scaling>
-        <c:delete val="0"/>
-        <c:axPos val="b"/>
-        <c:title>
-          <c:tx>
-            <c:rich>
-              <a:bodyPr rot="0" spcFirstLastPara="1" vertOverflow="ellipsis" vert="horz" wrap="square" anchor="ctr" anchorCtr="1"/>
-              <a:lstStyle/>
-              <a:p>
-                <a:pPr>
-                  <a:defRPr sz="1050" b="0" i="0" u="none" strike="noStrike" kern="1200" baseline="0">
-                    <a:solidFill>
-                      <a:sysClr val="windowText" lastClr="000000"/>
-                    </a:solidFill>
-                    <a:latin typeface="+mn-lt"/>
-                    <a:ea typeface="+mn-ea"/>
-                    <a:cs typeface="+mn-cs"/>
-                  </a:defRPr>
-                </a:pPr>
-                <a:r>
-                  <a:rPr lang="ja-JP" altLang="en-US" sz="1050">
-                    <a:solidFill>
-                      <a:sysClr val="windowText" lastClr="000000"/>
-                    </a:solidFill>
-                  </a:rPr>
-                  <a:t>セッション</a:t>
-                </a:r>
-              </a:p>
-            </c:rich>
-          </c:tx>
-          <c:layout>
-            <c:manualLayout>
-              <c:xMode val="edge"/>
-              <c:yMode val="edge"/>
-              <c:x val="0.44414457567804022"/>
-              <c:y val="0.89409667541557303"/>
-            </c:manualLayout>
-          </c:layout>
-          <c:overlay val="0"/>
-          <c:spPr>
-            <a:noFill/>
-            <a:ln>
-              <a:noFill/>
-            </a:ln>
-            <a:effectLst/>
-          </c:spPr>
-          <c:txPr>
-            <a:bodyPr rot="0" spcFirstLastPara="1" vertOverflow="ellipsis" vert="horz" wrap="square" anchor="ctr" anchorCtr="1"/>
-            <a:lstStyle/>
-            <a:p>
-              <a:pPr>
-                <a:defRPr sz="1050" b="0" i="0" u="none" strike="noStrike" kern="1200" baseline="0">
-                  <a:solidFill>
-                    <a:sysClr val="windowText" lastClr="000000"/>
-                  </a:solidFill>
-                  <a:latin typeface="+mn-lt"/>
-                  <a:ea typeface="+mn-ea"/>
-                  <a:cs typeface="+mn-cs"/>
-                </a:defRPr>
-              </a:pPr>
-              <a:endParaRPr lang="ja-JP"/>
-            </a:p>
-          </c:txPr>
-        </c:title>
-        <c:numFmt formatCode="General" sourceLinked="1"/>
-        <c:majorTickMark val="none"/>
-        <c:minorTickMark val="none"/>
-        <c:tickLblPos val="nextTo"/>
-        <c:spPr>
-          <a:noFill/>
-          <a:ln w="9525" cap="flat" cmpd="sng" algn="ctr">
-            <a:solidFill>
-              <a:schemeClr val="tx1">
-                <a:lumMod val="15000"/>
-                <a:lumOff val="85000"/>
-              </a:schemeClr>
-            </a:solidFill>
-            <a:round/>
-          </a:ln>
-          <a:effectLst/>
-        </c:spPr>
-        <c:txPr>
-          <a:bodyPr rot="-60000000" spcFirstLastPara="1" vertOverflow="ellipsis" vert="horz" wrap="square" anchor="ctr" anchorCtr="1"/>
-          <a:lstStyle/>
-          <a:p>
-            <a:pPr>
-              <a:defRPr sz="900" b="0" i="0" u="none" strike="noStrike" kern="1200" baseline="0">
-                <a:solidFill>
-                  <a:sysClr val="windowText" lastClr="000000"/>
-                </a:solidFill>
-                <a:latin typeface="+mn-lt"/>
-                <a:ea typeface="+mn-ea"/>
-                <a:cs typeface="+mn-cs"/>
-              </a:defRPr>
-            </a:pPr>
-            <a:endParaRPr lang="ja-JP"/>
-          </a:p>
-        </c:txPr>
-        <c:crossAx val="806325728"/>
-        <c:crosses val="autoZero"/>
-        <c:auto val="1"/>
-        <c:lblAlgn val="ctr"/>
-        <c:lblOffset val="100"/>
-        <c:noMultiLvlLbl val="0"/>
-      </c:catAx>
-      <c:valAx>
-        <c:axId val="806325728"/>
-        <c:scaling>
-          <c:orientation val="minMax"/>
-        </c:scaling>
-        <c:delete val="0"/>
-        <c:axPos val="l"/>
-        <c:majorGridlines>
-          <c:spPr>
-            <a:ln w="9525" cap="flat" cmpd="sng" algn="ctr">
-              <a:solidFill>
-                <a:schemeClr val="tx1">
-                  <a:lumMod val="15000"/>
-                  <a:lumOff val="85000"/>
-                </a:schemeClr>
-              </a:solidFill>
-              <a:round/>
-            </a:ln>
-            <a:effectLst/>
-          </c:spPr>
-        </c:majorGridlines>
-        <c:title>
-          <c:tx>
-            <c:rich>
-              <a:bodyPr rot="0" spcFirstLastPara="1" vertOverflow="ellipsis" wrap="square" anchor="ctr" anchorCtr="1"/>
-              <a:lstStyle/>
-              <a:p>
-                <a:pPr>
-                  <a:defRPr sz="1050" b="0" i="0" u="none" strike="noStrike" kern="1200" baseline="0">
-                    <a:solidFill>
-                      <a:sysClr val="windowText" lastClr="000000"/>
-                    </a:solidFill>
-                    <a:latin typeface="+mn-lt"/>
-                    <a:ea typeface="+mn-ea"/>
-                    <a:cs typeface="+mn-cs"/>
-                  </a:defRPr>
-                </a:pPr>
-                <a:r>
-                  <a:rPr lang="en-US" altLang="ja-JP" sz="1050">
-                    <a:solidFill>
-                      <a:sysClr val="windowText" lastClr="000000"/>
-                    </a:solidFill>
-                    <a:latin typeface="+mn-ea"/>
-                    <a:ea typeface="+mn-ea"/>
-                  </a:rPr>
-                  <a:t>Cerr</a:t>
-                </a:r>
-                <a:r>
-                  <a:rPr lang="en-US" altLang="ja-JP" sz="1050" baseline="0">
-                    <a:solidFill>
-                      <a:sysClr val="windowText" lastClr="000000"/>
-                    </a:solidFill>
-                    <a:latin typeface="+mn-ea"/>
-                    <a:ea typeface="+mn-ea"/>
-                  </a:rPr>
-                  <a:t> [%]</a:t>
-                </a:r>
-                <a:endParaRPr lang="ja-JP" altLang="en-US" sz="1050">
-                  <a:solidFill>
-                    <a:sysClr val="windowText" lastClr="000000"/>
-                  </a:solidFill>
-                  <a:latin typeface="+mn-ea"/>
-                  <a:ea typeface="+mn-ea"/>
-                </a:endParaRPr>
-              </a:p>
-            </c:rich>
-          </c:tx>
-          <c:layout>
-            <c:manualLayout>
-              <c:xMode val="edge"/>
-              <c:yMode val="edge"/>
-              <c:x val="1.6604020974277097E-2"/>
-              <c:y val="2.2503674306250065E-2"/>
-            </c:manualLayout>
-          </c:layout>
-          <c:overlay val="0"/>
-          <c:spPr>
-            <a:noFill/>
-            <a:ln>
-              <a:noFill/>
-            </a:ln>
-            <a:effectLst/>
-          </c:spPr>
-          <c:txPr>
-            <a:bodyPr rot="0" spcFirstLastPara="1" vertOverflow="ellipsis" wrap="square" anchor="ctr" anchorCtr="1"/>
-            <a:lstStyle/>
-            <a:p>
-              <a:pPr>
-                <a:defRPr sz="1050" b="0" i="0" u="none" strike="noStrike" kern="1200" baseline="0">
-                  <a:solidFill>
-                    <a:sysClr val="windowText" lastClr="000000"/>
-                  </a:solidFill>
-                  <a:latin typeface="+mn-lt"/>
-                  <a:ea typeface="+mn-ea"/>
-                  <a:cs typeface="+mn-cs"/>
-                </a:defRPr>
-              </a:pPr>
-              <a:endParaRPr lang="ja-JP"/>
-            </a:p>
-          </c:txPr>
-        </c:title>
-        <c:numFmt formatCode="General" sourceLinked="1"/>
-        <c:majorTickMark val="none"/>
-        <c:minorTickMark val="none"/>
-        <c:tickLblPos val="nextTo"/>
-        <c:spPr>
-          <a:noFill/>
-          <a:ln>
-            <a:noFill/>
-          </a:ln>
-          <a:effectLst/>
-        </c:spPr>
-        <c:txPr>
-          <a:bodyPr rot="-60000000" spcFirstLastPara="1" vertOverflow="ellipsis" vert="horz" wrap="square" anchor="ctr" anchorCtr="1"/>
-          <a:lstStyle/>
-          <a:p>
-            <a:pPr>
-              <a:defRPr sz="900" b="0" i="0" u="none" strike="noStrike" kern="1200" baseline="0">
-                <a:solidFill>
-                  <a:sysClr val="windowText" lastClr="000000"/>
-                </a:solidFill>
-                <a:latin typeface="+mn-lt"/>
-                <a:ea typeface="+mn-ea"/>
-                <a:cs typeface="+mn-cs"/>
-              </a:defRPr>
-            </a:pPr>
-            <a:endParaRPr lang="ja-JP"/>
-          </a:p>
-        </c:txPr>
-        <c:crossAx val="806315560"/>
-        <c:crosses val="autoZero"/>
-        <c:crossBetween val="between"/>
-      </c:valAx>
-      <c:spPr>
-        <a:noFill/>
-        <a:ln>
-          <a:noFill/>
-        </a:ln>
-        <a:effectLst/>
-      </c:spPr>
-    </c:plotArea>
-    <c:legend>
-      <c:legendPos val="b"/>
-      <c:layout>
-        <c:manualLayout>
-          <c:xMode val="edge"/>
-          <c:yMode val="edge"/>
-          <c:x val="0.28000000000000003"/>
-          <c:y val="4.3093832020997341E-2"/>
-          <c:w val="0.44000000000000006"/>
-          <c:h val="8.6535797608632267E-2"/>
-        </c:manualLayout>
-      </c:layout>
-      <c:overlay val="0"/>
-      <c:spPr>
-        <a:noFill/>
-        <a:ln>
-          <a:noFill/>
-        </a:ln>
-        <a:effectLst/>
-      </c:spPr>
-      <c:txPr>
-        <a:bodyPr rot="0" spcFirstLastPara="1" vertOverflow="ellipsis" vert="horz" wrap="square" anchor="ctr" anchorCtr="1"/>
-        <a:lstStyle/>
-        <a:p>
-          <a:pPr>
-            <a:defRPr sz="1050" b="0" i="0" u="none" strike="noStrike" kern="1200" baseline="0">
-              <a:solidFill>
-                <a:sysClr val="windowText" lastClr="000000"/>
-              </a:solidFill>
-              <a:latin typeface="+mn-lt"/>
-              <a:ea typeface="+mn-ea"/>
-              <a:cs typeface="+mn-cs"/>
-            </a:defRPr>
-          </a:pPr>
-          <a:endParaRPr lang="ja-JP"/>
-        </a:p>
-      </c:txPr>
-    </c:legend>
-    <c:plotVisOnly val="1"/>
-    <c:dispBlanksAs val="gap"/>
-    <c:showDLblsOverMax val="0"/>
-  </c:chart>
-  <c:spPr>
-    <a:noFill/>
-    <a:ln>
-      <a:noFill/>
-    </a:ln>
-    <a:effectLst/>
-  </c:spPr>
-  <c:txPr>
-    <a:bodyPr/>
-    <a:lstStyle/>
-    <a:p>
-      <a:pPr>
-        <a:defRPr/>
-      </a:pPr>
-      <a:endParaRPr lang="ja-JP"/>
-    </a:p>
-  </c:txPr>
-  <c:externalData r:id="rId3">
-    <c:autoUpdate val="0"/>
-  </c:externalData>
-</c:chartSpace>
-</file>
-
-<file path=ppt/charts/chart4.xml><?xml version="1.0" encoding="utf-8"?>
-<c:chartSpace xmlns:c="http://schemas.openxmlformats.org/drawingml/2006/chart" xmlns:a="http://schemas.openxmlformats.org/drawingml/2006/main" xmlns:r="http://schemas.openxmlformats.org/officeDocument/2006/relationships" xmlns:c16r2="http://schemas.microsoft.com/office/drawing/2015/06/chart">
-  <c:date1904 val="0"/>
-  <c:lang val="ja-JP"/>
-  <c:roundedCorners val="0"/>
-  <mc:AlternateContent xmlns:mc="http://schemas.openxmlformats.org/markup-compatibility/2006">
-    <mc:Choice xmlns:c14="http://schemas.microsoft.com/office/drawing/2007/8/2/chart" Requires="c14">
-      <c14:style val="102"/>
-    </mc:Choice>
-    <mc:Fallback>
-      <c:style val="2"/>
-    </mc:Fallback>
-  </mc:AlternateContent>
-  <c:chart>
-    <c:autoTitleDeleted val="1"/>
-    <c:plotArea>
-      <c:layout>
-        <c:manualLayout>
-          <c:layoutTarget val="inner"/>
-          <c:xMode val="edge"/>
-          <c:yMode val="edge"/>
-          <c:x val="9.0872484689413821E-2"/>
-          <c:y val="0.1388888888888889"/>
-          <c:w val="0.87857195975503066"/>
-          <c:h val="0.68307852143482073"/>
-        </c:manualLayout>
-      </c:layout>
-      <c:lineChart>
-        <c:grouping val="standard"/>
-        <c:varyColors val="0"/>
-        <c:ser>
-          <c:idx val="0"/>
-          <c:order val="0"/>
-          <c:tx>
-            <c:strRef>
-              <c:f>All!$C$40</c:f>
-              <c:strCache>
-                <c:ptCount val="1"/>
-                <c:pt idx="0">
-                  <c:v>既存手法</c:v>
-                </c:pt>
-              </c:strCache>
-            </c:strRef>
-          </c:tx>
-          <c:spPr>
-            <a:ln w="28575" cap="rnd">
-              <a:solidFill>
-                <a:schemeClr val="accent1"/>
-              </a:solidFill>
-              <a:round/>
-            </a:ln>
-            <a:effectLst/>
-          </c:spPr>
-          <c:marker>
-            <c:symbol val="circle"/>
-            <c:size val="8"/>
-            <c:spPr>
-              <a:solidFill>
-                <a:schemeClr val="accent1"/>
-              </a:solidFill>
-              <a:ln w="9525">
-                <a:solidFill>
-                  <a:schemeClr val="accent1"/>
-                </a:solidFill>
-              </a:ln>
-              <a:effectLst/>
-            </c:spPr>
-          </c:marker>
-          <c:dLbls>
-            <c:delete val="1"/>
-          </c:dLbls>
-          <c:cat>
-            <c:strRef>
-              <c:f>All!$B$41:$B$55</c:f>
-              <c:strCache>
-                <c:ptCount val="14"/>
-                <c:pt idx="0">
-                  <c:v>1</c:v>
-                </c:pt>
-                <c:pt idx="1">
-                  <c:v>2</c:v>
-                </c:pt>
-                <c:pt idx="2">
-                  <c:v>3</c:v>
-                </c:pt>
-                <c:pt idx="3">
-                  <c:v>4</c:v>
-                </c:pt>
-                <c:pt idx="4">
-                  <c:v>5</c:v>
-                </c:pt>
-                <c:pt idx="5">
-                  <c:v>6</c:v>
-                </c:pt>
-                <c:pt idx="6">
-                  <c:v>7</c:v>
-                </c:pt>
-                <c:pt idx="7">
-                  <c:v>8</c:v>
-                </c:pt>
-                <c:pt idx="8">
-                  <c:v>9</c:v>
-                </c:pt>
-                <c:pt idx="9">
-                  <c:v>10</c:v>
-                </c:pt>
-                <c:pt idx="10">
-                  <c:v>11</c:v>
-                </c:pt>
-                <c:pt idx="11">
-                  <c:v>12</c:v>
-                </c:pt>
-                <c:pt idx="13">
-                  <c:v>all</c:v>
-                </c:pt>
-              </c:strCache>
-            </c:strRef>
-          </c:cat>
-          <c:val>
-            <c:numRef>
-              <c:f>All!$C$41:$C$52</c:f>
-              <c:numCache>
-                <c:formatCode>General</c:formatCode>
-                <c:ptCount val="12"/>
-                <c:pt idx="0">
-                  <c:v>99.145959166666657</c:v>
-                </c:pt>
-                <c:pt idx="1">
-                  <c:v>110.81027523333334</c:v>
-                </c:pt>
-                <c:pt idx="2">
-                  <c:v>123.54328958333333</c:v>
-                </c:pt>
-                <c:pt idx="3">
-                  <c:v>95.102787033333328</c:v>
-                </c:pt>
-                <c:pt idx="4">
-                  <c:v>109.53685703333333</c:v>
-                </c:pt>
-                <c:pt idx="5">
-                  <c:v>108.75405761666666</c:v>
-                </c:pt>
-                <c:pt idx="6">
-                  <c:v>113.67941593333333</c:v>
-                </c:pt>
-                <c:pt idx="7">
-                  <c:v>110.15107913333331</c:v>
-                </c:pt>
-                <c:pt idx="8">
-                  <c:v>122.43871835000002</c:v>
-                </c:pt>
-                <c:pt idx="9">
-                  <c:v>116.76659053333336</c:v>
-                </c:pt>
-                <c:pt idx="10">
-                  <c:v>112.63850588333335</c:v>
-                </c:pt>
-                <c:pt idx="11">
-                  <c:v>109.25553728333333</c:v>
-                </c:pt>
-              </c:numCache>
-            </c:numRef>
-          </c:val>
-          <c:smooth val="0"/>
-          <c:extLst>
-            <c:ext xmlns:c16="http://schemas.microsoft.com/office/drawing/2014/chart" uri="{C3380CC4-5D6E-409C-BE32-E72D297353CC}">
-              <c16:uniqueId val="{00000000-DFC7-4298-8FCA-E579C9AF5C75}"/>
-            </c:ext>
-          </c:extLst>
-        </c:ser>
-        <c:ser>
-          <c:idx val="1"/>
-          <c:order val="1"/>
-          <c:tx>
-            <c:strRef>
-              <c:f>All!$D$40</c:f>
-              <c:strCache>
-                <c:ptCount val="1"/>
-                <c:pt idx="0">
-                  <c:v>提案手法</c:v>
-                </c:pt>
-              </c:strCache>
-            </c:strRef>
-          </c:tx>
-          <c:spPr>
-            <a:ln w="28575" cap="rnd">
-              <a:solidFill>
-                <a:schemeClr val="accent2"/>
-              </a:solidFill>
-              <a:round/>
-            </a:ln>
-            <a:effectLst/>
-          </c:spPr>
-          <c:marker>
-            <c:symbol val="square"/>
-            <c:size val="8"/>
-            <c:spPr>
-              <a:solidFill>
-                <a:schemeClr val="accent2"/>
-              </a:solidFill>
-              <a:ln w="9525">
-                <a:solidFill>
-                  <a:schemeClr val="accent2"/>
-                </a:solidFill>
-              </a:ln>
-              <a:effectLst/>
-            </c:spPr>
-          </c:marker>
-          <c:dLbls>
-            <c:delete val="1"/>
-          </c:dLbls>
-          <c:cat>
-            <c:strRef>
-              <c:f>All!$B$41:$B$55</c:f>
-              <c:strCache>
-                <c:ptCount val="14"/>
-                <c:pt idx="0">
-                  <c:v>1</c:v>
-                </c:pt>
-                <c:pt idx="1">
-                  <c:v>2</c:v>
-                </c:pt>
-                <c:pt idx="2">
-                  <c:v>3</c:v>
-                </c:pt>
-                <c:pt idx="3">
-                  <c:v>4</c:v>
-                </c:pt>
-                <c:pt idx="4">
-                  <c:v>5</c:v>
-                </c:pt>
-                <c:pt idx="5">
-                  <c:v>6</c:v>
-                </c:pt>
-                <c:pt idx="6">
-                  <c:v>7</c:v>
-                </c:pt>
-                <c:pt idx="7">
-                  <c:v>8</c:v>
-                </c:pt>
-                <c:pt idx="8">
-                  <c:v>9</c:v>
-                </c:pt>
-                <c:pt idx="9">
-                  <c:v>10</c:v>
-                </c:pt>
-                <c:pt idx="10">
-                  <c:v>11</c:v>
-                </c:pt>
-                <c:pt idx="11">
-                  <c:v>12</c:v>
-                </c:pt>
-                <c:pt idx="13">
-                  <c:v>all</c:v>
-                </c:pt>
-              </c:strCache>
-            </c:strRef>
-          </c:cat>
-          <c:val>
-            <c:numRef>
-              <c:f>All!$D$41:$D$52</c:f>
-              <c:numCache>
-                <c:formatCode>General</c:formatCode>
-                <c:ptCount val="12"/>
-                <c:pt idx="0">
-                  <c:v>144.17013120000001</c:v>
-                </c:pt>
-                <c:pt idx="1">
-                  <c:v>128.21358515</c:v>
-                </c:pt>
-                <c:pt idx="2">
-                  <c:v>137.31419664999999</c:v>
-                </c:pt>
-                <c:pt idx="3">
-                  <c:v>135.06091396666667</c:v>
-                </c:pt>
-                <c:pt idx="4">
-                  <c:v>141.98991051666667</c:v>
-                </c:pt>
-                <c:pt idx="5">
-                  <c:v>147.60879869999999</c:v>
-                </c:pt>
-                <c:pt idx="6">
-                  <c:v>159.56385401666665</c:v>
-                </c:pt>
-                <c:pt idx="7">
-                  <c:v>157.94185214999999</c:v>
-                </c:pt>
-                <c:pt idx="8">
-                  <c:v>147.02166340000002</c:v>
-                </c:pt>
-                <c:pt idx="9">
-                  <c:v>142.08964723333332</c:v>
-                </c:pt>
-                <c:pt idx="10">
-                  <c:v>166.06515708333333</c:v>
-                </c:pt>
-                <c:pt idx="11">
-                  <c:v>163.71282773333334</c:v>
-                </c:pt>
-              </c:numCache>
-            </c:numRef>
-          </c:val>
-          <c:smooth val="0"/>
-          <c:extLst>
-            <c:ext xmlns:c16="http://schemas.microsoft.com/office/drawing/2014/chart" uri="{C3380CC4-5D6E-409C-BE32-E72D297353CC}">
-              <c16:uniqueId val="{00000001-DFC7-4298-8FCA-E579C9AF5C75}"/>
-            </c:ext>
-          </c:extLst>
-        </c:ser>
-        <c:dLbls>
-          <c:dLblPos val="t"/>
-          <c:showLegendKey val="0"/>
-          <c:showVal val="1"/>
-          <c:showCatName val="0"/>
-          <c:showSerName val="0"/>
-          <c:showPercent val="0"/>
-          <c:showBubbleSize val="0"/>
-        </c:dLbls>
-        <c:marker val="1"/>
-        <c:smooth val="0"/>
-        <c:axId val="864096984"/>
-        <c:axId val="864091736"/>
-      </c:lineChart>
-      <c:catAx>
-        <c:axId val="864096984"/>
-        <c:scaling>
-          <c:orientation val="minMax"/>
-        </c:scaling>
-        <c:delete val="0"/>
-        <c:axPos val="b"/>
-        <c:title>
-          <c:tx>
-            <c:rich>
-              <a:bodyPr rot="0" spcFirstLastPara="1" vertOverflow="ellipsis" vert="horz" wrap="square" anchor="ctr" anchorCtr="1"/>
-              <a:lstStyle/>
-              <a:p>
-                <a:pPr>
-                  <a:defRPr sz="1050" b="0" i="0" u="none" strike="noStrike" kern="1200" baseline="0">
-                    <a:solidFill>
-                      <a:sysClr val="windowText" lastClr="000000"/>
-                    </a:solidFill>
-                    <a:latin typeface="+mn-lt"/>
-                    <a:ea typeface="+mn-ea"/>
-                    <a:cs typeface="+mn-cs"/>
-                  </a:defRPr>
-                </a:pPr>
-                <a:r>
-                  <a:rPr lang="ja-JP" altLang="en-US" sz="1050">
-                    <a:solidFill>
-                      <a:sysClr val="windowText" lastClr="000000"/>
-                    </a:solidFill>
-                  </a:rPr>
-                  <a:t>セッション</a:t>
-                </a:r>
-              </a:p>
-            </c:rich>
-          </c:tx>
-          <c:layout>
-            <c:manualLayout>
-              <c:xMode val="edge"/>
-              <c:yMode val="edge"/>
-              <c:x val="0.4489083552055993"/>
-              <c:y val="0.88627296587926507"/>
-            </c:manualLayout>
-          </c:layout>
-          <c:overlay val="0"/>
-          <c:spPr>
-            <a:noFill/>
-            <a:ln>
-              <a:noFill/>
-            </a:ln>
-            <a:effectLst/>
-          </c:spPr>
-          <c:txPr>
-            <a:bodyPr rot="0" spcFirstLastPara="1" vertOverflow="ellipsis" vert="horz" wrap="square" anchor="ctr" anchorCtr="1"/>
-            <a:lstStyle/>
-            <a:p>
-              <a:pPr>
-                <a:defRPr sz="1050" b="0" i="0" u="none" strike="noStrike" kern="1200" baseline="0">
-                  <a:solidFill>
-                    <a:sysClr val="windowText" lastClr="000000"/>
-                  </a:solidFill>
-                  <a:latin typeface="+mn-lt"/>
-                  <a:ea typeface="+mn-ea"/>
-                  <a:cs typeface="+mn-cs"/>
-                </a:defRPr>
-              </a:pPr>
-              <a:endParaRPr lang="ja-JP"/>
-            </a:p>
-          </c:txPr>
-        </c:title>
-        <c:numFmt formatCode="General" sourceLinked="1"/>
-        <c:majorTickMark val="none"/>
-        <c:minorTickMark val="none"/>
-        <c:tickLblPos val="nextTo"/>
-        <c:spPr>
-          <a:noFill/>
-          <a:ln w="9525" cap="flat" cmpd="sng" algn="ctr">
-            <a:solidFill>
-              <a:schemeClr val="tx1">
-                <a:lumMod val="15000"/>
-                <a:lumOff val="85000"/>
-              </a:schemeClr>
-            </a:solidFill>
-            <a:round/>
-          </a:ln>
-          <a:effectLst/>
-        </c:spPr>
-        <c:txPr>
-          <a:bodyPr rot="-60000000" spcFirstLastPara="1" vertOverflow="ellipsis" vert="horz" wrap="square" anchor="ctr" anchorCtr="1"/>
-          <a:lstStyle/>
-          <a:p>
-            <a:pPr>
-              <a:defRPr sz="900" b="0" i="0" u="none" strike="noStrike" kern="1200" baseline="0">
-                <a:solidFill>
-                  <a:sysClr val="windowText" lastClr="000000"/>
-                </a:solidFill>
-                <a:latin typeface="+mn-lt"/>
-                <a:ea typeface="+mn-ea"/>
-                <a:cs typeface="+mn-cs"/>
-              </a:defRPr>
-            </a:pPr>
-            <a:endParaRPr lang="ja-JP"/>
-          </a:p>
-        </c:txPr>
-        <c:crossAx val="864091736"/>
-        <c:crosses val="autoZero"/>
-        <c:auto val="1"/>
-        <c:lblAlgn val="ctr"/>
-        <c:lblOffset val="100"/>
-        <c:noMultiLvlLbl val="0"/>
-      </c:catAx>
-      <c:valAx>
-        <c:axId val="864091736"/>
-        <c:scaling>
-          <c:orientation val="minMax"/>
-        </c:scaling>
-        <c:delete val="0"/>
-        <c:axPos val="l"/>
-        <c:majorGridlines>
-          <c:spPr>
-            <a:ln w="9525" cap="flat" cmpd="sng" algn="ctr">
-              <a:solidFill>
-                <a:schemeClr val="tx1">
-                  <a:lumMod val="15000"/>
-                  <a:lumOff val="85000"/>
-                </a:schemeClr>
-              </a:solidFill>
-              <a:round/>
-            </a:ln>
-            <a:effectLst/>
-          </c:spPr>
-        </c:majorGridlines>
-        <c:title>
-          <c:tx>
-            <c:rich>
-              <a:bodyPr rot="0" spcFirstLastPara="1" vertOverflow="ellipsis" wrap="square" anchor="ctr" anchorCtr="1"/>
-              <a:lstStyle/>
-              <a:p>
-                <a:pPr>
-                  <a:defRPr sz="1000" b="0" i="0" u="none" strike="noStrike" kern="1200" baseline="0">
-                    <a:solidFill>
-                      <a:sysClr val="windowText" lastClr="000000"/>
-                    </a:solidFill>
-                    <a:latin typeface="+mn-lt"/>
-                    <a:ea typeface="+mn-ea"/>
-                    <a:cs typeface="+mn-cs"/>
-                  </a:defRPr>
-                </a:pPr>
-                <a:r>
-                  <a:rPr lang="en-US" altLang="ja-JP" sz="1050">
-                    <a:solidFill>
-                      <a:sysClr val="windowText" lastClr="000000"/>
-                    </a:solidFill>
-                    <a:latin typeface="+mn-ea"/>
-                    <a:ea typeface="+mn-ea"/>
-                  </a:rPr>
-                  <a:t>CPM</a:t>
-                </a:r>
-                <a:endParaRPr lang="ja-JP" altLang="en-US" sz="1050">
-                  <a:solidFill>
-                    <a:sysClr val="windowText" lastClr="000000"/>
-                  </a:solidFill>
-                  <a:latin typeface="+mn-ea"/>
-                  <a:ea typeface="+mn-ea"/>
-                </a:endParaRPr>
-              </a:p>
-            </c:rich>
-          </c:tx>
-          <c:layout>
-            <c:manualLayout>
-              <c:xMode val="edge"/>
-              <c:yMode val="edge"/>
-              <c:x val="1.1203049430600338E-2"/>
-              <c:y val="2.3101515391178926E-2"/>
-            </c:manualLayout>
-          </c:layout>
-          <c:overlay val="0"/>
-          <c:spPr>
-            <a:noFill/>
-            <a:ln>
-              <a:noFill/>
-            </a:ln>
-            <a:effectLst/>
-          </c:spPr>
-          <c:txPr>
-            <a:bodyPr rot="0" spcFirstLastPara="1" vertOverflow="ellipsis" wrap="square" anchor="ctr" anchorCtr="1"/>
-            <a:lstStyle/>
-            <a:p>
-              <a:pPr>
-                <a:defRPr sz="1000" b="0" i="0" u="none" strike="noStrike" kern="1200" baseline="0">
-                  <a:solidFill>
-                    <a:sysClr val="windowText" lastClr="000000"/>
-                  </a:solidFill>
-                  <a:latin typeface="+mn-lt"/>
-                  <a:ea typeface="+mn-ea"/>
-                  <a:cs typeface="+mn-cs"/>
-                </a:defRPr>
-              </a:pPr>
-              <a:endParaRPr lang="ja-JP"/>
-            </a:p>
-          </c:txPr>
-        </c:title>
-        <c:numFmt formatCode="General" sourceLinked="1"/>
-        <c:majorTickMark val="none"/>
-        <c:minorTickMark val="none"/>
-        <c:tickLblPos val="nextTo"/>
-        <c:spPr>
-          <a:noFill/>
-          <a:ln>
-            <a:noFill/>
-          </a:ln>
-          <a:effectLst/>
-        </c:spPr>
-        <c:txPr>
-          <a:bodyPr rot="-60000000" spcFirstLastPara="1" vertOverflow="ellipsis" vert="horz" wrap="square" anchor="ctr" anchorCtr="1"/>
-          <a:lstStyle/>
-          <a:p>
-            <a:pPr>
-              <a:defRPr sz="900" b="0" i="0" u="none" strike="noStrike" kern="1200" baseline="0">
-                <a:solidFill>
-                  <a:sysClr val="windowText" lastClr="000000"/>
-                </a:solidFill>
-                <a:latin typeface="+mn-lt"/>
-                <a:ea typeface="+mn-ea"/>
-                <a:cs typeface="+mn-cs"/>
-              </a:defRPr>
-            </a:pPr>
-            <a:endParaRPr lang="ja-JP"/>
-          </a:p>
-        </c:txPr>
-        <c:crossAx val="864096984"/>
-        <c:crosses val="autoZero"/>
-        <c:crossBetween val="between"/>
-      </c:valAx>
-      <c:spPr>
-        <a:noFill/>
-        <a:ln>
-          <a:noFill/>
-        </a:ln>
-        <a:effectLst/>
-      </c:spPr>
-    </c:plotArea>
-    <c:legend>
-      <c:legendPos val="b"/>
-      <c:layout>
-        <c:manualLayout>
-          <c:xMode val="edge"/>
-          <c:yMode val="edge"/>
-          <c:x val="0.2688888888888889"/>
-          <c:y val="4.3093832020997341E-2"/>
-          <c:w val="0.44000000000000006"/>
-          <c:h val="8.6535797608632267E-2"/>
-        </c:manualLayout>
-      </c:layout>
-      <c:overlay val="0"/>
-      <c:spPr>
-        <a:noFill/>
-        <a:ln>
-          <a:noFill/>
-        </a:ln>
-        <a:effectLst/>
-      </c:spPr>
-      <c:txPr>
-        <a:bodyPr rot="0" spcFirstLastPara="1" vertOverflow="ellipsis" vert="horz" wrap="square" anchor="ctr" anchorCtr="1"/>
-        <a:lstStyle/>
-        <a:p>
-          <a:pPr>
-            <a:defRPr sz="1050" b="0" i="0" u="none" strike="noStrike" kern="1200" baseline="0">
-              <a:solidFill>
-                <a:sysClr val="windowText" lastClr="000000"/>
-              </a:solidFill>
-              <a:latin typeface="+mn-lt"/>
-              <a:ea typeface="+mn-ea"/>
-              <a:cs typeface="+mn-cs"/>
-            </a:defRPr>
-          </a:pPr>
-          <a:endParaRPr lang="ja-JP"/>
-        </a:p>
-      </c:txPr>
-    </c:legend>
-    <c:plotVisOnly val="1"/>
-    <c:dispBlanksAs val="gap"/>
-    <c:showDLblsOverMax val="0"/>
-  </c:chart>
-  <c:spPr>
-    <a:noFill/>
-    <a:ln>
-      <a:noFill/>
-    </a:ln>
-    <a:effectLst/>
-  </c:spPr>
-  <c:txPr>
-    <a:bodyPr/>
-    <a:lstStyle/>
-    <a:p>
-      <a:pPr>
-        <a:defRPr/>
-      </a:pPr>
-      <a:endParaRPr lang="ja-JP"/>
-    </a:p>
-  </c:txPr>
-  <c:externalData r:id="rId3">
-    <c:autoUpdate val="0"/>
-  </c:externalData>
-</c:chartSpace>
-</file>
-
 <file path=ppt/charts/chart5.xml><?xml version="1.0" encoding="utf-8"?>
 <c:chartSpace xmlns:c="http://schemas.openxmlformats.org/drawingml/2006/chart" xmlns:a="http://schemas.openxmlformats.org/drawingml/2006/main" xmlns:r="http://schemas.openxmlformats.org/officeDocument/2006/relationships" xmlns:c16r2="http://schemas.microsoft.com/office/drawing/2015/06/chart">
   <c:date1904 val="0"/>
@@ -3139,6 +3147,578 @@
               </a:solidFill>
               <a:latin typeface="+mn-lt"/>
               <a:ea typeface="+mn-ea"/>
+              <a:cs typeface="+mn-cs"/>
+            </a:defRPr>
+          </a:pPr>
+          <a:endParaRPr lang="ja-JP"/>
+        </a:p>
+      </c:txPr>
+    </c:legend>
+    <c:plotVisOnly val="1"/>
+    <c:dispBlanksAs val="gap"/>
+    <c:showDLblsOverMax val="0"/>
+  </c:chart>
+  <c:spPr>
+    <a:noFill/>
+    <a:ln>
+      <a:noFill/>
+    </a:ln>
+    <a:effectLst/>
+  </c:spPr>
+  <c:txPr>
+    <a:bodyPr/>
+    <a:lstStyle/>
+    <a:p>
+      <a:pPr>
+        <a:defRPr/>
+      </a:pPr>
+      <a:endParaRPr lang="ja-JP"/>
+    </a:p>
+  </c:txPr>
+  <c:externalData r:id="rId3">
+    <c:autoUpdate val="0"/>
+  </c:externalData>
+</c:chartSpace>
+</file>
+
+<file path=ppt/charts/chart6.xml><?xml version="1.0" encoding="utf-8"?>
+<c:chartSpace xmlns:c="http://schemas.openxmlformats.org/drawingml/2006/chart" xmlns:a="http://schemas.openxmlformats.org/drawingml/2006/main" xmlns:r="http://schemas.openxmlformats.org/officeDocument/2006/relationships" xmlns:c16r2="http://schemas.microsoft.com/office/drawing/2015/06/chart">
+  <c:date1904 val="0"/>
+  <c:lang val="ja-JP"/>
+  <c:roundedCorners val="0"/>
+  <mc:AlternateContent xmlns:mc="http://schemas.openxmlformats.org/markup-compatibility/2006">
+    <mc:Choice xmlns:c14="http://schemas.microsoft.com/office/drawing/2007/8/2/chart" Requires="c14">
+      <c14:style val="107"/>
+    </mc:Choice>
+    <mc:Fallback>
+      <c:style val="7"/>
+    </mc:Fallback>
+  </mc:AlternateContent>
+  <c:chart>
+    <c:autoTitleDeleted val="1"/>
+    <c:plotArea>
+      <c:layout>
+        <c:manualLayout>
+          <c:layoutTarget val="inner"/>
+          <c:xMode val="edge"/>
+          <c:yMode val="edge"/>
+          <c:x val="9.7122703412073491E-2"/>
+          <c:y val="0.22685185185185186"/>
+          <c:w val="0.87232174103237092"/>
+          <c:h val="0.60078667249927098"/>
+        </c:manualLayout>
+      </c:layout>
+      <c:barChart>
+        <c:barDir val="col"/>
+        <c:grouping val="percentStacked"/>
+        <c:varyColors val="0"/>
+        <c:ser>
+          <c:idx val="0"/>
+          <c:order val="0"/>
+          <c:tx>
+            <c:v>全く同意できない</c:v>
+          </c:tx>
+          <c:spPr>
+            <a:solidFill>
+              <a:schemeClr val="accent5">
+                <a:shade val="53000"/>
+              </a:schemeClr>
+            </a:solidFill>
+            <a:ln>
+              <a:noFill/>
+            </a:ln>
+            <a:effectLst/>
+          </c:spPr>
+          <c:invertIfNegative val="0"/>
+          <c:cat>
+            <c:strRef>
+              <c:f>ウィルコクソン!$T$5:$T$16</c:f>
+              <c:strCache>
+                <c:ptCount val="11"/>
+                <c:pt idx="1">
+                  <c:v>既存手法</c:v>
+                </c:pt>
+                <c:pt idx="2">
+                  <c:v>提案手法</c:v>
+                </c:pt>
+                <c:pt idx="5">
+                  <c:v>既存手法</c:v>
+                </c:pt>
+                <c:pt idx="6">
+                  <c:v>提案手法</c:v>
+                </c:pt>
+                <c:pt idx="9">
+                  <c:v>既存手法</c:v>
+                </c:pt>
+                <c:pt idx="10">
+                  <c:v>提案手法</c:v>
+                </c:pt>
+              </c:strCache>
+            </c:strRef>
+          </c:cat>
+          <c:val>
+            <c:numRef>
+              <c:f>ウィルコクソン!$U$5:$U$16</c:f>
+              <c:numCache>
+                <c:formatCode>General</c:formatCode>
+                <c:ptCount val="12"/>
+                <c:pt idx="1">
+                  <c:v>4</c:v>
+                </c:pt>
+                <c:pt idx="2">
+                  <c:v>0</c:v>
+                </c:pt>
+                <c:pt idx="5">
+                  <c:v>3</c:v>
+                </c:pt>
+                <c:pt idx="6">
+                  <c:v>0</c:v>
+                </c:pt>
+                <c:pt idx="9">
+                  <c:v>1</c:v>
+                </c:pt>
+                <c:pt idx="10">
+                  <c:v>1</c:v>
+                </c:pt>
+              </c:numCache>
+            </c:numRef>
+          </c:val>
+          <c:extLst>
+            <c:ext xmlns:c16="http://schemas.microsoft.com/office/drawing/2014/chart" uri="{C3380CC4-5D6E-409C-BE32-E72D297353CC}">
+              <c16:uniqueId val="{00000000-CEC2-46DF-8A67-545D9995E56D}"/>
+            </c:ext>
+          </c:extLst>
+        </c:ser>
+        <c:ser>
+          <c:idx val="1"/>
+          <c:order val="1"/>
+          <c:tx>
+            <c:v>同意できない</c:v>
+          </c:tx>
+          <c:spPr>
+            <a:solidFill>
+              <a:schemeClr val="accent5">
+                <a:shade val="76000"/>
+              </a:schemeClr>
+            </a:solidFill>
+            <a:ln>
+              <a:noFill/>
+            </a:ln>
+            <a:effectLst/>
+          </c:spPr>
+          <c:invertIfNegative val="0"/>
+          <c:cat>
+            <c:strRef>
+              <c:f>ウィルコクソン!$T$5:$T$16</c:f>
+              <c:strCache>
+                <c:ptCount val="11"/>
+                <c:pt idx="1">
+                  <c:v>既存手法</c:v>
+                </c:pt>
+                <c:pt idx="2">
+                  <c:v>提案手法</c:v>
+                </c:pt>
+                <c:pt idx="5">
+                  <c:v>既存手法</c:v>
+                </c:pt>
+                <c:pt idx="6">
+                  <c:v>提案手法</c:v>
+                </c:pt>
+                <c:pt idx="9">
+                  <c:v>既存手法</c:v>
+                </c:pt>
+                <c:pt idx="10">
+                  <c:v>提案手法</c:v>
+                </c:pt>
+              </c:strCache>
+            </c:strRef>
+          </c:cat>
+          <c:val>
+            <c:numRef>
+              <c:f>ウィルコクソン!$V$5:$V$16</c:f>
+              <c:numCache>
+                <c:formatCode>General</c:formatCode>
+                <c:ptCount val="12"/>
+                <c:pt idx="1">
+                  <c:v>2</c:v>
+                </c:pt>
+                <c:pt idx="2">
+                  <c:v>0</c:v>
+                </c:pt>
+                <c:pt idx="5">
+                  <c:v>7</c:v>
+                </c:pt>
+                <c:pt idx="6">
+                  <c:v>0</c:v>
+                </c:pt>
+                <c:pt idx="9">
+                  <c:v>0</c:v>
+                </c:pt>
+                <c:pt idx="10">
+                  <c:v>1</c:v>
+                </c:pt>
+              </c:numCache>
+            </c:numRef>
+          </c:val>
+          <c:extLst>
+            <c:ext xmlns:c16="http://schemas.microsoft.com/office/drawing/2014/chart" uri="{C3380CC4-5D6E-409C-BE32-E72D297353CC}">
+              <c16:uniqueId val="{00000001-CEC2-46DF-8A67-545D9995E56D}"/>
+            </c:ext>
+          </c:extLst>
+        </c:ser>
+        <c:ser>
+          <c:idx val="2"/>
+          <c:order val="2"/>
+          <c:tx>
+            <c:v>どちらともいえない</c:v>
+          </c:tx>
+          <c:spPr>
+            <a:solidFill>
+              <a:schemeClr val="accent5"/>
+            </a:solidFill>
+            <a:ln>
+              <a:noFill/>
+            </a:ln>
+            <a:effectLst/>
+          </c:spPr>
+          <c:invertIfNegative val="0"/>
+          <c:cat>
+            <c:strRef>
+              <c:f>ウィルコクソン!$T$5:$T$16</c:f>
+              <c:strCache>
+                <c:ptCount val="11"/>
+                <c:pt idx="1">
+                  <c:v>既存手法</c:v>
+                </c:pt>
+                <c:pt idx="2">
+                  <c:v>提案手法</c:v>
+                </c:pt>
+                <c:pt idx="5">
+                  <c:v>既存手法</c:v>
+                </c:pt>
+                <c:pt idx="6">
+                  <c:v>提案手法</c:v>
+                </c:pt>
+                <c:pt idx="9">
+                  <c:v>既存手法</c:v>
+                </c:pt>
+                <c:pt idx="10">
+                  <c:v>提案手法</c:v>
+                </c:pt>
+              </c:strCache>
+            </c:strRef>
+          </c:cat>
+          <c:val>
+            <c:numRef>
+              <c:f>ウィルコクソン!$W$5:$W$16</c:f>
+              <c:numCache>
+                <c:formatCode>General</c:formatCode>
+                <c:ptCount val="12"/>
+                <c:pt idx="1">
+                  <c:v>3</c:v>
+                </c:pt>
+                <c:pt idx="2">
+                  <c:v>4</c:v>
+                </c:pt>
+                <c:pt idx="5">
+                  <c:v>0</c:v>
+                </c:pt>
+                <c:pt idx="6">
+                  <c:v>5</c:v>
+                </c:pt>
+                <c:pt idx="9">
+                  <c:v>2</c:v>
+                </c:pt>
+                <c:pt idx="10">
+                  <c:v>1</c:v>
+                </c:pt>
+              </c:numCache>
+            </c:numRef>
+          </c:val>
+          <c:extLst>
+            <c:ext xmlns:c16="http://schemas.microsoft.com/office/drawing/2014/chart" uri="{C3380CC4-5D6E-409C-BE32-E72D297353CC}">
+              <c16:uniqueId val="{00000002-CEC2-46DF-8A67-545D9995E56D}"/>
+            </c:ext>
+          </c:extLst>
+        </c:ser>
+        <c:ser>
+          <c:idx val="3"/>
+          <c:order val="3"/>
+          <c:tx>
+            <c:v>同意できる</c:v>
+          </c:tx>
+          <c:spPr>
+            <a:solidFill>
+              <a:schemeClr val="accent5">
+                <a:tint val="77000"/>
+              </a:schemeClr>
+            </a:solidFill>
+            <a:ln>
+              <a:noFill/>
+            </a:ln>
+            <a:effectLst/>
+          </c:spPr>
+          <c:invertIfNegative val="0"/>
+          <c:cat>
+            <c:strRef>
+              <c:f>ウィルコクソン!$T$5:$T$16</c:f>
+              <c:strCache>
+                <c:ptCount val="11"/>
+                <c:pt idx="1">
+                  <c:v>既存手法</c:v>
+                </c:pt>
+                <c:pt idx="2">
+                  <c:v>提案手法</c:v>
+                </c:pt>
+                <c:pt idx="5">
+                  <c:v>既存手法</c:v>
+                </c:pt>
+                <c:pt idx="6">
+                  <c:v>提案手法</c:v>
+                </c:pt>
+                <c:pt idx="9">
+                  <c:v>既存手法</c:v>
+                </c:pt>
+                <c:pt idx="10">
+                  <c:v>提案手法</c:v>
+                </c:pt>
+              </c:strCache>
+            </c:strRef>
+          </c:cat>
+          <c:val>
+            <c:numRef>
+              <c:f>ウィルコクソン!$X$5:$X$16</c:f>
+              <c:numCache>
+                <c:formatCode>General</c:formatCode>
+                <c:ptCount val="12"/>
+                <c:pt idx="1">
+                  <c:v>1</c:v>
+                </c:pt>
+                <c:pt idx="2">
+                  <c:v>6</c:v>
+                </c:pt>
+                <c:pt idx="5">
+                  <c:v>0</c:v>
+                </c:pt>
+                <c:pt idx="6">
+                  <c:v>5</c:v>
+                </c:pt>
+                <c:pt idx="9">
+                  <c:v>3</c:v>
+                </c:pt>
+                <c:pt idx="10">
+                  <c:v>2</c:v>
+                </c:pt>
+              </c:numCache>
+            </c:numRef>
+          </c:val>
+          <c:extLst>
+            <c:ext xmlns:c16="http://schemas.microsoft.com/office/drawing/2014/chart" uri="{C3380CC4-5D6E-409C-BE32-E72D297353CC}">
+              <c16:uniqueId val="{00000003-CEC2-46DF-8A67-545D9995E56D}"/>
+            </c:ext>
+          </c:extLst>
+        </c:ser>
+        <c:ser>
+          <c:idx val="4"/>
+          <c:order val="4"/>
+          <c:tx>
+            <c:v>非常に同意できる</c:v>
+          </c:tx>
+          <c:spPr>
+            <a:solidFill>
+              <a:schemeClr val="accent5">
+                <a:tint val="54000"/>
+              </a:schemeClr>
+            </a:solidFill>
+            <a:ln>
+              <a:noFill/>
+            </a:ln>
+            <a:effectLst/>
+          </c:spPr>
+          <c:invertIfNegative val="0"/>
+          <c:cat>
+            <c:strRef>
+              <c:f>ウィルコクソン!$T$5:$T$16</c:f>
+              <c:strCache>
+                <c:ptCount val="11"/>
+                <c:pt idx="1">
+                  <c:v>既存手法</c:v>
+                </c:pt>
+                <c:pt idx="2">
+                  <c:v>提案手法</c:v>
+                </c:pt>
+                <c:pt idx="5">
+                  <c:v>既存手法</c:v>
+                </c:pt>
+                <c:pt idx="6">
+                  <c:v>提案手法</c:v>
+                </c:pt>
+                <c:pt idx="9">
+                  <c:v>既存手法</c:v>
+                </c:pt>
+                <c:pt idx="10">
+                  <c:v>提案手法</c:v>
+                </c:pt>
+              </c:strCache>
+            </c:strRef>
+          </c:cat>
+          <c:val>
+            <c:numRef>
+              <c:f>ウィルコクソン!$Y$5:$Y$16</c:f>
+              <c:numCache>
+                <c:formatCode>General</c:formatCode>
+                <c:ptCount val="12"/>
+                <c:pt idx="1">
+                  <c:v>0</c:v>
+                </c:pt>
+                <c:pt idx="2">
+                  <c:v>0</c:v>
+                </c:pt>
+                <c:pt idx="5">
+                  <c:v>0</c:v>
+                </c:pt>
+                <c:pt idx="6">
+                  <c:v>0</c:v>
+                </c:pt>
+                <c:pt idx="9">
+                  <c:v>4</c:v>
+                </c:pt>
+                <c:pt idx="10">
+                  <c:v>5</c:v>
+                </c:pt>
+              </c:numCache>
+            </c:numRef>
+          </c:val>
+          <c:extLst>
+            <c:ext xmlns:c16="http://schemas.microsoft.com/office/drawing/2014/chart" uri="{C3380CC4-5D6E-409C-BE32-E72D297353CC}">
+              <c16:uniqueId val="{00000004-CEC2-46DF-8A67-545D9995E56D}"/>
+            </c:ext>
+          </c:extLst>
+        </c:ser>
+        <c:dLbls>
+          <c:showLegendKey val="0"/>
+          <c:showVal val="0"/>
+          <c:showCatName val="0"/>
+          <c:showSerName val="0"/>
+          <c:showPercent val="0"/>
+          <c:showBubbleSize val="0"/>
+        </c:dLbls>
+        <c:gapWidth val="25"/>
+        <c:overlap val="100"/>
+        <c:axId val="537169168"/>
+        <c:axId val="531022368"/>
+      </c:barChart>
+      <c:catAx>
+        <c:axId val="537169168"/>
+        <c:scaling>
+          <c:orientation val="minMax"/>
+        </c:scaling>
+        <c:delete val="1"/>
+        <c:axPos val="b"/>
+        <c:numFmt formatCode="General" sourceLinked="1"/>
+        <c:majorTickMark val="none"/>
+        <c:minorTickMark val="none"/>
+        <c:tickLblPos val="nextTo"/>
+        <c:crossAx val="531022368"/>
+        <c:crossesAt val="0"/>
+        <c:auto val="1"/>
+        <c:lblAlgn val="ctr"/>
+        <c:lblOffset val="100"/>
+        <c:tickLblSkip val="1"/>
+        <c:noMultiLvlLbl val="0"/>
+      </c:catAx>
+      <c:valAx>
+        <c:axId val="531022368"/>
+        <c:scaling>
+          <c:orientation val="minMax"/>
+        </c:scaling>
+        <c:delete val="0"/>
+        <c:axPos val="l"/>
+        <c:majorGridlines>
+          <c:spPr>
+            <a:ln w="9525" cap="flat" cmpd="sng" algn="ctr">
+              <a:solidFill>
+                <a:schemeClr val="tx1">
+                  <a:lumMod val="15000"/>
+                  <a:lumOff val="85000"/>
+                </a:schemeClr>
+              </a:solidFill>
+              <a:round/>
+            </a:ln>
+            <a:effectLst/>
+          </c:spPr>
+        </c:majorGridlines>
+        <c:numFmt formatCode="0%" sourceLinked="0"/>
+        <c:majorTickMark val="none"/>
+        <c:minorTickMark val="none"/>
+        <c:tickLblPos val="nextTo"/>
+        <c:spPr>
+          <a:noFill/>
+          <a:ln>
+            <a:noFill/>
+          </a:ln>
+          <a:effectLst/>
+        </c:spPr>
+        <c:txPr>
+          <a:bodyPr rot="-60000000" spcFirstLastPara="1" vertOverflow="ellipsis" vert="horz" wrap="square" anchor="ctr" anchorCtr="1"/>
+          <a:lstStyle/>
+          <a:p>
+            <a:pPr>
+              <a:defRPr sz="900" b="0" i="0" u="none" strike="noStrike" kern="1200" baseline="0">
+                <a:solidFill>
+                  <a:schemeClr val="tx1"/>
+                </a:solidFill>
+                <a:latin typeface="游ゴシック Medium" panose="020B0500000000000000" pitchFamily="50" charset="-128"/>
+                <a:ea typeface="游ゴシック Medium" panose="020B0500000000000000" pitchFamily="50" charset="-128"/>
+                <a:cs typeface="+mn-cs"/>
+              </a:defRPr>
+            </a:pPr>
+            <a:endParaRPr lang="ja-JP"/>
+          </a:p>
+        </c:txPr>
+        <c:crossAx val="537169168"/>
+        <c:crosses val="autoZero"/>
+        <c:crossBetween val="between"/>
+      </c:valAx>
+      <c:spPr>
+        <a:noFill/>
+        <a:ln>
+          <a:noFill/>
+        </a:ln>
+        <a:effectLst/>
+      </c:spPr>
+    </c:plotArea>
+    <c:legend>
+      <c:legendPos val="b"/>
+      <c:layout>
+        <c:manualLayout>
+          <c:xMode val="edge"/>
+          <c:yMode val="edge"/>
+          <c:x val="9.166666666666666E-2"/>
+          <c:y val="5.2077865266841631E-3"/>
+          <c:w val="0.87777777777777788"/>
+          <c:h val="0.11689924176144649"/>
+        </c:manualLayout>
+      </c:layout>
+      <c:overlay val="0"/>
+      <c:spPr>
+        <a:noFill/>
+        <a:ln>
+          <a:noFill/>
+        </a:ln>
+        <a:effectLst/>
+      </c:spPr>
+      <c:txPr>
+        <a:bodyPr rot="0" spcFirstLastPara="1" vertOverflow="ellipsis" vert="horz" wrap="square" anchor="ctr" anchorCtr="1"/>
+        <a:lstStyle/>
+        <a:p>
+          <a:pPr>
+            <a:defRPr sz="900" b="0" i="0" u="none" strike="noStrike" kern="1200" baseline="0">
+              <a:solidFill>
+                <a:schemeClr val="tx1"/>
+              </a:solidFill>
+              <a:latin typeface="游ゴシック Medium" panose="020B0500000000000000" pitchFamily="50" charset="-128"/>
+              <a:ea typeface="游ゴシック Medium" panose="020B0500000000000000" pitchFamily="50" charset="-128"/>
               <a:cs typeface="+mn-cs"/>
             </a:defRPr>
           </a:pPr>
@@ -3373,6 +3953,12 @@
 </cs:colorStyle>
 </file>
 
+<file path=ppt/charts/colors6.xml><?xml version="1.0" encoding="utf-8"?>
+<cs:colorStyle xmlns:cs="http://schemas.microsoft.com/office/drawing/2012/chartStyle" xmlns:a="http://schemas.openxmlformats.org/drawingml/2006/main" meth="withinLinear" id="18">
+  <a:schemeClr val="accent5"/>
+</cs:colorStyle>
+</file>
+
 <file path=ppt/charts/style1.xml><?xml version="1.0" encoding="utf-8"?>
 <cs:chartStyle xmlns:cs="http://schemas.microsoft.com/office/drawing/2012/chartStyle" xmlns:a="http://schemas.openxmlformats.org/drawingml/2006/main" id="227">
   <cs:axisTitle>
@@ -3890,7 +4476,7 @@
 </file>
 
 <file path=ppt/charts/style2.xml><?xml version="1.0" encoding="utf-8"?>
-<cs:chartStyle xmlns:cs="http://schemas.microsoft.com/office/drawing/2012/chartStyle" xmlns:a="http://schemas.openxmlformats.org/drawingml/2006/main" id="227">
+<cs:chartStyle xmlns:cs="http://schemas.microsoft.com/office/drawing/2012/chartStyle" xmlns:a="http://schemas.openxmlformats.org/drawingml/2006/main" id="332">
   <cs:axisTitle>
     <cs:lnRef idx="0"/>
     <cs:fillRef idx="0"/>
@@ -3998,11 +4584,6 @@
     <cs:fontRef idx="minor">
       <a:schemeClr val="tx1"/>
     </cs:fontRef>
-    <cs:spPr>
-      <a:solidFill>
-        <a:schemeClr val="phClr"/>
-      </a:solidFill>
-    </cs:spPr>
   </cs:dataPoint>
   <cs:dataPoint3D>
     <cs:lnRef idx="0"/>
@@ -4013,11 +4594,6 @@
     <cs:fontRef idx="minor">
       <a:schemeClr val="tx1"/>
     </cs:fontRef>
-    <cs:spPr>
-      <a:solidFill>
-        <a:schemeClr val="phClr"/>
-      </a:solidFill>
-    </cs:spPr>
   </cs:dataPoint3D>
   <cs:dataPointLine>
     <cs:lnRef idx="0">
@@ -4049,9 +4625,6 @@
       <a:schemeClr val="tx1"/>
     </cs:fontRef>
     <cs:spPr>
-      <a:solidFill>
-        <a:schemeClr val="phClr"/>
-      </a:solidFill>
       <a:ln w="9525">
         <a:solidFill>
           <a:schemeClr val="phClr"/>
@@ -4922,7 +5495,7 @@
 </file>
 
 <file path=ppt/charts/style4.xml><?xml version="1.0" encoding="utf-8"?>
-<cs:chartStyle xmlns:cs="http://schemas.microsoft.com/office/drawing/2012/chartStyle" xmlns:a="http://schemas.openxmlformats.org/drawingml/2006/main" id="332">
+<cs:chartStyle xmlns:cs="http://schemas.microsoft.com/office/drawing/2012/chartStyle" xmlns:a="http://schemas.openxmlformats.org/drawingml/2006/main" id="227">
   <cs:axisTitle>
     <cs:lnRef idx="0"/>
     <cs:fillRef idx="0"/>
@@ -5030,6 +5603,11 @@
     <cs:fontRef idx="minor">
       <a:schemeClr val="tx1"/>
     </cs:fontRef>
+    <cs:spPr>
+      <a:solidFill>
+        <a:schemeClr val="phClr"/>
+      </a:solidFill>
+    </cs:spPr>
   </cs:dataPoint>
   <cs:dataPoint3D>
     <cs:lnRef idx="0"/>
@@ -5040,6 +5618,11 @@
     <cs:fontRef idx="minor">
       <a:schemeClr val="tx1"/>
     </cs:fontRef>
+    <cs:spPr>
+      <a:solidFill>
+        <a:schemeClr val="phClr"/>
+      </a:solidFill>
+    </cs:spPr>
   </cs:dataPoint3D>
   <cs:dataPointLine>
     <cs:lnRef idx="0">
@@ -5071,6 +5654,9 @@
       <a:schemeClr val="tx1"/>
     </cs:fontRef>
     <cs:spPr>
+      <a:solidFill>
+        <a:schemeClr val="phClr"/>
+      </a:solidFill>
       <a:ln w="9525">
         <a:solidFill>
           <a:schemeClr val="phClr"/>
@@ -5895,6 +6481,511 @@
             <a:lumOff val="85000"/>
           </a:schemeClr>
         </a:solidFill>
+      </a:ln>
+    </cs:spPr>
+  </cs:upBar>
+  <cs:valueAxis>
+    <cs:lnRef idx="0"/>
+    <cs:fillRef idx="0"/>
+    <cs:effectRef idx="0"/>
+    <cs:fontRef idx="minor">
+      <a:schemeClr val="tx1">
+        <a:lumMod val="65000"/>
+        <a:lumOff val="35000"/>
+      </a:schemeClr>
+    </cs:fontRef>
+    <cs:defRPr sz="900" kern="1200"/>
+  </cs:valueAxis>
+  <cs:wall>
+    <cs:lnRef idx="0"/>
+    <cs:fillRef idx="0"/>
+    <cs:effectRef idx="0"/>
+    <cs:fontRef idx="minor">
+      <a:schemeClr val="tx1"/>
+    </cs:fontRef>
+    <cs:spPr>
+      <a:noFill/>
+      <a:ln>
+        <a:noFill/>
+      </a:ln>
+    </cs:spPr>
+  </cs:wall>
+</cs:chartStyle>
+</file>
+
+<file path=ppt/charts/style6.xml><?xml version="1.0" encoding="utf-8"?>
+<cs:chartStyle xmlns:cs="http://schemas.microsoft.com/office/drawing/2012/chartStyle" xmlns:a="http://schemas.openxmlformats.org/drawingml/2006/main" id="297">
+  <cs:axisTitle>
+    <cs:lnRef idx="0"/>
+    <cs:fillRef idx="0"/>
+    <cs:effectRef idx="0"/>
+    <cs:fontRef idx="minor">
+      <a:schemeClr val="tx1">
+        <a:lumMod val="65000"/>
+        <a:lumOff val="35000"/>
+      </a:schemeClr>
+    </cs:fontRef>
+    <cs:defRPr sz="1000" kern="1200"/>
+  </cs:axisTitle>
+  <cs:categoryAxis>
+    <cs:lnRef idx="0"/>
+    <cs:fillRef idx="0"/>
+    <cs:effectRef idx="0"/>
+    <cs:fontRef idx="minor">
+      <a:schemeClr val="tx1">
+        <a:lumMod val="65000"/>
+        <a:lumOff val="35000"/>
+      </a:schemeClr>
+    </cs:fontRef>
+    <cs:spPr>
+      <a:ln w="9525" cap="flat" cmpd="sng" algn="ctr">
+        <a:solidFill>
+          <a:schemeClr val="tx1">
+            <a:lumMod val="15000"/>
+            <a:lumOff val="85000"/>
+          </a:schemeClr>
+        </a:solidFill>
+        <a:round/>
+      </a:ln>
+    </cs:spPr>
+    <cs:defRPr sz="900" kern="1200"/>
+  </cs:categoryAxis>
+  <cs:chartArea mods="allowNoFillOverride allowNoLineOverride">
+    <cs:lnRef idx="0"/>
+    <cs:fillRef idx="0"/>
+    <cs:effectRef idx="0"/>
+    <cs:fontRef idx="minor">
+      <a:schemeClr val="tx1"/>
+    </cs:fontRef>
+    <cs:spPr>
+      <a:solidFill>
+        <a:schemeClr val="bg1"/>
+      </a:solidFill>
+      <a:ln w="9525" cap="flat" cmpd="sng" algn="ctr">
+        <a:solidFill>
+          <a:schemeClr val="tx1">
+            <a:lumMod val="15000"/>
+            <a:lumOff val="85000"/>
+          </a:schemeClr>
+        </a:solidFill>
+        <a:round/>
+      </a:ln>
+    </cs:spPr>
+    <cs:defRPr sz="1000" kern="1200"/>
+  </cs:chartArea>
+  <cs:dataLabel>
+    <cs:lnRef idx="0"/>
+    <cs:fillRef idx="0"/>
+    <cs:effectRef idx="0"/>
+    <cs:fontRef idx="minor">
+      <a:schemeClr val="tx1">
+        <a:lumMod val="75000"/>
+        <a:lumOff val="25000"/>
+      </a:schemeClr>
+    </cs:fontRef>
+    <cs:defRPr sz="900" kern="1200"/>
+  </cs:dataLabel>
+  <cs:dataLabelCallout>
+    <cs:lnRef idx="0"/>
+    <cs:fillRef idx="0"/>
+    <cs:effectRef idx="0"/>
+    <cs:fontRef idx="minor">
+      <a:schemeClr val="dk1">
+        <a:lumMod val="65000"/>
+        <a:lumOff val="35000"/>
+      </a:schemeClr>
+    </cs:fontRef>
+    <cs:spPr>
+      <a:solidFill>
+        <a:schemeClr val="lt1"/>
+      </a:solidFill>
+      <a:ln>
+        <a:solidFill>
+          <a:schemeClr val="dk1">
+            <a:lumMod val="25000"/>
+            <a:lumOff val="75000"/>
+          </a:schemeClr>
+        </a:solidFill>
+      </a:ln>
+    </cs:spPr>
+    <cs:defRPr sz="900" kern="1200"/>
+    <cs:bodyPr rot="0" spcFirstLastPara="1" vertOverflow="clip" horzOverflow="clip" vert="horz" wrap="square" lIns="36576" tIns="18288" rIns="36576" bIns="18288" anchor="ctr" anchorCtr="1">
+      <a:spAutoFit/>
+    </cs:bodyPr>
+  </cs:dataLabelCallout>
+  <cs:dataPoint>
+    <cs:lnRef idx="0"/>
+    <cs:fillRef idx="1">
+      <cs:styleClr val="auto"/>
+    </cs:fillRef>
+    <cs:effectRef idx="0"/>
+    <cs:fontRef idx="minor">
+      <a:schemeClr val="tx1"/>
+    </cs:fontRef>
+  </cs:dataPoint>
+  <cs:dataPoint3D>
+    <cs:lnRef idx="0"/>
+    <cs:fillRef idx="1">
+      <cs:styleClr val="auto"/>
+    </cs:fillRef>
+    <cs:effectRef idx="0"/>
+    <cs:fontRef idx="minor">
+      <a:schemeClr val="tx1"/>
+    </cs:fontRef>
+  </cs:dataPoint3D>
+  <cs:dataPointLine>
+    <cs:lnRef idx="0">
+      <cs:styleClr val="auto"/>
+    </cs:lnRef>
+    <cs:fillRef idx="1"/>
+    <cs:effectRef idx="0"/>
+    <cs:fontRef idx="minor">
+      <a:schemeClr val="tx1"/>
+    </cs:fontRef>
+    <cs:spPr>
+      <a:ln w="28575" cap="rnd">
+        <a:solidFill>
+          <a:schemeClr val="phClr"/>
+        </a:solidFill>
+        <a:round/>
+      </a:ln>
+    </cs:spPr>
+  </cs:dataPointLine>
+  <cs:dataPointMarker>
+    <cs:lnRef idx="0">
+      <cs:styleClr val="auto"/>
+    </cs:lnRef>
+    <cs:fillRef idx="1">
+      <cs:styleClr val="auto"/>
+    </cs:fillRef>
+    <cs:effectRef idx="0"/>
+    <cs:fontRef idx="minor">
+      <a:schemeClr val="tx1"/>
+    </cs:fontRef>
+    <cs:spPr>
+      <a:ln w="9525">
+        <a:solidFill>
+          <a:schemeClr val="phClr"/>
+        </a:solidFill>
+      </a:ln>
+    </cs:spPr>
+  </cs:dataPointMarker>
+  <cs:dataPointMarkerLayout symbol="circle" size="5"/>
+  <cs:dataPointWireframe>
+    <cs:lnRef idx="0">
+      <cs:styleClr val="auto"/>
+    </cs:lnRef>
+    <cs:fillRef idx="1"/>
+    <cs:effectRef idx="0"/>
+    <cs:fontRef idx="minor">
+      <a:schemeClr val="tx1"/>
+    </cs:fontRef>
+    <cs:spPr>
+      <a:ln w="9525" cap="rnd">
+        <a:solidFill>
+          <a:schemeClr val="phClr"/>
+        </a:solidFill>
+        <a:round/>
+      </a:ln>
+    </cs:spPr>
+  </cs:dataPointWireframe>
+  <cs:dataTable>
+    <cs:lnRef idx="0"/>
+    <cs:fillRef idx="0"/>
+    <cs:effectRef idx="0"/>
+    <cs:fontRef idx="minor">
+      <a:schemeClr val="tx1">
+        <a:lumMod val="65000"/>
+        <a:lumOff val="35000"/>
+      </a:schemeClr>
+    </cs:fontRef>
+    <cs:spPr>
+      <a:noFill/>
+      <a:ln w="9525" cap="flat" cmpd="sng" algn="ctr">
+        <a:solidFill>
+          <a:schemeClr val="tx1">
+            <a:lumMod val="15000"/>
+            <a:lumOff val="85000"/>
+          </a:schemeClr>
+        </a:solidFill>
+        <a:round/>
+      </a:ln>
+    </cs:spPr>
+    <cs:defRPr sz="900" kern="1200"/>
+  </cs:dataTable>
+  <cs:downBar>
+    <cs:lnRef idx="0"/>
+    <cs:fillRef idx="0"/>
+    <cs:effectRef idx="0"/>
+    <cs:fontRef idx="minor">
+      <a:schemeClr val="tx1"/>
+    </cs:fontRef>
+    <cs:spPr>
+      <a:solidFill>
+        <a:schemeClr val="dk1">
+          <a:lumMod val="75000"/>
+          <a:lumOff val="25000"/>
+        </a:schemeClr>
+      </a:solidFill>
+      <a:ln w="9525" cap="flat" cmpd="sng" algn="ctr">
+        <a:solidFill>
+          <a:schemeClr val="tx1">
+            <a:lumMod val="65000"/>
+            <a:lumOff val="35000"/>
+          </a:schemeClr>
+        </a:solidFill>
+        <a:round/>
+      </a:ln>
+    </cs:spPr>
+  </cs:downBar>
+  <cs:dropLine>
+    <cs:lnRef idx="0"/>
+    <cs:fillRef idx="0"/>
+    <cs:effectRef idx="0"/>
+    <cs:fontRef idx="minor">
+      <a:schemeClr val="tx1"/>
+    </cs:fontRef>
+    <cs:spPr>
+      <a:ln w="9525" cap="flat" cmpd="sng" algn="ctr">
+        <a:solidFill>
+          <a:schemeClr val="tx1">
+            <a:lumMod val="35000"/>
+            <a:lumOff val="65000"/>
+          </a:schemeClr>
+        </a:solidFill>
+        <a:round/>
+      </a:ln>
+    </cs:spPr>
+  </cs:dropLine>
+  <cs:errorBar>
+    <cs:lnRef idx="0"/>
+    <cs:fillRef idx="0"/>
+    <cs:effectRef idx="0"/>
+    <cs:fontRef idx="minor">
+      <a:schemeClr val="tx1"/>
+    </cs:fontRef>
+    <cs:spPr>
+      <a:ln w="9525" cap="flat" cmpd="sng" algn="ctr">
+        <a:solidFill>
+          <a:schemeClr val="tx1">
+            <a:lumMod val="65000"/>
+            <a:lumOff val="35000"/>
+          </a:schemeClr>
+        </a:solidFill>
+        <a:round/>
+      </a:ln>
+    </cs:spPr>
+  </cs:errorBar>
+  <cs:floor>
+    <cs:lnRef idx="0"/>
+    <cs:fillRef idx="0"/>
+    <cs:effectRef idx="0"/>
+    <cs:fontRef idx="minor">
+      <a:schemeClr val="tx1"/>
+    </cs:fontRef>
+    <cs:spPr>
+      <a:noFill/>
+      <a:ln>
+        <a:noFill/>
+      </a:ln>
+    </cs:spPr>
+  </cs:floor>
+  <cs:gridlineMajor>
+    <cs:lnRef idx="0"/>
+    <cs:fillRef idx="0"/>
+    <cs:effectRef idx="0"/>
+    <cs:fontRef idx="minor">
+      <a:schemeClr val="tx1"/>
+    </cs:fontRef>
+    <cs:spPr>
+      <a:ln w="9525" cap="flat" cmpd="sng" algn="ctr">
+        <a:solidFill>
+          <a:schemeClr val="tx1">
+            <a:lumMod val="15000"/>
+            <a:lumOff val="85000"/>
+          </a:schemeClr>
+        </a:solidFill>
+        <a:round/>
+      </a:ln>
+    </cs:spPr>
+  </cs:gridlineMajor>
+  <cs:gridlineMinor>
+    <cs:lnRef idx="0"/>
+    <cs:fillRef idx="0"/>
+    <cs:effectRef idx="0"/>
+    <cs:fontRef idx="minor">
+      <a:schemeClr val="tx1"/>
+    </cs:fontRef>
+    <cs:spPr>
+      <a:ln w="9525" cap="flat" cmpd="sng" algn="ctr">
+        <a:solidFill>
+          <a:schemeClr val="tx1">
+            <a:lumMod val="5000"/>
+            <a:lumOff val="95000"/>
+          </a:schemeClr>
+        </a:solidFill>
+        <a:round/>
+      </a:ln>
+    </cs:spPr>
+  </cs:gridlineMinor>
+  <cs:hiLoLine>
+    <cs:lnRef idx="0"/>
+    <cs:fillRef idx="0"/>
+    <cs:effectRef idx="0"/>
+    <cs:fontRef idx="minor">
+      <a:schemeClr val="tx1"/>
+    </cs:fontRef>
+    <cs:spPr>
+      <a:ln w="9525" cap="flat" cmpd="sng" algn="ctr">
+        <a:solidFill>
+          <a:schemeClr val="tx1">
+            <a:lumMod val="50000"/>
+            <a:lumOff val="50000"/>
+          </a:schemeClr>
+        </a:solidFill>
+        <a:round/>
+      </a:ln>
+    </cs:spPr>
+  </cs:hiLoLine>
+  <cs:leaderLine>
+    <cs:lnRef idx="0"/>
+    <cs:fillRef idx="0"/>
+    <cs:effectRef idx="0"/>
+    <cs:fontRef idx="minor">
+      <a:schemeClr val="tx1"/>
+    </cs:fontRef>
+    <cs:spPr>
+      <a:ln w="9525" cap="flat" cmpd="sng" algn="ctr">
+        <a:solidFill>
+          <a:schemeClr val="tx1">
+            <a:lumMod val="35000"/>
+            <a:lumOff val="65000"/>
+          </a:schemeClr>
+        </a:solidFill>
+        <a:round/>
+      </a:ln>
+    </cs:spPr>
+  </cs:leaderLine>
+  <cs:legend>
+    <cs:lnRef idx="0"/>
+    <cs:fillRef idx="0"/>
+    <cs:effectRef idx="0"/>
+    <cs:fontRef idx="minor">
+      <a:schemeClr val="tx1">
+        <a:lumMod val="65000"/>
+        <a:lumOff val="35000"/>
+      </a:schemeClr>
+    </cs:fontRef>
+    <cs:defRPr sz="900" kern="1200"/>
+  </cs:legend>
+  <cs:plotArea mods="allowNoFillOverride allowNoLineOverride">
+    <cs:lnRef idx="0"/>
+    <cs:fillRef idx="0"/>
+    <cs:effectRef idx="0"/>
+    <cs:fontRef idx="minor">
+      <a:schemeClr val="tx1"/>
+    </cs:fontRef>
+  </cs:plotArea>
+  <cs:plotArea3D mods="allowNoFillOverride allowNoLineOverride">
+    <cs:lnRef idx="0"/>
+    <cs:fillRef idx="0"/>
+    <cs:effectRef idx="0"/>
+    <cs:fontRef idx="minor">
+      <a:schemeClr val="tx1"/>
+    </cs:fontRef>
+  </cs:plotArea3D>
+  <cs:seriesAxis>
+    <cs:lnRef idx="0"/>
+    <cs:fillRef idx="0"/>
+    <cs:effectRef idx="0"/>
+    <cs:fontRef idx="minor">
+      <a:schemeClr val="tx1">
+        <a:lumMod val="65000"/>
+        <a:lumOff val="35000"/>
+      </a:schemeClr>
+    </cs:fontRef>
+    <cs:defRPr sz="900" kern="1200"/>
+  </cs:seriesAxis>
+  <cs:seriesLine>
+    <cs:lnRef idx="0"/>
+    <cs:fillRef idx="0"/>
+    <cs:effectRef idx="0"/>
+    <cs:fontRef idx="minor">
+      <a:schemeClr val="tx1"/>
+    </cs:fontRef>
+    <cs:spPr>
+      <a:ln w="9525" cap="flat" cmpd="sng" algn="ctr">
+        <a:solidFill>
+          <a:schemeClr val="tx1">
+            <a:lumMod val="35000"/>
+            <a:lumOff val="65000"/>
+          </a:schemeClr>
+        </a:solidFill>
+        <a:round/>
+      </a:ln>
+    </cs:spPr>
+  </cs:seriesLine>
+  <cs:title>
+    <cs:lnRef idx="0"/>
+    <cs:fillRef idx="0"/>
+    <cs:effectRef idx="0"/>
+    <cs:fontRef idx="minor">
+      <a:schemeClr val="tx1">
+        <a:lumMod val="65000"/>
+        <a:lumOff val="35000"/>
+      </a:schemeClr>
+    </cs:fontRef>
+    <cs:defRPr sz="1400" b="0" kern="1200" spc="0" baseline="0"/>
+  </cs:title>
+  <cs:trendline>
+    <cs:lnRef idx="0">
+      <cs:styleClr val="auto"/>
+    </cs:lnRef>
+    <cs:fillRef idx="0"/>
+    <cs:effectRef idx="0"/>
+    <cs:fontRef idx="minor">
+      <a:schemeClr val="tx1"/>
+    </cs:fontRef>
+    <cs:spPr>
+      <a:ln w="19050" cap="rnd">
+        <a:solidFill>
+          <a:schemeClr val="phClr"/>
+        </a:solidFill>
+        <a:prstDash val="sysDot"/>
+      </a:ln>
+    </cs:spPr>
+  </cs:trendline>
+  <cs:trendlineLabel>
+    <cs:lnRef idx="0"/>
+    <cs:fillRef idx="0"/>
+    <cs:effectRef idx="0"/>
+    <cs:fontRef idx="minor">
+      <a:schemeClr val="tx1">
+        <a:lumMod val="65000"/>
+        <a:lumOff val="35000"/>
+      </a:schemeClr>
+    </cs:fontRef>
+    <cs:defRPr sz="900" kern="1200"/>
+  </cs:trendlineLabel>
+  <cs:upBar>
+    <cs:lnRef idx="0"/>
+    <cs:fillRef idx="0"/>
+    <cs:effectRef idx="0"/>
+    <cs:fontRef idx="minor">
+      <a:schemeClr val="tx1"/>
+    </cs:fontRef>
+    <cs:spPr>
+      <a:solidFill>
+        <a:schemeClr val="lt1"/>
+      </a:solidFill>
+      <a:ln w="9525" cap="flat" cmpd="sng" algn="ctr">
+        <a:solidFill>
+          <a:schemeClr val="tx1">
+            <a:lumMod val="65000"/>
+            <a:lumOff val="35000"/>
+          </a:schemeClr>
+        </a:solidFill>
+        <a:round/>
       </a:ln>
     </cs:spPr>
   </cs:upBar>
@@ -6074,7 +7165,7 @@
           <a:p>
             <a:fld id="{E4504DB8-A61F-4FA2-B642-4D4FA648320B}" type="datetimeFigureOut">
               <a:rPr kumimoji="1" lang="ja-JP" altLang="en-US" smtClean="0"/>
-              <a:t>2019/2/22</a:t>
+              <a:t>2019/2/24</a:t>
             </a:fld>
             <a:endParaRPr kumimoji="1" lang="ja-JP" altLang="en-US"/>
           </a:p>
@@ -6304,7 +7395,7 @@
           <a:p>
             <a:fld id="{E4504DB8-A61F-4FA2-B642-4D4FA648320B}" type="datetimeFigureOut">
               <a:rPr kumimoji="1" lang="ja-JP" altLang="en-US" smtClean="0"/>
-              <a:t>2019/2/22</a:t>
+              <a:t>2019/2/24</a:t>
             </a:fld>
             <a:endParaRPr kumimoji="1" lang="ja-JP" altLang="en-US"/>
           </a:p>
@@ -6544,7 +7635,7 @@
           <a:p>
             <a:fld id="{E4504DB8-A61F-4FA2-B642-4D4FA648320B}" type="datetimeFigureOut">
               <a:rPr kumimoji="1" lang="ja-JP" altLang="en-US" smtClean="0"/>
-              <a:t>2019/2/22</a:t>
+              <a:t>2019/2/24</a:t>
             </a:fld>
             <a:endParaRPr kumimoji="1" lang="ja-JP" altLang="en-US"/>
           </a:p>
@@ -6774,7 +7865,7 @@
           <a:p>
             <a:fld id="{E4504DB8-A61F-4FA2-B642-4D4FA648320B}" type="datetimeFigureOut">
               <a:rPr kumimoji="1" lang="ja-JP" altLang="en-US" smtClean="0"/>
-              <a:t>2019/2/22</a:t>
+              <a:t>2019/2/24</a:t>
             </a:fld>
             <a:endParaRPr kumimoji="1" lang="ja-JP" altLang="en-US"/>
           </a:p>
@@ -7049,7 +8140,7 @@
           <a:p>
             <a:fld id="{E4504DB8-A61F-4FA2-B642-4D4FA648320B}" type="datetimeFigureOut">
               <a:rPr kumimoji="1" lang="ja-JP" altLang="en-US" smtClean="0"/>
-              <a:t>2019/2/22</a:t>
+              <a:t>2019/2/24</a:t>
             </a:fld>
             <a:endParaRPr kumimoji="1" lang="ja-JP" altLang="en-US"/>
           </a:p>
@@ -7378,7 +8469,7 @@
           <a:p>
             <a:fld id="{E4504DB8-A61F-4FA2-B642-4D4FA648320B}" type="datetimeFigureOut">
               <a:rPr kumimoji="1" lang="ja-JP" altLang="en-US" smtClean="0"/>
-              <a:t>2019/2/22</a:t>
+              <a:t>2019/2/24</a:t>
             </a:fld>
             <a:endParaRPr kumimoji="1" lang="ja-JP" altLang="en-US"/>
           </a:p>
@@ -7854,7 +8945,7 @@
           <a:p>
             <a:fld id="{E4504DB8-A61F-4FA2-B642-4D4FA648320B}" type="datetimeFigureOut">
               <a:rPr kumimoji="1" lang="ja-JP" altLang="en-US" smtClean="0"/>
-              <a:t>2019/2/22</a:t>
+              <a:t>2019/2/24</a:t>
             </a:fld>
             <a:endParaRPr kumimoji="1" lang="ja-JP" altLang="en-US"/>
           </a:p>
@@ -7995,7 +9086,7 @@
           <a:p>
             <a:fld id="{E4504DB8-A61F-4FA2-B642-4D4FA648320B}" type="datetimeFigureOut">
               <a:rPr kumimoji="1" lang="ja-JP" altLang="en-US" smtClean="0"/>
-              <a:t>2019/2/22</a:t>
+              <a:t>2019/2/24</a:t>
             </a:fld>
             <a:endParaRPr kumimoji="1" lang="ja-JP" altLang="en-US"/>
           </a:p>
@@ -8108,7 +9199,7 @@
           <a:p>
             <a:fld id="{E4504DB8-A61F-4FA2-B642-4D4FA648320B}" type="datetimeFigureOut">
               <a:rPr kumimoji="1" lang="ja-JP" altLang="en-US" smtClean="0"/>
-              <a:t>2019/2/22</a:t>
+              <a:t>2019/2/24</a:t>
             </a:fld>
             <a:endParaRPr kumimoji="1" lang="ja-JP" altLang="en-US"/>
           </a:p>
@@ -8451,7 +9542,7 @@
           <a:p>
             <a:fld id="{E4504DB8-A61F-4FA2-B642-4D4FA648320B}" type="datetimeFigureOut">
               <a:rPr kumimoji="1" lang="ja-JP" altLang="en-US" smtClean="0"/>
-              <a:t>2019/2/22</a:t>
+              <a:t>2019/2/24</a:t>
             </a:fld>
             <a:endParaRPr kumimoji="1" lang="ja-JP" altLang="en-US"/>
           </a:p>
@@ -8739,7 +9830,7 @@
           <a:p>
             <a:fld id="{E4504DB8-A61F-4FA2-B642-4D4FA648320B}" type="datetimeFigureOut">
               <a:rPr kumimoji="1" lang="ja-JP" altLang="en-US" smtClean="0"/>
-              <a:t>2019/2/22</a:t>
+              <a:t>2019/2/24</a:t>
             </a:fld>
             <a:endParaRPr kumimoji="1" lang="ja-JP" altLang="en-US"/>
           </a:p>
@@ -9012,7 +10103,7 @@
           <a:p>
             <a:fld id="{E4504DB8-A61F-4FA2-B642-4D4FA648320B}" type="datetimeFigureOut">
               <a:rPr kumimoji="1" lang="ja-JP" altLang="en-US" smtClean="0"/>
-              <a:t>2019/2/22</a:t>
+              <a:t>2019/2/24</a:t>
             </a:fld>
             <a:endParaRPr kumimoji="1" lang="ja-JP" altLang="en-US"/>
           </a:p>
@@ -9434,7 +10525,7 @@
           <p:cNvPr id="2" name="タイトル 1">
             <a:extLst>
               <a:ext uri="{FF2B5EF4-FFF2-40B4-BE49-F238E27FC236}">
-                <a16:creationId xmlns:a16="http://schemas.microsoft.com/office/drawing/2014/main" id="{7C7A61DE-0148-4424-8F0F-91C95E114D35}"/>
+                <a16:creationId xmlns:a16="http://schemas.microsoft.com/office/drawing/2014/main" id="{5974AD65-AC18-4CFC-867F-6B048C9ABDE4}"/>
               </a:ext>
             </a:extLst>
           </p:cNvPr>
@@ -9445,22 +10536,16 @@
             <p:ph type="title"/>
           </p:nvPr>
         </p:nvSpPr>
-        <p:spPr>
-          <a:xfrm>
-            <a:off x="838200" y="365125"/>
-            <a:ext cx="2065421" cy="597401"/>
-          </a:xfrm>
-        </p:spPr>
+        <p:spPr/>
         <p:txBody>
-          <a:bodyPr>
-            <a:normAutofit/>
-          </a:bodyPr>
+          <a:bodyPr/>
           <a:lstStyle/>
           <a:p>
             <a:r>
-              <a:rPr kumimoji="1" lang="ja-JP" altLang="en-US" sz="2800" dirty="0"/>
-              <a:t>非フリック</a:t>
+              <a:rPr kumimoji="1" lang="en-US" altLang="ja-JP" dirty="0"/>
+              <a:t>All</a:t>
             </a:r>
+            <a:endParaRPr kumimoji="1" lang="ja-JP" altLang="en-US" dirty="0"/>
           </a:p>
         </p:txBody>
       </p:sp>
@@ -9469,7 +10554,7 @@
           <p:cNvPr id="4" name="グラフ 3">
             <a:extLst>
               <a:ext uri="{FF2B5EF4-FFF2-40B4-BE49-F238E27FC236}">
-                <a16:creationId xmlns:a16="http://schemas.microsoft.com/office/drawing/2014/main" id="{D25EB60D-79AE-4F25-A0C4-C4EDD35235D9}"/>
+                <a16:creationId xmlns:a16="http://schemas.microsoft.com/office/drawing/2014/main" id="{786201CA-749B-46CB-B9B6-1D863F7BEE19}"/>
               </a:ext>
             </a:extLst>
           </p:cNvPr>
@@ -9479,14 +10564,14 @@
           <p:nvPr>
             <p:extLst>
               <p:ext uri="{D42A27DB-BD31-4B8C-83A1-F6EECF244321}">
-                <p14:modId xmlns:p14="http://schemas.microsoft.com/office/powerpoint/2010/main" val="2162505615"/>
+                <p14:modId xmlns:p14="http://schemas.microsoft.com/office/powerpoint/2010/main" val="2462414785"/>
               </p:ext>
             </p:extLst>
           </p:nvPr>
         </p:nvGraphicFramePr>
         <p:xfrm>
-          <a:off x="838200" y="1430014"/>
-          <a:ext cx="4572000" cy="2743200"/>
+          <a:off x="661876" y="2162073"/>
+          <a:ext cx="4606595" cy="2712757"/>
         </p:xfrm>
         <a:graphic>
           <a:graphicData uri="http://schemas.openxmlformats.org/drawingml/2006/chart">
@@ -9499,7 +10584,7 @@
           <p:cNvPr id="5" name="グラフ 4">
             <a:extLst>
               <a:ext uri="{FF2B5EF4-FFF2-40B4-BE49-F238E27FC236}">
-                <a16:creationId xmlns:a16="http://schemas.microsoft.com/office/drawing/2014/main" id="{A00C7A06-25B5-43C9-A363-F0C9002380B0}"/>
+                <a16:creationId xmlns:a16="http://schemas.microsoft.com/office/drawing/2014/main" id="{6085EAFE-1CA7-4D22-BD33-CE55DE3BCF9A}"/>
               </a:ext>
             </a:extLst>
           </p:cNvPr>
@@ -9509,14 +10594,14 @@
           <p:nvPr>
             <p:extLst>
               <p:ext uri="{D42A27DB-BD31-4B8C-83A1-F6EECF244321}">
-                <p14:modId xmlns:p14="http://schemas.microsoft.com/office/powerpoint/2010/main" val="41748461"/>
+                <p14:modId xmlns:p14="http://schemas.microsoft.com/office/powerpoint/2010/main" val="1745350885"/>
               </p:ext>
             </p:extLst>
           </p:nvPr>
         </p:nvGraphicFramePr>
         <p:xfrm>
-          <a:off x="6561221" y="1688432"/>
-          <a:ext cx="4572000" cy="2743200"/>
+          <a:off x="5662981" y="2213273"/>
+          <a:ext cx="4623027" cy="2661557"/>
         </p:xfrm>
         <a:graphic>
           <a:graphicData uri="http://schemas.openxmlformats.org/drawingml/2006/chart">
@@ -9527,7 +10612,7 @@
     </p:spTree>
     <p:extLst>
       <p:ext uri="{BB962C8B-B14F-4D97-AF65-F5344CB8AC3E}">
-        <p14:creationId xmlns:p14="http://schemas.microsoft.com/office/powerpoint/2010/main" val="4252185419"/>
+        <p14:creationId xmlns:p14="http://schemas.microsoft.com/office/powerpoint/2010/main" val="3311999416"/>
       </p:ext>
     </p:extLst>
   </p:cSld>
@@ -9538,6 +10623,598 @@
 </file>
 
 <file path=ppt/slides/slide10.xml><?xml version="1.0" encoding="utf-8"?>
+<p:sld xmlns:a="http://schemas.openxmlformats.org/drawingml/2006/main" xmlns:r="http://schemas.openxmlformats.org/officeDocument/2006/relationships" xmlns:p="http://schemas.openxmlformats.org/presentationml/2006/main">
+  <p:cSld>
+    <p:spTree>
+      <p:nvGrpSpPr>
+        <p:cNvPr id="1" name=""/>
+        <p:cNvGrpSpPr/>
+        <p:nvPr/>
+      </p:nvGrpSpPr>
+      <p:grpSpPr>
+        <a:xfrm>
+          <a:off x="0" y="0"/>
+          <a:ext cx="0" cy="0"/>
+          <a:chOff x="0" y="0"/>
+          <a:chExt cx="0" cy="0"/>
+        </a:xfrm>
+      </p:grpSpPr>
+      <p:grpSp>
+        <p:nvGrpSpPr>
+          <p:cNvPr id="2" name="グループ化 1">
+            <a:extLst>
+              <a:ext uri="{FF2B5EF4-FFF2-40B4-BE49-F238E27FC236}">
+                <a16:creationId xmlns:a16="http://schemas.microsoft.com/office/drawing/2014/main" id="{8D909B7A-1136-421D-947C-A2040439C65B}"/>
+              </a:ext>
+            </a:extLst>
+          </p:cNvPr>
+          <p:cNvGrpSpPr/>
+          <p:nvPr/>
+        </p:nvGrpSpPr>
+        <p:grpSpPr>
+          <a:xfrm>
+            <a:off x="1584658" y="804675"/>
+            <a:ext cx="8467841" cy="4449747"/>
+            <a:chOff x="1584658" y="804675"/>
+            <a:chExt cx="8467841" cy="4449747"/>
+          </a:xfrm>
+        </p:grpSpPr>
+        <p:pic>
+          <p:nvPicPr>
+            <p:cNvPr id="14" name="図 13">
+              <a:extLst>
+                <a:ext uri="{FF2B5EF4-FFF2-40B4-BE49-F238E27FC236}">
+                  <a16:creationId xmlns:a16="http://schemas.microsoft.com/office/drawing/2014/main" id="{D0ED5C61-C965-4031-9EB4-FBC8A4C369F3}"/>
+                </a:ext>
+              </a:extLst>
+            </p:cNvPr>
+            <p:cNvPicPr>
+              <a:picLocks noChangeAspect="1"/>
+            </p:cNvPicPr>
+            <p:nvPr/>
+          </p:nvPicPr>
+          <p:blipFill rotWithShape="1">
+            <a:blip r:embed="rId2">
+              <a:extLst>
+                <a:ext uri="{28A0092B-C50C-407E-A947-70E740481C1C}">
+                  <a14:useLocalDpi xmlns:a14="http://schemas.microsoft.com/office/drawing/2010/main" val="0"/>
+                </a:ext>
+              </a:extLst>
+            </a:blip>
+            <a:srcRect l="22565" t="31783" r="22681" b="37318"/>
+            <a:stretch/>
+          </p:blipFill>
+          <p:spPr>
+            <a:xfrm>
+              <a:off x="3889923" y="1130956"/>
+              <a:ext cx="3857311" cy="3784912"/>
+            </a:xfrm>
+            <a:prstGeom prst="ellipse">
+              <a:avLst/>
+            </a:prstGeom>
+            <a:ln w="12700" cap="rnd">
+              <a:solidFill>
+                <a:schemeClr val="tx1"/>
+              </a:solidFill>
+            </a:ln>
+            <a:effectLst/>
+            <a:scene3d>
+              <a:camera prst="orthographicFront"/>
+              <a:lightRig rig="contrasting" dir="t">
+                <a:rot lat="0" lon="0" rev="3000000"/>
+              </a:lightRig>
+            </a:scene3d>
+            <a:sp3d contourW="7620">
+              <a:bevelT w="95250" h="31750"/>
+              <a:contourClr>
+                <a:srgbClr val="333333"/>
+              </a:contourClr>
+            </a:sp3d>
+          </p:spPr>
+        </p:pic>
+        <p:sp>
+          <p:nvSpPr>
+            <p:cNvPr id="6" name="テキスト ボックス 5">
+              <a:extLst>
+                <a:ext uri="{FF2B5EF4-FFF2-40B4-BE49-F238E27FC236}">
+                  <a16:creationId xmlns:a16="http://schemas.microsoft.com/office/drawing/2014/main" id="{C6EE7A89-2147-46E5-834F-850809C3360D}"/>
+                </a:ext>
+              </a:extLst>
+            </p:cNvPr>
+            <p:cNvSpPr txBox="1"/>
+            <p:nvPr/>
+          </p:nvSpPr>
+          <p:spPr>
+            <a:xfrm>
+              <a:off x="2337644" y="1967714"/>
+              <a:ext cx="1757260" cy="338554"/>
+            </a:xfrm>
+            <a:prstGeom prst="rect">
+              <a:avLst/>
+            </a:prstGeom>
+            <a:noFill/>
+          </p:spPr>
+          <p:txBody>
+            <a:bodyPr wrap="square" rtlCol="0">
+              <a:spAutoFit/>
+            </a:bodyPr>
+            <a:lstStyle/>
+            <a:p>
+              <a:pPr algn="r"/>
+              <a:r>
+                <a:rPr lang="ja-JP" altLang="en-US" sz="1600" dirty="0">
+                  <a:latin typeface="源真ゴシック等幅 Medium" panose="020B0409020203020207" pitchFamily="49" charset="-128"/>
+                  <a:ea typeface="源真ゴシック等幅 Medium" panose="020B0409020203020207" pitchFamily="49" charset="-128"/>
+                  <a:cs typeface="源真ゴシック等幅 Medium" panose="020B0409020203020207" pitchFamily="49" charset="-128"/>
+                </a:rPr>
+                <a:t>キーボード開閉</a:t>
+              </a:r>
+              <a:endParaRPr kumimoji="1" lang="ja-JP" altLang="en-US" sz="1600" dirty="0">
+                <a:latin typeface="源真ゴシック等幅 Medium" panose="020B0409020203020207" pitchFamily="49" charset="-128"/>
+                <a:ea typeface="源真ゴシック等幅 Medium" panose="020B0409020203020207" pitchFamily="49" charset="-128"/>
+                <a:cs typeface="源真ゴシック等幅 Medium" panose="020B0409020203020207" pitchFamily="49" charset="-128"/>
+              </a:endParaRPr>
+            </a:p>
+          </p:txBody>
+        </p:sp>
+        <p:sp>
+          <p:nvSpPr>
+            <p:cNvPr id="19" name="テキスト ボックス 18">
+              <a:extLst>
+                <a:ext uri="{FF2B5EF4-FFF2-40B4-BE49-F238E27FC236}">
+                  <a16:creationId xmlns:a16="http://schemas.microsoft.com/office/drawing/2014/main" id="{EC82D8BA-E862-40BB-9826-E1C26B7D2AE9}"/>
+                </a:ext>
+              </a:extLst>
+            </p:cNvPr>
+            <p:cNvSpPr txBox="1"/>
+            <p:nvPr/>
+          </p:nvSpPr>
+          <p:spPr>
+            <a:xfrm>
+              <a:off x="7549956" y="1967714"/>
+              <a:ext cx="638192" cy="338554"/>
+            </a:xfrm>
+            <a:prstGeom prst="rect">
+              <a:avLst/>
+            </a:prstGeom>
+            <a:noFill/>
+          </p:spPr>
+          <p:txBody>
+            <a:bodyPr wrap="square" rtlCol="0">
+              <a:spAutoFit/>
+            </a:bodyPr>
+            <a:lstStyle/>
+            <a:p>
+              <a:r>
+                <a:rPr lang="ja-JP" altLang="en-US" sz="1600" dirty="0">
+                  <a:latin typeface="源真ゴシック等幅 Medium" panose="020B0409020203020207" pitchFamily="49" charset="-128"/>
+                  <a:ea typeface="源真ゴシック等幅 Medium" panose="020B0409020203020207" pitchFamily="49" charset="-128"/>
+                  <a:cs typeface="源真ゴシック等幅 Medium" panose="020B0409020203020207" pitchFamily="49" charset="-128"/>
+                </a:rPr>
+                <a:t>削除</a:t>
+              </a:r>
+              <a:endParaRPr kumimoji="1" lang="ja-JP" altLang="en-US" sz="1600" dirty="0">
+                <a:latin typeface="源真ゴシック等幅 Medium" panose="020B0409020203020207" pitchFamily="49" charset="-128"/>
+                <a:ea typeface="源真ゴシック等幅 Medium" panose="020B0409020203020207" pitchFamily="49" charset="-128"/>
+                <a:cs typeface="源真ゴシック等幅 Medium" panose="020B0409020203020207" pitchFamily="49" charset="-128"/>
+              </a:endParaRPr>
+            </a:p>
+          </p:txBody>
+        </p:sp>
+        <p:sp>
+          <p:nvSpPr>
+            <p:cNvPr id="23" name="テキスト ボックス 22">
+              <a:extLst>
+                <a:ext uri="{FF2B5EF4-FFF2-40B4-BE49-F238E27FC236}">
+                  <a16:creationId xmlns:a16="http://schemas.microsoft.com/office/drawing/2014/main" id="{08D01FE0-BF2B-4F70-BB08-E818DCF5E584}"/>
+                </a:ext>
+              </a:extLst>
+            </p:cNvPr>
+            <p:cNvSpPr txBox="1"/>
+            <p:nvPr/>
+          </p:nvSpPr>
+          <p:spPr>
+            <a:xfrm>
+              <a:off x="1927859" y="2769068"/>
+              <a:ext cx="2105989" cy="338554"/>
+            </a:xfrm>
+            <a:prstGeom prst="rect">
+              <a:avLst/>
+            </a:prstGeom>
+            <a:noFill/>
+          </p:spPr>
+          <p:txBody>
+            <a:bodyPr wrap="square" rtlCol="0">
+              <a:spAutoFit/>
+            </a:bodyPr>
+            <a:lstStyle/>
+            <a:p>
+              <a:pPr algn="r"/>
+              <a:r>
+                <a:rPr lang="ja-JP" altLang="en-US" sz="1600" dirty="0">
+                  <a:latin typeface="源真ゴシック等幅 Medium" panose="020B0409020203020207" pitchFamily="49" charset="-128"/>
+                  <a:ea typeface="源真ゴシック等幅 Medium" panose="020B0409020203020207" pitchFamily="49" charset="-128"/>
+                  <a:cs typeface="源真ゴシック等幅 Medium" panose="020B0409020203020207" pitchFamily="49" charset="-128"/>
+                </a:rPr>
+                <a:t>カーソル移動（左）</a:t>
+              </a:r>
+              <a:endParaRPr lang="en-US" altLang="ja-JP" sz="1600" dirty="0">
+                <a:latin typeface="源真ゴシック等幅 Medium" panose="020B0409020203020207" pitchFamily="49" charset="-128"/>
+                <a:ea typeface="源真ゴシック等幅 Medium" panose="020B0409020203020207" pitchFamily="49" charset="-128"/>
+                <a:cs typeface="源真ゴシック等幅 Medium" panose="020B0409020203020207" pitchFamily="49" charset="-128"/>
+              </a:endParaRPr>
+            </a:p>
+          </p:txBody>
+        </p:sp>
+        <p:sp>
+          <p:nvSpPr>
+            <p:cNvPr id="24" name="テキスト ボックス 23">
+              <a:extLst>
+                <a:ext uri="{FF2B5EF4-FFF2-40B4-BE49-F238E27FC236}">
+                  <a16:creationId xmlns:a16="http://schemas.microsoft.com/office/drawing/2014/main" id="{E9C94DCC-D205-412B-BDEF-431E7324F463}"/>
+                </a:ext>
+              </a:extLst>
+            </p:cNvPr>
+            <p:cNvSpPr txBox="1"/>
+            <p:nvPr/>
+          </p:nvSpPr>
+          <p:spPr>
+            <a:xfrm>
+              <a:off x="7706688" y="2774338"/>
+              <a:ext cx="2014351" cy="338554"/>
+            </a:xfrm>
+            <a:prstGeom prst="rect">
+              <a:avLst/>
+            </a:prstGeom>
+            <a:noFill/>
+          </p:spPr>
+          <p:txBody>
+            <a:bodyPr wrap="square" rtlCol="0">
+              <a:spAutoFit/>
+            </a:bodyPr>
+            <a:lstStyle/>
+            <a:p>
+              <a:r>
+                <a:rPr lang="ja-JP" altLang="en-US" sz="1600" dirty="0">
+                  <a:latin typeface="源真ゴシック等幅 Medium" panose="020B0409020203020207" pitchFamily="49" charset="-128"/>
+                  <a:ea typeface="源真ゴシック等幅 Medium" panose="020B0409020203020207" pitchFamily="49" charset="-128"/>
+                  <a:cs typeface="源真ゴシック等幅 Medium" panose="020B0409020203020207" pitchFamily="49" charset="-128"/>
+                </a:rPr>
+                <a:t>カーソル移動（右）</a:t>
+              </a:r>
+              <a:endParaRPr lang="en-US" altLang="ja-JP" sz="1600" dirty="0">
+                <a:latin typeface="源真ゴシック等幅 Medium" panose="020B0409020203020207" pitchFamily="49" charset="-128"/>
+                <a:ea typeface="源真ゴシック等幅 Medium" panose="020B0409020203020207" pitchFamily="49" charset="-128"/>
+                <a:cs typeface="源真ゴシック等幅 Medium" panose="020B0409020203020207" pitchFamily="49" charset="-128"/>
+              </a:endParaRPr>
+            </a:p>
+          </p:txBody>
+        </p:sp>
+        <p:sp>
+          <p:nvSpPr>
+            <p:cNvPr id="25" name="テキスト ボックス 24">
+              <a:extLst>
+                <a:ext uri="{FF2B5EF4-FFF2-40B4-BE49-F238E27FC236}">
+                  <a16:creationId xmlns:a16="http://schemas.microsoft.com/office/drawing/2014/main" id="{76CF2C26-3A35-47FF-93E1-2F120660B46B}"/>
+                </a:ext>
+              </a:extLst>
+            </p:cNvPr>
+            <p:cNvSpPr txBox="1"/>
+            <p:nvPr/>
+          </p:nvSpPr>
+          <p:spPr>
+            <a:xfrm>
+              <a:off x="1584658" y="3532322"/>
+              <a:ext cx="2475014" cy="338554"/>
+            </a:xfrm>
+            <a:prstGeom prst="rect">
+              <a:avLst/>
+            </a:prstGeom>
+            <a:noFill/>
+          </p:spPr>
+          <p:txBody>
+            <a:bodyPr wrap="square" rtlCol="0">
+              <a:spAutoFit/>
+            </a:bodyPr>
+            <a:lstStyle/>
+            <a:p>
+              <a:pPr algn="r"/>
+              <a:r>
+                <a:rPr lang="ja-JP" altLang="en-US" sz="1600" dirty="0">
+                  <a:latin typeface="源真ゴシック等幅 Medium" panose="020B0409020203020207" pitchFamily="49" charset="-128"/>
+                  <a:ea typeface="源真ゴシック等幅 Medium" panose="020B0409020203020207" pitchFamily="49" charset="-128"/>
+                  <a:cs typeface="源真ゴシック等幅 Medium" panose="020B0409020203020207" pitchFamily="49" charset="-128"/>
+                </a:rPr>
+                <a:t>キートップ</a:t>
+              </a:r>
+              <a:r>
+                <a:rPr kumimoji="1" lang="ja-JP" altLang="en-US" sz="1600" dirty="0">
+                  <a:latin typeface="源真ゴシック等幅 Medium" panose="020B0409020203020207" pitchFamily="49" charset="-128"/>
+                  <a:ea typeface="源真ゴシック等幅 Medium" panose="020B0409020203020207" pitchFamily="49" charset="-128"/>
+                  <a:cs typeface="源真ゴシック等幅 Medium" panose="020B0409020203020207" pitchFamily="49" charset="-128"/>
+                </a:rPr>
+                <a:t>表示切り替え</a:t>
+              </a:r>
+            </a:p>
+          </p:txBody>
+        </p:sp>
+        <p:sp>
+          <p:nvSpPr>
+            <p:cNvPr id="26" name="テキスト ボックス 25">
+              <a:extLst>
+                <a:ext uri="{FF2B5EF4-FFF2-40B4-BE49-F238E27FC236}">
+                  <a16:creationId xmlns:a16="http://schemas.microsoft.com/office/drawing/2014/main" id="{B81F4999-18B0-4FAF-8C20-0A0D54917649}"/>
+                </a:ext>
+              </a:extLst>
+            </p:cNvPr>
+            <p:cNvSpPr txBox="1"/>
+            <p:nvPr/>
+          </p:nvSpPr>
+          <p:spPr>
+            <a:xfrm>
+              <a:off x="7600676" y="3532322"/>
+              <a:ext cx="1559366" cy="338554"/>
+            </a:xfrm>
+            <a:prstGeom prst="rect">
+              <a:avLst/>
+            </a:prstGeom>
+            <a:noFill/>
+          </p:spPr>
+          <p:txBody>
+            <a:bodyPr wrap="square" rtlCol="0">
+              <a:spAutoFit/>
+            </a:bodyPr>
+            <a:lstStyle/>
+            <a:p>
+              <a:r>
+                <a:rPr lang="ja-JP" altLang="en-US" sz="1600" dirty="0">
+                  <a:latin typeface="源真ゴシック等幅 Medium" panose="020B0409020203020207" pitchFamily="49" charset="-128"/>
+                  <a:ea typeface="源真ゴシック等幅 Medium" panose="020B0409020203020207" pitchFamily="49" charset="-128"/>
+                  <a:cs typeface="源真ゴシック等幅 Medium" panose="020B0409020203020207" pitchFamily="49" charset="-128"/>
+                </a:rPr>
+                <a:t>改行・完了</a:t>
+              </a:r>
+              <a:endParaRPr lang="en-US" altLang="ja-JP" sz="1600" dirty="0">
+                <a:latin typeface="源真ゴシック等幅 Medium" panose="020B0409020203020207" pitchFamily="49" charset="-128"/>
+                <a:ea typeface="源真ゴシック等幅 Medium" panose="020B0409020203020207" pitchFamily="49" charset="-128"/>
+                <a:cs typeface="源真ゴシック等幅 Medium" panose="020B0409020203020207" pitchFamily="49" charset="-128"/>
+              </a:endParaRPr>
+            </a:p>
+          </p:txBody>
+        </p:sp>
+        <p:sp>
+          <p:nvSpPr>
+            <p:cNvPr id="27" name="テキスト ボックス 26">
+              <a:extLst>
+                <a:ext uri="{FF2B5EF4-FFF2-40B4-BE49-F238E27FC236}">
+                  <a16:creationId xmlns:a16="http://schemas.microsoft.com/office/drawing/2014/main" id="{6E8CFB4D-380B-4751-AE77-0FA1BF56B666}"/>
+                </a:ext>
+              </a:extLst>
+            </p:cNvPr>
+            <p:cNvSpPr txBox="1"/>
+            <p:nvPr/>
+          </p:nvSpPr>
+          <p:spPr>
+            <a:xfrm>
+              <a:off x="4938298" y="4915868"/>
+              <a:ext cx="1757260" cy="338554"/>
+            </a:xfrm>
+            <a:prstGeom prst="rect">
+              <a:avLst/>
+            </a:prstGeom>
+            <a:noFill/>
+          </p:spPr>
+          <p:txBody>
+            <a:bodyPr wrap="square" rtlCol="0">
+              <a:spAutoFit/>
+            </a:bodyPr>
+            <a:lstStyle/>
+            <a:p>
+              <a:pPr algn="ctr"/>
+              <a:r>
+                <a:rPr lang="ja-JP" altLang="en-US" sz="1600" dirty="0">
+                  <a:latin typeface="源真ゴシック等幅 Medium" panose="020B0409020203020207" pitchFamily="49" charset="-128"/>
+                  <a:ea typeface="源真ゴシック等幅 Medium" panose="020B0409020203020207" pitchFamily="49" charset="-128"/>
+                  <a:cs typeface="源真ゴシック等幅 Medium" panose="020B0409020203020207" pitchFamily="49" charset="-128"/>
+                </a:rPr>
+                <a:t>スペース</a:t>
+              </a:r>
+              <a:endParaRPr kumimoji="1" lang="ja-JP" altLang="en-US" sz="1600" dirty="0">
+                <a:latin typeface="源真ゴシック等幅 Medium" panose="020B0409020203020207" pitchFamily="49" charset="-128"/>
+                <a:ea typeface="源真ゴシック等幅 Medium" panose="020B0409020203020207" pitchFamily="49" charset="-128"/>
+                <a:cs typeface="源真ゴシック等幅 Medium" panose="020B0409020203020207" pitchFamily="49" charset="-128"/>
+              </a:endParaRPr>
+            </a:p>
+          </p:txBody>
+        </p:sp>
+        <p:sp>
+          <p:nvSpPr>
+            <p:cNvPr id="28" name="テキスト ボックス 27">
+              <a:extLst>
+                <a:ext uri="{FF2B5EF4-FFF2-40B4-BE49-F238E27FC236}">
+                  <a16:creationId xmlns:a16="http://schemas.microsoft.com/office/drawing/2014/main" id="{CBBAEF31-E4C7-48A0-8E80-17A0E7B88E0E}"/>
+                </a:ext>
+              </a:extLst>
+            </p:cNvPr>
+            <p:cNvSpPr txBox="1"/>
+            <p:nvPr/>
+          </p:nvSpPr>
+          <p:spPr>
+            <a:xfrm>
+              <a:off x="6156295" y="804675"/>
+              <a:ext cx="1393661" cy="338554"/>
+            </a:xfrm>
+            <a:prstGeom prst="rect">
+              <a:avLst/>
+            </a:prstGeom>
+            <a:noFill/>
+          </p:spPr>
+          <p:txBody>
+            <a:bodyPr wrap="square" rtlCol="0">
+              <a:spAutoFit/>
+            </a:bodyPr>
+            <a:lstStyle/>
+            <a:p>
+              <a:pPr algn="ctr"/>
+              <a:r>
+                <a:rPr kumimoji="1" lang="ja-JP" altLang="en-US" sz="1600" dirty="0">
+                  <a:latin typeface="源真ゴシック等幅 Medium" panose="020B0409020203020207" pitchFamily="49" charset="-128"/>
+                  <a:ea typeface="源真ゴシック等幅 Medium" panose="020B0409020203020207" pitchFamily="49" charset="-128"/>
+                  <a:cs typeface="源真ゴシック等幅 Medium" panose="020B0409020203020207" pitchFamily="49" charset="-128"/>
+                </a:rPr>
+                <a:t>変換エリア</a:t>
+              </a:r>
+            </a:p>
+          </p:txBody>
+        </p:sp>
+        <p:sp>
+          <p:nvSpPr>
+            <p:cNvPr id="30" name="テキスト ボックス 29">
+              <a:extLst>
+                <a:ext uri="{FF2B5EF4-FFF2-40B4-BE49-F238E27FC236}">
+                  <a16:creationId xmlns:a16="http://schemas.microsoft.com/office/drawing/2014/main" id="{1BB5A3F8-F350-495C-A779-7814A4F84B74}"/>
+                </a:ext>
+              </a:extLst>
+            </p:cNvPr>
+            <p:cNvSpPr txBox="1"/>
+            <p:nvPr/>
+          </p:nvSpPr>
+          <p:spPr>
+            <a:xfrm>
+              <a:off x="6811301" y="4655741"/>
+              <a:ext cx="3241198" cy="338554"/>
+            </a:xfrm>
+            <a:prstGeom prst="rect">
+              <a:avLst/>
+            </a:prstGeom>
+            <a:noFill/>
+          </p:spPr>
+          <p:txBody>
+            <a:bodyPr wrap="square" rtlCol="0">
+              <a:spAutoFit/>
+            </a:bodyPr>
+            <a:lstStyle/>
+            <a:p>
+              <a:r>
+                <a:rPr lang="ja-JP" altLang="en-US" sz="1600" dirty="0">
+                  <a:latin typeface="源真ゴシック等幅 Medium" panose="020B0409020203020207" pitchFamily="49" charset="-128"/>
+                  <a:ea typeface="源真ゴシック等幅 Medium" panose="020B0409020203020207" pitchFamily="49" charset="-128"/>
+                  <a:cs typeface="源真ゴシック等幅 Medium" panose="020B0409020203020207" pitchFamily="49" charset="-128"/>
+                </a:rPr>
+                <a:t>フリック方向を示すポップアップ</a:t>
+              </a:r>
+              <a:endParaRPr lang="en-US" altLang="ja-JP" sz="1600" dirty="0">
+                <a:latin typeface="源真ゴシック等幅 Medium" panose="020B0409020203020207" pitchFamily="49" charset="-128"/>
+                <a:ea typeface="源真ゴシック等幅 Medium" panose="020B0409020203020207" pitchFamily="49" charset="-128"/>
+                <a:cs typeface="源真ゴシック等幅 Medium" panose="020B0409020203020207" pitchFamily="49" charset="-128"/>
+              </a:endParaRPr>
+            </a:p>
+          </p:txBody>
+        </p:sp>
+        <p:cxnSp>
+          <p:nvCxnSpPr>
+            <p:cNvPr id="32" name="直線コネクタ 31">
+              <a:extLst>
+                <a:ext uri="{FF2B5EF4-FFF2-40B4-BE49-F238E27FC236}">
+                  <a16:creationId xmlns:a16="http://schemas.microsoft.com/office/drawing/2014/main" id="{EA6E2B76-349A-4052-8D6C-19CBA3472AAA}"/>
+                </a:ext>
+              </a:extLst>
+            </p:cNvPr>
+            <p:cNvCxnSpPr>
+              <a:cxnSpLocks/>
+              <a:endCxn id="30" idx="1"/>
+            </p:cNvCxnSpPr>
+            <p:nvPr/>
+          </p:nvCxnSpPr>
+          <p:spPr>
+            <a:xfrm>
+              <a:off x="5826265" y="3686297"/>
+              <a:ext cx="985036" cy="1138721"/>
+            </a:xfrm>
+            <a:prstGeom prst="line">
+              <a:avLst/>
+            </a:prstGeom>
+            <a:ln w="31750" cap="rnd">
+              <a:solidFill>
+                <a:srgbClr val="FF0000"/>
+              </a:solidFill>
+              <a:round/>
+            </a:ln>
+          </p:spPr>
+          <p:style>
+            <a:lnRef idx="1">
+              <a:schemeClr val="accent1"/>
+            </a:lnRef>
+            <a:fillRef idx="0">
+              <a:schemeClr val="accent1"/>
+            </a:fillRef>
+            <a:effectRef idx="0">
+              <a:schemeClr val="accent1"/>
+            </a:effectRef>
+            <a:fontRef idx="minor">
+              <a:schemeClr val="tx1"/>
+            </a:fontRef>
+          </p:style>
+        </p:cxnSp>
+        <p:cxnSp>
+          <p:nvCxnSpPr>
+            <p:cNvPr id="47" name="直線コネクタ 46">
+              <a:extLst>
+                <a:ext uri="{FF2B5EF4-FFF2-40B4-BE49-F238E27FC236}">
+                  <a16:creationId xmlns:a16="http://schemas.microsoft.com/office/drawing/2014/main" id="{1FCF2E14-4C0B-49DF-A853-8F89FE623469}"/>
+                </a:ext>
+              </a:extLst>
+            </p:cNvPr>
+            <p:cNvCxnSpPr>
+              <a:cxnSpLocks/>
+            </p:cNvCxnSpPr>
+            <p:nvPr/>
+          </p:nvCxnSpPr>
+          <p:spPr>
+            <a:xfrm flipV="1">
+              <a:off x="6374505" y="1143229"/>
+              <a:ext cx="432695" cy="326282"/>
+            </a:xfrm>
+            <a:prstGeom prst="line">
+              <a:avLst/>
+            </a:prstGeom>
+            <a:ln w="31750" cap="rnd">
+              <a:solidFill>
+                <a:srgbClr val="FF0000"/>
+              </a:solidFill>
+              <a:round/>
+            </a:ln>
+          </p:spPr>
+          <p:style>
+            <a:lnRef idx="1">
+              <a:schemeClr val="accent1"/>
+            </a:lnRef>
+            <a:fillRef idx="0">
+              <a:schemeClr val="accent1"/>
+            </a:fillRef>
+            <a:effectRef idx="0">
+              <a:schemeClr val="accent1"/>
+            </a:effectRef>
+            <a:fontRef idx="minor">
+              <a:schemeClr val="tx1"/>
+            </a:fontRef>
+          </p:style>
+        </p:cxnSp>
+      </p:grpSp>
+    </p:spTree>
+    <p:extLst>
+      <p:ext uri="{BB962C8B-B14F-4D97-AF65-F5344CB8AC3E}">
+        <p14:creationId xmlns:p14="http://schemas.microsoft.com/office/powerpoint/2010/main" val="3744354016"/>
+      </p:ext>
+    </p:extLst>
+  </p:cSld>
+  <p:clrMapOvr>
+    <a:masterClrMapping/>
+  </p:clrMapOvr>
+</p:sld>
+</file>
+
+<file path=ppt/slides/slide11.xml><?xml version="1.0" encoding="utf-8"?>
 <p:sld xmlns:a="http://schemas.openxmlformats.org/drawingml/2006/main" xmlns:r="http://schemas.openxmlformats.org/officeDocument/2006/relationships" xmlns:p="http://schemas.openxmlformats.org/presentationml/2006/main">
   <p:cSld>
     <p:spTree>
@@ -10312,7 +11989,7 @@
 </p:sld>
 </file>
 
-<file path=ppt/slides/slide11.xml><?xml version="1.0" encoding="utf-8"?>
+<file path=ppt/slides/slide12.xml><?xml version="1.0" encoding="utf-8"?>
 <p:sld xmlns:a="http://schemas.openxmlformats.org/drawingml/2006/main" xmlns:r="http://schemas.openxmlformats.org/officeDocument/2006/relationships" xmlns:p="http://schemas.openxmlformats.org/presentationml/2006/main">
   <p:cSld>
     <p:spTree>
@@ -10648,7 +12325,7 @@
 </p:sld>
 </file>
 
-<file path=ppt/slides/slide12.xml><?xml version="1.0" encoding="utf-8"?>
+<file path=ppt/slides/slide13.xml><?xml version="1.0" encoding="utf-8"?>
 <p:sld xmlns:a="http://schemas.openxmlformats.org/drawingml/2006/main" xmlns:r="http://schemas.openxmlformats.org/officeDocument/2006/relationships" xmlns:p="http://schemas.openxmlformats.org/presentationml/2006/main">
   <p:cSld>
     <p:spTree>
@@ -10959,7 +12636,7 @@
           <p:cNvPr id="2" name="タイトル 1">
             <a:extLst>
               <a:ext uri="{FF2B5EF4-FFF2-40B4-BE49-F238E27FC236}">
-                <a16:creationId xmlns:a16="http://schemas.microsoft.com/office/drawing/2014/main" id="{5974AD65-AC18-4CFC-867F-6B048C9ABDE4}"/>
+                <a16:creationId xmlns:a16="http://schemas.microsoft.com/office/drawing/2014/main" id="{7C7A61DE-0148-4424-8F0F-91C95E114D35}"/>
               </a:ext>
             </a:extLst>
           </p:cNvPr>
@@ -10970,16 +12647,22 @@
             <p:ph type="title"/>
           </p:nvPr>
         </p:nvSpPr>
-        <p:spPr/>
+        <p:spPr>
+          <a:xfrm>
+            <a:off x="838200" y="365125"/>
+            <a:ext cx="2065421" cy="597401"/>
+          </a:xfrm>
+        </p:spPr>
         <p:txBody>
-          <a:bodyPr/>
+          <a:bodyPr>
+            <a:normAutofit/>
+          </a:bodyPr>
           <a:lstStyle/>
           <a:p>
             <a:r>
-              <a:rPr kumimoji="1" lang="en-US" altLang="ja-JP" dirty="0"/>
-              <a:t>All</a:t>
+              <a:rPr kumimoji="1" lang="ja-JP" altLang="en-US" sz="2800" dirty="0"/>
+              <a:t>非フリック</a:t>
             </a:r>
-            <a:endParaRPr kumimoji="1" lang="ja-JP" altLang="en-US" dirty="0"/>
           </a:p>
         </p:txBody>
       </p:sp>
@@ -10988,7 +12671,7 @@
           <p:cNvPr id="4" name="グラフ 3">
             <a:extLst>
               <a:ext uri="{FF2B5EF4-FFF2-40B4-BE49-F238E27FC236}">
-                <a16:creationId xmlns:a16="http://schemas.microsoft.com/office/drawing/2014/main" id="{786201CA-749B-46CB-B9B6-1D863F7BEE19}"/>
+                <a16:creationId xmlns:a16="http://schemas.microsoft.com/office/drawing/2014/main" id="{D25EB60D-79AE-4F25-A0C4-C4EDD35235D9}"/>
               </a:ext>
             </a:extLst>
           </p:cNvPr>
@@ -10998,14 +12681,14 @@
           <p:nvPr>
             <p:extLst>
               <p:ext uri="{D42A27DB-BD31-4B8C-83A1-F6EECF244321}">
-                <p14:modId xmlns:p14="http://schemas.microsoft.com/office/powerpoint/2010/main" val="4075315814"/>
+                <p14:modId xmlns:p14="http://schemas.microsoft.com/office/powerpoint/2010/main" val="2162505615"/>
               </p:ext>
             </p:extLst>
           </p:nvPr>
         </p:nvGraphicFramePr>
         <p:xfrm>
-          <a:off x="661876" y="2162073"/>
-          <a:ext cx="4606595" cy="2712757"/>
+          <a:off x="838200" y="1430014"/>
+          <a:ext cx="4572000" cy="2743200"/>
         </p:xfrm>
         <a:graphic>
           <a:graphicData uri="http://schemas.openxmlformats.org/drawingml/2006/chart">
@@ -11018,7 +12701,7 @@
           <p:cNvPr id="5" name="グラフ 4">
             <a:extLst>
               <a:ext uri="{FF2B5EF4-FFF2-40B4-BE49-F238E27FC236}">
-                <a16:creationId xmlns:a16="http://schemas.microsoft.com/office/drawing/2014/main" id="{6085EAFE-1CA7-4D22-BD33-CE55DE3BCF9A}"/>
+                <a16:creationId xmlns:a16="http://schemas.microsoft.com/office/drawing/2014/main" id="{A00C7A06-25B5-43C9-A363-F0C9002380B0}"/>
               </a:ext>
             </a:extLst>
           </p:cNvPr>
@@ -11028,14 +12711,14 @@
           <p:nvPr>
             <p:extLst>
               <p:ext uri="{D42A27DB-BD31-4B8C-83A1-F6EECF244321}">
-                <p14:modId xmlns:p14="http://schemas.microsoft.com/office/powerpoint/2010/main" val="1602366278"/>
+                <p14:modId xmlns:p14="http://schemas.microsoft.com/office/powerpoint/2010/main" val="41748461"/>
               </p:ext>
             </p:extLst>
           </p:nvPr>
         </p:nvGraphicFramePr>
         <p:xfrm>
-          <a:off x="5662981" y="2213273"/>
-          <a:ext cx="4623027" cy="2661557"/>
+          <a:off x="6561221" y="1688432"/>
+          <a:ext cx="4572000" cy="2743200"/>
         </p:xfrm>
         <a:graphic>
           <a:graphicData uri="http://schemas.openxmlformats.org/drawingml/2006/chart">
@@ -11046,7 +12729,7 @@
     </p:spTree>
     <p:extLst>
       <p:ext uri="{BB962C8B-B14F-4D97-AF65-F5344CB8AC3E}">
-        <p14:creationId xmlns:p14="http://schemas.microsoft.com/office/powerpoint/2010/main" val="3311999416"/>
+        <p14:creationId xmlns:p14="http://schemas.microsoft.com/office/powerpoint/2010/main" val="4252185419"/>
       </p:ext>
     </p:extLst>
   </p:cSld>
@@ -11630,6 +13313,1095 @@
           <a:chExt cx="0" cy="0"/>
         </a:xfrm>
       </p:grpSpPr>
+      <p:pic>
+        <p:nvPicPr>
+          <p:cNvPr id="1028" name="Picture 4" descr="ãªãã«ã¼ãåãã¼ã¿ã®æ£ã°ã©ãã®ä¾">
+            <a:extLst>
+              <a:ext uri="{FF2B5EF4-FFF2-40B4-BE49-F238E27FC236}">
+                <a16:creationId xmlns:a16="http://schemas.microsoft.com/office/drawing/2014/main" id="{2B3846E0-0FCE-4CE9-B2EA-5856698882E2}"/>
+              </a:ext>
+            </a:extLst>
+          </p:cNvPr>
+          <p:cNvPicPr>
+            <a:picLocks noChangeAspect="1" noChangeArrowheads="1"/>
+          </p:cNvPicPr>
+          <p:nvPr/>
+        </p:nvPicPr>
+        <p:blipFill>
+          <a:blip r:embed="rId2">
+            <a:extLst>
+              <a:ext uri="{28A0092B-C50C-407E-A947-70E740481C1C}">
+                <a14:useLocalDpi xmlns:a14="http://schemas.microsoft.com/office/drawing/2010/main" val="0"/>
+              </a:ext>
+            </a:extLst>
+          </a:blip>
+          <a:srcRect/>
+          <a:stretch>
+            <a:fillRect/>
+          </a:stretch>
+        </p:blipFill>
+        <p:spPr bwMode="auto">
+          <a:xfrm>
+            <a:off x="6829592" y="3551051"/>
+            <a:ext cx="4572001" cy="1587096"/>
+          </a:xfrm>
+          <a:prstGeom prst="rect">
+            <a:avLst/>
+          </a:prstGeom>
+          <a:noFill/>
+          <a:extLst>
+            <a:ext uri="{909E8E84-426E-40DD-AFC4-6F175D3DCCD1}">
+              <a14:hiddenFill xmlns:a14="http://schemas.microsoft.com/office/drawing/2010/main">
+                <a:solidFill>
+                  <a:srgbClr val="FFFFFF"/>
+                </a:solidFill>
+              </a14:hiddenFill>
+            </a:ext>
+          </a:extLst>
+        </p:spPr>
+      </p:pic>
+      <p:graphicFrame>
+        <p:nvGraphicFramePr>
+          <p:cNvPr id="24" name="グラフ 23">
+            <a:extLst>
+              <a:ext uri="{FF2B5EF4-FFF2-40B4-BE49-F238E27FC236}">
+                <a16:creationId xmlns:a16="http://schemas.microsoft.com/office/drawing/2014/main" id="{C98E580D-01B9-4D47-BF0F-9B5179A47962}"/>
+              </a:ext>
+            </a:extLst>
+          </p:cNvPr>
+          <p:cNvGraphicFramePr>
+            <a:graphicFrameLocks/>
+          </p:cNvGraphicFramePr>
+          <p:nvPr>
+            <p:extLst>
+              <p:ext uri="{D42A27DB-BD31-4B8C-83A1-F6EECF244321}">
+                <p14:modId xmlns:p14="http://schemas.microsoft.com/office/powerpoint/2010/main" val="3878079910"/>
+              </p:ext>
+            </p:extLst>
+          </p:nvPr>
+        </p:nvGraphicFramePr>
+        <p:xfrm>
+          <a:off x="755733" y="1087757"/>
+          <a:ext cx="4572000" cy="2743200"/>
+        </p:xfrm>
+        <a:graphic>
+          <a:graphicData uri="http://schemas.openxmlformats.org/drawingml/2006/chart">
+            <c:chart xmlns:c="http://schemas.openxmlformats.org/drawingml/2006/chart" xmlns:r="http://schemas.openxmlformats.org/officeDocument/2006/relationships" r:id="rId3"/>
+          </a:graphicData>
+        </a:graphic>
+      </p:graphicFrame>
+      <p:sp>
+        <p:nvSpPr>
+          <p:cNvPr id="25" name="テキスト ボックス 24">
+            <a:extLst>
+              <a:ext uri="{FF2B5EF4-FFF2-40B4-BE49-F238E27FC236}">
+                <a16:creationId xmlns:a16="http://schemas.microsoft.com/office/drawing/2014/main" id="{EEFB28FE-686C-478C-8A3C-C095B7D94EEC}"/>
+              </a:ext>
+            </a:extLst>
+          </p:cNvPr>
+          <p:cNvSpPr txBox="1"/>
+          <p:nvPr/>
+        </p:nvSpPr>
+        <p:spPr>
+          <a:xfrm>
+            <a:off x="1188754" y="3632255"/>
+            <a:ext cx="1356765" cy="261610"/>
+          </a:xfrm>
+          <a:prstGeom prst="rect">
+            <a:avLst/>
+          </a:prstGeom>
+          <a:noFill/>
+        </p:spPr>
+        <p:txBody>
+          <a:bodyPr wrap="square" rtlCol="0">
+            <a:spAutoFit/>
+          </a:bodyPr>
+          <a:lstStyle/>
+          <a:p>
+            <a:pPr algn="ctr"/>
+            <a:r>
+              <a:rPr lang="ja-JP" altLang="en-US" sz="1100" dirty="0">
+                <a:latin typeface="游ゴシック Medium" panose="020B0500000000000000" pitchFamily="50" charset="-128"/>
+                <a:ea typeface="游ゴシック Medium" panose="020B0500000000000000" pitchFamily="50" charset="-128"/>
+              </a:rPr>
+              <a:t>使いやすかったか</a:t>
+            </a:r>
+            <a:endParaRPr kumimoji="1" lang="ja-JP" altLang="en-US" sz="1100" dirty="0">
+              <a:latin typeface="游ゴシック Medium" panose="020B0500000000000000" pitchFamily="50" charset="-128"/>
+              <a:ea typeface="游ゴシック Medium" panose="020B0500000000000000" pitchFamily="50" charset="-128"/>
+            </a:endParaRPr>
+          </a:p>
+        </p:txBody>
+      </p:sp>
+      <p:sp>
+        <p:nvSpPr>
+          <p:cNvPr id="28" name="左大かっこ 27">
+            <a:extLst>
+              <a:ext uri="{FF2B5EF4-FFF2-40B4-BE49-F238E27FC236}">
+                <a16:creationId xmlns:a16="http://schemas.microsoft.com/office/drawing/2014/main" id="{88063D10-88C4-45EB-B9A5-95D376FAD3A2}"/>
+              </a:ext>
+            </a:extLst>
+          </p:cNvPr>
+          <p:cNvSpPr/>
+          <p:nvPr/>
+        </p:nvSpPr>
+        <p:spPr>
+          <a:xfrm rot="5400000">
+            <a:off x="1829037" y="1461706"/>
+            <a:ext cx="76200" cy="332015"/>
+          </a:xfrm>
+          <a:prstGeom prst="leftBracket">
+            <a:avLst>
+              <a:gd name="adj" fmla="val 0"/>
+            </a:avLst>
+          </a:prstGeom>
+          <a:noFill/>
+          <a:ln w="9525">
+            <a:solidFill>
+              <a:srgbClr val="595959"/>
+            </a:solidFill>
+          </a:ln>
+        </p:spPr>
+        <p:style>
+          <a:lnRef idx="1">
+            <a:schemeClr val="accent1"/>
+          </a:lnRef>
+          <a:fillRef idx="0">
+            <a:schemeClr val="accent1"/>
+          </a:fillRef>
+          <a:effectRef idx="0">
+            <a:schemeClr val="accent1"/>
+          </a:effectRef>
+          <a:fontRef idx="minor">
+            <a:schemeClr val="tx1"/>
+          </a:fontRef>
+        </p:style>
+        <p:txBody>
+          <a:bodyPr rtlCol="0" anchor="ctr"/>
+          <a:lstStyle/>
+          <a:p>
+            <a:pPr algn="ctr"/>
+            <a:endParaRPr kumimoji="1" lang="ja-JP" altLang="en-US"/>
+          </a:p>
+        </p:txBody>
+      </p:sp>
+      <p:sp>
+        <p:nvSpPr>
+          <p:cNvPr id="35" name="テキスト ボックス 34">
+            <a:extLst>
+              <a:ext uri="{FF2B5EF4-FFF2-40B4-BE49-F238E27FC236}">
+                <a16:creationId xmlns:a16="http://schemas.microsoft.com/office/drawing/2014/main" id="{029678B9-3236-4BBB-85A6-AB0F94AF098F}"/>
+              </a:ext>
+            </a:extLst>
+          </p:cNvPr>
+          <p:cNvSpPr txBox="1"/>
+          <p:nvPr/>
+        </p:nvSpPr>
+        <p:spPr>
+          <a:xfrm>
+            <a:off x="1711732" y="1402601"/>
+            <a:ext cx="310810" cy="276999"/>
+          </a:xfrm>
+          <a:prstGeom prst="rect">
+            <a:avLst/>
+          </a:prstGeom>
+          <a:noFill/>
+        </p:spPr>
+        <p:txBody>
+          <a:bodyPr wrap="square" rtlCol="0" anchor="ctr">
+            <a:spAutoFit/>
+          </a:bodyPr>
+          <a:lstStyle/>
+          <a:p>
+            <a:pPr algn="ctr"/>
+            <a:r>
+              <a:rPr lang="en-US" altLang="ja-JP" sz="1200" dirty="0">
+                <a:latin typeface="游ゴシック Medium" panose="020B0500000000000000" pitchFamily="50" charset="-128"/>
+                <a:ea typeface="游ゴシック Medium" panose="020B0500000000000000" pitchFamily="50" charset="-128"/>
+              </a:rPr>
+              <a:t>*</a:t>
+            </a:r>
+            <a:endParaRPr lang="ja-JP" altLang="en-US" sz="1200" dirty="0">
+              <a:latin typeface="游ゴシック Medium" panose="020B0500000000000000" pitchFamily="50" charset="-128"/>
+              <a:ea typeface="游ゴシック Medium" panose="020B0500000000000000" pitchFamily="50" charset="-128"/>
+            </a:endParaRPr>
+          </a:p>
+        </p:txBody>
+      </p:sp>
+      <p:sp>
+        <p:nvSpPr>
+          <p:cNvPr id="37" name="左大かっこ 36">
+            <a:extLst>
+              <a:ext uri="{FF2B5EF4-FFF2-40B4-BE49-F238E27FC236}">
+                <a16:creationId xmlns:a16="http://schemas.microsoft.com/office/drawing/2014/main" id="{29F783FE-CFF0-4055-B829-5979BEAB70A7}"/>
+              </a:ext>
+            </a:extLst>
+          </p:cNvPr>
+          <p:cNvSpPr/>
+          <p:nvPr/>
+        </p:nvSpPr>
+        <p:spPr>
+          <a:xfrm rot="5400000">
+            <a:off x="3159038" y="1461706"/>
+            <a:ext cx="76200" cy="332015"/>
+          </a:xfrm>
+          <a:prstGeom prst="leftBracket">
+            <a:avLst>
+              <a:gd name="adj" fmla="val 0"/>
+            </a:avLst>
+          </a:prstGeom>
+          <a:noFill/>
+          <a:ln w="9525">
+            <a:solidFill>
+              <a:srgbClr val="595959"/>
+            </a:solidFill>
+          </a:ln>
+        </p:spPr>
+        <p:style>
+          <a:lnRef idx="1">
+            <a:schemeClr val="accent1"/>
+          </a:lnRef>
+          <a:fillRef idx="0">
+            <a:schemeClr val="accent1"/>
+          </a:fillRef>
+          <a:effectRef idx="0">
+            <a:schemeClr val="accent1"/>
+          </a:effectRef>
+          <a:fontRef idx="minor">
+            <a:schemeClr val="tx1"/>
+          </a:fontRef>
+        </p:style>
+        <p:txBody>
+          <a:bodyPr rtlCol="0" anchor="ctr"/>
+          <a:lstStyle/>
+          <a:p>
+            <a:pPr algn="ctr"/>
+            <a:endParaRPr kumimoji="1" lang="ja-JP" altLang="en-US"/>
+          </a:p>
+        </p:txBody>
+      </p:sp>
+      <p:sp>
+        <p:nvSpPr>
+          <p:cNvPr id="38" name="テキスト ボックス 37">
+            <a:extLst>
+              <a:ext uri="{FF2B5EF4-FFF2-40B4-BE49-F238E27FC236}">
+                <a16:creationId xmlns:a16="http://schemas.microsoft.com/office/drawing/2014/main" id="{1EF9E06B-3710-494F-BECE-56434F2CBCC8}"/>
+              </a:ext>
+            </a:extLst>
+          </p:cNvPr>
+          <p:cNvSpPr txBox="1"/>
+          <p:nvPr/>
+        </p:nvSpPr>
+        <p:spPr>
+          <a:xfrm>
+            <a:off x="2995246" y="1402601"/>
+            <a:ext cx="413944" cy="276999"/>
+          </a:xfrm>
+          <a:prstGeom prst="rect">
+            <a:avLst/>
+          </a:prstGeom>
+          <a:noFill/>
+        </p:spPr>
+        <p:txBody>
+          <a:bodyPr wrap="square" rtlCol="0" anchor="ctr">
+            <a:spAutoFit/>
+          </a:bodyPr>
+          <a:lstStyle/>
+          <a:p>
+            <a:pPr algn="ctr"/>
+            <a:r>
+              <a:rPr lang="en-US" altLang="ja-JP" sz="1200" dirty="0">
+                <a:latin typeface="游ゴシック Medium" panose="020B0500000000000000" pitchFamily="50" charset="-128"/>
+                <a:ea typeface="游ゴシック Medium" panose="020B0500000000000000" pitchFamily="50" charset="-128"/>
+              </a:rPr>
+              <a:t>**</a:t>
+            </a:r>
+            <a:endParaRPr lang="ja-JP" altLang="en-US" sz="1200" dirty="0">
+              <a:latin typeface="游ゴシック Medium" panose="020B0500000000000000" pitchFamily="50" charset="-128"/>
+              <a:ea typeface="游ゴシック Medium" panose="020B0500000000000000" pitchFamily="50" charset="-128"/>
+            </a:endParaRPr>
+          </a:p>
+        </p:txBody>
+      </p:sp>
+      <p:sp>
+        <p:nvSpPr>
+          <p:cNvPr id="40" name="左大かっこ 39">
+            <a:extLst>
+              <a:ext uri="{FF2B5EF4-FFF2-40B4-BE49-F238E27FC236}">
+                <a16:creationId xmlns:a16="http://schemas.microsoft.com/office/drawing/2014/main" id="{3BB7FB7A-B322-484B-B68E-B0806C721F88}"/>
+              </a:ext>
+            </a:extLst>
+          </p:cNvPr>
+          <p:cNvSpPr/>
+          <p:nvPr/>
+        </p:nvSpPr>
+        <p:spPr>
+          <a:xfrm rot="5400000">
+            <a:off x="4488597" y="1461706"/>
+            <a:ext cx="76200" cy="332015"/>
+          </a:xfrm>
+          <a:prstGeom prst="leftBracket">
+            <a:avLst>
+              <a:gd name="adj" fmla="val 0"/>
+            </a:avLst>
+          </a:prstGeom>
+          <a:noFill/>
+          <a:ln w="9525">
+            <a:solidFill>
+              <a:srgbClr val="595959"/>
+            </a:solidFill>
+          </a:ln>
+        </p:spPr>
+        <p:style>
+          <a:lnRef idx="1">
+            <a:schemeClr val="accent1"/>
+          </a:lnRef>
+          <a:fillRef idx="0">
+            <a:schemeClr val="accent1"/>
+          </a:fillRef>
+          <a:effectRef idx="0">
+            <a:schemeClr val="accent1"/>
+          </a:effectRef>
+          <a:fontRef idx="minor">
+            <a:schemeClr val="tx1"/>
+          </a:fontRef>
+        </p:style>
+        <p:txBody>
+          <a:bodyPr rtlCol="0" anchor="ctr"/>
+          <a:lstStyle/>
+          <a:p>
+            <a:pPr algn="ctr"/>
+            <a:endParaRPr kumimoji="1" lang="ja-JP" altLang="en-US"/>
+          </a:p>
+        </p:txBody>
+      </p:sp>
+      <p:sp>
+        <p:nvSpPr>
+          <p:cNvPr id="41" name="テキスト ボックス 40">
+            <a:extLst>
+              <a:ext uri="{FF2B5EF4-FFF2-40B4-BE49-F238E27FC236}">
+                <a16:creationId xmlns:a16="http://schemas.microsoft.com/office/drawing/2014/main" id="{8EE722DE-4660-49BC-A6BA-54C8023657E0}"/>
+              </a:ext>
+            </a:extLst>
+          </p:cNvPr>
+          <p:cNvSpPr txBox="1"/>
+          <p:nvPr/>
+        </p:nvSpPr>
+        <p:spPr>
+          <a:xfrm>
+            <a:off x="4314738" y="1366867"/>
+            <a:ext cx="423917" cy="246221"/>
+          </a:xfrm>
+          <a:prstGeom prst="rect">
+            <a:avLst/>
+          </a:prstGeom>
+          <a:noFill/>
+        </p:spPr>
+        <p:txBody>
+          <a:bodyPr wrap="square" rtlCol="0" anchor="ctr">
+            <a:spAutoFit/>
+          </a:bodyPr>
+          <a:lstStyle/>
+          <a:p>
+            <a:pPr algn="ctr"/>
+            <a:r>
+              <a:rPr lang="en-US" altLang="ja-JP" sz="1000" dirty="0" err="1">
+                <a:latin typeface="游ゴシック Medium" panose="020B0500000000000000" pitchFamily="50" charset="-128"/>
+                <a:ea typeface="游ゴシック Medium" panose="020B0500000000000000" pitchFamily="50" charset="-128"/>
+              </a:rPr>
+              <a:t>n.s</a:t>
+            </a:r>
+            <a:r>
+              <a:rPr lang="en-US" altLang="ja-JP" sz="1000" dirty="0">
+                <a:latin typeface="游ゴシック Medium" panose="020B0500000000000000" pitchFamily="50" charset="-128"/>
+                <a:ea typeface="游ゴシック Medium" panose="020B0500000000000000" pitchFamily="50" charset="-128"/>
+              </a:rPr>
+              <a:t>.</a:t>
+            </a:r>
+            <a:endParaRPr lang="ja-JP" altLang="en-US" sz="1000" dirty="0">
+              <a:latin typeface="游ゴシック Medium" panose="020B0500000000000000" pitchFamily="50" charset="-128"/>
+              <a:ea typeface="游ゴシック Medium" panose="020B0500000000000000" pitchFamily="50" charset="-128"/>
+            </a:endParaRPr>
+          </a:p>
+        </p:txBody>
+      </p:sp>
+      <p:sp>
+        <p:nvSpPr>
+          <p:cNvPr id="42" name="テキスト ボックス 41">
+            <a:extLst>
+              <a:ext uri="{FF2B5EF4-FFF2-40B4-BE49-F238E27FC236}">
+                <a16:creationId xmlns:a16="http://schemas.microsoft.com/office/drawing/2014/main" id="{AD3F3DEA-3C5C-4B48-9B39-578F49312AD3}"/>
+              </a:ext>
+            </a:extLst>
+          </p:cNvPr>
+          <p:cNvSpPr txBox="1"/>
+          <p:nvPr/>
+        </p:nvSpPr>
+        <p:spPr>
+          <a:xfrm>
+            <a:off x="1248012" y="3389343"/>
+            <a:ext cx="1238250" cy="230832"/>
+          </a:xfrm>
+          <a:prstGeom prst="rect">
+            <a:avLst/>
+          </a:prstGeom>
+          <a:noFill/>
+        </p:spPr>
+        <p:txBody>
+          <a:bodyPr wrap="square" rtlCol="0">
+            <a:spAutoFit/>
+          </a:bodyPr>
+          <a:lstStyle/>
+          <a:p>
+            <a:pPr algn="ctr"/>
+            <a:r>
+              <a:rPr lang="ja-JP" altLang="en-US" sz="900" dirty="0">
+                <a:latin typeface="游ゴシック Medium" panose="020B0500000000000000" pitchFamily="50" charset="-128"/>
+                <a:ea typeface="游ゴシック Medium" panose="020B0500000000000000" pitchFamily="50" charset="-128"/>
+              </a:rPr>
+              <a:t>既存手法  提案手法</a:t>
+            </a:r>
+            <a:endParaRPr kumimoji="1" lang="ja-JP" altLang="en-US" sz="900" dirty="0">
+              <a:latin typeface="游ゴシック Medium" panose="020B0500000000000000" pitchFamily="50" charset="-128"/>
+              <a:ea typeface="游ゴシック Medium" panose="020B0500000000000000" pitchFamily="50" charset="-128"/>
+            </a:endParaRPr>
+          </a:p>
+        </p:txBody>
+      </p:sp>
+      <p:sp>
+        <p:nvSpPr>
+          <p:cNvPr id="43" name="テキスト ボックス 42">
+            <a:extLst>
+              <a:ext uri="{FF2B5EF4-FFF2-40B4-BE49-F238E27FC236}">
+                <a16:creationId xmlns:a16="http://schemas.microsoft.com/office/drawing/2014/main" id="{EE22131F-8F42-4451-9BED-62498F6B9068}"/>
+              </a:ext>
+            </a:extLst>
+          </p:cNvPr>
+          <p:cNvSpPr txBox="1"/>
+          <p:nvPr/>
+        </p:nvSpPr>
+        <p:spPr>
+          <a:xfrm>
+            <a:off x="2281310" y="3632255"/>
+            <a:ext cx="1828800" cy="261610"/>
+          </a:xfrm>
+          <a:prstGeom prst="rect">
+            <a:avLst/>
+          </a:prstGeom>
+          <a:noFill/>
+        </p:spPr>
+        <p:txBody>
+          <a:bodyPr wrap="square" rtlCol="0">
+            <a:spAutoFit/>
+          </a:bodyPr>
+          <a:lstStyle/>
+          <a:p>
+            <a:pPr algn="ctr"/>
+            <a:r>
+              <a:rPr kumimoji="1" lang="ja-JP" altLang="en-US" sz="1100" dirty="0">
+                <a:latin typeface="游ゴシック Medium" panose="020B0500000000000000" pitchFamily="50" charset="-128"/>
+                <a:ea typeface="游ゴシック Medium" panose="020B0500000000000000" pitchFamily="50" charset="-128"/>
+              </a:rPr>
+              <a:t>今後も使用したいか</a:t>
+            </a:r>
+          </a:p>
+        </p:txBody>
+      </p:sp>
+      <p:sp>
+        <p:nvSpPr>
+          <p:cNvPr id="44" name="テキスト ボックス 43">
+            <a:extLst>
+              <a:ext uri="{FF2B5EF4-FFF2-40B4-BE49-F238E27FC236}">
+                <a16:creationId xmlns:a16="http://schemas.microsoft.com/office/drawing/2014/main" id="{A5EB6834-A109-4F19-A260-314627801906}"/>
+              </a:ext>
+            </a:extLst>
+          </p:cNvPr>
+          <p:cNvSpPr txBox="1"/>
+          <p:nvPr/>
+        </p:nvSpPr>
+        <p:spPr>
+          <a:xfrm>
+            <a:off x="2583620" y="3389343"/>
+            <a:ext cx="1238250" cy="230832"/>
+          </a:xfrm>
+          <a:prstGeom prst="rect">
+            <a:avLst/>
+          </a:prstGeom>
+          <a:noFill/>
+        </p:spPr>
+        <p:txBody>
+          <a:bodyPr wrap="square" rtlCol="0">
+            <a:spAutoFit/>
+          </a:bodyPr>
+          <a:lstStyle/>
+          <a:p>
+            <a:pPr algn="ctr"/>
+            <a:r>
+              <a:rPr lang="ja-JP" altLang="en-US" sz="900" dirty="0">
+                <a:latin typeface="游ゴシック Medium" panose="020B0500000000000000" pitchFamily="50" charset="-128"/>
+                <a:ea typeface="游ゴシック Medium" panose="020B0500000000000000" pitchFamily="50" charset="-128"/>
+              </a:rPr>
+              <a:t>既存手法  提案手法</a:t>
+            </a:r>
+            <a:endParaRPr kumimoji="1" lang="ja-JP" altLang="en-US" sz="900" dirty="0">
+              <a:latin typeface="游ゴシック Medium" panose="020B0500000000000000" pitchFamily="50" charset="-128"/>
+              <a:ea typeface="游ゴシック Medium" panose="020B0500000000000000" pitchFamily="50" charset="-128"/>
+            </a:endParaRPr>
+          </a:p>
+        </p:txBody>
+      </p:sp>
+      <p:sp>
+        <p:nvSpPr>
+          <p:cNvPr id="45" name="テキスト ボックス 44">
+            <a:extLst>
+              <a:ext uri="{FF2B5EF4-FFF2-40B4-BE49-F238E27FC236}">
+                <a16:creationId xmlns:a16="http://schemas.microsoft.com/office/drawing/2014/main" id="{07DCA801-41CE-4034-80A4-826A7F65B1FD}"/>
+              </a:ext>
+            </a:extLst>
+          </p:cNvPr>
+          <p:cNvSpPr txBox="1"/>
+          <p:nvPr/>
+        </p:nvSpPr>
+        <p:spPr>
+          <a:xfrm>
+            <a:off x="3848830" y="3632255"/>
+            <a:ext cx="1356765" cy="261610"/>
+          </a:xfrm>
+          <a:prstGeom prst="rect">
+            <a:avLst/>
+          </a:prstGeom>
+          <a:noFill/>
+        </p:spPr>
+        <p:txBody>
+          <a:bodyPr wrap="square" rtlCol="0">
+            <a:spAutoFit/>
+          </a:bodyPr>
+          <a:lstStyle/>
+          <a:p>
+            <a:pPr algn="ctr"/>
+            <a:r>
+              <a:rPr kumimoji="1" lang="ja-JP" altLang="en-US" sz="1100" dirty="0">
+                <a:latin typeface="游ゴシック Medium" panose="020B0500000000000000" pitchFamily="50" charset="-128"/>
+                <a:ea typeface="游ゴシック Medium" panose="020B0500000000000000" pitchFamily="50" charset="-128"/>
+              </a:rPr>
+              <a:t>慣れやすかったか</a:t>
+            </a:r>
+          </a:p>
+        </p:txBody>
+      </p:sp>
+      <p:sp>
+        <p:nvSpPr>
+          <p:cNvPr id="46" name="テキスト ボックス 45">
+            <a:extLst>
+              <a:ext uri="{FF2B5EF4-FFF2-40B4-BE49-F238E27FC236}">
+                <a16:creationId xmlns:a16="http://schemas.microsoft.com/office/drawing/2014/main" id="{0025A994-F966-4A37-A7C3-D269394829A3}"/>
+              </a:ext>
+            </a:extLst>
+          </p:cNvPr>
+          <p:cNvSpPr txBox="1"/>
+          <p:nvPr/>
+        </p:nvSpPr>
+        <p:spPr>
+          <a:xfrm>
+            <a:off x="3908088" y="3389343"/>
+            <a:ext cx="1238250" cy="230832"/>
+          </a:xfrm>
+          <a:prstGeom prst="rect">
+            <a:avLst/>
+          </a:prstGeom>
+          <a:noFill/>
+        </p:spPr>
+        <p:txBody>
+          <a:bodyPr wrap="square" rtlCol="0">
+            <a:spAutoFit/>
+          </a:bodyPr>
+          <a:lstStyle/>
+          <a:p>
+            <a:pPr algn="ctr"/>
+            <a:r>
+              <a:rPr lang="ja-JP" altLang="en-US" sz="900" dirty="0">
+                <a:latin typeface="游ゴシック Medium" panose="020B0500000000000000" pitchFamily="50" charset="-128"/>
+                <a:ea typeface="游ゴシック Medium" panose="020B0500000000000000" pitchFamily="50" charset="-128"/>
+              </a:rPr>
+              <a:t>既存手法  提案手法</a:t>
+            </a:r>
+            <a:endParaRPr kumimoji="1" lang="ja-JP" altLang="en-US" sz="900" dirty="0">
+              <a:latin typeface="游ゴシック Medium" panose="020B0500000000000000" pitchFamily="50" charset="-128"/>
+              <a:ea typeface="游ゴシック Medium" panose="020B0500000000000000" pitchFamily="50" charset="-128"/>
+            </a:endParaRPr>
+          </a:p>
+        </p:txBody>
+      </p:sp>
+      <p:graphicFrame>
+        <p:nvGraphicFramePr>
+          <p:cNvPr id="47" name="表 46">
+            <a:extLst>
+              <a:ext uri="{FF2B5EF4-FFF2-40B4-BE49-F238E27FC236}">
+                <a16:creationId xmlns:a16="http://schemas.microsoft.com/office/drawing/2014/main" id="{E80C0D54-50EB-4B6B-ABB4-7F294398BA14}"/>
+              </a:ext>
+            </a:extLst>
+          </p:cNvPr>
+          <p:cNvGraphicFramePr>
+            <a:graphicFrameLocks noGrp="1"/>
+          </p:cNvGraphicFramePr>
+          <p:nvPr>
+            <p:extLst>
+              <p:ext uri="{D42A27DB-BD31-4B8C-83A1-F6EECF244321}">
+                <p14:modId xmlns:p14="http://schemas.microsoft.com/office/powerpoint/2010/main" val="3297602545"/>
+              </p:ext>
+            </p:extLst>
+          </p:nvPr>
+        </p:nvGraphicFramePr>
+        <p:xfrm>
+          <a:off x="790407" y="1558133"/>
+          <a:ext cx="398347" cy="1992918"/>
+        </p:xfrm>
+        <a:graphic>
+          <a:graphicData uri="http://schemas.openxmlformats.org/drawingml/2006/table">
+            <a:tbl>
+              <a:tblPr firstRow="1" bandRow="1">
+                <a:tableStyleId>{5C22544A-7EE6-4342-B048-85BDC9FD1C3A}</a:tableStyleId>
+              </a:tblPr>
+              <a:tblGrid>
+                <a:gridCol w="398347">
+                  <a:extLst>
+                    <a:ext uri="{9D8B030D-6E8A-4147-A177-3AD203B41FA5}">
+                      <a16:colId xmlns:a16="http://schemas.microsoft.com/office/drawing/2014/main" val="4245838373"/>
+                    </a:ext>
+                  </a:extLst>
+                </a:gridCol>
+              </a:tblGrid>
+              <a:tr h="332153">
+                <a:tc>
+                  <a:txBody>
+                    <a:bodyPr/>
+                    <a:lstStyle/>
+                    <a:p>
+                      <a:pPr algn="r"/>
+                      <a:r>
+                        <a:rPr kumimoji="1" lang="en-US" altLang="ja-JP" sz="900" b="0" dirty="0">
+                          <a:solidFill>
+                            <a:schemeClr val="tx1"/>
+                          </a:solidFill>
+                          <a:latin typeface="游ゴシック Medium" panose="020B0500000000000000" pitchFamily="50" charset="-128"/>
+                          <a:ea typeface="游ゴシック Medium" panose="020B0500000000000000" pitchFamily="50" charset="-128"/>
+                        </a:rPr>
+                        <a:t>10</a:t>
+                      </a:r>
+                    </a:p>
+                  </a:txBody>
+                  <a:tcPr anchor="ctr">
+                    <a:lnL w="12700" cmpd="sng">
+                      <a:noFill/>
+                    </a:lnL>
+                    <a:lnR w="12700" cmpd="sng">
+                      <a:noFill/>
+                    </a:lnR>
+                    <a:lnT w="12700" cmpd="sng">
+                      <a:noFill/>
+                    </a:lnT>
+                    <a:lnB w="38100" cmpd="sng">
+                      <a:noFill/>
+                    </a:lnB>
+                    <a:lnTlToBr w="12700" cmpd="sng">
+                      <a:noFill/>
+                      <a:prstDash val="solid"/>
+                    </a:lnTlToBr>
+                    <a:lnBlToTr w="12700" cmpd="sng">
+                      <a:noFill/>
+                      <a:prstDash val="solid"/>
+                    </a:lnBlToTr>
+                    <a:solidFill>
+                      <a:schemeClr val="bg1"/>
+                    </a:solidFill>
+                  </a:tcPr>
+                </a:tc>
+                <a:extLst>
+                  <a:ext uri="{0D108BD9-81ED-4DB2-BD59-A6C34878D82A}">
+                    <a16:rowId xmlns:a16="http://schemas.microsoft.com/office/drawing/2014/main" val="1475958901"/>
+                  </a:ext>
+                </a:extLst>
+              </a:tr>
+              <a:tr h="332153">
+                <a:tc>
+                  <a:txBody>
+                    <a:bodyPr/>
+                    <a:lstStyle/>
+                    <a:p>
+                      <a:pPr algn="r"/>
+                      <a:r>
+                        <a:rPr kumimoji="1" lang="en-US" altLang="ja-JP" sz="900" b="0" dirty="0">
+                          <a:solidFill>
+                            <a:schemeClr val="tx1"/>
+                          </a:solidFill>
+                          <a:latin typeface="游ゴシック Medium" panose="020B0500000000000000" pitchFamily="50" charset="-128"/>
+                          <a:ea typeface="游ゴシック Medium" panose="020B0500000000000000" pitchFamily="50" charset="-128"/>
+                        </a:rPr>
+                        <a:t>8</a:t>
+                      </a:r>
+                      <a:endParaRPr kumimoji="1" lang="ja-JP" altLang="en-US" sz="900" b="0" dirty="0">
+                        <a:solidFill>
+                          <a:schemeClr val="tx1"/>
+                        </a:solidFill>
+                        <a:latin typeface="游ゴシック Medium" panose="020B0500000000000000" pitchFamily="50" charset="-128"/>
+                        <a:ea typeface="游ゴシック Medium" panose="020B0500000000000000" pitchFamily="50" charset="-128"/>
+                      </a:endParaRPr>
+                    </a:p>
+                  </a:txBody>
+                  <a:tcPr anchor="ctr">
+                    <a:lnL w="12700" cmpd="sng">
+                      <a:noFill/>
+                    </a:lnL>
+                    <a:lnR w="12700" cmpd="sng">
+                      <a:noFill/>
+                    </a:lnR>
+                    <a:lnT w="38100" cmpd="sng">
+                      <a:noFill/>
+                    </a:lnT>
+                    <a:lnB w="12700" cmpd="sng">
+                      <a:noFill/>
+                    </a:lnB>
+                    <a:lnTlToBr w="12700" cmpd="sng">
+                      <a:noFill/>
+                      <a:prstDash val="solid"/>
+                    </a:lnTlToBr>
+                    <a:lnBlToTr w="12700" cmpd="sng">
+                      <a:noFill/>
+                      <a:prstDash val="solid"/>
+                    </a:lnBlToTr>
+                    <a:solidFill>
+                      <a:schemeClr val="bg1"/>
+                    </a:solidFill>
+                  </a:tcPr>
+                </a:tc>
+                <a:extLst>
+                  <a:ext uri="{0D108BD9-81ED-4DB2-BD59-A6C34878D82A}">
+                    <a16:rowId xmlns:a16="http://schemas.microsoft.com/office/drawing/2014/main" val="1559691582"/>
+                  </a:ext>
+                </a:extLst>
+              </a:tr>
+              <a:tr h="332153">
+                <a:tc>
+                  <a:txBody>
+                    <a:bodyPr/>
+                    <a:lstStyle/>
+                    <a:p>
+                      <a:pPr algn="r"/>
+                      <a:r>
+                        <a:rPr kumimoji="1" lang="en-US" altLang="ja-JP" sz="900" b="0" dirty="0">
+                          <a:solidFill>
+                            <a:schemeClr val="tx1"/>
+                          </a:solidFill>
+                          <a:latin typeface="游ゴシック Medium" panose="020B0500000000000000" pitchFamily="50" charset="-128"/>
+                          <a:ea typeface="游ゴシック Medium" panose="020B0500000000000000" pitchFamily="50" charset="-128"/>
+                        </a:rPr>
+                        <a:t>6</a:t>
+                      </a:r>
+                      <a:endParaRPr kumimoji="1" lang="ja-JP" altLang="en-US" sz="900" b="0" dirty="0">
+                        <a:solidFill>
+                          <a:schemeClr val="tx1"/>
+                        </a:solidFill>
+                        <a:latin typeface="游ゴシック Medium" panose="020B0500000000000000" pitchFamily="50" charset="-128"/>
+                        <a:ea typeface="游ゴシック Medium" panose="020B0500000000000000" pitchFamily="50" charset="-128"/>
+                      </a:endParaRPr>
+                    </a:p>
+                  </a:txBody>
+                  <a:tcPr anchor="ctr">
+                    <a:lnL w="12700" cmpd="sng">
+                      <a:noFill/>
+                    </a:lnL>
+                    <a:lnR w="12700" cmpd="sng">
+                      <a:noFill/>
+                    </a:lnR>
+                    <a:lnT w="12700" cmpd="sng">
+                      <a:noFill/>
+                    </a:lnT>
+                    <a:lnB w="12700" cmpd="sng">
+                      <a:noFill/>
+                    </a:lnB>
+                    <a:lnTlToBr w="12700" cmpd="sng">
+                      <a:noFill/>
+                      <a:prstDash val="solid"/>
+                    </a:lnTlToBr>
+                    <a:lnBlToTr w="12700" cmpd="sng">
+                      <a:noFill/>
+                      <a:prstDash val="solid"/>
+                    </a:lnBlToTr>
+                    <a:solidFill>
+                      <a:schemeClr val="bg1"/>
+                    </a:solidFill>
+                  </a:tcPr>
+                </a:tc>
+                <a:extLst>
+                  <a:ext uri="{0D108BD9-81ED-4DB2-BD59-A6C34878D82A}">
+                    <a16:rowId xmlns:a16="http://schemas.microsoft.com/office/drawing/2014/main" val="3541498419"/>
+                  </a:ext>
+                </a:extLst>
+              </a:tr>
+              <a:tr h="332153">
+                <a:tc>
+                  <a:txBody>
+                    <a:bodyPr/>
+                    <a:lstStyle/>
+                    <a:p>
+                      <a:pPr algn="r"/>
+                      <a:r>
+                        <a:rPr kumimoji="1" lang="en-US" altLang="ja-JP" sz="900" b="0" dirty="0">
+                          <a:solidFill>
+                            <a:schemeClr val="tx1"/>
+                          </a:solidFill>
+                          <a:latin typeface="游ゴシック Medium" panose="020B0500000000000000" pitchFamily="50" charset="-128"/>
+                          <a:ea typeface="游ゴシック Medium" panose="020B0500000000000000" pitchFamily="50" charset="-128"/>
+                        </a:rPr>
+                        <a:t>4</a:t>
+                      </a:r>
+                      <a:endParaRPr kumimoji="1" lang="ja-JP" altLang="en-US" sz="900" b="0" dirty="0">
+                        <a:solidFill>
+                          <a:schemeClr val="tx1"/>
+                        </a:solidFill>
+                        <a:latin typeface="游ゴシック Medium" panose="020B0500000000000000" pitchFamily="50" charset="-128"/>
+                        <a:ea typeface="游ゴシック Medium" panose="020B0500000000000000" pitchFamily="50" charset="-128"/>
+                      </a:endParaRPr>
+                    </a:p>
+                  </a:txBody>
+                  <a:tcPr anchor="ctr">
+                    <a:lnL w="12700" cmpd="sng">
+                      <a:noFill/>
+                    </a:lnL>
+                    <a:lnR w="12700" cmpd="sng">
+                      <a:noFill/>
+                    </a:lnR>
+                    <a:lnT w="12700" cmpd="sng">
+                      <a:noFill/>
+                    </a:lnT>
+                    <a:lnB w="12700" cmpd="sng">
+                      <a:noFill/>
+                    </a:lnB>
+                    <a:lnTlToBr w="12700" cmpd="sng">
+                      <a:noFill/>
+                      <a:prstDash val="solid"/>
+                    </a:lnTlToBr>
+                    <a:lnBlToTr w="12700" cmpd="sng">
+                      <a:noFill/>
+                      <a:prstDash val="solid"/>
+                    </a:lnBlToTr>
+                    <a:solidFill>
+                      <a:schemeClr val="bg1"/>
+                    </a:solidFill>
+                  </a:tcPr>
+                </a:tc>
+                <a:extLst>
+                  <a:ext uri="{0D108BD9-81ED-4DB2-BD59-A6C34878D82A}">
+                    <a16:rowId xmlns:a16="http://schemas.microsoft.com/office/drawing/2014/main" val="2591471341"/>
+                  </a:ext>
+                </a:extLst>
+              </a:tr>
+              <a:tr h="332153">
+                <a:tc>
+                  <a:txBody>
+                    <a:bodyPr/>
+                    <a:lstStyle/>
+                    <a:p>
+                      <a:pPr algn="r"/>
+                      <a:r>
+                        <a:rPr kumimoji="1" lang="en-US" altLang="ja-JP" sz="900" b="0" dirty="0">
+                          <a:solidFill>
+                            <a:schemeClr val="tx1"/>
+                          </a:solidFill>
+                          <a:latin typeface="游ゴシック Medium" panose="020B0500000000000000" pitchFamily="50" charset="-128"/>
+                          <a:ea typeface="游ゴシック Medium" panose="020B0500000000000000" pitchFamily="50" charset="-128"/>
+                        </a:rPr>
+                        <a:t>2</a:t>
+                      </a:r>
+                      <a:endParaRPr kumimoji="1" lang="ja-JP" altLang="en-US" sz="900" b="0" dirty="0">
+                        <a:solidFill>
+                          <a:schemeClr val="tx1"/>
+                        </a:solidFill>
+                        <a:latin typeface="游ゴシック Medium" panose="020B0500000000000000" pitchFamily="50" charset="-128"/>
+                        <a:ea typeface="游ゴシック Medium" panose="020B0500000000000000" pitchFamily="50" charset="-128"/>
+                      </a:endParaRPr>
+                    </a:p>
+                  </a:txBody>
+                  <a:tcPr anchor="ctr">
+                    <a:lnL w="12700" cmpd="sng">
+                      <a:noFill/>
+                    </a:lnL>
+                    <a:lnR w="12700" cmpd="sng">
+                      <a:noFill/>
+                    </a:lnR>
+                    <a:lnT w="12700" cmpd="sng">
+                      <a:noFill/>
+                    </a:lnT>
+                    <a:lnB w="12700" cmpd="sng">
+                      <a:noFill/>
+                    </a:lnB>
+                    <a:lnTlToBr w="12700" cmpd="sng">
+                      <a:noFill/>
+                      <a:prstDash val="solid"/>
+                    </a:lnTlToBr>
+                    <a:lnBlToTr w="12700" cmpd="sng">
+                      <a:noFill/>
+                      <a:prstDash val="solid"/>
+                    </a:lnBlToTr>
+                    <a:solidFill>
+                      <a:schemeClr val="bg1"/>
+                    </a:solidFill>
+                  </a:tcPr>
+                </a:tc>
+                <a:extLst>
+                  <a:ext uri="{0D108BD9-81ED-4DB2-BD59-A6C34878D82A}">
+                    <a16:rowId xmlns:a16="http://schemas.microsoft.com/office/drawing/2014/main" val="2029625350"/>
+                  </a:ext>
+                </a:extLst>
+              </a:tr>
+              <a:tr h="332153">
+                <a:tc>
+                  <a:txBody>
+                    <a:bodyPr/>
+                    <a:lstStyle/>
+                    <a:p>
+                      <a:pPr algn="r"/>
+                      <a:r>
+                        <a:rPr kumimoji="1" lang="en-US" altLang="ja-JP" sz="900" b="0" dirty="0">
+                          <a:solidFill>
+                            <a:schemeClr val="tx1"/>
+                          </a:solidFill>
+                          <a:latin typeface="游ゴシック Medium" panose="020B0500000000000000" pitchFamily="50" charset="-128"/>
+                          <a:ea typeface="游ゴシック Medium" panose="020B0500000000000000" pitchFamily="50" charset="-128"/>
+                        </a:rPr>
+                        <a:t>0</a:t>
+                      </a:r>
+                      <a:endParaRPr kumimoji="1" lang="ja-JP" altLang="en-US" sz="900" b="0" dirty="0">
+                        <a:solidFill>
+                          <a:schemeClr val="tx1"/>
+                        </a:solidFill>
+                        <a:latin typeface="游ゴシック Medium" panose="020B0500000000000000" pitchFamily="50" charset="-128"/>
+                        <a:ea typeface="游ゴシック Medium" panose="020B0500000000000000" pitchFamily="50" charset="-128"/>
+                      </a:endParaRPr>
+                    </a:p>
+                  </a:txBody>
+                  <a:tcPr anchor="ctr">
+                    <a:lnL w="12700" cmpd="sng">
+                      <a:noFill/>
+                    </a:lnL>
+                    <a:lnR w="12700" cmpd="sng">
+                      <a:noFill/>
+                    </a:lnR>
+                    <a:lnT w="12700" cmpd="sng">
+                      <a:noFill/>
+                    </a:lnT>
+                    <a:lnB w="12700" cmpd="sng">
+                      <a:noFill/>
+                    </a:lnB>
+                    <a:lnTlToBr w="12700" cmpd="sng">
+                      <a:noFill/>
+                      <a:prstDash val="solid"/>
+                    </a:lnTlToBr>
+                    <a:lnBlToTr w="12700" cmpd="sng">
+                      <a:noFill/>
+                      <a:prstDash val="solid"/>
+                    </a:lnBlToTr>
+                    <a:solidFill>
+                      <a:schemeClr val="bg1"/>
+                    </a:solidFill>
+                  </a:tcPr>
+                </a:tc>
+                <a:extLst>
+                  <a:ext uri="{0D108BD9-81ED-4DB2-BD59-A6C34878D82A}">
+                    <a16:rowId xmlns:a16="http://schemas.microsoft.com/office/drawing/2014/main" val="98487204"/>
+                  </a:ext>
+                </a:extLst>
+              </a:tr>
+            </a:tbl>
+          </a:graphicData>
+        </a:graphic>
+      </p:graphicFrame>
+      <p:sp>
+        <p:nvSpPr>
+          <p:cNvPr id="48" name="テキスト ボックス 47">
+            <a:extLst>
+              <a:ext uri="{FF2B5EF4-FFF2-40B4-BE49-F238E27FC236}">
+                <a16:creationId xmlns:a16="http://schemas.microsoft.com/office/drawing/2014/main" id="{D92D97F3-C27E-4FDA-82F8-C4AC728CBEAE}"/>
+              </a:ext>
+            </a:extLst>
+          </p:cNvPr>
+          <p:cNvSpPr txBox="1"/>
+          <p:nvPr/>
+        </p:nvSpPr>
+        <p:spPr>
+          <a:xfrm>
+            <a:off x="836947" y="1427213"/>
+            <a:ext cx="413944" cy="246221"/>
+          </a:xfrm>
+          <a:prstGeom prst="rect">
+            <a:avLst/>
+          </a:prstGeom>
+          <a:noFill/>
+        </p:spPr>
+        <p:txBody>
+          <a:bodyPr wrap="square" rtlCol="0">
+            <a:spAutoFit/>
+          </a:bodyPr>
+          <a:lstStyle/>
+          <a:p>
+            <a:r>
+              <a:rPr lang="en-US" altLang="ja-JP" sz="1000" dirty="0">
+                <a:latin typeface="游ゴシック Medium" panose="020B0500000000000000" pitchFamily="50" charset="-128"/>
+                <a:ea typeface="游ゴシック Medium" panose="020B0500000000000000" pitchFamily="50" charset="-128"/>
+              </a:rPr>
+              <a:t>[</a:t>
+            </a:r>
+            <a:r>
+              <a:rPr lang="ja-JP" altLang="en-US" sz="1000" dirty="0">
+                <a:latin typeface="游ゴシック Medium" panose="020B0500000000000000" pitchFamily="50" charset="-128"/>
+                <a:ea typeface="游ゴシック Medium" panose="020B0500000000000000" pitchFamily="50" charset="-128"/>
+              </a:rPr>
+              <a:t>人</a:t>
+            </a:r>
+            <a:r>
+              <a:rPr lang="en-US" altLang="ja-JP" sz="1000" dirty="0">
+                <a:latin typeface="游ゴシック Medium" panose="020B0500000000000000" pitchFamily="50" charset="-128"/>
+                <a:ea typeface="游ゴシック Medium" panose="020B0500000000000000" pitchFamily="50" charset="-128"/>
+              </a:rPr>
+              <a:t>]</a:t>
+            </a:r>
+            <a:endParaRPr kumimoji="1" lang="ja-JP" altLang="en-US" sz="1000" dirty="0">
+              <a:latin typeface="游ゴシック Medium" panose="020B0500000000000000" pitchFamily="50" charset="-128"/>
+              <a:ea typeface="游ゴシック Medium" panose="020B0500000000000000" pitchFamily="50" charset="-128"/>
+            </a:endParaRPr>
+          </a:p>
+        </p:txBody>
+      </p:sp>
+    </p:spTree>
+    <p:extLst>
+      <p:ext uri="{BB962C8B-B14F-4D97-AF65-F5344CB8AC3E}">
+        <p14:creationId xmlns:p14="http://schemas.microsoft.com/office/powerpoint/2010/main" val="3917831503"/>
+      </p:ext>
+    </p:extLst>
+  </p:cSld>
+  <p:clrMapOvr>
+    <a:masterClrMapping/>
+  </p:clrMapOvr>
+</p:sld>
+</file>
+
+<file path=ppt/slides/slide5.xml><?xml version="1.0" encoding="utf-8"?>
+<p:sld xmlns:a="http://schemas.openxmlformats.org/drawingml/2006/main" xmlns:r="http://schemas.openxmlformats.org/officeDocument/2006/relationships" xmlns:p="http://schemas.openxmlformats.org/presentationml/2006/main">
+  <p:cSld>
+    <p:spTree>
+      <p:nvGrpSpPr>
+        <p:cNvPr id="1" name=""/>
+        <p:cNvGrpSpPr/>
+        <p:nvPr/>
+      </p:nvGrpSpPr>
+      <p:grpSpPr>
+        <a:xfrm>
+          <a:off x="0" y="0"/>
+          <a:ext cx="0" cy="0"/>
+          <a:chOff x="0" y="0"/>
+          <a:chExt cx="0" cy="0"/>
+        </a:xfrm>
+      </p:grpSpPr>
       <p:grpSp>
         <p:nvGrpSpPr>
           <p:cNvPr id="8" name="グループ化 7">
@@ -11752,7 +14524,7 @@
 </p:sld>
 </file>
 
-<file path=ppt/slides/slide5.xml><?xml version="1.0" encoding="utf-8"?>
+<file path=ppt/slides/slide6.xml><?xml version="1.0" encoding="utf-8"?>
 <p:sld xmlns:a="http://schemas.openxmlformats.org/drawingml/2006/main" xmlns:r="http://schemas.openxmlformats.org/officeDocument/2006/relationships" xmlns:p="http://schemas.openxmlformats.org/presentationml/2006/main">
   <p:cSld>
     <p:spTree>
@@ -11875,7 +14647,7 @@
 </p:sld>
 </file>
 
-<file path=ppt/slides/slide6.xml><?xml version="1.0" encoding="utf-8"?>
+<file path=ppt/slides/slide7.xml><?xml version="1.0" encoding="utf-8"?>
 <p:sld xmlns:a="http://schemas.openxmlformats.org/drawingml/2006/main" xmlns:r="http://schemas.openxmlformats.org/officeDocument/2006/relationships" xmlns:p="http://schemas.openxmlformats.org/presentationml/2006/main">
   <p:cSld>
     <p:spTree>
@@ -12097,7 +14869,7 @@
 </p:sld>
 </file>
 
-<file path=ppt/slides/slide7.xml><?xml version="1.0" encoding="utf-8"?>
+<file path=ppt/slides/slide8.xml><?xml version="1.0" encoding="utf-8"?>
 <p:sld xmlns:a="http://schemas.openxmlformats.org/drawingml/2006/main" xmlns:r="http://schemas.openxmlformats.org/officeDocument/2006/relationships" xmlns:p="http://schemas.openxmlformats.org/presentationml/2006/main">
   <p:cSld>
     <p:spTree>
@@ -12362,7 +15134,7 @@
 </p:sld>
 </file>
 
-<file path=ppt/slides/slide8.xml><?xml version="1.0" encoding="utf-8"?>
+<file path=ppt/slides/slide9.xml><?xml version="1.0" encoding="utf-8"?>
 <p:sld xmlns:a="http://schemas.openxmlformats.org/drawingml/2006/main" xmlns:r="http://schemas.openxmlformats.org/officeDocument/2006/relationships" xmlns:p="http://schemas.openxmlformats.org/presentationml/2006/main">
   <p:cSld>
     <p:spTree>
@@ -12465,598 +15237,6 @@
     <p:extLst>
       <p:ext uri="{BB962C8B-B14F-4D97-AF65-F5344CB8AC3E}">
         <p14:creationId xmlns:p14="http://schemas.microsoft.com/office/powerpoint/2010/main" val="1470164038"/>
-      </p:ext>
-    </p:extLst>
-  </p:cSld>
-  <p:clrMapOvr>
-    <a:masterClrMapping/>
-  </p:clrMapOvr>
-</p:sld>
-</file>
-
-<file path=ppt/slides/slide9.xml><?xml version="1.0" encoding="utf-8"?>
-<p:sld xmlns:a="http://schemas.openxmlformats.org/drawingml/2006/main" xmlns:r="http://schemas.openxmlformats.org/officeDocument/2006/relationships" xmlns:p="http://schemas.openxmlformats.org/presentationml/2006/main">
-  <p:cSld>
-    <p:spTree>
-      <p:nvGrpSpPr>
-        <p:cNvPr id="1" name=""/>
-        <p:cNvGrpSpPr/>
-        <p:nvPr/>
-      </p:nvGrpSpPr>
-      <p:grpSpPr>
-        <a:xfrm>
-          <a:off x="0" y="0"/>
-          <a:ext cx="0" cy="0"/>
-          <a:chOff x="0" y="0"/>
-          <a:chExt cx="0" cy="0"/>
-        </a:xfrm>
-      </p:grpSpPr>
-      <p:grpSp>
-        <p:nvGrpSpPr>
-          <p:cNvPr id="2" name="グループ化 1">
-            <a:extLst>
-              <a:ext uri="{FF2B5EF4-FFF2-40B4-BE49-F238E27FC236}">
-                <a16:creationId xmlns:a16="http://schemas.microsoft.com/office/drawing/2014/main" id="{8D909B7A-1136-421D-947C-A2040439C65B}"/>
-              </a:ext>
-            </a:extLst>
-          </p:cNvPr>
-          <p:cNvGrpSpPr/>
-          <p:nvPr/>
-        </p:nvGrpSpPr>
-        <p:grpSpPr>
-          <a:xfrm>
-            <a:off x="1584658" y="804675"/>
-            <a:ext cx="8467841" cy="4449747"/>
-            <a:chOff x="1584658" y="804675"/>
-            <a:chExt cx="8467841" cy="4449747"/>
-          </a:xfrm>
-        </p:grpSpPr>
-        <p:pic>
-          <p:nvPicPr>
-            <p:cNvPr id="14" name="図 13">
-              <a:extLst>
-                <a:ext uri="{FF2B5EF4-FFF2-40B4-BE49-F238E27FC236}">
-                  <a16:creationId xmlns:a16="http://schemas.microsoft.com/office/drawing/2014/main" id="{D0ED5C61-C965-4031-9EB4-FBC8A4C369F3}"/>
-                </a:ext>
-              </a:extLst>
-            </p:cNvPr>
-            <p:cNvPicPr>
-              <a:picLocks noChangeAspect="1"/>
-            </p:cNvPicPr>
-            <p:nvPr/>
-          </p:nvPicPr>
-          <p:blipFill rotWithShape="1">
-            <a:blip r:embed="rId2">
-              <a:extLst>
-                <a:ext uri="{28A0092B-C50C-407E-A947-70E740481C1C}">
-                  <a14:useLocalDpi xmlns:a14="http://schemas.microsoft.com/office/drawing/2010/main" val="0"/>
-                </a:ext>
-              </a:extLst>
-            </a:blip>
-            <a:srcRect l="22565" t="31783" r="22681" b="37318"/>
-            <a:stretch/>
-          </p:blipFill>
-          <p:spPr>
-            <a:xfrm>
-              <a:off x="3889923" y="1130956"/>
-              <a:ext cx="3857311" cy="3784912"/>
-            </a:xfrm>
-            <a:prstGeom prst="ellipse">
-              <a:avLst/>
-            </a:prstGeom>
-            <a:ln w="12700" cap="rnd">
-              <a:solidFill>
-                <a:schemeClr val="tx1"/>
-              </a:solidFill>
-            </a:ln>
-            <a:effectLst/>
-            <a:scene3d>
-              <a:camera prst="orthographicFront"/>
-              <a:lightRig rig="contrasting" dir="t">
-                <a:rot lat="0" lon="0" rev="3000000"/>
-              </a:lightRig>
-            </a:scene3d>
-            <a:sp3d contourW="7620">
-              <a:bevelT w="95250" h="31750"/>
-              <a:contourClr>
-                <a:srgbClr val="333333"/>
-              </a:contourClr>
-            </a:sp3d>
-          </p:spPr>
-        </p:pic>
-        <p:sp>
-          <p:nvSpPr>
-            <p:cNvPr id="6" name="テキスト ボックス 5">
-              <a:extLst>
-                <a:ext uri="{FF2B5EF4-FFF2-40B4-BE49-F238E27FC236}">
-                  <a16:creationId xmlns:a16="http://schemas.microsoft.com/office/drawing/2014/main" id="{C6EE7A89-2147-46E5-834F-850809C3360D}"/>
-                </a:ext>
-              </a:extLst>
-            </p:cNvPr>
-            <p:cNvSpPr txBox="1"/>
-            <p:nvPr/>
-          </p:nvSpPr>
-          <p:spPr>
-            <a:xfrm>
-              <a:off x="2337644" y="1967714"/>
-              <a:ext cx="1757260" cy="338554"/>
-            </a:xfrm>
-            <a:prstGeom prst="rect">
-              <a:avLst/>
-            </a:prstGeom>
-            <a:noFill/>
-          </p:spPr>
-          <p:txBody>
-            <a:bodyPr wrap="square" rtlCol="0">
-              <a:spAutoFit/>
-            </a:bodyPr>
-            <a:lstStyle/>
-            <a:p>
-              <a:pPr algn="r"/>
-              <a:r>
-                <a:rPr lang="ja-JP" altLang="en-US" sz="1600" dirty="0">
-                  <a:latin typeface="源真ゴシック等幅 Medium" panose="020B0409020203020207" pitchFamily="49" charset="-128"/>
-                  <a:ea typeface="源真ゴシック等幅 Medium" panose="020B0409020203020207" pitchFamily="49" charset="-128"/>
-                  <a:cs typeface="源真ゴシック等幅 Medium" panose="020B0409020203020207" pitchFamily="49" charset="-128"/>
-                </a:rPr>
-                <a:t>キーボード開閉</a:t>
-              </a:r>
-              <a:endParaRPr kumimoji="1" lang="ja-JP" altLang="en-US" sz="1600" dirty="0">
-                <a:latin typeface="源真ゴシック等幅 Medium" panose="020B0409020203020207" pitchFamily="49" charset="-128"/>
-                <a:ea typeface="源真ゴシック等幅 Medium" panose="020B0409020203020207" pitchFamily="49" charset="-128"/>
-                <a:cs typeface="源真ゴシック等幅 Medium" panose="020B0409020203020207" pitchFamily="49" charset="-128"/>
-              </a:endParaRPr>
-            </a:p>
-          </p:txBody>
-        </p:sp>
-        <p:sp>
-          <p:nvSpPr>
-            <p:cNvPr id="19" name="テキスト ボックス 18">
-              <a:extLst>
-                <a:ext uri="{FF2B5EF4-FFF2-40B4-BE49-F238E27FC236}">
-                  <a16:creationId xmlns:a16="http://schemas.microsoft.com/office/drawing/2014/main" id="{EC82D8BA-E862-40BB-9826-E1C26B7D2AE9}"/>
-                </a:ext>
-              </a:extLst>
-            </p:cNvPr>
-            <p:cNvSpPr txBox="1"/>
-            <p:nvPr/>
-          </p:nvSpPr>
-          <p:spPr>
-            <a:xfrm>
-              <a:off x="7549956" y="1967714"/>
-              <a:ext cx="638192" cy="338554"/>
-            </a:xfrm>
-            <a:prstGeom prst="rect">
-              <a:avLst/>
-            </a:prstGeom>
-            <a:noFill/>
-          </p:spPr>
-          <p:txBody>
-            <a:bodyPr wrap="square" rtlCol="0">
-              <a:spAutoFit/>
-            </a:bodyPr>
-            <a:lstStyle/>
-            <a:p>
-              <a:r>
-                <a:rPr lang="ja-JP" altLang="en-US" sz="1600" dirty="0">
-                  <a:latin typeface="源真ゴシック等幅 Medium" panose="020B0409020203020207" pitchFamily="49" charset="-128"/>
-                  <a:ea typeface="源真ゴシック等幅 Medium" panose="020B0409020203020207" pitchFamily="49" charset="-128"/>
-                  <a:cs typeface="源真ゴシック等幅 Medium" panose="020B0409020203020207" pitchFamily="49" charset="-128"/>
-                </a:rPr>
-                <a:t>削除</a:t>
-              </a:r>
-              <a:endParaRPr kumimoji="1" lang="ja-JP" altLang="en-US" sz="1600" dirty="0">
-                <a:latin typeface="源真ゴシック等幅 Medium" panose="020B0409020203020207" pitchFamily="49" charset="-128"/>
-                <a:ea typeface="源真ゴシック等幅 Medium" panose="020B0409020203020207" pitchFamily="49" charset="-128"/>
-                <a:cs typeface="源真ゴシック等幅 Medium" panose="020B0409020203020207" pitchFamily="49" charset="-128"/>
-              </a:endParaRPr>
-            </a:p>
-          </p:txBody>
-        </p:sp>
-        <p:sp>
-          <p:nvSpPr>
-            <p:cNvPr id="23" name="テキスト ボックス 22">
-              <a:extLst>
-                <a:ext uri="{FF2B5EF4-FFF2-40B4-BE49-F238E27FC236}">
-                  <a16:creationId xmlns:a16="http://schemas.microsoft.com/office/drawing/2014/main" id="{08D01FE0-BF2B-4F70-BB08-E818DCF5E584}"/>
-                </a:ext>
-              </a:extLst>
-            </p:cNvPr>
-            <p:cNvSpPr txBox="1"/>
-            <p:nvPr/>
-          </p:nvSpPr>
-          <p:spPr>
-            <a:xfrm>
-              <a:off x="1927859" y="2769068"/>
-              <a:ext cx="2105989" cy="338554"/>
-            </a:xfrm>
-            <a:prstGeom prst="rect">
-              <a:avLst/>
-            </a:prstGeom>
-            <a:noFill/>
-          </p:spPr>
-          <p:txBody>
-            <a:bodyPr wrap="square" rtlCol="0">
-              <a:spAutoFit/>
-            </a:bodyPr>
-            <a:lstStyle/>
-            <a:p>
-              <a:pPr algn="r"/>
-              <a:r>
-                <a:rPr lang="ja-JP" altLang="en-US" sz="1600" dirty="0">
-                  <a:latin typeface="源真ゴシック等幅 Medium" panose="020B0409020203020207" pitchFamily="49" charset="-128"/>
-                  <a:ea typeface="源真ゴシック等幅 Medium" panose="020B0409020203020207" pitchFamily="49" charset="-128"/>
-                  <a:cs typeface="源真ゴシック等幅 Medium" panose="020B0409020203020207" pitchFamily="49" charset="-128"/>
-                </a:rPr>
-                <a:t>カーソル移動（左）</a:t>
-              </a:r>
-              <a:endParaRPr lang="en-US" altLang="ja-JP" sz="1600" dirty="0">
-                <a:latin typeface="源真ゴシック等幅 Medium" panose="020B0409020203020207" pitchFamily="49" charset="-128"/>
-                <a:ea typeface="源真ゴシック等幅 Medium" panose="020B0409020203020207" pitchFamily="49" charset="-128"/>
-                <a:cs typeface="源真ゴシック等幅 Medium" panose="020B0409020203020207" pitchFamily="49" charset="-128"/>
-              </a:endParaRPr>
-            </a:p>
-          </p:txBody>
-        </p:sp>
-        <p:sp>
-          <p:nvSpPr>
-            <p:cNvPr id="24" name="テキスト ボックス 23">
-              <a:extLst>
-                <a:ext uri="{FF2B5EF4-FFF2-40B4-BE49-F238E27FC236}">
-                  <a16:creationId xmlns:a16="http://schemas.microsoft.com/office/drawing/2014/main" id="{E9C94DCC-D205-412B-BDEF-431E7324F463}"/>
-                </a:ext>
-              </a:extLst>
-            </p:cNvPr>
-            <p:cNvSpPr txBox="1"/>
-            <p:nvPr/>
-          </p:nvSpPr>
-          <p:spPr>
-            <a:xfrm>
-              <a:off x="7706688" y="2774338"/>
-              <a:ext cx="2014351" cy="338554"/>
-            </a:xfrm>
-            <a:prstGeom prst="rect">
-              <a:avLst/>
-            </a:prstGeom>
-            <a:noFill/>
-          </p:spPr>
-          <p:txBody>
-            <a:bodyPr wrap="square" rtlCol="0">
-              <a:spAutoFit/>
-            </a:bodyPr>
-            <a:lstStyle/>
-            <a:p>
-              <a:r>
-                <a:rPr lang="ja-JP" altLang="en-US" sz="1600" dirty="0">
-                  <a:latin typeface="源真ゴシック等幅 Medium" panose="020B0409020203020207" pitchFamily="49" charset="-128"/>
-                  <a:ea typeface="源真ゴシック等幅 Medium" panose="020B0409020203020207" pitchFamily="49" charset="-128"/>
-                  <a:cs typeface="源真ゴシック等幅 Medium" panose="020B0409020203020207" pitchFamily="49" charset="-128"/>
-                </a:rPr>
-                <a:t>カーソル移動（右）</a:t>
-              </a:r>
-              <a:endParaRPr lang="en-US" altLang="ja-JP" sz="1600" dirty="0">
-                <a:latin typeface="源真ゴシック等幅 Medium" panose="020B0409020203020207" pitchFamily="49" charset="-128"/>
-                <a:ea typeface="源真ゴシック等幅 Medium" panose="020B0409020203020207" pitchFamily="49" charset="-128"/>
-                <a:cs typeface="源真ゴシック等幅 Medium" panose="020B0409020203020207" pitchFamily="49" charset="-128"/>
-              </a:endParaRPr>
-            </a:p>
-          </p:txBody>
-        </p:sp>
-        <p:sp>
-          <p:nvSpPr>
-            <p:cNvPr id="25" name="テキスト ボックス 24">
-              <a:extLst>
-                <a:ext uri="{FF2B5EF4-FFF2-40B4-BE49-F238E27FC236}">
-                  <a16:creationId xmlns:a16="http://schemas.microsoft.com/office/drawing/2014/main" id="{76CF2C26-3A35-47FF-93E1-2F120660B46B}"/>
-                </a:ext>
-              </a:extLst>
-            </p:cNvPr>
-            <p:cNvSpPr txBox="1"/>
-            <p:nvPr/>
-          </p:nvSpPr>
-          <p:spPr>
-            <a:xfrm>
-              <a:off x="1584658" y="3532322"/>
-              <a:ext cx="2475014" cy="338554"/>
-            </a:xfrm>
-            <a:prstGeom prst="rect">
-              <a:avLst/>
-            </a:prstGeom>
-            <a:noFill/>
-          </p:spPr>
-          <p:txBody>
-            <a:bodyPr wrap="square" rtlCol="0">
-              <a:spAutoFit/>
-            </a:bodyPr>
-            <a:lstStyle/>
-            <a:p>
-              <a:pPr algn="r"/>
-              <a:r>
-                <a:rPr lang="ja-JP" altLang="en-US" sz="1600" dirty="0">
-                  <a:latin typeface="源真ゴシック等幅 Medium" panose="020B0409020203020207" pitchFamily="49" charset="-128"/>
-                  <a:ea typeface="源真ゴシック等幅 Medium" panose="020B0409020203020207" pitchFamily="49" charset="-128"/>
-                  <a:cs typeface="源真ゴシック等幅 Medium" panose="020B0409020203020207" pitchFamily="49" charset="-128"/>
-                </a:rPr>
-                <a:t>キートップ</a:t>
-              </a:r>
-              <a:r>
-                <a:rPr kumimoji="1" lang="ja-JP" altLang="en-US" sz="1600" dirty="0">
-                  <a:latin typeface="源真ゴシック等幅 Medium" panose="020B0409020203020207" pitchFamily="49" charset="-128"/>
-                  <a:ea typeface="源真ゴシック等幅 Medium" panose="020B0409020203020207" pitchFamily="49" charset="-128"/>
-                  <a:cs typeface="源真ゴシック等幅 Medium" panose="020B0409020203020207" pitchFamily="49" charset="-128"/>
-                </a:rPr>
-                <a:t>表示切り替え</a:t>
-              </a:r>
-            </a:p>
-          </p:txBody>
-        </p:sp>
-        <p:sp>
-          <p:nvSpPr>
-            <p:cNvPr id="26" name="テキスト ボックス 25">
-              <a:extLst>
-                <a:ext uri="{FF2B5EF4-FFF2-40B4-BE49-F238E27FC236}">
-                  <a16:creationId xmlns:a16="http://schemas.microsoft.com/office/drawing/2014/main" id="{B81F4999-18B0-4FAF-8C20-0A0D54917649}"/>
-                </a:ext>
-              </a:extLst>
-            </p:cNvPr>
-            <p:cNvSpPr txBox="1"/>
-            <p:nvPr/>
-          </p:nvSpPr>
-          <p:spPr>
-            <a:xfrm>
-              <a:off x="7600676" y="3532322"/>
-              <a:ext cx="1559366" cy="338554"/>
-            </a:xfrm>
-            <a:prstGeom prst="rect">
-              <a:avLst/>
-            </a:prstGeom>
-            <a:noFill/>
-          </p:spPr>
-          <p:txBody>
-            <a:bodyPr wrap="square" rtlCol="0">
-              <a:spAutoFit/>
-            </a:bodyPr>
-            <a:lstStyle/>
-            <a:p>
-              <a:r>
-                <a:rPr lang="ja-JP" altLang="en-US" sz="1600" dirty="0">
-                  <a:latin typeface="源真ゴシック等幅 Medium" panose="020B0409020203020207" pitchFamily="49" charset="-128"/>
-                  <a:ea typeface="源真ゴシック等幅 Medium" panose="020B0409020203020207" pitchFamily="49" charset="-128"/>
-                  <a:cs typeface="源真ゴシック等幅 Medium" panose="020B0409020203020207" pitchFamily="49" charset="-128"/>
-                </a:rPr>
-                <a:t>改行・完了</a:t>
-              </a:r>
-              <a:endParaRPr lang="en-US" altLang="ja-JP" sz="1600" dirty="0">
-                <a:latin typeface="源真ゴシック等幅 Medium" panose="020B0409020203020207" pitchFamily="49" charset="-128"/>
-                <a:ea typeface="源真ゴシック等幅 Medium" panose="020B0409020203020207" pitchFamily="49" charset="-128"/>
-                <a:cs typeface="源真ゴシック等幅 Medium" panose="020B0409020203020207" pitchFamily="49" charset="-128"/>
-              </a:endParaRPr>
-            </a:p>
-          </p:txBody>
-        </p:sp>
-        <p:sp>
-          <p:nvSpPr>
-            <p:cNvPr id="27" name="テキスト ボックス 26">
-              <a:extLst>
-                <a:ext uri="{FF2B5EF4-FFF2-40B4-BE49-F238E27FC236}">
-                  <a16:creationId xmlns:a16="http://schemas.microsoft.com/office/drawing/2014/main" id="{6E8CFB4D-380B-4751-AE77-0FA1BF56B666}"/>
-                </a:ext>
-              </a:extLst>
-            </p:cNvPr>
-            <p:cNvSpPr txBox="1"/>
-            <p:nvPr/>
-          </p:nvSpPr>
-          <p:spPr>
-            <a:xfrm>
-              <a:off x="4938298" y="4915868"/>
-              <a:ext cx="1757260" cy="338554"/>
-            </a:xfrm>
-            <a:prstGeom prst="rect">
-              <a:avLst/>
-            </a:prstGeom>
-            <a:noFill/>
-          </p:spPr>
-          <p:txBody>
-            <a:bodyPr wrap="square" rtlCol="0">
-              <a:spAutoFit/>
-            </a:bodyPr>
-            <a:lstStyle/>
-            <a:p>
-              <a:pPr algn="ctr"/>
-              <a:r>
-                <a:rPr lang="ja-JP" altLang="en-US" sz="1600" dirty="0">
-                  <a:latin typeface="源真ゴシック等幅 Medium" panose="020B0409020203020207" pitchFamily="49" charset="-128"/>
-                  <a:ea typeface="源真ゴシック等幅 Medium" panose="020B0409020203020207" pitchFamily="49" charset="-128"/>
-                  <a:cs typeface="源真ゴシック等幅 Medium" panose="020B0409020203020207" pitchFamily="49" charset="-128"/>
-                </a:rPr>
-                <a:t>スペース</a:t>
-              </a:r>
-              <a:endParaRPr kumimoji="1" lang="ja-JP" altLang="en-US" sz="1600" dirty="0">
-                <a:latin typeface="源真ゴシック等幅 Medium" panose="020B0409020203020207" pitchFamily="49" charset="-128"/>
-                <a:ea typeface="源真ゴシック等幅 Medium" panose="020B0409020203020207" pitchFamily="49" charset="-128"/>
-                <a:cs typeface="源真ゴシック等幅 Medium" panose="020B0409020203020207" pitchFamily="49" charset="-128"/>
-              </a:endParaRPr>
-            </a:p>
-          </p:txBody>
-        </p:sp>
-        <p:sp>
-          <p:nvSpPr>
-            <p:cNvPr id="28" name="テキスト ボックス 27">
-              <a:extLst>
-                <a:ext uri="{FF2B5EF4-FFF2-40B4-BE49-F238E27FC236}">
-                  <a16:creationId xmlns:a16="http://schemas.microsoft.com/office/drawing/2014/main" id="{CBBAEF31-E4C7-48A0-8E80-17A0E7B88E0E}"/>
-                </a:ext>
-              </a:extLst>
-            </p:cNvPr>
-            <p:cNvSpPr txBox="1"/>
-            <p:nvPr/>
-          </p:nvSpPr>
-          <p:spPr>
-            <a:xfrm>
-              <a:off x="6156295" y="804675"/>
-              <a:ext cx="1393661" cy="338554"/>
-            </a:xfrm>
-            <a:prstGeom prst="rect">
-              <a:avLst/>
-            </a:prstGeom>
-            <a:noFill/>
-          </p:spPr>
-          <p:txBody>
-            <a:bodyPr wrap="square" rtlCol="0">
-              <a:spAutoFit/>
-            </a:bodyPr>
-            <a:lstStyle/>
-            <a:p>
-              <a:pPr algn="ctr"/>
-              <a:r>
-                <a:rPr kumimoji="1" lang="ja-JP" altLang="en-US" sz="1600" dirty="0">
-                  <a:latin typeface="源真ゴシック等幅 Medium" panose="020B0409020203020207" pitchFamily="49" charset="-128"/>
-                  <a:ea typeface="源真ゴシック等幅 Medium" panose="020B0409020203020207" pitchFamily="49" charset="-128"/>
-                  <a:cs typeface="源真ゴシック等幅 Medium" panose="020B0409020203020207" pitchFamily="49" charset="-128"/>
-                </a:rPr>
-                <a:t>変換エリア</a:t>
-              </a:r>
-            </a:p>
-          </p:txBody>
-        </p:sp>
-        <p:sp>
-          <p:nvSpPr>
-            <p:cNvPr id="30" name="テキスト ボックス 29">
-              <a:extLst>
-                <a:ext uri="{FF2B5EF4-FFF2-40B4-BE49-F238E27FC236}">
-                  <a16:creationId xmlns:a16="http://schemas.microsoft.com/office/drawing/2014/main" id="{1BB5A3F8-F350-495C-A779-7814A4F84B74}"/>
-                </a:ext>
-              </a:extLst>
-            </p:cNvPr>
-            <p:cNvSpPr txBox="1"/>
-            <p:nvPr/>
-          </p:nvSpPr>
-          <p:spPr>
-            <a:xfrm>
-              <a:off x="6811301" y="4655741"/>
-              <a:ext cx="3241198" cy="338554"/>
-            </a:xfrm>
-            <a:prstGeom prst="rect">
-              <a:avLst/>
-            </a:prstGeom>
-            <a:noFill/>
-          </p:spPr>
-          <p:txBody>
-            <a:bodyPr wrap="square" rtlCol="0">
-              <a:spAutoFit/>
-            </a:bodyPr>
-            <a:lstStyle/>
-            <a:p>
-              <a:r>
-                <a:rPr lang="ja-JP" altLang="en-US" sz="1600" dirty="0">
-                  <a:latin typeface="源真ゴシック等幅 Medium" panose="020B0409020203020207" pitchFamily="49" charset="-128"/>
-                  <a:ea typeface="源真ゴシック等幅 Medium" panose="020B0409020203020207" pitchFamily="49" charset="-128"/>
-                  <a:cs typeface="源真ゴシック等幅 Medium" panose="020B0409020203020207" pitchFamily="49" charset="-128"/>
-                </a:rPr>
-                <a:t>フリック方向を示すポップアップ</a:t>
-              </a:r>
-              <a:endParaRPr lang="en-US" altLang="ja-JP" sz="1600" dirty="0">
-                <a:latin typeface="源真ゴシック等幅 Medium" panose="020B0409020203020207" pitchFamily="49" charset="-128"/>
-                <a:ea typeface="源真ゴシック等幅 Medium" panose="020B0409020203020207" pitchFamily="49" charset="-128"/>
-                <a:cs typeface="源真ゴシック等幅 Medium" panose="020B0409020203020207" pitchFamily="49" charset="-128"/>
-              </a:endParaRPr>
-            </a:p>
-          </p:txBody>
-        </p:sp>
-        <p:cxnSp>
-          <p:nvCxnSpPr>
-            <p:cNvPr id="32" name="直線コネクタ 31">
-              <a:extLst>
-                <a:ext uri="{FF2B5EF4-FFF2-40B4-BE49-F238E27FC236}">
-                  <a16:creationId xmlns:a16="http://schemas.microsoft.com/office/drawing/2014/main" id="{EA6E2B76-349A-4052-8D6C-19CBA3472AAA}"/>
-                </a:ext>
-              </a:extLst>
-            </p:cNvPr>
-            <p:cNvCxnSpPr>
-              <a:cxnSpLocks/>
-              <a:endCxn id="30" idx="1"/>
-            </p:cNvCxnSpPr>
-            <p:nvPr/>
-          </p:nvCxnSpPr>
-          <p:spPr>
-            <a:xfrm>
-              <a:off x="5826265" y="3686297"/>
-              <a:ext cx="985036" cy="1138721"/>
-            </a:xfrm>
-            <a:prstGeom prst="line">
-              <a:avLst/>
-            </a:prstGeom>
-            <a:ln w="31750" cap="rnd">
-              <a:solidFill>
-                <a:srgbClr val="FF0000"/>
-              </a:solidFill>
-              <a:round/>
-            </a:ln>
-          </p:spPr>
-          <p:style>
-            <a:lnRef idx="1">
-              <a:schemeClr val="accent1"/>
-            </a:lnRef>
-            <a:fillRef idx="0">
-              <a:schemeClr val="accent1"/>
-            </a:fillRef>
-            <a:effectRef idx="0">
-              <a:schemeClr val="accent1"/>
-            </a:effectRef>
-            <a:fontRef idx="minor">
-              <a:schemeClr val="tx1"/>
-            </a:fontRef>
-          </p:style>
-        </p:cxnSp>
-        <p:cxnSp>
-          <p:nvCxnSpPr>
-            <p:cNvPr id="47" name="直線コネクタ 46">
-              <a:extLst>
-                <a:ext uri="{FF2B5EF4-FFF2-40B4-BE49-F238E27FC236}">
-                  <a16:creationId xmlns:a16="http://schemas.microsoft.com/office/drawing/2014/main" id="{1FCF2E14-4C0B-49DF-A853-8F89FE623469}"/>
-                </a:ext>
-              </a:extLst>
-            </p:cNvPr>
-            <p:cNvCxnSpPr>
-              <a:cxnSpLocks/>
-            </p:cNvCxnSpPr>
-            <p:nvPr/>
-          </p:nvCxnSpPr>
-          <p:spPr>
-            <a:xfrm flipV="1">
-              <a:off x="6374505" y="1143229"/>
-              <a:ext cx="432695" cy="326282"/>
-            </a:xfrm>
-            <a:prstGeom prst="line">
-              <a:avLst/>
-            </a:prstGeom>
-            <a:ln w="31750" cap="rnd">
-              <a:solidFill>
-                <a:srgbClr val="FF0000"/>
-              </a:solidFill>
-              <a:round/>
-            </a:ln>
-          </p:spPr>
-          <p:style>
-            <a:lnRef idx="1">
-              <a:schemeClr val="accent1"/>
-            </a:lnRef>
-            <a:fillRef idx="0">
-              <a:schemeClr val="accent1"/>
-            </a:fillRef>
-            <a:effectRef idx="0">
-              <a:schemeClr val="accent1"/>
-            </a:effectRef>
-            <a:fontRef idx="minor">
-              <a:schemeClr val="tx1"/>
-            </a:fontRef>
-          </p:style>
-        </p:cxnSp>
-      </p:grpSp>
-    </p:spTree>
-    <p:extLst>
-      <p:ext uri="{BB962C8B-B14F-4D97-AF65-F5344CB8AC3E}">
-        <p14:creationId xmlns:p14="http://schemas.microsoft.com/office/powerpoint/2010/main" val="3744354016"/>
       </p:ext>
     </p:extLst>
   </p:cSld>

--- a/図とグラフ.pptx
+++ b/図とグラフ.pptx
@@ -3731,7 +3731,9 @@
     <c:showDLblsOverMax val="0"/>
   </c:chart>
   <c:spPr>
-    <a:noFill/>
+    <a:solidFill>
+      <a:schemeClr val="bg1"/>
+    </a:solidFill>
     <a:ln>
       <a:noFill/>
     </a:ln>
@@ -13375,7 +13377,7 @@
           <p:nvPr>
             <p:extLst>
               <p:ext uri="{D42A27DB-BD31-4B8C-83A1-F6EECF244321}">
-                <p14:modId xmlns:p14="http://schemas.microsoft.com/office/powerpoint/2010/main" val="3878079910"/>
+                <p14:modId xmlns:p14="http://schemas.microsoft.com/office/powerpoint/2010/main" val="1845074720"/>
               </p:ext>
             </p:extLst>
           </p:nvPr>

--- a/図とグラフ.pptx
+++ b/図とグラフ.pptx
@@ -3202,9 +3202,9 @@
           <c:layoutTarget val="inner"/>
           <c:xMode val="edge"/>
           <c:yMode val="edge"/>
-          <c:x val="9.7122703412073491E-2"/>
+          <c:x val="5.412532808398951E-2"/>
           <c:y val="0.22685185185185186"/>
-          <c:w val="0.87232174103237092"/>
+          <c:w val="0.94454396325459322"/>
           <c:h val="0.60078667249927098"/>
         </c:manualLayout>
       </c:layout>
@@ -3616,7 +3616,7 @@
         <c:delete val="1"/>
         <c:axPos val="b"/>
         <c:numFmt formatCode="General" sourceLinked="1"/>
-        <c:majorTickMark val="none"/>
+        <c:majorTickMark val="out"/>
         <c:minorTickMark val="none"/>
         <c:tickLblPos val="nextTo"/>
         <c:crossAx val="531022368"/>
@@ -3632,7 +3632,7 @@
         <c:scaling>
           <c:orientation val="minMax"/>
         </c:scaling>
-        <c:delete val="0"/>
+        <c:delete val="1"/>
         <c:axPos val="l"/>
         <c:majorGridlines>
           <c:spPr>
@@ -3649,33 +3649,9 @@
           </c:spPr>
         </c:majorGridlines>
         <c:numFmt formatCode="0%" sourceLinked="0"/>
-        <c:majorTickMark val="none"/>
+        <c:majorTickMark val="out"/>
         <c:minorTickMark val="none"/>
         <c:tickLblPos val="nextTo"/>
-        <c:spPr>
-          <a:noFill/>
-          <a:ln>
-            <a:noFill/>
-          </a:ln>
-          <a:effectLst/>
-        </c:spPr>
-        <c:txPr>
-          <a:bodyPr rot="-60000000" spcFirstLastPara="1" vertOverflow="ellipsis" vert="horz" wrap="square" anchor="ctr" anchorCtr="1"/>
-          <a:lstStyle/>
-          <a:p>
-            <a:pPr>
-              <a:defRPr sz="900" b="0" i="0" u="none" strike="noStrike" kern="1200" baseline="0">
-                <a:solidFill>
-                  <a:schemeClr val="tx1"/>
-                </a:solidFill>
-                <a:latin typeface="游ゴシック Medium" panose="020B0500000000000000" pitchFamily="50" charset="-128"/>
-                <a:ea typeface="游ゴシック Medium" panose="020B0500000000000000" pitchFamily="50" charset="-128"/>
-                <a:cs typeface="+mn-cs"/>
-              </a:defRPr>
-            </a:pPr>
-            <a:endParaRPr lang="ja-JP"/>
-          </a:p>
-        </c:txPr>
         <c:crossAx val="537169168"/>
         <c:crosses val="autoZero"/>
         <c:crossBetween val="between"/>
@@ -3694,10 +3670,10 @@
         <c:manualLayout>
           <c:xMode val="edge"/>
           <c:yMode val="edge"/>
-          <c:x val="9.166666666666666E-2"/>
+          <c:x val="5.2777777777777778E-2"/>
           <c:y val="5.2077865266841631E-3"/>
-          <c:w val="0.87777777777777788"/>
-          <c:h val="0.11689924176144649"/>
+          <c:w val="0.93333333333333335"/>
+          <c:h val="0.12126168398000355"/>
         </c:manualLayout>
       </c:layout>
       <c:overlay val="0"/>
@@ -3712,8 +3688,8 @@
         <a:bodyPr rot="0" spcFirstLastPara="1" vertOverflow="ellipsis" vert="horz" wrap="square" anchor="ctr" anchorCtr="1"/>
         <a:lstStyle/>
         <a:p>
-          <a:pPr>
-            <a:defRPr sz="900" b="0" i="0" u="none" strike="noStrike" kern="1200" baseline="0">
+          <a:pPr algn="just">
+            <a:defRPr sz="1000" b="0" i="0" u="none" strike="noStrike" kern="1200" baseline="0">
               <a:solidFill>
                 <a:schemeClr val="tx1"/>
               </a:solidFill>
@@ -7167,7 +7143,7 @@
           <a:p>
             <a:fld id="{E4504DB8-A61F-4FA2-B642-4D4FA648320B}" type="datetimeFigureOut">
               <a:rPr kumimoji="1" lang="ja-JP" altLang="en-US" smtClean="0"/>
-              <a:t>2019/2/24</a:t>
+              <a:t>2019/2/25</a:t>
             </a:fld>
             <a:endParaRPr kumimoji="1" lang="ja-JP" altLang="en-US"/>
           </a:p>
@@ -7397,7 +7373,7 @@
           <a:p>
             <a:fld id="{E4504DB8-A61F-4FA2-B642-4D4FA648320B}" type="datetimeFigureOut">
               <a:rPr kumimoji="1" lang="ja-JP" altLang="en-US" smtClean="0"/>
-              <a:t>2019/2/24</a:t>
+              <a:t>2019/2/25</a:t>
             </a:fld>
             <a:endParaRPr kumimoji="1" lang="ja-JP" altLang="en-US"/>
           </a:p>
@@ -7637,7 +7613,7 @@
           <a:p>
             <a:fld id="{E4504DB8-A61F-4FA2-B642-4D4FA648320B}" type="datetimeFigureOut">
               <a:rPr kumimoji="1" lang="ja-JP" altLang="en-US" smtClean="0"/>
-              <a:t>2019/2/24</a:t>
+              <a:t>2019/2/25</a:t>
             </a:fld>
             <a:endParaRPr kumimoji="1" lang="ja-JP" altLang="en-US"/>
           </a:p>
@@ -7867,7 +7843,7 @@
           <a:p>
             <a:fld id="{E4504DB8-A61F-4FA2-B642-4D4FA648320B}" type="datetimeFigureOut">
               <a:rPr kumimoji="1" lang="ja-JP" altLang="en-US" smtClean="0"/>
-              <a:t>2019/2/24</a:t>
+              <a:t>2019/2/25</a:t>
             </a:fld>
             <a:endParaRPr kumimoji="1" lang="ja-JP" altLang="en-US"/>
           </a:p>
@@ -8142,7 +8118,7 @@
           <a:p>
             <a:fld id="{E4504DB8-A61F-4FA2-B642-4D4FA648320B}" type="datetimeFigureOut">
               <a:rPr kumimoji="1" lang="ja-JP" altLang="en-US" smtClean="0"/>
-              <a:t>2019/2/24</a:t>
+              <a:t>2019/2/25</a:t>
             </a:fld>
             <a:endParaRPr kumimoji="1" lang="ja-JP" altLang="en-US"/>
           </a:p>
@@ -8471,7 +8447,7 @@
           <a:p>
             <a:fld id="{E4504DB8-A61F-4FA2-B642-4D4FA648320B}" type="datetimeFigureOut">
               <a:rPr kumimoji="1" lang="ja-JP" altLang="en-US" smtClean="0"/>
-              <a:t>2019/2/24</a:t>
+              <a:t>2019/2/25</a:t>
             </a:fld>
             <a:endParaRPr kumimoji="1" lang="ja-JP" altLang="en-US"/>
           </a:p>
@@ -8947,7 +8923,7 @@
           <a:p>
             <a:fld id="{E4504DB8-A61F-4FA2-B642-4D4FA648320B}" type="datetimeFigureOut">
               <a:rPr kumimoji="1" lang="ja-JP" altLang="en-US" smtClean="0"/>
-              <a:t>2019/2/24</a:t>
+              <a:t>2019/2/25</a:t>
             </a:fld>
             <a:endParaRPr kumimoji="1" lang="ja-JP" altLang="en-US"/>
           </a:p>
@@ -9088,7 +9064,7 @@
           <a:p>
             <a:fld id="{E4504DB8-A61F-4FA2-B642-4D4FA648320B}" type="datetimeFigureOut">
               <a:rPr kumimoji="1" lang="ja-JP" altLang="en-US" smtClean="0"/>
-              <a:t>2019/2/24</a:t>
+              <a:t>2019/2/25</a:t>
             </a:fld>
             <a:endParaRPr kumimoji="1" lang="ja-JP" altLang="en-US"/>
           </a:p>
@@ -9201,7 +9177,7 @@
           <a:p>
             <a:fld id="{E4504DB8-A61F-4FA2-B642-4D4FA648320B}" type="datetimeFigureOut">
               <a:rPr kumimoji="1" lang="ja-JP" altLang="en-US" smtClean="0"/>
-              <a:t>2019/2/24</a:t>
+              <a:t>2019/2/25</a:t>
             </a:fld>
             <a:endParaRPr kumimoji="1" lang="ja-JP" altLang="en-US"/>
           </a:p>
@@ -9544,7 +9520,7 @@
           <a:p>
             <a:fld id="{E4504DB8-A61F-4FA2-B642-4D4FA648320B}" type="datetimeFigureOut">
               <a:rPr kumimoji="1" lang="ja-JP" altLang="en-US" smtClean="0"/>
-              <a:t>2019/2/24</a:t>
+              <a:t>2019/2/25</a:t>
             </a:fld>
             <a:endParaRPr kumimoji="1" lang="ja-JP" altLang="en-US"/>
           </a:p>
@@ -9832,7 +9808,7 @@
           <a:p>
             <a:fld id="{E4504DB8-A61F-4FA2-B642-4D4FA648320B}" type="datetimeFigureOut">
               <a:rPr kumimoji="1" lang="ja-JP" altLang="en-US" smtClean="0"/>
-              <a:t>2019/2/24</a:t>
+              <a:t>2019/2/25</a:t>
             </a:fld>
             <a:endParaRPr kumimoji="1" lang="ja-JP" altLang="en-US"/>
           </a:p>
@@ -10105,7 +10081,7 @@
           <a:p>
             <a:fld id="{E4504DB8-A61F-4FA2-B642-4D4FA648320B}" type="datetimeFigureOut">
               <a:rPr kumimoji="1" lang="ja-JP" altLang="en-US" smtClean="0"/>
-              <a:t>2019/2/24</a:t>
+              <a:t>2019/2/25</a:t>
             </a:fld>
             <a:endParaRPr kumimoji="1" lang="ja-JP" altLang="en-US"/>
           </a:p>
@@ -13285,6 +13261,53 @@
           </p:sp>
         </p:grpSp>
       </p:grpSp>
+      <p:pic>
+        <p:nvPicPr>
+          <p:cNvPr id="14" name="Picture 4" descr="ãªãã«ã¼ãåãã¼ã¿ã®æ£ã°ã©ãã®ä¾">
+            <a:extLst>
+              <a:ext uri="{FF2B5EF4-FFF2-40B4-BE49-F238E27FC236}">
+                <a16:creationId xmlns:a16="http://schemas.microsoft.com/office/drawing/2014/main" id="{6EE569AD-147F-43E8-9F53-EFE7CD91FD7E}"/>
+              </a:ext>
+            </a:extLst>
+          </p:cNvPr>
+          <p:cNvPicPr>
+            <a:picLocks noChangeAspect="1" noChangeArrowheads="1"/>
+          </p:cNvPicPr>
+          <p:nvPr/>
+        </p:nvPicPr>
+        <p:blipFill>
+          <a:blip r:embed="rId3">
+            <a:extLst>
+              <a:ext uri="{28A0092B-C50C-407E-A947-70E740481C1C}">
+                <a14:useLocalDpi xmlns:a14="http://schemas.microsoft.com/office/drawing/2010/main" val="0"/>
+              </a:ext>
+            </a:extLst>
+          </a:blip>
+          <a:srcRect/>
+          <a:stretch>
+            <a:fillRect/>
+          </a:stretch>
+        </p:blipFill>
+        <p:spPr bwMode="auto">
+          <a:xfrm>
+            <a:off x="679646" y="3704799"/>
+            <a:ext cx="4572001" cy="1587096"/>
+          </a:xfrm>
+          <a:prstGeom prst="rect">
+            <a:avLst/>
+          </a:prstGeom>
+          <a:noFill/>
+          <a:extLst>
+            <a:ext uri="{909E8E84-426E-40DD-AFC4-6F175D3DCCD1}">
+              <a14:hiddenFill xmlns:a14="http://schemas.microsoft.com/office/drawing/2010/main">
+                <a:solidFill>
+                  <a:srgbClr val="FFFFFF"/>
+                </a:solidFill>
+              </a14:hiddenFill>
+            </a:ext>
+          </a:extLst>
+        </p:spPr>
+      </p:pic>
     </p:spTree>
     <p:extLst>
       <p:ext uri="{BB962C8B-B14F-4D97-AF65-F5344CB8AC3E}">
@@ -13315,53 +13338,6 @@
           <a:chExt cx="0" cy="0"/>
         </a:xfrm>
       </p:grpSpPr>
-      <p:pic>
-        <p:nvPicPr>
-          <p:cNvPr id="1028" name="Picture 4" descr="ãªãã«ã¼ãåãã¼ã¿ã®æ£ã°ã©ãã®ä¾">
-            <a:extLst>
-              <a:ext uri="{FF2B5EF4-FFF2-40B4-BE49-F238E27FC236}">
-                <a16:creationId xmlns:a16="http://schemas.microsoft.com/office/drawing/2014/main" id="{2B3846E0-0FCE-4CE9-B2EA-5856698882E2}"/>
-              </a:ext>
-            </a:extLst>
-          </p:cNvPr>
-          <p:cNvPicPr>
-            <a:picLocks noChangeAspect="1" noChangeArrowheads="1"/>
-          </p:cNvPicPr>
-          <p:nvPr/>
-        </p:nvPicPr>
-        <p:blipFill>
-          <a:blip r:embed="rId2">
-            <a:extLst>
-              <a:ext uri="{28A0092B-C50C-407E-A947-70E740481C1C}">
-                <a14:useLocalDpi xmlns:a14="http://schemas.microsoft.com/office/drawing/2010/main" val="0"/>
-              </a:ext>
-            </a:extLst>
-          </a:blip>
-          <a:srcRect/>
-          <a:stretch>
-            <a:fillRect/>
-          </a:stretch>
-        </p:blipFill>
-        <p:spPr bwMode="auto">
-          <a:xfrm>
-            <a:off x="6829592" y="3551051"/>
-            <a:ext cx="4572001" cy="1587096"/>
-          </a:xfrm>
-          <a:prstGeom prst="rect">
-            <a:avLst/>
-          </a:prstGeom>
-          <a:noFill/>
-          <a:extLst>
-            <a:ext uri="{909E8E84-426E-40DD-AFC4-6F175D3DCCD1}">
-              <a14:hiddenFill xmlns:a14="http://schemas.microsoft.com/office/drawing/2010/main">
-                <a:solidFill>
-                  <a:srgbClr val="FFFFFF"/>
-                </a:solidFill>
-              </a14:hiddenFill>
-            </a:ext>
-          </a:extLst>
-        </p:spPr>
-      </p:pic>
       <p:graphicFrame>
         <p:nvGraphicFramePr>
           <p:cNvPr id="24" name="グラフ 23">
@@ -13377,18 +13353,18 @@
           <p:nvPr>
             <p:extLst>
               <p:ext uri="{D42A27DB-BD31-4B8C-83A1-F6EECF244321}">
-                <p14:modId xmlns:p14="http://schemas.microsoft.com/office/powerpoint/2010/main" val="1845074720"/>
+                <p14:modId xmlns:p14="http://schemas.microsoft.com/office/powerpoint/2010/main" val="3858201740"/>
               </p:ext>
             </p:extLst>
           </p:nvPr>
         </p:nvGraphicFramePr>
         <p:xfrm>
-          <a:off x="755733" y="1087757"/>
-          <a:ext cx="4572000" cy="2743200"/>
+          <a:off x="877114" y="159327"/>
+          <a:ext cx="4572000" cy="2824701"/>
         </p:xfrm>
         <a:graphic>
           <a:graphicData uri="http://schemas.openxmlformats.org/drawingml/2006/chart">
-            <c:chart xmlns:c="http://schemas.openxmlformats.org/drawingml/2006/chart" xmlns:r="http://schemas.openxmlformats.org/officeDocument/2006/relationships" r:id="rId3"/>
+            <c:chart xmlns:c="http://schemas.openxmlformats.org/drawingml/2006/chart" xmlns:r="http://schemas.openxmlformats.org/officeDocument/2006/relationships" r:id="rId2"/>
           </a:graphicData>
         </a:graphic>
       </p:graphicFrame>
@@ -13406,7 +13382,7 @@
         </p:nvSpPr>
         <p:spPr>
           <a:xfrm>
-            <a:off x="1188754" y="3632255"/>
+            <a:off x="1164479" y="2785326"/>
             <a:ext cx="1356765" cy="261610"/>
           </a:xfrm>
           <a:prstGeom prst="rect">
@@ -13435,298 +13411,122 @@
           </a:p>
         </p:txBody>
       </p:sp>
-      <p:sp>
-        <p:nvSpPr>
-          <p:cNvPr id="28" name="左大かっこ 27">
+      <p:grpSp>
+        <p:nvGrpSpPr>
+          <p:cNvPr id="8" name="グループ化 7">
             <a:extLst>
               <a:ext uri="{FF2B5EF4-FFF2-40B4-BE49-F238E27FC236}">
-                <a16:creationId xmlns:a16="http://schemas.microsoft.com/office/drawing/2014/main" id="{88063D10-88C4-45EB-B9A5-95D376FAD3A2}"/>
+                <a16:creationId xmlns:a16="http://schemas.microsoft.com/office/drawing/2014/main" id="{004FDB15-D74C-4CE0-8B92-FD6104BA94B7}"/>
               </a:ext>
             </a:extLst>
           </p:cNvPr>
-          <p:cNvSpPr/>
+          <p:cNvGrpSpPr/>
           <p:nvPr/>
-        </p:nvSpPr>
-        <p:spPr>
-          <a:xfrm rot="5400000">
-            <a:off x="1829037" y="1461706"/>
-            <a:ext cx="76200" cy="332015"/>
+        </p:nvGrpSpPr>
+        <p:grpSpPr>
+          <a:xfrm>
+            <a:off x="1662282" y="486402"/>
+            <a:ext cx="358881" cy="276999"/>
+            <a:chOff x="1662282" y="486402"/>
+            <a:chExt cx="358881" cy="276999"/>
           </a:xfrm>
-          <a:prstGeom prst="leftBracket">
-            <a:avLst>
-              <a:gd name="adj" fmla="val 0"/>
-            </a:avLst>
-          </a:prstGeom>
-          <a:noFill/>
-          <a:ln w="9525">
-            <a:solidFill>
-              <a:srgbClr val="595959"/>
-            </a:solidFill>
-          </a:ln>
-        </p:spPr>
-        <p:style>
-          <a:lnRef idx="1">
-            <a:schemeClr val="accent1"/>
-          </a:lnRef>
-          <a:fillRef idx="0">
-            <a:schemeClr val="accent1"/>
-          </a:fillRef>
-          <a:effectRef idx="0">
-            <a:schemeClr val="accent1"/>
-          </a:effectRef>
-          <a:fontRef idx="minor">
-            <a:schemeClr val="tx1"/>
-          </a:fontRef>
-        </p:style>
-        <p:txBody>
-          <a:bodyPr rtlCol="0" anchor="ctr"/>
-          <a:lstStyle/>
-          <a:p>
-            <a:pPr algn="ctr"/>
-            <a:endParaRPr kumimoji="1" lang="ja-JP" altLang="en-US"/>
-          </a:p>
-        </p:txBody>
-      </p:sp>
-      <p:sp>
-        <p:nvSpPr>
-          <p:cNvPr id="35" name="テキスト ボックス 34">
-            <a:extLst>
-              <a:ext uri="{FF2B5EF4-FFF2-40B4-BE49-F238E27FC236}">
-                <a16:creationId xmlns:a16="http://schemas.microsoft.com/office/drawing/2014/main" id="{029678B9-3236-4BBB-85A6-AB0F94AF098F}"/>
-              </a:ext>
-            </a:extLst>
-          </p:cNvPr>
-          <p:cNvSpPr txBox="1"/>
-          <p:nvPr/>
-        </p:nvSpPr>
-        <p:spPr>
-          <a:xfrm>
-            <a:off x="1711732" y="1402601"/>
-            <a:ext cx="310810" cy="276999"/>
-          </a:xfrm>
-          <a:prstGeom prst="rect">
-            <a:avLst/>
-          </a:prstGeom>
-          <a:noFill/>
-        </p:spPr>
-        <p:txBody>
-          <a:bodyPr wrap="square" rtlCol="0" anchor="ctr">
-            <a:spAutoFit/>
-          </a:bodyPr>
-          <a:lstStyle/>
-          <a:p>
-            <a:pPr algn="ctr"/>
-            <a:r>
-              <a:rPr lang="en-US" altLang="ja-JP" sz="1200" dirty="0">
+        </p:grpSpPr>
+        <p:sp>
+          <p:nvSpPr>
+            <p:cNvPr id="28" name="左大かっこ 27">
+              <a:extLst>
+                <a:ext uri="{FF2B5EF4-FFF2-40B4-BE49-F238E27FC236}">
+                  <a16:creationId xmlns:a16="http://schemas.microsoft.com/office/drawing/2014/main" id="{88063D10-88C4-45EB-B9A5-95D376FAD3A2}"/>
+                </a:ext>
+              </a:extLst>
+            </p:cNvPr>
+            <p:cNvSpPr/>
+            <p:nvPr/>
+          </p:nvSpPr>
+          <p:spPr>
+            <a:xfrm rot="5400000">
+              <a:off x="1805197" y="533648"/>
+              <a:ext cx="76200" cy="355733"/>
+            </a:xfrm>
+            <a:prstGeom prst="leftBracket">
+              <a:avLst>
+                <a:gd name="adj" fmla="val 0"/>
+              </a:avLst>
+            </a:prstGeom>
+            <a:noFill/>
+            <a:ln w="9525">
+              <a:solidFill>
+                <a:srgbClr val="595959"/>
+              </a:solidFill>
+            </a:ln>
+          </p:spPr>
+          <p:style>
+            <a:lnRef idx="1">
+              <a:schemeClr val="accent1"/>
+            </a:lnRef>
+            <a:fillRef idx="0">
+              <a:schemeClr val="accent1"/>
+            </a:fillRef>
+            <a:effectRef idx="0">
+              <a:schemeClr val="accent1"/>
+            </a:effectRef>
+            <a:fontRef idx="minor">
+              <a:schemeClr val="tx1"/>
+            </a:fontRef>
+          </p:style>
+          <p:txBody>
+            <a:bodyPr rtlCol="0" anchor="ctr"/>
+            <a:lstStyle/>
+            <a:p>
+              <a:pPr algn="ctr"/>
+              <a:endParaRPr kumimoji="1" lang="ja-JP" altLang="en-US"/>
+            </a:p>
+          </p:txBody>
+        </p:sp>
+        <p:sp>
+          <p:nvSpPr>
+            <p:cNvPr id="35" name="テキスト ボックス 34">
+              <a:extLst>
+                <a:ext uri="{FF2B5EF4-FFF2-40B4-BE49-F238E27FC236}">
+                  <a16:creationId xmlns:a16="http://schemas.microsoft.com/office/drawing/2014/main" id="{029678B9-3236-4BBB-85A6-AB0F94AF098F}"/>
+                </a:ext>
+              </a:extLst>
+            </p:cNvPr>
+            <p:cNvSpPr txBox="1"/>
+            <p:nvPr/>
+          </p:nvSpPr>
+          <p:spPr>
+            <a:xfrm>
+              <a:off x="1662282" y="486402"/>
+              <a:ext cx="355733" cy="276999"/>
+            </a:xfrm>
+            <a:prstGeom prst="rect">
+              <a:avLst/>
+            </a:prstGeom>
+            <a:noFill/>
+          </p:spPr>
+          <p:txBody>
+            <a:bodyPr wrap="square" rtlCol="0" anchor="ctr">
+              <a:spAutoFit/>
+            </a:bodyPr>
+            <a:lstStyle/>
+            <a:p>
+              <a:pPr algn="ctr"/>
+              <a:r>
+                <a:rPr lang="en-US" altLang="ja-JP" sz="1200" dirty="0">
+                  <a:latin typeface="游ゴシック Medium" panose="020B0500000000000000" pitchFamily="50" charset="-128"/>
+                  <a:ea typeface="游ゴシック Medium" panose="020B0500000000000000" pitchFamily="50" charset="-128"/>
+                </a:rPr>
+                <a:t>*</a:t>
+              </a:r>
+              <a:endParaRPr lang="ja-JP" altLang="en-US" sz="1200" dirty="0">
                 <a:latin typeface="游ゴシック Medium" panose="020B0500000000000000" pitchFamily="50" charset="-128"/>
                 <a:ea typeface="游ゴシック Medium" panose="020B0500000000000000" pitchFamily="50" charset="-128"/>
-              </a:rPr>
-              <a:t>*</a:t>
-            </a:r>
-            <a:endParaRPr lang="ja-JP" altLang="en-US" sz="1200" dirty="0">
-              <a:latin typeface="游ゴシック Medium" panose="020B0500000000000000" pitchFamily="50" charset="-128"/>
-              <a:ea typeface="游ゴシック Medium" panose="020B0500000000000000" pitchFamily="50" charset="-128"/>
-            </a:endParaRPr>
-          </a:p>
-        </p:txBody>
-      </p:sp>
-      <p:sp>
-        <p:nvSpPr>
-          <p:cNvPr id="37" name="左大かっこ 36">
-            <a:extLst>
-              <a:ext uri="{FF2B5EF4-FFF2-40B4-BE49-F238E27FC236}">
-                <a16:creationId xmlns:a16="http://schemas.microsoft.com/office/drawing/2014/main" id="{29F783FE-CFF0-4055-B829-5979BEAB70A7}"/>
-              </a:ext>
-            </a:extLst>
-          </p:cNvPr>
-          <p:cNvSpPr/>
-          <p:nvPr/>
-        </p:nvSpPr>
-        <p:spPr>
-          <a:xfrm rot="5400000">
-            <a:off x="3159038" y="1461706"/>
-            <a:ext cx="76200" cy="332015"/>
-          </a:xfrm>
-          <a:prstGeom prst="leftBracket">
-            <a:avLst>
-              <a:gd name="adj" fmla="val 0"/>
-            </a:avLst>
-          </a:prstGeom>
-          <a:noFill/>
-          <a:ln w="9525">
-            <a:solidFill>
-              <a:srgbClr val="595959"/>
-            </a:solidFill>
-          </a:ln>
-        </p:spPr>
-        <p:style>
-          <a:lnRef idx="1">
-            <a:schemeClr val="accent1"/>
-          </a:lnRef>
-          <a:fillRef idx="0">
-            <a:schemeClr val="accent1"/>
-          </a:fillRef>
-          <a:effectRef idx="0">
-            <a:schemeClr val="accent1"/>
-          </a:effectRef>
-          <a:fontRef idx="minor">
-            <a:schemeClr val="tx1"/>
-          </a:fontRef>
-        </p:style>
-        <p:txBody>
-          <a:bodyPr rtlCol="0" anchor="ctr"/>
-          <a:lstStyle/>
-          <a:p>
-            <a:pPr algn="ctr"/>
-            <a:endParaRPr kumimoji="1" lang="ja-JP" altLang="en-US"/>
-          </a:p>
-        </p:txBody>
-      </p:sp>
-      <p:sp>
-        <p:nvSpPr>
-          <p:cNvPr id="38" name="テキスト ボックス 37">
-            <a:extLst>
-              <a:ext uri="{FF2B5EF4-FFF2-40B4-BE49-F238E27FC236}">
-                <a16:creationId xmlns:a16="http://schemas.microsoft.com/office/drawing/2014/main" id="{1EF9E06B-3710-494F-BECE-56434F2CBCC8}"/>
-              </a:ext>
-            </a:extLst>
-          </p:cNvPr>
-          <p:cNvSpPr txBox="1"/>
-          <p:nvPr/>
-        </p:nvSpPr>
-        <p:spPr>
-          <a:xfrm>
-            <a:off x="2995246" y="1402601"/>
-            <a:ext cx="413944" cy="276999"/>
-          </a:xfrm>
-          <a:prstGeom prst="rect">
-            <a:avLst/>
-          </a:prstGeom>
-          <a:noFill/>
-        </p:spPr>
-        <p:txBody>
-          <a:bodyPr wrap="square" rtlCol="0" anchor="ctr">
-            <a:spAutoFit/>
-          </a:bodyPr>
-          <a:lstStyle/>
-          <a:p>
-            <a:pPr algn="ctr"/>
-            <a:r>
-              <a:rPr lang="en-US" altLang="ja-JP" sz="1200" dirty="0">
-                <a:latin typeface="游ゴシック Medium" panose="020B0500000000000000" pitchFamily="50" charset="-128"/>
-                <a:ea typeface="游ゴシック Medium" panose="020B0500000000000000" pitchFamily="50" charset="-128"/>
-              </a:rPr>
-              <a:t>**</a:t>
-            </a:r>
-            <a:endParaRPr lang="ja-JP" altLang="en-US" sz="1200" dirty="0">
-              <a:latin typeface="游ゴシック Medium" panose="020B0500000000000000" pitchFamily="50" charset="-128"/>
-              <a:ea typeface="游ゴシック Medium" panose="020B0500000000000000" pitchFamily="50" charset="-128"/>
-            </a:endParaRPr>
-          </a:p>
-        </p:txBody>
-      </p:sp>
-      <p:sp>
-        <p:nvSpPr>
-          <p:cNvPr id="40" name="左大かっこ 39">
-            <a:extLst>
-              <a:ext uri="{FF2B5EF4-FFF2-40B4-BE49-F238E27FC236}">
-                <a16:creationId xmlns:a16="http://schemas.microsoft.com/office/drawing/2014/main" id="{3BB7FB7A-B322-484B-B68E-B0806C721F88}"/>
-              </a:ext>
-            </a:extLst>
-          </p:cNvPr>
-          <p:cNvSpPr/>
-          <p:nvPr/>
-        </p:nvSpPr>
-        <p:spPr>
-          <a:xfrm rot="5400000">
-            <a:off x="4488597" y="1461706"/>
-            <a:ext cx="76200" cy="332015"/>
-          </a:xfrm>
-          <a:prstGeom prst="leftBracket">
-            <a:avLst>
-              <a:gd name="adj" fmla="val 0"/>
-            </a:avLst>
-          </a:prstGeom>
-          <a:noFill/>
-          <a:ln w="9525">
-            <a:solidFill>
-              <a:srgbClr val="595959"/>
-            </a:solidFill>
-          </a:ln>
-        </p:spPr>
-        <p:style>
-          <a:lnRef idx="1">
-            <a:schemeClr val="accent1"/>
-          </a:lnRef>
-          <a:fillRef idx="0">
-            <a:schemeClr val="accent1"/>
-          </a:fillRef>
-          <a:effectRef idx="0">
-            <a:schemeClr val="accent1"/>
-          </a:effectRef>
-          <a:fontRef idx="minor">
-            <a:schemeClr val="tx1"/>
-          </a:fontRef>
-        </p:style>
-        <p:txBody>
-          <a:bodyPr rtlCol="0" anchor="ctr"/>
-          <a:lstStyle/>
-          <a:p>
-            <a:pPr algn="ctr"/>
-            <a:endParaRPr kumimoji="1" lang="ja-JP" altLang="en-US"/>
-          </a:p>
-        </p:txBody>
-      </p:sp>
-      <p:sp>
-        <p:nvSpPr>
-          <p:cNvPr id="41" name="テキスト ボックス 40">
-            <a:extLst>
-              <a:ext uri="{FF2B5EF4-FFF2-40B4-BE49-F238E27FC236}">
-                <a16:creationId xmlns:a16="http://schemas.microsoft.com/office/drawing/2014/main" id="{8EE722DE-4660-49BC-A6BA-54C8023657E0}"/>
-              </a:ext>
-            </a:extLst>
-          </p:cNvPr>
-          <p:cNvSpPr txBox="1"/>
-          <p:nvPr/>
-        </p:nvSpPr>
-        <p:spPr>
-          <a:xfrm>
-            <a:off x="4314738" y="1366867"/>
-            <a:ext cx="423917" cy="246221"/>
-          </a:xfrm>
-          <a:prstGeom prst="rect">
-            <a:avLst/>
-          </a:prstGeom>
-          <a:noFill/>
-        </p:spPr>
-        <p:txBody>
-          <a:bodyPr wrap="square" rtlCol="0" anchor="ctr">
-            <a:spAutoFit/>
-          </a:bodyPr>
-          <a:lstStyle/>
-          <a:p>
-            <a:pPr algn="ctr"/>
-            <a:r>
-              <a:rPr lang="en-US" altLang="ja-JP" sz="1000" dirty="0" err="1">
-                <a:latin typeface="游ゴシック Medium" panose="020B0500000000000000" pitchFamily="50" charset="-128"/>
-                <a:ea typeface="游ゴシック Medium" panose="020B0500000000000000" pitchFamily="50" charset="-128"/>
-              </a:rPr>
-              <a:t>n.s</a:t>
-            </a:r>
-            <a:r>
-              <a:rPr lang="en-US" altLang="ja-JP" sz="1000" dirty="0">
-                <a:latin typeface="游ゴシック Medium" panose="020B0500000000000000" pitchFamily="50" charset="-128"/>
-                <a:ea typeface="游ゴシック Medium" panose="020B0500000000000000" pitchFamily="50" charset="-128"/>
-              </a:rPr>
-              <a:t>.</a:t>
-            </a:r>
-            <a:endParaRPr lang="ja-JP" altLang="en-US" sz="1000" dirty="0">
-              <a:latin typeface="游ゴシック Medium" panose="020B0500000000000000" pitchFamily="50" charset="-128"/>
-              <a:ea typeface="游ゴシック Medium" panose="020B0500000000000000" pitchFamily="50" charset="-128"/>
-            </a:endParaRPr>
-          </a:p>
-        </p:txBody>
-      </p:sp>
+              </a:endParaRPr>
+            </a:p>
+          </p:txBody>
+        </p:sp>
+      </p:grpSp>
       <p:sp>
         <p:nvSpPr>
           <p:cNvPr id="42" name="テキスト ボックス 41">
@@ -13741,8 +13541,8 @@
         </p:nvSpPr>
         <p:spPr>
           <a:xfrm>
-            <a:off x="1248012" y="3389343"/>
-            <a:ext cx="1238250" cy="230832"/>
+            <a:off x="1138964" y="2542414"/>
+            <a:ext cx="1401979" cy="246221"/>
           </a:xfrm>
           <a:prstGeom prst="rect">
             <a:avLst/>
@@ -13757,13 +13557,13 @@
           <a:p>
             <a:pPr algn="ctr"/>
             <a:r>
-              <a:rPr lang="ja-JP" altLang="en-US" sz="900" dirty="0">
+              <a:rPr lang="ja-JP" altLang="en-US" sz="1000" dirty="0">
                 <a:latin typeface="游ゴシック Medium" panose="020B0500000000000000" pitchFamily="50" charset="-128"/>
                 <a:ea typeface="游ゴシック Medium" panose="020B0500000000000000" pitchFamily="50" charset="-128"/>
               </a:rPr>
               <a:t>既存手法  提案手法</a:t>
             </a:r>
-            <a:endParaRPr kumimoji="1" lang="ja-JP" altLang="en-US" sz="900" dirty="0">
+            <a:endParaRPr kumimoji="1" lang="ja-JP" altLang="en-US" sz="1000" dirty="0">
               <a:latin typeface="游ゴシック Medium" panose="020B0500000000000000" pitchFamily="50" charset="-128"/>
               <a:ea typeface="游ゴシック Medium" panose="020B0500000000000000" pitchFamily="50" charset="-128"/>
             </a:endParaRPr>
@@ -13784,7 +13584,7 @@
         </p:nvSpPr>
         <p:spPr>
           <a:xfrm>
-            <a:off x="2281310" y="3632255"/>
+            <a:off x="2370323" y="2785326"/>
             <a:ext cx="1828800" cy="261610"/>
           </a:xfrm>
           <a:prstGeom prst="rect">
@@ -13823,8 +13623,8 @@
         </p:nvSpPr>
         <p:spPr>
           <a:xfrm>
-            <a:off x="2583620" y="3389343"/>
-            <a:ext cx="1238250" cy="230832"/>
+            <a:off x="2580238" y="2542414"/>
+            <a:ext cx="1403753" cy="246221"/>
           </a:xfrm>
           <a:prstGeom prst="rect">
             <a:avLst/>
@@ -13839,13 +13639,13 @@
           <a:p>
             <a:pPr algn="ctr"/>
             <a:r>
-              <a:rPr lang="ja-JP" altLang="en-US" sz="900" dirty="0">
+              <a:rPr lang="ja-JP" altLang="en-US" sz="1000" dirty="0">
                 <a:latin typeface="游ゴシック Medium" panose="020B0500000000000000" pitchFamily="50" charset="-128"/>
                 <a:ea typeface="游ゴシック Medium" panose="020B0500000000000000" pitchFamily="50" charset="-128"/>
               </a:rPr>
               <a:t>既存手法  提案手法</a:t>
             </a:r>
-            <a:endParaRPr kumimoji="1" lang="ja-JP" altLang="en-US" sz="900" dirty="0">
+            <a:endParaRPr kumimoji="1" lang="ja-JP" altLang="en-US" sz="1000" dirty="0">
               <a:latin typeface="游ゴシック Medium" panose="020B0500000000000000" pitchFamily="50" charset="-128"/>
               <a:ea typeface="游ゴシック Medium" panose="020B0500000000000000" pitchFamily="50" charset="-128"/>
             </a:endParaRPr>
@@ -13866,7 +13666,7 @@
         </p:nvSpPr>
         <p:spPr>
           <a:xfrm>
-            <a:off x="3848830" y="3632255"/>
+            <a:off x="4043039" y="2785326"/>
             <a:ext cx="1356765" cy="261610"/>
           </a:xfrm>
           <a:prstGeom prst="rect">
@@ -13905,8 +13705,8 @@
         </p:nvSpPr>
         <p:spPr>
           <a:xfrm>
-            <a:off x="3908088" y="3389343"/>
-            <a:ext cx="1238250" cy="230832"/>
+            <a:off x="4041957" y="2542414"/>
+            <a:ext cx="1360933" cy="246221"/>
           </a:xfrm>
           <a:prstGeom prst="rect">
             <a:avLst/>
@@ -13921,13 +13721,13 @@
           <a:p>
             <a:pPr algn="ctr"/>
             <a:r>
-              <a:rPr lang="ja-JP" altLang="en-US" sz="900" dirty="0">
+              <a:rPr lang="ja-JP" altLang="en-US" sz="1000" dirty="0">
                 <a:latin typeface="游ゴシック Medium" panose="020B0500000000000000" pitchFamily="50" charset="-128"/>
                 <a:ea typeface="游ゴシック Medium" panose="020B0500000000000000" pitchFamily="50" charset="-128"/>
               </a:rPr>
               <a:t>既存手法  提案手法</a:t>
             </a:r>
-            <a:endParaRPr kumimoji="1" lang="ja-JP" altLang="en-US" sz="900" dirty="0">
+            <a:endParaRPr kumimoji="1" lang="ja-JP" altLang="en-US" sz="1000" dirty="0">
               <a:latin typeface="游ゴシック Medium" panose="020B0500000000000000" pitchFamily="50" charset="-128"/>
               <a:ea typeface="游ゴシック Medium" panose="020B0500000000000000" pitchFamily="50" charset="-128"/>
             </a:endParaRPr>
@@ -13949,14 +13749,14 @@
           <p:nvPr>
             <p:extLst>
               <p:ext uri="{D42A27DB-BD31-4B8C-83A1-F6EECF244321}">
-                <p14:modId xmlns:p14="http://schemas.microsoft.com/office/powerpoint/2010/main" val="3297602545"/>
+                <p14:modId xmlns:p14="http://schemas.microsoft.com/office/powerpoint/2010/main" val="1909519135"/>
               </p:ext>
             </p:extLst>
           </p:nvPr>
         </p:nvGraphicFramePr>
         <p:xfrm>
-          <a:off x="790407" y="1558133"/>
-          <a:ext cx="398347" cy="1992918"/>
+          <a:off x="903211" y="630382"/>
+          <a:ext cx="148754" cy="2059890"/>
         </p:xfrm>
         <a:graphic>
           <a:graphicData uri="http://schemas.openxmlformats.org/drawingml/2006/table">
@@ -13965,7 +13765,7 @@
                 <a:tableStyleId>{5C22544A-7EE6-4342-B048-85BDC9FD1C3A}</a:tableStyleId>
               </a:tblPr>
               <a:tblGrid>
-                <a:gridCol w="398347">
+                <a:gridCol w="148754">
                   <a:extLst>
                     <a:ext uri="{9D8B030D-6E8A-4147-A177-3AD203B41FA5}">
                       <a16:colId xmlns:a16="http://schemas.microsoft.com/office/drawing/2014/main" val="4245838373"/>
@@ -13973,7 +13773,7 @@
                   </a:extLst>
                 </a:gridCol>
               </a:tblGrid>
-              <a:tr h="332153">
+              <a:tr h="343315">
                 <a:tc>
                   <a:txBody>
                     <a:bodyPr/>
@@ -13992,7 +13792,7 @@
                       </a:r>
                     </a:p>
                   </a:txBody>
-                  <a:tcPr anchor="ctr">
+                  <a:tcPr marL="0" marR="0" marT="0" marB="0" anchor="ctr">
                     <a:lnL w="12700" cmpd="sng">
                       <a:noFill/>
                     </a:lnL>
@@ -14024,7 +13824,7 @@
                   </a:ext>
                 </a:extLst>
               </a:tr>
-              <a:tr h="332153">
+              <a:tr h="343315">
                 <a:tc>
                   <a:txBody>
                     <a:bodyPr/>
@@ -14050,7 +13850,7 @@
                       </a:endParaRPr>
                     </a:p>
                   </a:txBody>
-                  <a:tcPr anchor="ctr">
+                  <a:tcPr marL="0" marR="0" marT="0" marB="0" anchor="ctr">
                     <a:lnL w="12700" cmpd="sng">
                       <a:noFill/>
                     </a:lnL>
@@ -14082,7 +13882,7 @@
                   </a:ext>
                 </a:extLst>
               </a:tr>
-              <a:tr h="332153">
+              <a:tr h="343315">
                 <a:tc>
                   <a:txBody>
                     <a:bodyPr/>
@@ -14108,7 +13908,7 @@
                       </a:endParaRPr>
                     </a:p>
                   </a:txBody>
-                  <a:tcPr anchor="ctr">
+                  <a:tcPr marL="0" marR="0" marT="0" marB="0" anchor="ctr">
                     <a:lnL w="12700" cmpd="sng">
                       <a:noFill/>
                     </a:lnL>
@@ -14140,7 +13940,7 @@
                   </a:ext>
                 </a:extLst>
               </a:tr>
-              <a:tr h="332153">
+              <a:tr h="343315">
                 <a:tc>
                   <a:txBody>
                     <a:bodyPr/>
@@ -14166,7 +13966,7 @@
                       </a:endParaRPr>
                     </a:p>
                   </a:txBody>
-                  <a:tcPr anchor="ctr">
+                  <a:tcPr marL="0" marR="0" marT="0" marB="0" anchor="ctr">
                     <a:lnL w="12700" cmpd="sng">
                       <a:noFill/>
                     </a:lnL>
@@ -14198,7 +13998,7 @@
                   </a:ext>
                 </a:extLst>
               </a:tr>
-              <a:tr h="332153">
+              <a:tr h="343315">
                 <a:tc>
                   <a:txBody>
                     <a:bodyPr/>
@@ -14224,7 +14024,7 @@
                       </a:endParaRPr>
                     </a:p>
                   </a:txBody>
-                  <a:tcPr anchor="ctr">
+                  <a:tcPr marL="0" marR="0" marT="0" marB="0" anchor="ctr">
                     <a:lnL w="12700" cmpd="sng">
                       <a:noFill/>
                     </a:lnL>
@@ -14256,7 +14056,7 @@
                   </a:ext>
                 </a:extLst>
               </a:tr>
-              <a:tr h="332153">
+              <a:tr h="343315">
                 <a:tc>
                   <a:txBody>
                     <a:bodyPr/>
@@ -14282,7 +14082,7 @@
                       </a:endParaRPr>
                     </a:p>
                   </a:txBody>
-                  <a:tcPr anchor="ctr">
+                  <a:tcPr marL="0" marR="0" marT="0" marB="0" anchor="ctr">
                     <a:lnL w="12700" cmpd="sng">
                       <a:noFill/>
                     </a:lnL>
@@ -14332,7 +14132,7 @@
         </p:nvSpPr>
         <p:spPr>
           <a:xfrm>
-            <a:off x="836947" y="1427213"/>
+            <a:off x="806017" y="485593"/>
             <a:ext cx="413944" cy="246221"/>
           </a:xfrm>
           <a:prstGeom prst="rect">
@@ -14374,6 +14174,245 @@
           </a:p>
         </p:txBody>
       </p:sp>
+      <p:grpSp>
+        <p:nvGrpSpPr>
+          <p:cNvPr id="7" name="グループ化 6">
+            <a:extLst>
+              <a:ext uri="{FF2B5EF4-FFF2-40B4-BE49-F238E27FC236}">
+                <a16:creationId xmlns:a16="http://schemas.microsoft.com/office/drawing/2014/main" id="{477CFE3B-90AD-4B1B-857F-8F5F2C496AEC}"/>
+              </a:ext>
+            </a:extLst>
+          </p:cNvPr>
+          <p:cNvGrpSpPr/>
+          <p:nvPr/>
+        </p:nvGrpSpPr>
+        <p:grpSpPr>
+          <a:xfrm>
+            <a:off x="3102937" y="486402"/>
+            <a:ext cx="355734" cy="276999"/>
+            <a:chOff x="3102937" y="486402"/>
+            <a:chExt cx="355734" cy="276999"/>
+          </a:xfrm>
+        </p:grpSpPr>
+        <p:sp>
+          <p:nvSpPr>
+            <p:cNvPr id="38" name="テキスト ボックス 37">
+              <a:extLst>
+                <a:ext uri="{FF2B5EF4-FFF2-40B4-BE49-F238E27FC236}">
+                  <a16:creationId xmlns:a16="http://schemas.microsoft.com/office/drawing/2014/main" id="{1EF9E06B-3710-494F-BECE-56434F2CBCC8}"/>
+                </a:ext>
+              </a:extLst>
+            </p:cNvPr>
+            <p:cNvSpPr txBox="1"/>
+            <p:nvPr/>
+          </p:nvSpPr>
+          <p:spPr>
+            <a:xfrm>
+              <a:off x="3102937" y="486402"/>
+              <a:ext cx="355734" cy="276999"/>
+            </a:xfrm>
+            <a:prstGeom prst="rect">
+              <a:avLst/>
+            </a:prstGeom>
+            <a:noFill/>
+          </p:spPr>
+          <p:txBody>
+            <a:bodyPr wrap="square" rtlCol="0" anchor="ctr">
+              <a:spAutoFit/>
+            </a:bodyPr>
+            <a:lstStyle/>
+            <a:p>
+              <a:pPr algn="ctr"/>
+              <a:r>
+                <a:rPr lang="en-US" altLang="ja-JP" sz="1200" dirty="0">
+                  <a:latin typeface="游ゴシック Medium" panose="020B0500000000000000" pitchFamily="50" charset="-128"/>
+                  <a:ea typeface="游ゴシック Medium" panose="020B0500000000000000" pitchFamily="50" charset="-128"/>
+                </a:rPr>
+                <a:t>**</a:t>
+              </a:r>
+              <a:endParaRPr lang="ja-JP" altLang="en-US" sz="1200" dirty="0">
+                <a:latin typeface="游ゴシック Medium" panose="020B0500000000000000" pitchFamily="50" charset="-128"/>
+                <a:ea typeface="游ゴシック Medium" panose="020B0500000000000000" pitchFamily="50" charset="-128"/>
+              </a:endParaRPr>
+            </a:p>
+          </p:txBody>
+        </p:sp>
+        <p:sp>
+          <p:nvSpPr>
+            <p:cNvPr id="22" name="左大かっこ 21">
+              <a:extLst>
+                <a:ext uri="{FF2B5EF4-FFF2-40B4-BE49-F238E27FC236}">
+                  <a16:creationId xmlns:a16="http://schemas.microsoft.com/office/drawing/2014/main" id="{A9BA45F1-0A58-4BF2-AD9C-D5EA542D25C6}"/>
+                </a:ext>
+              </a:extLst>
+            </p:cNvPr>
+            <p:cNvSpPr/>
+            <p:nvPr/>
+          </p:nvSpPr>
+          <p:spPr>
+            <a:xfrm rot="5400000">
+              <a:off x="3242705" y="533648"/>
+              <a:ext cx="76200" cy="355733"/>
+            </a:xfrm>
+            <a:prstGeom prst="leftBracket">
+              <a:avLst>
+                <a:gd name="adj" fmla="val 0"/>
+              </a:avLst>
+            </a:prstGeom>
+            <a:noFill/>
+            <a:ln w="9525">
+              <a:solidFill>
+                <a:srgbClr val="595959"/>
+              </a:solidFill>
+            </a:ln>
+          </p:spPr>
+          <p:style>
+            <a:lnRef idx="1">
+              <a:schemeClr val="accent1"/>
+            </a:lnRef>
+            <a:fillRef idx="0">
+              <a:schemeClr val="accent1"/>
+            </a:fillRef>
+            <a:effectRef idx="0">
+              <a:schemeClr val="accent1"/>
+            </a:effectRef>
+            <a:fontRef idx="minor">
+              <a:schemeClr val="tx1"/>
+            </a:fontRef>
+          </p:style>
+          <p:txBody>
+            <a:bodyPr rtlCol="0" anchor="ctr"/>
+            <a:lstStyle/>
+            <a:p>
+              <a:pPr algn="ctr"/>
+              <a:endParaRPr kumimoji="1" lang="ja-JP" altLang="en-US"/>
+            </a:p>
+          </p:txBody>
+        </p:sp>
+      </p:grpSp>
+      <p:grpSp>
+        <p:nvGrpSpPr>
+          <p:cNvPr id="6" name="グループ化 5">
+            <a:extLst>
+              <a:ext uri="{FF2B5EF4-FFF2-40B4-BE49-F238E27FC236}">
+                <a16:creationId xmlns:a16="http://schemas.microsoft.com/office/drawing/2014/main" id="{F54B37E1-8118-4048-8F4F-7281727AD6CA}"/>
+              </a:ext>
+            </a:extLst>
+          </p:cNvPr>
+          <p:cNvGrpSpPr/>
+          <p:nvPr/>
+        </p:nvGrpSpPr>
+        <p:grpSpPr>
+          <a:xfrm>
+            <a:off x="4401238" y="450668"/>
+            <a:ext cx="646243" cy="298946"/>
+            <a:chOff x="4401238" y="450668"/>
+            <a:chExt cx="646243" cy="298946"/>
+          </a:xfrm>
+        </p:grpSpPr>
+        <p:sp>
+          <p:nvSpPr>
+            <p:cNvPr id="41" name="テキスト ボックス 40">
+              <a:extLst>
+                <a:ext uri="{FF2B5EF4-FFF2-40B4-BE49-F238E27FC236}">
+                  <a16:creationId xmlns:a16="http://schemas.microsoft.com/office/drawing/2014/main" id="{8EE722DE-4660-49BC-A6BA-54C8023657E0}"/>
+                </a:ext>
+              </a:extLst>
+            </p:cNvPr>
+            <p:cNvSpPr txBox="1"/>
+            <p:nvPr/>
+          </p:nvSpPr>
+          <p:spPr>
+            <a:xfrm>
+              <a:off x="4401238" y="450668"/>
+              <a:ext cx="646243" cy="246221"/>
+            </a:xfrm>
+            <a:prstGeom prst="rect">
+              <a:avLst/>
+            </a:prstGeom>
+            <a:noFill/>
+          </p:spPr>
+          <p:txBody>
+            <a:bodyPr wrap="square" rtlCol="0" anchor="ctr">
+              <a:spAutoFit/>
+            </a:bodyPr>
+            <a:lstStyle/>
+            <a:p>
+              <a:pPr algn="ctr"/>
+              <a:r>
+                <a:rPr lang="en-US" altLang="ja-JP" sz="1000" dirty="0" err="1">
+                  <a:latin typeface="游ゴシック Medium" panose="020B0500000000000000" pitchFamily="50" charset="-128"/>
+                  <a:ea typeface="游ゴシック Medium" panose="020B0500000000000000" pitchFamily="50" charset="-128"/>
+                </a:rPr>
+                <a:t>n.s</a:t>
+              </a:r>
+              <a:r>
+                <a:rPr lang="en-US" altLang="ja-JP" sz="1000" dirty="0">
+                  <a:latin typeface="游ゴシック Medium" panose="020B0500000000000000" pitchFamily="50" charset="-128"/>
+                  <a:ea typeface="游ゴシック Medium" panose="020B0500000000000000" pitchFamily="50" charset="-128"/>
+                </a:rPr>
+                <a:t>.</a:t>
+              </a:r>
+              <a:endParaRPr lang="ja-JP" altLang="en-US" sz="1000" dirty="0">
+                <a:latin typeface="游ゴシック Medium" panose="020B0500000000000000" pitchFamily="50" charset="-128"/>
+                <a:ea typeface="游ゴシック Medium" panose="020B0500000000000000" pitchFamily="50" charset="-128"/>
+              </a:endParaRPr>
+            </a:p>
+          </p:txBody>
+        </p:sp>
+        <p:sp>
+          <p:nvSpPr>
+            <p:cNvPr id="27" name="左大かっこ 26">
+              <a:extLst>
+                <a:ext uri="{FF2B5EF4-FFF2-40B4-BE49-F238E27FC236}">
+                  <a16:creationId xmlns:a16="http://schemas.microsoft.com/office/drawing/2014/main" id="{3423A423-B5A1-42A7-8ED9-266C3A96D8F4}"/>
+                </a:ext>
+              </a:extLst>
+            </p:cNvPr>
+            <p:cNvSpPr/>
+            <p:nvPr/>
+          </p:nvSpPr>
+          <p:spPr>
+            <a:xfrm rot="5400000">
+              <a:off x="4683360" y="533647"/>
+              <a:ext cx="76200" cy="355733"/>
+            </a:xfrm>
+            <a:prstGeom prst="leftBracket">
+              <a:avLst>
+                <a:gd name="adj" fmla="val 0"/>
+              </a:avLst>
+            </a:prstGeom>
+            <a:noFill/>
+            <a:ln w="9525">
+              <a:solidFill>
+                <a:srgbClr val="595959"/>
+              </a:solidFill>
+            </a:ln>
+          </p:spPr>
+          <p:style>
+            <a:lnRef idx="1">
+              <a:schemeClr val="accent1"/>
+            </a:lnRef>
+            <a:fillRef idx="0">
+              <a:schemeClr val="accent1"/>
+            </a:fillRef>
+            <a:effectRef idx="0">
+              <a:schemeClr val="accent1"/>
+            </a:effectRef>
+            <a:fontRef idx="minor">
+              <a:schemeClr val="tx1"/>
+            </a:fontRef>
+          </p:style>
+          <p:txBody>
+            <a:bodyPr rtlCol="0" anchor="ctr"/>
+            <a:lstStyle/>
+            <a:p>
+              <a:pPr algn="ctr"/>
+              <a:endParaRPr kumimoji="1" lang="ja-JP" altLang="en-US"/>
+            </a:p>
+          </p:txBody>
+        </p:sp>
+      </p:grpSp>
     </p:spTree>
     <p:extLst>
       <p:ext uri="{BB962C8B-B14F-4D97-AF65-F5344CB8AC3E}">
